--- a/report.pptx
+++ b/report.pptx
@@ -5,24 +5,26 @@
     <p:sldMasterId id="2147483660" r:id="rId1"/>
   </p:sldMasterIdLst>
   <p:notesMasterIdLst>
-    <p:notesMasterId r:id="rId14"/>
+    <p:notesMasterId r:id="rId16"/>
   </p:notesMasterIdLst>
   <p:handoutMasterIdLst>
-    <p:handoutMasterId r:id="rId15"/>
+    <p:handoutMasterId r:id="rId17"/>
   </p:handoutMasterIdLst>
   <p:sldIdLst>
     <p:sldId id="264" r:id="rId2"/>
     <p:sldId id="276" r:id="rId3"/>
     <p:sldId id="282" r:id="rId4"/>
-    <p:sldId id="281" r:id="rId5"/>
-    <p:sldId id="278" r:id="rId6"/>
-    <p:sldId id="279" r:id="rId7"/>
-    <p:sldId id="266" r:id="rId8"/>
-    <p:sldId id="268" r:id="rId9"/>
-    <p:sldId id="269" r:id="rId10"/>
-    <p:sldId id="270" r:id="rId11"/>
-    <p:sldId id="280" r:id="rId12"/>
-    <p:sldId id="274" r:id="rId13"/>
+    <p:sldId id="283" r:id="rId5"/>
+    <p:sldId id="284" r:id="rId6"/>
+    <p:sldId id="281" r:id="rId7"/>
+    <p:sldId id="278" r:id="rId8"/>
+    <p:sldId id="279" r:id="rId9"/>
+    <p:sldId id="266" r:id="rId10"/>
+    <p:sldId id="268" r:id="rId11"/>
+    <p:sldId id="269" r:id="rId12"/>
+    <p:sldId id="270" r:id="rId13"/>
+    <p:sldId id="280" r:id="rId14"/>
+    <p:sldId id="274" r:id="rId15"/>
   </p:sldIdLst>
   <p:sldSz cx="12188825" cy="6858000"/>
   <p:notesSz cx="6858000" cy="9144000"/>
@@ -4094,7 +4096,7 @@
                   <a:schemeClr val="tx2"/>
                 </a:solidFill>
               </a:rPr>
-              <a:t>11/13/2019</a:t>
+              <a:t>11/14/2019</a:t>
             </a:fld>
             <a:endParaRPr>
               <a:solidFill>
@@ -4284,7 +4286,7 @@
             <a:fld id="{F95CF31C-F757-429C-A789-86504F04C3BE}" type="datetimeFigureOut">
               <a:rPr lang="en-US"/>
               <a:pPr/>
-              <a:t>11/13/2019</a:t>
+              <a:t>11/14/2019</a:t>
             </a:fld>
             <a:endParaRPr/>
           </a:p>
@@ -4626,7 +4628,7 @@
             <a:fld id="{B8796F01-7154-41E0-B48B-A6921757531A}" type="slidenum">
               <a:rPr lang="en-US" smtClean="0"/>
               <a:pPr/>
-              <a:t>7</a:t>
+              <a:t>9</a:t>
             </a:fld>
             <a:endParaRPr lang="en-US"/>
           </a:p>
@@ -4969,7 +4971,7 @@
           <a:p>
             <a:fld id="{7AECB6C2-1084-4AED-A74A-DF028B0094EA}" type="datetimeFigureOut">
               <a:rPr lang="en-US"/>
-              <a:t>11/13/2019</a:t>
+              <a:t>11/14/2019</a:t>
             </a:fld>
             <a:endParaRPr/>
           </a:p>
@@ -5161,7 +5163,7 @@
           <a:p>
             <a:fld id="{7AECB6C2-1084-4AED-A74A-DF028B0094EA}" type="datetimeFigureOut">
               <a:rPr lang="en-US"/>
-              <a:t>11/13/2019</a:t>
+              <a:t>11/14/2019</a:t>
             </a:fld>
             <a:endParaRPr/>
           </a:p>
@@ -5359,7 +5361,7 @@
           <a:p>
             <a:fld id="{8B5A30F4-0B4E-4E4B-BC36-C30CD13F4E17}" type="datetimeFigureOut">
               <a:rPr lang="en-US"/>
-              <a:t>11/13/2019</a:t>
+              <a:t>11/14/2019</a:t>
             </a:fld>
             <a:endParaRPr dirty="0"/>
           </a:p>
@@ -5876,7 +5878,7 @@
           <a:p>
             <a:fld id="{2DD204D1-F9BD-4643-8480-6EA41EB484F1}" type="datetimeFigureOut">
               <a:rPr lang="en-US"/>
-              <a:t>11/13/2019</a:t>
+              <a:t>11/14/2019</a:t>
             </a:fld>
             <a:endParaRPr/>
           </a:p>
@@ -6324,7 +6326,7 @@
           <a:p>
             <a:fld id="{2DD204D1-F9BD-4643-8480-6EA41EB484F1}" type="datetimeFigureOut">
               <a:rPr lang="en-US"/>
-              <a:t>11/13/2019</a:t>
+              <a:t>11/14/2019</a:t>
             </a:fld>
             <a:endParaRPr/>
           </a:p>
@@ -6454,7 +6456,7 @@
           <a:p>
             <a:fld id="{2DD204D1-F9BD-4643-8480-6EA41EB484F1}" type="datetimeFigureOut">
               <a:rPr lang="en-US"/>
-              <a:t>11/13/2019</a:t>
+              <a:t>11/14/2019</a:t>
             </a:fld>
             <a:endParaRPr/>
           </a:p>
@@ -6561,7 +6563,7 @@
           <a:p>
             <a:fld id="{2DD204D1-F9BD-4643-8480-6EA41EB484F1}" type="datetimeFigureOut">
               <a:rPr lang="en-US"/>
-              <a:t>11/13/2019</a:t>
+              <a:t>11/14/2019</a:t>
             </a:fld>
             <a:endParaRPr/>
           </a:p>
@@ -6918,7 +6920,7 @@
           <a:p>
             <a:fld id="{126BF754-515F-40B9-8D24-D54D5825B3D0}" type="datetimeFigureOut">
               <a:rPr lang="en-US"/>
-              <a:t>11/13/2019</a:t>
+              <a:t>11/14/2019</a:t>
             </a:fld>
             <a:endParaRPr/>
           </a:p>
@@ -7255,7 +7257,7 @@
           <a:p>
             <a:fld id="{126BF754-515F-40B9-8D24-D54D5825B3D0}" type="datetimeFigureOut">
               <a:rPr lang="en-US"/>
-              <a:t>11/13/2019</a:t>
+              <a:t>11/14/2019</a:t>
             </a:fld>
             <a:endParaRPr/>
           </a:p>
@@ -7550,7 +7552,7 @@
             <a:fld id="{2DD204D1-F9BD-4643-8480-6EA41EB484F1}" type="datetimeFigureOut">
               <a:rPr lang="en-US" smtClean="0"/>
               <a:pPr/>
-              <a:t>11/13/2019</a:t>
+              <a:t>11/14/2019</a:t>
             </a:fld>
             <a:endParaRPr lang="en-US"/>
           </a:p>
@@ -8162,10 +8164,108 @@
           <a:chExt cx="0" cy="0"/>
         </a:xfrm>
       </p:grpSpPr>
+      <p:sp>
+        <p:nvSpPr>
+          <p:cNvPr id="2" name="Title 1"/>
+          <p:cNvSpPr>
+            <a:spLocks noGrp="1"/>
+          </p:cNvSpPr>
+          <p:nvPr>
+            <p:ph type="title"/>
+          </p:nvPr>
+        </p:nvSpPr>
+        <p:spPr/>
+        <p:txBody>
+          <a:bodyPr/>
+          <a:lstStyle/>
+          <a:p>
+            <a:r>
+              <a:rPr lang="en-US" dirty="0"/>
+              <a:t>Add a Slide Title - 2</a:t>
+            </a:r>
+          </a:p>
+        </p:txBody>
+      </p:sp>
+      <p:sp>
+        <p:nvSpPr>
+          <p:cNvPr id="5" name="Text Placeholder 4"/>
+          <p:cNvSpPr>
+            <a:spLocks noGrp="1"/>
+          </p:cNvSpPr>
+          <p:nvPr>
+            <p:ph type="body" idx="1"/>
+          </p:nvPr>
+        </p:nvSpPr>
+        <p:spPr/>
+        <p:txBody>
+          <a:bodyPr/>
+          <a:lstStyle/>
+          <a:p>
+            <a:endParaRPr lang="en-US" dirty="0"/>
+          </a:p>
+        </p:txBody>
+      </p:sp>
+      <p:sp>
+        <p:nvSpPr>
+          <p:cNvPr id="3" name="Content Placeholder 2"/>
+          <p:cNvSpPr>
+            <a:spLocks noGrp="1"/>
+          </p:cNvSpPr>
+          <p:nvPr>
+            <p:ph sz="half" idx="2"/>
+          </p:nvPr>
+        </p:nvSpPr>
+        <p:spPr/>
+        <p:txBody>
+          <a:bodyPr/>
+          <a:lstStyle/>
+          <a:p>
+            <a:endParaRPr lang="en-US" dirty="0"/>
+          </a:p>
+        </p:txBody>
+      </p:sp>
+      <p:sp>
+        <p:nvSpPr>
+          <p:cNvPr id="6" name="Text Placeholder 5"/>
+          <p:cNvSpPr>
+            <a:spLocks noGrp="1"/>
+          </p:cNvSpPr>
+          <p:nvPr>
+            <p:ph type="body" sz="quarter" idx="3"/>
+          </p:nvPr>
+        </p:nvSpPr>
+        <p:spPr/>
+        <p:txBody>
+          <a:bodyPr/>
+          <a:lstStyle/>
+          <a:p>
+            <a:endParaRPr lang="en-US" dirty="0"/>
+          </a:p>
+        </p:txBody>
+      </p:sp>
+      <p:sp>
+        <p:nvSpPr>
+          <p:cNvPr id="4" name="Content Placeholder 3"/>
+          <p:cNvSpPr>
+            <a:spLocks noGrp="1"/>
+          </p:cNvSpPr>
+          <p:nvPr>
+            <p:ph sz="quarter" idx="4"/>
+          </p:nvPr>
+        </p:nvSpPr>
+        <p:spPr/>
+        <p:txBody>
+          <a:bodyPr/>
+          <a:lstStyle/>
+          <a:p>
+            <a:endParaRPr lang="en-US" dirty="0"/>
+          </a:p>
+        </p:txBody>
+      </p:sp>
     </p:spTree>
     <p:extLst>
       <p:ext uri="{BB962C8B-B14F-4D97-AF65-F5344CB8AC3E}">
-        <p14:creationId xmlns:p14="http://schemas.microsoft.com/office/powerpoint/2010/main" val="3030984589"/>
+        <p14:creationId xmlns:p14="http://schemas.microsoft.com/office/powerpoint/2010/main" val="3296948863"/>
       </p:ext>
     </p:extLst>
   </p:cSld>
@@ -8221,6 +8321,112 @@
           <a:p>
             <a:r>
               <a:rPr lang="en-US" dirty="0"/>
+              <a:t>Add a Slide Title - 3</a:t>
+            </a:r>
+          </a:p>
+        </p:txBody>
+      </p:sp>
+    </p:spTree>
+    <p:extLst>
+      <p:ext uri="{BB962C8B-B14F-4D97-AF65-F5344CB8AC3E}">
+        <p14:creationId xmlns:p14="http://schemas.microsoft.com/office/powerpoint/2010/main" val="1653943558"/>
+      </p:ext>
+    </p:extLst>
+  </p:cSld>
+  <p:clrMapOvr>
+    <a:masterClrMapping/>
+  </p:clrMapOvr>
+  <mc:AlternateContent xmlns:mc="http://schemas.openxmlformats.org/markup-compatibility/2006" xmlns:p14="http://schemas.microsoft.com/office/powerpoint/2010/main">
+    <mc:Choice Requires="p14">
+      <p:transition spd="med" p14:dur="700">
+        <p:fade/>
+      </p:transition>
+    </mc:Choice>
+    <mc:Fallback xmlns="">
+      <p:transition spd="med">
+        <p:fade/>
+      </p:transition>
+    </mc:Fallback>
+  </mc:AlternateContent>
+</p:sld>
+</file>
+
+<file path=ppt/slides/slide12.xml><?xml version="1.0" encoding="utf-8"?>
+<p:sld xmlns:a="http://schemas.openxmlformats.org/drawingml/2006/main" xmlns:r="http://schemas.openxmlformats.org/officeDocument/2006/relationships" xmlns:p="http://schemas.openxmlformats.org/presentationml/2006/main">
+  <p:cSld>
+    <p:spTree>
+      <p:nvGrpSpPr>
+        <p:cNvPr id="1" name=""/>
+        <p:cNvGrpSpPr/>
+        <p:nvPr/>
+      </p:nvGrpSpPr>
+      <p:grpSpPr>
+        <a:xfrm>
+          <a:off x="0" y="0"/>
+          <a:ext cx="0" cy="0"/>
+          <a:chOff x="0" y="0"/>
+          <a:chExt cx="0" cy="0"/>
+        </a:xfrm>
+      </p:grpSpPr>
+    </p:spTree>
+    <p:extLst>
+      <p:ext uri="{BB962C8B-B14F-4D97-AF65-F5344CB8AC3E}">
+        <p14:creationId xmlns:p14="http://schemas.microsoft.com/office/powerpoint/2010/main" val="3030984589"/>
+      </p:ext>
+    </p:extLst>
+  </p:cSld>
+  <p:clrMapOvr>
+    <a:masterClrMapping/>
+  </p:clrMapOvr>
+  <mc:AlternateContent xmlns:mc="http://schemas.openxmlformats.org/markup-compatibility/2006" xmlns:p14="http://schemas.microsoft.com/office/powerpoint/2010/main">
+    <mc:Choice Requires="p14">
+      <p:transition spd="med" p14:dur="700">
+        <p:fade/>
+      </p:transition>
+    </mc:Choice>
+    <mc:Fallback xmlns="">
+      <p:transition spd="med">
+        <p:fade/>
+      </p:transition>
+    </mc:Fallback>
+  </mc:AlternateContent>
+</p:sld>
+</file>
+
+<file path=ppt/slides/slide13.xml><?xml version="1.0" encoding="utf-8"?>
+<p:sld xmlns:a="http://schemas.openxmlformats.org/drawingml/2006/main" xmlns:r="http://schemas.openxmlformats.org/officeDocument/2006/relationships" xmlns:p="http://schemas.openxmlformats.org/presentationml/2006/main">
+  <p:cSld>
+    <p:spTree>
+      <p:nvGrpSpPr>
+        <p:cNvPr id="1" name=""/>
+        <p:cNvGrpSpPr/>
+        <p:nvPr/>
+      </p:nvGrpSpPr>
+      <p:grpSpPr>
+        <a:xfrm>
+          <a:off x="0" y="0"/>
+          <a:ext cx="0" cy="0"/>
+          <a:chOff x="0" y="0"/>
+          <a:chExt cx="0" cy="0"/>
+        </a:xfrm>
+      </p:grpSpPr>
+      <p:sp>
+        <p:nvSpPr>
+          <p:cNvPr id="2" name="Title 1"/>
+          <p:cNvSpPr>
+            <a:spLocks noGrp="1"/>
+          </p:cNvSpPr>
+          <p:nvPr>
+            <p:ph type="title"/>
+          </p:nvPr>
+        </p:nvSpPr>
+        <p:spPr/>
+        <p:txBody>
+          <a:bodyPr/>
+          <a:lstStyle/>
+          <a:p>
+            <a:r>
+              <a:rPr lang="en-US" dirty="0"/>
               <a:t>Add a Slide Title - 4</a:t>
             </a:r>
           </a:p>
@@ -8289,7 +8495,7 @@
 </p:sld>
 </file>
 
-<file path=ppt/slides/slide12.xml><?xml version="1.0" encoding="utf-8"?>
+<file path=ppt/slides/slide14.xml><?xml version="1.0" encoding="utf-8"?>
 <p:sld xmlns:a="http://schemas.openxmlformats.org/drawingml/2006/main" xmlns:r="http://schemas.openxmlformats.org/officeDocument/2006/relationships" xmlns:p="http://schemas.openxmlformats.org/presentationml/2006/main">
   <p:cSld>
     <p:spTree>
@@ -8418,7 +8624,7 @@
                 <a:latin typeface="Times New Roman" panose="02020603050405020304" pitchFamily="18" charset="0"/>
                 <a:cs typeface="Times New Roman" panose="02020603050405020304" pitchFamily="18" charset="0"/>
               </a:rPr>
-              <a:t>DỮ LIỆU THỰC HIỆN</a:t>
+              <a:t>PHÂN TÍCH DỮ LIỆU</a:t>
             </a:r>
             <a:endParaRPr lang="en-US" dirty="0" smtClean="0">
               <a:latin typeface="Times New Roman" panose="02020603050405020304" pitchFamily="18" charset="0"/>
@@ -8560,6 +8766,22 @@
             </a:r>
           </a:p>
           <a:p>
+            <a:pPr marL="304747" lvl="1">
+              <a:spcBef>
+                <a:spcPts val="1866"/>
+              </a:spcBef>
+              <a:buFont typeface="Arial" pitchFamily="34" charset="0"/>
+              <a:buChar char="•"/>
+            </a:pPr>
+            <a:r>
+              <a:rPr lang="en-US" dirty="0">
+                <a:latin typeface="Times New Roman" panose="02020603050405020304" pitchFamily="18" charset="0"/>
+                <a:cs typeface="Times New Roman" panose="02020603050405020304" pitchFamily="18" charset="0"/>
+              </a:rPr>
+              <a:t>Tập dữ liệu này sẽ có 777 công ty từ 46 thành phố khác nhau.</a:t>
+            </a:r>
+          </a:p>
+          <a:p>
             <a:endParaRPr lang="en-US" sz="2000" dirty="0">
               <a:latin typeface="Times New Roman" panose="02020603050405020304" pitchFamily="18" charset="0"/>
               <a:cs typeface="Times New Roman" panose="02020603050405020304" pitchFamily="18" charset="0"/>
@@ -8625,6 +8847,231 @@
           <a:lstStyle/>
           <a:p>
             <a:r>
+              <a:rPr lang="en-US" dirty="0" smtClean="0">
+                <a:latin typeface="Times New Roman" panose="02020603050405020304" pitchFamily="18" charset="0"/>
+                <a:cs typeface="Times New Roman" panose="02020603050405020304" pitchFamily="18" charset="0"/>
+              </a:rPr>
+              <a:t>PHÂN TÍCH DỮ LIỆU</a:t>
+            </a:r>
+            <a:endParaRPr lang="en-US" dirty="0">
+              <a:latin typeface="Times New Roman" panose="02020603050405020304" pitchFamily="18" charset="0"/>
+              <a:cs typeface="Times New Roman" panose="02020603050405020304" pitchFamily="18" charset="0"/>
+            </a:endParaRPr>
+          </a:p>
+        </p:txBody>
+      </p:sp>
+      <p:sp>
+        <p:nvSpPr>
+          <p:cNvPr id="3" name="Content Placeholder 2"/>
+          <p:cNvSpPr>
+            <a:spLocks noGrp="1"/>
+          </p:cNvSpPr>
+          <p:nvPr>
+            <p:ph idx="1"/>
+          </p:nvPr>
+        </p:nvSpPr>
+        <p:spPr/>
+        <p:txBody>
+          <a:bodyPr/>
+          <a:lstStyle/>
+          <a:p>
+            <a:r>
+              <a:rPr lang="en-US" dirty="0" smtClean="0">
+                <a:latin typeface="Times New Roman" panose="02020603050405020304" pitchFamily="18" charset="0"/>
+                <a:cs typeface="Times New Roman" panose="02020603050405020304" pitchFamily="18" charset="0"/>
+              </a:rPr>
+              <a:t>Tập dữ liệu tập huấn (audit_risk.csv) và tập dữ kiểm thử (trial.csv)</a:t>
+            </a:r>
+          </a:p>
+          <a:p>
+            <a:r>
+              <a:rPr lang="en-US" dirty="0" smtClean="0">
+                <a:latin typeface="Times New Roman" panose="02020603050405020304" pitchFamily="18" charset="0"/>
+                <a:cs typeface="Times New Roman" panose="02020603050405020304" pitchFamily="18" charset="0"/>
+              </a:rPr>
+              <a:t>Tập dữ liệu tập huấn</a:t>
+            </a:r>
+          </a:p>
+          <a:p>
+            <a:r>
+              <a:rPr lang="en-US" dirty="0" smtClean="0">
+                <a:latin typeface="Times New Roman" panose="02020603050405020304" pitchFamily="18" charset="0"/>
+                <a:cs typeface="Times New Roman" panose="02020603050405020304" pitchFamily="18" charset="0"/>
+              </a:rPr>
+              <a:t>Tập dữ liệu có x thuộc tính và nhãn là y</a:t>
+            </a:r>
+          </a:p>
+          <a:p>
+            <a:endParaRPr lang="en-US" dirty="0" smtClean="0">
+              <a:latin typeface="Times New Roman" panose="02020603050405020304" pitchFamily="18" charset="0"/>
+              <a:cs typeface="Times New Roman" panose="02020603050405020304" pitchFamily="18" charset="0"/>
+            </a:endParaRPr>
+          </a:p>
+        </p:txBody>
+      </p:sp>
+    </p:spTree>
+    <p:extLst>
+      <p:ext uri="{BB962C8B-B14F-4D97-AF65-F5344CB8AC3E}">
+        <p14:creationId xmlns:p14="http://schemas.microsoft.com/office/powerpoint/2010/main" val="2245923582"/>
+      </p:ext>
+    </p:extLst>
+  </p:cSld>
+  <p:clrMapOvr>
+    <a:masterClrMapping/>
+  </p:clrMapOvr>
+  <mc:AlternateContent xmlns:mc="http://schemas.openxmlformats.org/markup-compatibility/2006" xmlns:p14="http://schemas.microsoft.com/office/powerpoint/2010/main">
+    <mc:Choice Requires="p14">
+      <p:transition spd="med" p14:dur="700">
+        <p:fade/>
+      </p:transition>
+    </mc:Choice>
+    <mc:Fallback xmlns="">
+      <p:transition spd="med">
+        <p:fade/>
+      </p:transition>
+    </mc:Fallback>
+  </mc:AlternateContent>
+</p:sld>
+</file>
+
+<file path=ppt/slides/slide5.xml><?xml version="1.0" encoding="utf-8"?>
+<p:sld xmlns:a="http://schemas.openxmlformats.org/drawingml/2006/main" xmlns:r="http://schemas.openxmlformats.org/officeDocument/2006/relationships" xmlns:p="http://schemas.openxmlformats.org/presentationml/2006/main">
+  <p:cSld>
+    <p:spTree>
+      <p:nvGrpSpPr>
+        <p:cNvPr id="1" name=""/>
+        <p:cNvGrpSpPr/>
+        <p:nvPr/>
+      </p:nvGrpSpPr>
+      <p:grpSpPr>
+        <a:xfrm>
+          <a:off x="0" y="0"/>
+          <a:ext cx="0" cy="0"/>
+          <a:chOff x="0" y="0"/>
+          <a:chExt cx="0" cy="0"/>
+        </a:xfrm>
+      </p:grpSpPr>
+      <p:sp>
+        <p:nvSpPr>
+          <p:cNvPr id="2" name="Title 1"/>
+          <p:cNvSpPr>
+            <a:spLocks noGrp="1"/>
+          </p:cNvSpPr>
+          <p:nvPr>
+            <p:ph type="title"/>
+          </p:nvPr>
+        </p:nvSpPr>
+        <p:spPr/>
+        <p:txBody>
+          <a:bodyPr/>
+          <a:lstStyle/>
+          <a:p>
+            <a:r>
+              <a:rPr lang="en-US" dirty="0">
+                <a:latin typeface="Times New Roman" panose="02020603050405020304" pitchFamily="18" charset="0"/>
+                <a:cs typeface="Times New Roman" panose="02020603050405020304" pitchFamily="18" charset="0"/>
+              </a:rPr>
+              <a:t>PHƯƠNG PHÁP THỰC HIỆN</a:t>
+            </a:r>
+          </a:p>
+        </p:txBody>
+      </p:sp>
+      <p:sp>
+        <p:nvSpPr>
+          <p:cNvPr id="3" name="Content Placeholder 2"/>
+          <p:cNvSpPr>
+            <a:spLocks noGrp="1"/>
+          </p:cNvSpPr>
+          <p:nvPr>
+            <p:ph idx="1"/>
+          </p:nvPr>
+        </p:nvSpPr>
+        <p:spPr/>
+        <p:txBody>
+          <a:bodyPr/>
+          <a:lstStyle/>
+          <a:p>
+            <a:r>
+              <a:rPr lang="en-US" dirty="0" smtClean="0">
+                <a:latin typeface="Times New Roman" panose="02020603050405020304" pitchFamily="18" charset="0"/>
+                <a:cs typeface="Times New Roman" panose="02020603050405020304" pitchFamily="18" charset="0"/>
+              </a:rPr>
+              <a:t>Dựa vào nhãn(Rick) của tập dữ liệu là 0,1 ta có thể xác định giải thuật có thể được </a:t>
+            </a:r>
+            <a:r>
+              <a:rPr lang="en-US" smtClean="0">
+                <a:latin typeface="Times New Roman" panose="02020603050405020304" pitchFamily="18" charset="0"/>
+                <a:cs typeface="Times New Roman" panose="02020603050405020304" pitchFamily="18" charset="0"/>
+              </a:rPr>
+              <a:t>sử dụng: Cây quyết định,Phương pháp Bayes thơ ngây,Mô hình mạng nơ-ron Perceptron .</a:t>
+            </a:r>
+          </a:p>
+          <a:p>
+            <a:endParaRPr lang="en-US" smtClean="0">
+              <a:latin typeface="Times New Roman" panose="02020603050405020304" pitchFamily="18" charset="0"/>
+              <a:cs typeface="Times New Roman" panose="02020603050405020304" pitchFamily="18" charset="0"/>
+            </a:endParaRPr>
+          </a:p>
+        </p:txBody>
+      </p:sp>
+    </p:spTree>
+    <p:extLst>
+      <p:ext uri="{BB962C8B-B14F-4D97-AF65-F5344CB8AC3E}">
+        <p14:creationId xmlns:p14="http://schemas.microsoft.com/office/powerpoint/2010/main" val="3896427575"/>
+      </p:ext>
+    </p:extLst>
+  </p:cSld>
+  <p:clrMapOvr>
+    <a:masterClrMapping/>
+  </p:clrMapOvr>
+  <mc:AlternateContent xmlns:mc="http://schemas.openxmlformats.org/markup-compatibility/2006" xmlns:p14="http://schemas.microsoft.com/office/powerpoint/2010/main">
+    <mc:Choice Requires="p14">
+      <p:transition spd="med" p14:dur="700">
+        <p:fade/>
+      </p:transition>
+    </mc:Choice>
+    <mc:Fallback xmlns="">
+      <p:transition spd="med">
+        <p:fade/>
+      </p:transition>
+    </mc:Fallback>
+  </mc:AlternateContent>
+</p:sld>
+</file>
+
+<file path=ppt/slides/slide6.xml><?xml version="1.0" encoding="utf-8"?>
+<p:sld xmlns:a="http://schemas.openxmlformats.org/drawingml/2006/main" xmlns:r="http://schemas.openxmlformats.org/officeDocument/2006/relationships" xmlns:p="http://schemas.openxmlformats.org/presentationml/2006/main">
+  <p:cSld>
+    <p:spTree>
+      <p:nvGrpSpPr>
+        <p:cNvPr id="1" name=""/>
+        <p:cNvGrpSpPr/>
+        <p:nvPr/>
+      </p:nvGrpSpPr>
+      <p:grpSpPr>
+        <a:xfrm>
+          <a:off x="0" y="0"/>
+          <a:ext cx="0" cy="0"/>
+          <a:chOff x="0" y="0"/>
+          <a:chExt cx="0" cy="0"/>
+        </a:xfrm>
+      </p:grpSpPr>
+      <p:sp>
+        <p:nvSpPr>
+          <p:cNvPr id="2" name="Title 1"/>
+          <p:cNvSpPr>
+            <a:spLocks noGrp="1"/>
+          </p:cNvSpPr>
+          <p:nvPr>
+            <p:ph type="title"/>
+          </p:nvPr>
+        </p:nvSpPr>
+        <p:spPr/>
+        <p:txBody>
+          <a:bodyPr/>
+          <a:lstStyle/>
+          <a:p>
+            <a:r>
               <a:rPr lang="en-US" dirty="0"/>
               <a:t>Title and Content Layout with Chart </a:t>
             </a:r>
@@ -8681,7 +9128,7 @@
 </p:sld>
 </file>
 
-<file path=ppt/slides/slide5.xml><?xml version="1.0" encoding="utf-8"?>
+<file path=ppt/slides/slide7.xml><?xml version="1.0" encoding="utf-8"?>
 <p:sld xmlns:a="http://schemas.openxmlformats.org/drawingml/2006/main" xmlns:r="http://schemas.openxmlformats.org/officeDocument/2006/relationships" xmlns:p="http://schemas.openxmlformats.org/presentationml/2006/main">
   <p:cSld>
     <p:spTree>
@@ -9023,7 +9470,7 @@
 </p:sld>
 </file>
 
-<file path=ppt/slides/slide6.xml><?xml version="1.0" encoding="utf-8"?>
+<file path=ppt/slides/slide8.xml><?xml version="1.0" encoding="utf-8"?>
 <p:sld xmlns:a="http://schemas.openxmlformats.org/drawingml/2006/main" xmlns:r="http://schemas.openxmlformats.org/officeDocument/2006/relationships" xmlns:p="http://schemas.openxmlformats.org/presentationml/2006/main">
   <p:cSld>
     <p:spTree>
@@ -9127,229 +9574,6 @@
     <p:extLst>
       <p:ext uri="{BB962C8B-B14F-4D97-AF65-F5344CB8AC3E}">
         <p14:creationId xmlns:p14="http://schemas.microsoft.com/office/powerpoint/2010/main" val="13403576"/>
-      </p:ext>
-    </p:extLst>
-  </p:cSld>
-  <p:clrMapOvr>
-    <a:masterClrMapping/>
-  </p:clrMapOvr>
-  <mc:AlternateContent xmlns:mc="http://schemas.openxmlformats.org/markup-compatibility/2006" xmlns:p14="http://schemas.microsoft.com/office/powerpoint/2010/main">
-    <mc:Choice Requires="p14">
-      <p:transition spd="med" p14:dur="700">
-        <p:fade/>
-      </p:transition>
-    </mc:Choice>
-    <mc:Fallback xmlns="">
-      <p:transition spd="med">
-        <p:fade/>
-      </p:transition>
-    </mc:Fallback>
-  </mc:AlternateContent>
-</p:sld>
-</file>
-
-<file path=ppt/slides/slide7.xml><?xml version="1.0" encoding="utf-8"?>
-<p:sld xmlns:a="http://schemas.openxmlformats.org/drawingml/2006/main" xmlns:r="http://schemas.openxmlformats.org/officeDocument/2006/relationships" xmlns:p="http://schemas.openxmlformats.org/presentationml/2006/main">
-  <p:cSld>
-    <p:spTree>
-      <p:nvGrpSpPr>
-        <p:cNvPr id="1" name=""/>
-        <p:cNvGrpSpPr/>
-        <p:nvPr/>
-      </p:nvGrpSpPr>
-      <p:grpSpPr>
-        <a:xfrm>
-          <a:off x="0" y="0"/>
-          <a:ext cx="0" cy="0"/>
-          <a:chOff x="0" y="0"/>
-          <a:chExt cx="0" cy="0"/>
-        </a:xfrm>
-      </p:grpSpPr>
-      <p:sp>
-        <p:nvSpPr>
-          <p:cNvPr id="2" name="Title 1"/>
-          <p:cNvSpPr>
-            <a:spLocks noGrp="1"/>
-          </p:cNvSpPr>
-          <p:nvPr>
-            <p:ph type="title"/>
-          </p:nvPr>
-        </p:nvSpPr>
-        <p:spPr/>
-        <p:txBody>
-          <a:bodyPr/>
-          <a:lstStyle/>
-          <a:p>
-            <a:r>
-              <a:rPr lang="en-US" dirty="0"/>
-              <a:t>Add a Slide Title - 1</a:t>
-            </a:r>
-          </a:p>
-        </p:txBody>
-      </p:sp>
-      <p:sp>
-        <p:nvSpPr>
-          <p:cNvPr id="3" name="Text Placeholder 2"/>
-          <p:cNvSpPr>
-            <a:spLocks noGrp="1"/>
-          </p:cNvSpPr>
-          <p:nvPr>
-            <p:ph type="body" idx="1"/>
-          </p:nvPr>
-        </p:nvSpPr>
-        <p:spPr/>
-        <p:txBody>
-          <a:bodyPr/>
-          <a:lstStyle/>
-          <a:p>
-            <a:endParaRPr lang="en-US" dirty="0"/>
-          </a:p>
-        </p:txBody>
-      </p:sp>
-    </p:spTree>
-    <p:extLst>
-      <p:ext uri="{BB962C8B-B14F-4D97-AF65-F5344CB8AC3E}">
-        <p14:creationId xmlns:p14="http://schemas.microsoft.com/office/powerpoint/2010/main" val="1997697987"/>
-      </p:ext>
-    </p:extLst>
-  </p:cSld>
-  <p:clrMapOvr>
-    <a:masterClrMapping/>
-  </p:clrMapOvr>
-  <mc:AlternateContent xmlns:mc="http://schemas.openxmlformats.org/markup-compatibility/2006" xmlns:p14="http://schemas.microsoft.com/office/powerpoint/2010/main">
-    <mc:Choice Requires="p14">
-      <p:transition spd="med" p14:dur="700">
-        <p:fade/>
-      </p:transition>
-    </mc:Choice>
-    <mc:Fallback xmlns="">
-      <p:transition spd="med">
-        <p:fade/>
-      </p:transition>
-    </mc:Fallback>
-  </mc:AlternateContent>
-</p:sld>
-</file>
-
-<file path=ppt/slides/slide8.xml><?xml version="1.0" encoding="utf-8"?>
-<p:sld xmlns:a="http://schemas.openxmlformats.org/drawingml/2006/main" xmlns:r="http://schemas.openxmlformats.org/officeDocument/2006/relationships" xmlns:p="http://schemas.openxmlformats.org/presentationml/2006/main">
-  <p:cSld>
-    <p:spTree>
-      <p:nvGrpSpPr>
-        <p:cNvPr id="1" name=""/>
-        <p:cNvGrpSpPr/>
-        <p:nvPr/>
-      </p:nvGrpSpPr>
-      <p:grpSpPr>
-        <a:xfrm>
-          <a:off x="0" y="0"/>
-          <a:ext cx="0" cy="0"/>
-          <a:chOff x="0" y="0"/>
-          <a:chExt cx="0" cy="0"/>
-        </a:xfrm>
-      </p:grpSpPr>
-      <p:sp>
-        <p:nvSpPr>
-          <p:cNvPr id="2" name="Title 1"/>
-          <p:cNvSpPr>
-            <a:spLocks noGrp="1"/>
-          </p:cNvSpPr>
-          <p:nvPr>
-            <p:ph type="title"/>
-          </p:nvPr>
-        </p:nvSpPr>
-        <p:spPr/>
-        <p:txBody>
-          <a:bodyPr/>
-          <a:lstStyle/>
-          <a:p>
-            <a:r>
-              <a:rPr lang="en-US" dirty="0"/>
-              <a:t>Add a Slide Title - 2</a:t>
-            </a:r>
-          </a:p>
-        </p:txBody>
-      </p:sp>
-      <p:sp>
-        <p:nvSpPr>
-          <p:cNvPr id="5" name="Text Placeholder 4"/>
-          <p:cNvSpPr>
-            <a:spLocks noGrp="1"/>
-          </p:cNvSpPr>
-          <p:nvPr>
-            <p:ph type="body" idx="1"/>
-          </p:nvPr>
-        </p:nvSpPr>
-        <p:spPr/>
-        <p:txBody>
-          <a:bodyPr/>
-          <a:lstStyle/>
-          <a:p>
-            <a:endParaRPr lang="en-US" dirty="0"/>
-          </a:p>
-        </p:txBody>
-      </p:sp>
-      <p:sp>
-        <p:nvSpPr>
-          <p:cNvPr id="3" name="Content Placeholder 2"/>
-          <p:cNvSpPr>
-            <a:spLocks noGrp="1"/>
-          </p:cNvSpPr>
-          <p:nvPr>
-            <p:ph sz="half" idx="2"/>
-          </p:nvPr>
-        </p:nvSpPr>
-        <p:spPr/>
-        <p:txBody>
-          <a:bodyPr/>
-          <a:lstStyle/>
-          <a:p>
-            <a:endParaRPr lang="en-US" dirty="0"/>
-          </a:p>
-        </p:txBody>
-      </p:sp>
-      <p:sp>
-        <p:nvSpPr>
-          <p:cNvPr id="6" name="Text Placeholder 5"/>
-          <p:cNvSpPr>
-            <a:spLocks noGrp="1"/>
-          </p:cNvSpPr>
-          <p:nvPr>
-            <p:ph type="body" sz="quarter" idx="3"/>
-          </p:nvPr>
-        </p:nvSpPr>
-        <p:spPr/>
-        <p:txBody>
-          <a:bodyPr/>
-          <a:lstStyle/>
-          <a:p>
-            <a:endParaRPr lang="en-US" dirty="0"/>
-          </a:p>
-        </p:txBody>
-      </p:sp>
-      <p:sp>
-        <p:nvSpPr>
-          <p:cNvPr id="4" name="Content Placeholder 3"/>
-          <p:cNvSpPr>
-            <a:spLocks noGrp="1"/>
-          </p:cNvSpPr>
-          <p:nvPr>
-            <p:ph sz="quarter" idx="4"/>
-          </p:nvPr>
-        </p:nvSpPr>
-        <p:spPr/>
-        <p:txBody>
-          <a:bodyPr/>
-          <a:lstStyle/>
-          <a:p>
-            <a:endParaRPr lang="en-US" dirty="0"/>
-          </a:p>
-        </p:txBody>
-      </p:sp>
-    </p:spTree>
-    <p:extLst>
-      <p:ext uri="{BB962C8B-B14F-4D97-AF65-F5344CB8AC3E}">
-        <p14:creationId xmlns:p14="http://schemas.microsoft.com/office/powerpoint/2010/main" val="3296948863"/>
       </p:ext>
     </p:extLst>
   </p:cSld>
@@ -9405,15 +9629,34 @@
           <a:p>
             <a:r>
               <a:rPr lang="en-US" dirty="0"/>
-              <a:t>Add a Slide Title - 3</a:t>
+              <a:t>Add a Slide Title - 1</a:t>
             </a:r>
+          </a:p>
+        </p:txBody>
+      </p:sp>
+      <p:sp>
+        <p:nvSpPr>
+          <p:cNvPr id="3" name="Text Placeholder 2"/>
+          <p:cNvSpPr>
+            <a:spLocks noGrp="1"/>
+          </p:cNvSpPr>
+          <p:nvPr>
+            <p:ph type="body" idx="1"/>
+          </p:nvPr>
+        </p:nvSpPr>
+        <p:spPr/>
+        <p:txBody>
+          <a:bodyPr/>
+          <a:lstStyle/>
+          <a:p>
+            <a:endParaRPr lang="en-US" dirty="0"/>
           </a:p>
         </p:txBody>
       </p:sp>
     </p:spTree>
     <p:extLst>
       <p:ext uri="{BB962C8B-B14F-4D97-AF65-F5344CB8AC3E}">
-        <p14:creationId xmlns:p14="http://schemas.microsoft.com/office/powerpoint/2010/main" val="1653943558"/>
+        <p14:creationId xmlns:p14="http://schemas.microsoft.com/office/powerpoint/2010/main" val="1997697987"/>
       </p:ext>
     </p:extLst>
   </p:cSld>

--- a/report.pptx
+++ b/report.pptx
@@ -5,26 +5,25 @@
     <p:sldMasterId id="2147483660" r:id="rId1"/>
   </p:sldMasterIdLst>
   <p:notesMasterIdLst>
-    <p:notesMasterId r:id="rId16"/>
+    <p:notesMasterId r:id="rId15"/>
   </p:notesMasterIdLst>
   <p:handoutMasterIdLst>
-    <p:handoutMasterId r:id="rId17"/>
+    <p:handoutMasterId r:id="rId16"/>
   </p:handoutMasterIdLst>
   <p:sldIdLst>
     <p:sldId id="264" r:id="rId2"/>
     <p:sldId id="276" r:id="rId3"/>
     <p:sldId id="282" r:id="rId4"/>
-    <p:sldId id="283" r:id="rId5"/>
-    <p:sldId id="284" r:id="rId6"/>
-    <p:sldId id="281" r:id="rId7"/>
-    <p:sldId id="278" r:id="rId8"/>
-    <p:sldId id="279" r:id="rId9"/>
-    <p:sldId id="266" r:id="rId10"/>
-    <p:sldId id="268" r:id="rId11"/>
-    <p:sldId id="269" r:id="rId12"/>
-    <p:sldId id="270" r:id="rId13"/>
-    <p:sldId id="280" r:id="rId14"/>
-    <p:sldId id="274" r:id="rId15"/>
+    <p:sldId id="285" r:id="rId5"/>
+    <p:sldId id="283" r:id="rId6"/>
+    <p:sldId id="284" r:id="rId7"/>
+    <p:sldId id="286" r:id="rId8"/>
+    <p:sldId id="281" r:id="rId9"/>
+    <p:sldId id="278" r:id="rId10"/>
+    <p:sldId id="287" r:id="rId11"/>
+    <p:sldId id="279" r:id="rId12"/>
+    <p:sldId id="266" r:id="rId13"/>
+    <p:sldId id="274" r:id="rId14"/>
   </p:sldIdLst>
   <p:sldSz cx="12188825" cy="6858000"/>
   <p:notesSz cx="6858000" cy="9144000"/>
@@ -584,7 +583,1344 @@
 </c:chartSpace>
 </file>
 
+<file path=ppt/charts/chart2.xml><?xml version="1.0" encoding="utf-8"?>
+<c:chartSpace xmlns:c="http://schemas.openxmlformats.org/drawingml/2006/chart" xmlns:a="http://schemas.openxmlformats.org/drawingml/2006/main" xmlns:r="http://schemas.openxmlformats.org/officeDocument/2006/relationships" xmlns:c16r2="http://schemas.microsoft.com/office/drawing/2015/06/chart">
+  <c:date1904 val="0"/>
+  <c:lang val="en-US"/>
+  <c:roundedCorners val="0"/>
+  <mc:AlternateContent xmlns:mc="http://schemas.openxmlformats.org/markup-compatibility/2006">
+    <mc:Choice xmlns:c14="http://schemas.microsoft.com/office/drawing/2007/8/2/chart" Requires="c14">
+      <c14:style val="102"/>
+    </mc:Choice>
+    <mc:Fallback>
+      <c:style val="2"/>
+    </mc:Fallback>
+  </mc:AlternateContent>
+  <c:chart>
+    <c:title>
+      <c:tx>
+        <c:rich>
+          <a:bodyPr rot="0" spcFirstLastPara="1" vertOverflow="ellipsis" vert="horz" wrap="square" anchor="ctr" anchorCtr="1"/>
+          <a:lstStyle/>
+          <a:p>
+            <a:pPr>
+              <a:defRPr sz="2128" b="1" i="0" u="none" strike="noStrike" kern="1200" cap="none" spc="0" normalizeH="0" baseline="0">
+                <a:solidFill>
+                  <a:schemeClr val="dk1">
+                    <a:lumMod val="50000"/>
+                    <a:lumOff val="50000"/>
+                  </a:schemeClr>
+                </a:solidFill>
+                <a:latin typeface="+mj-lt"/>
+                <a:ea typeface="+mj-ea"/>
+                <a:cs typeface="+mj-cs"/>
+              </a:defRPr>
+            </a:pPr>
+            <a:r>
+              <a:rPr lang="en-US"/>
+              <a:t>accuracy_score: Đánh giá tỉ lệ </a:t>
+            </a:r>
+          </a:p>
+        </c:rich>
+      </c:tx>
+      <c:layout/>
+      <c:overlay val="0"/>
+      <c:spPr>
+        <a:noFill/>
+        <a:ln>
+          <a:noFill/>
+        </a:ln>
+        <a:effectLst/>
+      </c:spPr>
+      <c:txPr>
+        <a:bodyPr rot="0" spcFirstLastPara="1" vertOverflow="ellipsis" vert="horz" wrap="square" anchor="ctr" anchorCtr="1"/>
+        <a:lstStyle/>
+        <a:p>
+          <a:pPr>
+            <a:defRPr sz="2128" b="1" i="0" u="none" strike="noStrike" kern="1200" cap="none" spc="0" normalizeH="0" baseline="0">
+              <a:solidFill>
+                <a:schemeClr val="dk1">
+                  <a:lumMod val="50000"/>
+                  <a:lumOff val="50000"/>
+                </a:schemeClr>
+              </a:solidFill>
+              <a:latin typeface="+mj-lt"/>
+              <a:ea typeface="+mj-ea"/>
+              <a:cs typeface="+mj-cs"/>
+            </a:defRPr>
+          </a:pPr>
+          <a:endParaRPr lang="en-US"/>
+        </a:p>
+      </c:txPr>
+    </c:title>
+    <c:autoTitleDeleted val="0"/>
+    <c:plotArea>
+      <c:layout/>
+      <c:lineChart>
+        <c:grouping val="standard"/>
+        <c:varyColors val="0"/>
+        <c:ser>
+          <c:idx val="0"/>
+          <c:order val="0"/>
+          <c:spPr>
+            <a:ln w="22225" cap="rnd">
+              <a:solidFill>
+                <a:schemeClr val="accent1"/>
+              </a:solidFill>
+              <a:round/>
+            </a:ln>
+            <a:effectLst/>
+          </c:spPr>
+          <c:marker>
+            <c:symbol val="none"/>
+          </c:marker>
+          <c:val>
+            <c:numRef>
+              <c:f>'Sheet Name'!$B$2:$B$100</c:f>
+              <c:numCache>
+                <c:formatCode>General</c:formatCode>
+                <c:ptCount val="99"/>
+                <c:pt idx="0">
+                  <c:v>89.416846652267822</c:v>
+                </c:pt>
+                <c:pt idx="1">
+                  <c:v>89.632829373650097</c:v>
+                </c:pt>
+                <c:pt idx="2">
+                  <c:v>87.041036717062639</c:v>
+                </c:pt>
+                <c:pt idx="3">
+                  <c:v>87.688984881209507</c:v>
+                </c:pt>
+                <c:pt idx="4">
+                  <c:v>89.200863930885532</c:v>
+                </c:pt>
+                <c:pt idx="5">
+                  <c:v>87.473002159827217</c:v>
+                </c:pt>
+                <c:pt idx="6">
+                  <c:v>87.688984881209507</c:v>
+                </c:pt>
+                <c:pt idx="7">
+                  <c:v>87.688984881209507</c:v>
+                </c:pt>
+                <c:pt idx="8">
+                  <c:v>86.825053995680349</c:v>
+                </c:pt>
+                <c:pt idx="9">
+                  <c:v>88.768898488120954</c:v>
+                </c:pt>
+                <c:pt idx="10">
+                  <c:v>87.904967602591782</c:v>
+                </c:pt>
+                <c:pt idx="11">
+                  <c:v>89.200863930885532</c:v>
+                </c:pt>
+                <c:pt idx="12">
+                  <c:v>88.120950323974085</c:v>
+                </c:pt>
+                <c:pt idx="13">
+                  <c:v>85.961123110151178</c:v>
+                </c:pt>
+                <c:pt idx="14">
+                  <c:v>88.120950323974085</c:v>
+                </c:pt>
+                <c:pt idx="15">
+                  <c:v>85.961123110151178</c:v>
+                </c:pt>
+                <c:pt idx="16">
+                  <c:v>85.961123110151178</c:v>
+                </c:pt>
+                <c:pt idx="17">
+                  <c:v>86.177105831533467</c:v>
+                </c:pt>
+                <c:pt idx="18">
+                  <c:v>88.768898488120954</c:v>
+                </c:pt>
+                <c:pt idx="19">
+                  <c:v>87.257019438444928</c:v>
+                </c:pt>
+                <c:pt idx="20">
+                  <c:v>87.904967602591782</c:v>
+                </c:pt>
+                <c:pt idx="21">
+                  <c:v>89.8488120950324</c:v>
+                </c:pt>
+                <c:pt idx="22">
+                  <c:v>88.120950323974085</c:v>
+                </c:pt>
+                <c:pt idx="23">
+                  <c:v>88.552915766738664</c:v>
+                </c:pt>
+                <c:pt idx="24">
+                  <c:v>87.688984881209507</c:v>
+                </c:pt>
+                <c:pt idx="25">
+                  <c:v>86.393088552915771</c:v>
+                </c:pt>
+                <c:pt idx="26">
+                  <c:v>88.768898488120954</c:v>
+                </c:pt>
+                <c:pt idx="27">
+                  <c:v>88.984881209503243</c:v>
+                </c:pt>
+                <c:pt idx="28">
+                  <c:v>87.688984881209507</c:v>
+                </c:pt>
+                <c:pt idx="29">
+                  <c:v>88.120950323974085</c:v>
+                </c:pt>
+                <c:pt idx="30">
+                  <c:v>87.688984881209507</c:v>
+                </c:pt>
+                <c:pt idx="31">
+                  <c:v>86.825053995680349</c:v>
+                </c:pt>
+                <c:pt idx="32">
+                  <c:v>87.904967602591782</c:v>
+                </c:pt>
+                <c:pt idx="33">
+                  <c:v>87.904967602591782</c:v>
+                </c:pt>
+                <c:pt idx="34">
+                  <c:v>88.768898488120954</c:v>
+                </c:pt>
+                <c:pt idx="35">
+                  <c:v>88.552915766738664</c:v>
+                </c:pt>
+                <c:pt idx="36">
+                  <c:v>87.041036717062639</c:v>
+                </c:pt>
+                <c:pt idx="37">
+                  <c:v>87.257019438444928</c:v>
+                </c:pt>
+                <c:pt idx="38">
+                  <c:v>88.120950323974085</c:v>
+                </c:pt>
+                <c:pt idx="39">
+                  <c:v>86.60907127429806</c:v>
+                </c:pt>
+                <c:pt idx="40">
+                  <c:v>87.473002159827217</c:v>
+                </c:pt>
+                <c:pt idx="41">
+                  <c:v>86.60907127429806</c:v>
+                </c:pt>
+                <c:pt idx="42">
+                  <c:v>87.473002159827217</c:v>
+                </c:pt>
+                <c:pt idx="43">
+                  <c:v>85.097192224622034</c:v>
+                </c:pt>
+                <c:pt idx="44">
+                  <c:v>88.768898488120954</c:v>
+                </c:pt>
+                <c:pt idx="45">
+                  <c:v>87.041036717062639</c:v>
+                </c:pt>
+                <c:pt idx="46">
+                  <c:v>87.688984881209507</c:v>
+                </c:pt>
+                <c:pt idx="47">
+                  <c:v>85.961123110151178</c:v>
+                </c:pt>
+                <c:pt idx="48">
+                  <c:v>87.473002159827217</c:v>
+                </c:pt>
+                <c:pt idx="49">
+                  <c:v>85.961123110151178</c:v>
+                </c:pt>
+                <c:pt idx="50">
+                  <c:v>87.041036717062639</c:v>
+                </c:pt>
+                <c:pt idx="51">
+                  <c:v>89.8488120950324</c:v>
+                </c:pt>
+                <c:pt idx="52">
+                  <c:v>86.60907127429806</c:v>
+                </c:pt>
+                <c:pt idx="53">
+                  <c:v>85.961123110151178</c:v>
+                </c:pt>
+                <c:pt idx="54">
+                  <c:v>87.473002159827217</c:v>
+                </c:pt>
+                <c:pt idx="55">
+                  <c:v>86.177105831533467</c:v>
+                </c:pt>
+                <c:pt idx="56">
+                  <c:v>86.177105831533467</c:v>
+                </c:pt>
+                <c:pt idx="57">
+                  <c:v>86.825053995680349</c:v>
+                </c:pt>
+                <c:pt idx="58">
+                  <c:v>86.177105831533467</c:v>
+                </c:pt>
+                <c:pt idx="59">
+                  <c:v>87.257019438444928</c:v>
+                </c:pt>
+                <c:pt idx="60">
+                  <c:v>86.60907127429806</c:v>
+                </c:pt>
+                <c:pt idx="61">
+                  <c:v>88.552915766738664</c:v>
+                </c:pt>
+                <c:pt idx="62">
+                  <c:v>86.825053995680349</c:v>
+                </c:pt>
+                <c:pt idx="63">
+                  <c:v>86.825053995680349</c:v>
+                </c:pt>
+                <c:pt idx="64">
+                  <c:v>87.473002159827217</c:v>
+                </c:pt>
+                <c:pt idx="65">
+                  <c:v>89.200863930885532</c:v>
+                </c:pt>
+                <c:pt idx="66">
+                  <c:v>85.529157667386613</c:v>
+                </c:pt>
+                <c:pt idx="67">
+                  <c:v>87.257019438444928</c:v>
+                </c:pt>
+                <c:pt idx="68">
+                  <c:v>86.825053995680349</c:v>
+                </c:pt>
+                <c:pt idx="69">
+                  <c:v>88.336933045356375</c:v>
+                </c:pt>
+                <c:pt idx="70">
+                  <c:v>87.041036717062639</c:v>
+                </c:pt>
+                <c:pt idx="71">
+                  <c:v>87.904967602591782</c:v>
+                </c:pt>
+                <c:pt idx="72">
+                  <c:v>88.336933045356375</c:v>
+                </c:pt>
+                <c:pt idx="73">
+                  <c:v>89.8488120950324</c:v>
+                </c:pt>
+                <c:pt idx="74">
+                  <c:v>88.552915766738664</c:v>
+                </c:pt>
+                <c:pt idx="75">
+                  <c:v>85.745140388768903</c:v>
+                </c:pt>
+                <c:pt idx="76">
+                  <c:v>88.552915766738664</c:v>
+                </c:pt>
+                <c:pt idx="77">
+                  <c:v>87.904967602591782</c:v>
+                </c:pt>
+                <c:pt idx="78">
+                  <c:v>88.336933045356375</c:v>
+                </c:pt>
+                <c:pt idx="79">
+                  <c:v>86.60907127429806</c:v>
+                </c:pt>
+                <c:pt idx="80">
+                  <c:v>86.60907127429806</c:v>
+                </c:pt>
+                <c:pt idx="81">
+                  <c:v>86.393088552915771</c:v>
+                </c:pt>
+                <c:pt idx="82">
+                  <c:v>86.60907127429806</c:v>
+                </c:pt>
+                <c:pt idx="83">
+                  <c:v>87.904967602591782</c:v>
+                </c:pt>
+                <c:pt idx="84">
+                  <c:v>88.336933045356375</c:v>
+                </c:pt>
+                <c:pt idx="85">
+                  <c:v>87.041036717062639</c:v>
+                </c:pt>
+                <c:pt idx="86">
+                  <c:v>87.257019438444928</c:v>
+                </c:pt>
+                <c:pt idx="87">
+                  <c:v>86.60907127429806</c:v>
+                </c:pt>
+                <c:pt idx="88">
+                  <c:v>88.552915766738664</c:v>
+                </c:pt>
+                <c:pt idx="89">
+                  <c:v>87.688984881209507</c:v>
+                </c:pt>
+                <c:pt idx="90">
+                  <c:v>86.825053995680349</c:v>
+                </c:pt>
+                <c:pt idx="91">
+                  <c:v>88.336933045356375</c:v>
+                </c:pt>
+                <c:pt idx="92">
+                  <c:v>88.984881209503243</c:v>
+                </c:pt>
+                <c:pt idx="93">
+                  <c:v>86.825053995680349</c:v>
+                </c:pt>
+                <c:pt idx="94">
+                  <c:v>87.473002159827217</c:v>
+                </c:pt>
+                <c:pt idx="95">
+                  <c:v>87.473002159827217</c:v>
+                </c:pt>
+                <c:pt idx="96">
+                  <c:v>86.825053995680349</c:v>
+                </c:pt>
+                <c:pt idx="97">
+                  <c:v>88.120950323974085</c:v>
+                </c:pt>
+                <c:pt idx="98">
+                  <c:v>88.552915766738664</c:v>
+                </c:pt>
+              </c:numCache>
+            </c:numRef>
+          </c:val>
+          <c:smooth val="0"/>
+          <c:extLst>
+            <c:ext xmlns:c16="http://schemas.microsoft.com/office/drawing/2014/chart" uri="{C3380CC4-5D6E-409C-BE32-E72D297353CC}">
+              <c16:uniqueId val="{00000000-FF93-4C62-93C4-CEEEA74D5719}"/>
+            </c:ext>
+          </c:extLst>
+        </c:ser>
+        <c:ser>
+          <c:idx val="1"/>
+          <c:order val="1"/>
+          <c:tx>
+            <c:v>Decision Tree</c:v>
+          </c:tx>
+          <c:spPr>
+            <a:ln w="22225" cap="rnd">
+              <a:solidFill>
+                <a:schemeClr val="accent2"/>
+              </a:solidFill>
+              <a:round/>
+            </a:ln>
+            <a:effectLst/>
+          </c:spPr>
+          <c:marker>
+            <c:symbol val="none"/>
+          </c:marker>
+          <c:val>
+            <c:numRef>
+              <c:f>'Sheet Name'!$C$2:$C$100</c:f>
+              <c:numCache>
+                <c:formatCode>General</c:formatCode>
+                <c:ptCount val="99"/>
+                <c:pt idx="0">
+                  <c:v>73.650107991360699</c:v>
+                </c:pt>
+                <c:pt idx="1">
+                  <c:v>76.241900647948171</c:v>
+                </c:pt>
+                <c:pt idx="2">
+                  <c:v>73.434125269978395</c:v>
+                </c:pt>
+                <c:pt idx="3">
+                  <c:v>72.354211663066963</c:v>
+                </c:pt>
+                <c:pt idx="4">
+                  <c:v>73.218142548596106</c:v>
+                </c:pt>
+                <c:pt idx="5">
+                  <c:v>72.786177105831527</c:v>
+                </c:pt>
+                <c:pt idx="6">
+                  <c:v>72.138228941684673</c:v>
+                </c:pt>
+                <c:pt idx="7">
+                  <c:v>71.922246220302384</c:v>
+                </c:pt>
+                <c:pt idx="8">
+                  <c:v>71.274298056155502</c:v>
+                </c:pt>
+                <c:pt idx="9">
+                  <c:v>74.298056155507567</c:v>
+                </c:pt>
+                <c:pt idx="10">
+                  <c:v>73.002159827213816</c:v>
+                </c:pt>
+                <c:pt idx="11">
+                  <c:v>73.866090712742988</c:v>
+                </c:pt>
+                <c:pt idx="12">
+                  <c:v>73.650107991360699</c:v>
+                </c:pt>
+                <c:pt idx="13">
+                  <c:v>73.002159827213816</c:v>
+                </c:pt>
+                <c:pt idx="14">
+                  <c:v>74.946004319654421</c:v>
+                </c:pt>
+                <c:pt idx="15">
+                  <c:v>72.138228941684673</c:v>
+                </c:pt>
+                <c:pt idx="16">
+                  <c:v>73.434125269978395</c:v>
+                </c:pt>
+                <c:pt idx="17">
+                  <c:v>72.786177105831527</c:v>
+                </c:pt>
+                <c:pt idx="18">
+                  <c:v>74.082073434125277</c:v>
+                </c:pt>
+                <c:pt idx="19">
+                  <c:v>73.218142548596106</c:v>
+                </c:pt>
+                <c:pt idx="20">
+                  <c:v>73.218142548596106</c:v>
+                </c:pt>
+                <c:pt idx="21">
+                  <c:v>74.730021598272131</c:v>
+                </c:pt>
+                <c:pt idx="22">
+                  <c:v>73.434125269978395</c:v>
+                </c:pt>
+                <c:pt idx="23">
+                  <c:v>73.650107991360699</c:v>
+                </c:pt>
+                <c:pt idx="24">
+                  <c:v>71.274298056155502</c:v>
+                </c:pt>
+                <c:pt idx="25">
+                  <c:v>69.978401727861765</c:v>
+                </c:pt>
+                <c:pt idx="26">
+                  <c:v>72.570194384449252</c:v>
+                </c:pt>
+                <c:pt idx="27">
+                  <c:v>74.946004319654421</c:v>
+                </c:pt>
+                <c:pt idx="28">
+                  <c:v>71.274298056155502</c:v>
+                </c:pt>
+                <c:pt idx="29">
+                  <c:v>74.298056155507567</c:v>
+                </c:pt>
+                <c:pt idx="30">
+                  <c:v>74.298056155507567</c:v>
+                </c:pt>
+                <c:pt idx="31">
+                  <c:v>74.082073434125277</c:v>
+                </c:pt>
+                <c:pt idx="32">
+                  <c:v>73.866090712742988</c:v>
+                </c:pt>
+                <c:pt idx="33">
+                  <c:v>73.218142548596106</c:v>
+                </c:pt>
+                <c:pt idx="34">
+                  <c:v>74.298056155507567</c:v>
+                </c:pt>
+                <c:pt idx="35">
+                  <c:v>74.730021598272131</c:v>
+                </c:pt>
+                <c:pt idx="36">
+                  <c:v>74.082073434125277</c:v>
+                </c:pt>
+                <c:pt idx="37">
+                  <c:v>73.866090712742988</c:v>
+                </c:pt>
+                <c:pt idx="38">
+                  <c:v>72.786177105831527</c:v>
+                </c:pt>
+                <c:pt idx="39">
+                  <c:v>71.922246220302384</c:v>
+                </c:pt>
+                <c:pt idx="40">
+                  <c:v>74.730021598272131</c:v>
+                </c:pt>
+                <c:pt idx="41">
+                  <c:v>70.626349892008648</c:v>
+                </c:pt>
+                <c:pt idx="42">
+                  <c:v>70.410367170626358</c:v>
+                </c:pt>
+                <c:pt idx="43">
+                  <c:v>72.570194384449252</c:v>
+                </c:pt>
+                <c:pt idx="44">
+                  <c:v>73.218142548596106</c:v>
+                </c:pt>
+                <c:pt idx="45">
+                  <c:v>73.002159827213816</c:v>
+                </c:pt>
+                <c:pt idx="46">
+                  <c:v>73.002159827213816</c:v>
+                </c:pt>
+                <c:pt idx="47">
+                  <c:v>71.922246220302384</c:v>
+                </c:pt>
+                <c:pt idx="48">
+                  <c:v>74.730021598272131</c:v>
+                </c:pt>
+                <c:pt idx="49">
+                  <c:v>72.138228941684673</c:v>
+                </c:pt>
+                <c:pt idx="50">
+                  <c:v>72.354211663066963</c:v>
+                </c:pt>
+                <c:pt idx="51">
+                  <c:v>75.16198704103671</c:v>
+                </c:pt>
+                <c:pt idx="52">
+                  <c:v>71.70626349892008</c:v>
+                </c:pt>
+                <c:pt idx="53">
+                  <c:v>71.490280777537791</c:v>
+                </c:pt>
+                <c:pt idx="54">
+                  <c:v>72.354211663066963</c:v>
+                </c:pt>
+                <c:pt idx="55">
+                  <c:v>72.786177105831527</c:v>
+                </c:pt>
+                <c:pt idx="56">
+                  <c:v>74.946004319654421</c:v>
+                </c:pt>
+                <c:pt idx="57">
+                  <c:v>72.786177105831527</c:v>
+                </c:pt>
+                <c:pt idx="58">
+                  <c:v>72.138228941684673</c:v>
+                </c:pt>
+                <c:pt idx="59">
+                  <c:v>74.730021598272131</c:v>
+                </c:pt>
+                <c:pt idx="60">
+                  <c:v>72.354211663066963</c:v>
+                </c:pt>
+                <c:pt idx="61">
+                  <c:v>72.570194384449252</c:v>
+                </c:pt>
+                <c:pt idx="62">
+                  <c:v>71.70626349892008</c:v>
+                </c:pt>
+                <c:pt idx="63">
+                  <c:v>71.058315334773212</c:v>
+                </c:pt>
+                <c:pt idx="64">
+                  <c:v>73.002159827213816</c:v>
+                </c:pt>
+                <c:pt idx="65">
+                  <c:v>74.946004319654421</c:v>
+                </c:pt>
+                <c:pt idx="66">
+                  <c:v>71.058315334773212</c:v>
+                </c:pt>
+                <c:pt idx="67">
+                  <c:v>72.138228941684673</c:v>
+                </c:pt>
+                <c:pt idx="68">
+                  <c:v>70.842332613390923</c:v>
+                </c:pt>
+                <c:pt idx="69">
+                  <c:v>74.514038876889856</c:v>
+                </c:pt>
+                <c:pt idx="70">
+                  <c:v>73.434125269978395</c:v>
+                </c:pt>
+                <c:pt idx="71">
+                  <c:v>72.570194384449252</c:v>
+                </c:pt>
+                <c:pt idx="72">
+                  <c:v>73.650107991360699</c:v>
+                </c:pt>
+                <c:pt idx="73">
+                  <c:v>76.673866090712735</c:v>
+                </c:pt>
+                <c:pt idx="74">
+                  <c:v>72.786177105831527</c:v>
+                </c:pt>
+                <c:pt idx="75">
+                  <c:v>71.70626349892008</c:v>
+                </c:pt>
+                <c:pt idx="76">
+                  <c:v>73.650107991360699</c:v>
+                </c:pt>
+                <c:pt idx="77">
+                  <c:v>74.298056155507567</c:v>
+                </c:pt>
+                <c:pt idx="78">
+                  <c:v>72.786177105831527</c:v>
+                </c:pt>
+                <c:pt idx="79">
+                  <c:v>72.570194384449252</c:v>
+                </c:pt>
+                <c:pt idx="80">
+                  <c:v>71.70626349892008</c:v>
+                </c:pt>
+                <c:pt idx="81">
+                  <c:v>72.354211663066963</c:v>
+                </c:pt>
+                <c:pt idx="82">
+                  <c:v>73.866090712742988</c:v>
+                </c:pt>
+                <c:pt idx="83">
+                  <c:v>72.786177105831527</c:v>
+                </c:pt>
+                <c:pt idx="84">
+                  <c:v>74.730021598272131</c:v>
+                </c:pt>
+                <c:pt idx="85">
+                  <c:v>73.434125269978395</c:v>
+                </c:pt>
+                <c:pt idx="86">
+                  <c:v>73.650107991360699</c:v>
+                </c:pt>
+                <c:pt idx="87">
+                  <c:v>71.274298056155502</c:v>
+                </c:pt>
+                <c:pt idx="88">
+                  <c:v>74.298056155507567</c:v>
+                </c:pt>
+                <c:pt idx="89">
+                  <c:v>73.434125269978395</c:v>
+                </c:pt>
+                <c:pt idx="90">
+                  <c:v>72.354211663066963</c:v>
+                </c:pt>
+                <c:pt idx="91">
+                  <c:v>73.866090712742988</c:v>
+                </c:pt>
+                <c:pt idx="92">
+                  <c:v>74.082073434125277</c:v>
+                </c:pt>
+                <c:pt idx="93">
+                  <c:v>71.70626349892008</c:v>
+                </c:pt>
+                <c:pt idx="94">
+                  <c:v>72.786177105831527</c:v>
+                </c:pt>
+                <c:pt idx="95">
+                  <c:v>74.730021598272131</c:v>
+                </c:pt>
+                <c:pt idx="96">
+                  <c:v>72.138228941684673</c:v>
+                </c:pt>
+                <c:pt idx="97">
+                  <c:v>74.730021598272131</c:v>
+                </c:pt>
+                <c:pt idx="98">
+                  <c:v>73.218142548596106</c:v>
+                </c:pt>
+              </c:numCache>
+            </c:numRef>
+          </c:val>
+          <c:smooth val="0"/>
+          <c:extLst>
+            <c:ext xmlns:c16="http://schemas.microsoft.com/office/drawing/2014/chart" uri="{C3380CC4-5D6E-409C-BE32-E72D297353CC}">
+              <c16:uniqueId val="{00000001-FF93-4C62-93C4-CEEEA74D5719}"/>
+            </c:ext>
+          </c:extLst>
+        </c:ser>
+        <c:ser>
+          <c:idx val="2"/>
+          <c:order val="2"/>
+          <c:spPr>
+            <a:ln w="22225" cap="rnd">
+              <a:solidFill>
+                <a:schemeClr val="accent3"/>
+              </a:solidFill>
+              <a:round/>
+            </a:ln>
+            <a:effectLst/>
+          </c:spPr>
+          <c:marker>
+            <c:symbol val="none"/>
+          </c:marker>
+          <c:val>
+            <c:numRef>
+              <c:f>'Sheet Name'!$D$2:$D$100</c:f>
+              <c:numCache>
+                <c:formatCode>General</c:formatCode>
+                <c:ptCount val="99"/>
+                <c:pt idx="0">
+                  <c:v>61.987041036717059</c:v>
+                </c:pt>
+                <c:pt idx="1">
+                  <c:v>61.77105831533477</c:v>
+                </c:pt>
+                <c:pt idx="2">
+                  <c:v>63.498920086393085</c:v>
+                </c:pt>
+                <c:pt idx="3">
+                  <c:v>65.010799136069124</c:v>
+                </c:pt>
+                <c:pt idx="4">
+                  <c:v>60.259179265658744</c:v>
+                </c:pt>
+                <c:pt idx="5">
+                  <c:v>60.475161987041034</c:v>
+                </c:pt>
+                <c:pt idx="6">
+                  <c:v>62.634989200863934</c:v>
+                </c:pt>
+                <c:pt idx="7">
+                  <c:v>66.090712742980557</c:v>
+                </c:pt>
+                <c:pt idx="8">
+                  <c:v>61.77105831533477</c:v>
+                </c:pt>
+                <c:pt idx="9">
+                  <c:v>63.066954643628513</c:v>
+                </c:pt>
+                <c:pt idx="10">
+                  <c:v>62.203023758099349</c:v>
+                </c:pt>
+                <c:pt idx="11">
+                  <c:v>63.066954643628513</c:v>
+                </c:pt>
+                <c:pt idx="12">
+                  <c:v>63.066954643628513</c:v>
+                </c:pt>
+                <c:pt idx="13">
+                  <c:v>63.498920086393085</c:v>
+                </c:pt>
+                <c:pt idx="14">
+                  <c:v>62.203023758099349</c:v>
+                </c:pt>
+                <c:pt idx="15">
+                  <c:v>62.634989200863934</c:v>
+                </c:pt>
+                <c:pt idx="16">
+                  <c:v>63.714902807775374</c:v>
+                </c:pt>
+                <c:pt idx="17">
+                  <c:v>62.203023758099349</c:v>
+                </c:pt>
+                <c:pt idx="18">
+                  <c:v>62.419006479481645</c:v>
+                </c:pt>
+                <c:pt idx="19">
+                  <c:v>64.794816414686835</c:v>
+                </c:pt>
+                <c:pt idx="20">
+                  <c:v>65.010799136069124</c:v>
+                </c:pt>
+                <c:pt idx="21">
+                  <c:v>63.498920086393085</c:v>
+                </c:pt>
+                <c:pt idx="22">
+                  <c:v>61.339092872570191</c:v>
+                </c:pt>
+                <c:pt idx="23">
+                  <c:v>62.850971922246224</c:v>
+                </c:pt>
+                <c:pt idx="24">
+                  <c:v>65.874730021598268</c:v>
+                </c:pt>
+                <c:pt idx="25">
+                  <c:v>63.714902807775374</c:v>
+                </c:pt>
+                <c:pt idx="26">
+                  <c:v>63.282937365010795</c:v>
+                </c:pt>
+                <c:pt idx="27">
+                  <c:v>61.987041036717059</c:v>
+                </c:pt>
+                <c:pt idx="28">
+                  <c:v>64.146868250539953</c:v>
+                </c:pt>
+                <c:pt idx="29">
+                  <c:v>62.850971922246224</c:v>
+                </c:pt>
+                <c:pt idx="30">
+                  <c:v>61.987041036717059</c:v>
+                </c:pt>
+                <c:pt idx="31">
+                  <c:v>63.498920086393085</c:v>
+                </c:pt>
+                <c:pt idx="32">
+                  <c:v>63.498920086393085</c:v>
+                </c:pt>
+                <c:pt idx="33">
+                  <c:v>63.930885529157663</c:v>
+                </c:pt>
+                <c:pt idx="34">
+                  <c:v>61.555075593952481</c:v>
+                </c:pt>
+                <c:pt idx="35">
+                  <c:v>62.850971922246224</c:v>
+                </c:pt>
+                <c:pt idx="36">
+                  <c:v>65.2267818574514</c:v>
+                </c:pt>
+                <c:pt idx="37">
+                  <c:v>62.634989200863934</c:v>
+                </c:pt>
+                <c:pt idx="38">
+                  <c:v>63.714902807775374</c:v>
+                </c:pt>
+                <c:pt idx="39">
+                  <c:v>63.282937365010795</c:v>
+                </c:pt>
+                <c:pt idx="40">
+                  <c:v>65.2267818574514</c:v>
+                </c:pt>
+                <c:pt idx="41">
+                  <c:v>62.634989200863934</c:v>
+                </c:pt>
+                <c:pt idx="42">
+                  <c:v>62.850971922246224</c:v>
+                </c:pt>
+                <c:pt idx="43">
+                  <c:v>64.578833693304531</c:v>
+                </c:pt>
+                <c:pt idx="44">
+                  <c:v>63.282937365010795</c:v>
+                </c:pt>
+                <c:pt idx="45">
+                  <c:v>61.555075593952481</c:v>
+                </c:pt>
+                <c:pt idx="46">
+                  <c:v>61.339092872570191</c:v>
+                </c:pt>
+                <c:pt idx="47">
+                  <c:v>61.77105831533477</c:v>
+                </c:pt>
+                <c:pt idx="48">
+                  <c:v>60.259179265658744</c:v>
+                </c:pt>
+                <c:pt idx="49">
+                  <c:v>63.930885529157663</c:v>
+                </c:pt>
+                <c:pt idx="50">
+                  <c:v>63.066954643628513</c:v>
+                </c:pt>
+                <c:pt idx="51">
+                  <c:v>64.794816414686835</c:v>
+                </c:pt>
+                <c:pt idx="52">
+                  <c:v>64.362850971922242</c:v>
+                </c:pt>
+                <c:pt idx="53">
+                  <c:v>65.010799136069124</c:v>
+                </c:pt>
+                <c:pt idx="54">
+                  <c:v>64.362850971922242</c:v>
+                </c:pt>
+                <c:pt idx="55">
+                  <c:v>62.634989200863934</c:v>
+                </c:pt>
+                <c:pt idx="56">
+                  <c:v>62.419006479481645</c:v>
+                </c:pt>
+                <c:pt idx="57">
+                  <c:v>61.555075593952481</c:v>
+                </c:pt>
+                <c:pt idx="58">
+                  <c:v>61.339092872570191</c:v>
+                </c:pt>
+                <c:pt idx="59">
+                  <c:v>62.634989200863934</c:v>
+                </c:pt>
+                <c:pt idx="60">
+                  <c:v>63.066954643628513</c:v>
+                </c:pt>
+                <c:pt idx="61">
+                  <c:v>63.282937365010795</c:v>
+                </c:pt>
+                <c:pt idx="62">
+                  <c:v>63.282937365010795</c:v>
+                </c:pt>
+                <c:pt idx="63">
+                  <c:v>66.090712742980557</c:v>
+                </c:pt>
+                <c:pt idx="64">
+                  <c:v>63.066954643628513</c:v>
+                </c:pt>
+                <c:pt idx="65">
+                  <c:v>61.987041036717059</c:v>
+                </c:pt>
+                <c:pt idx="66">
+                  <c:v>63.714902807775374</c:v>
+                </c:pt>
+                <c:pt idx="67">
+                  <c:v>63.714902807775374</c:v>
+                </c:pt>
+                <c:pt idx="68">
+                  <c:v>62.634989200863934</c:v>
+                </c:pt>
+                <c:pt idx="69">
+                  <c:v>63.066954643628513</c:v>
+                </c:pt>
+                <c:pt idx="70">
+                  <c:v>60.90712742980562</c:v>
+                </c:pt>
+                <c:pt idx="71">
+                  <c:v>62.203023758099349</c:v>
+                </c:pt>
+                <c:pt idx="72">
+                  <c:v>62.419006479481645</c:v>
+                </c:pt>
+                <c:pt idx="73">
+                  <c:v>62.634989200863934</c:v>
+                </c:pt>
+                <c:pt idx="74">
+                  <c:v>60.259179265658744</c:v>
+                </c:pt>
+                <c:pt idx="75">
+                  <c:v>64.146868250539953</c:v>
+                </c:pt>
+                <c:pt idx="76">
+                  <c:v>62.419006479481645</c:v>
+                </c:pt>
+                <c:pt idx="77">
+                  <c:v>61.77105831533477</c:v>
+                </c:pt>
+                <c:pt idx="78">
+                  <c:v>64.146868250539953</c:v>
+                </c:pt>
+                <c:pt idx="79">
+                  <c:v>62.850971922246224</c:v>
+                </c:pt>
+                <c:pt idx="80">
+                  <c:v>59.611231101511876</c:v>
+                </c:pt>
+                <c:pt idx="81">
+                  <c:v>63.498920086393085</c:v>
+                </c:pt>
+                <c:pt idx="82">
+                  <c:v>63.066954643628513</c:v>
+                </c:pt>
+                <c:pt idx="83">
+                  <c:v>63.498920086393085</c:v>
+                </c:pt>
+                <c:pt idx="84">
+                  <c:v>62.634989200863934</c:v>
+                </c:pt>
+                <c:pt idx="85">
+                  <c:v>62.850971922246224</c:v>
+                </c:pt>
+                <c:pt idx="86">
+                  <c:v>61.77105831533477</c:v>
+                </c:pt>
+                <c:pt idx="87">
+                  <c:v>63.498920086393085</c:v>
+                </c:pt>
+                <c:pt idx="88">
+                  <c:v>62.634989200863934</c:v>
+                </c:pt>
+                <c:pt idx="89">
+                  <c:v>63.498920086393085</c:v>
+                </c:pt>
+                <c:pt idx="90">
+                  <c:v>65.010799136069124</c:v>
+                </c:pt>
+                <c:pt idx="91">
+                  <c:v>63.282937365010795</c:v>
+                </c:pt>
+                <c:pt idx="92">
+                  <c:v>62.850971922246224</c:v>
+                </c:pt>
+                <c:pt idx="93">
+                  <c:v>61.987041036717059</c:v>
+                </c:pt>
+                <c:pt idx="94">
+                  <c:v>63.498920086393085</c:v>
+                </c:pt>
+                <c:pt idx="95">
+                  <c:v>61.555075593952481</c:v>
+                </c:pt>
+                <c:pt idx="96">
+                  <c:v>62.203023758099349</c:v>
+                </c:pt>
+                <c:pt idx="97">
+                  <c:v>58.963282937365015</c:v>
+                </c:pt>
+                <c:pt idx="98">
+                  <c:v>63.930885529157663</c:v>
+                </c:pt>
+              </c:numCache>
+            </c:numRef>
+          </c:val>
+          <c:smooth val="0"/>
+          <c:extLst>
+            <c:ext xmlns:c16="http://schemas.microsoft.com/office/drawing/2014/chart" uri="{C3380CC4-5D6E-409C-BE32-E72D297353CC}">
+              <c16:uniqueId val="{00000002-FF93-4C62-93C4-CEEEA74D5719}"/>
+            </c:ext>
+          </c:extLst>
+        </c:ser>
+        <c:dLbls>
+          <c:showLegendKey val="0"/>
+          <c:showVal val="0"/>
+          <c:showCatName val="0"/>
+          <c:showSerName val="0"/>
+          <c:showPercent val="0"/>
+          <c:showBubbleSize val="0"/>
+        </c:dLbls>
+        <c:smooth val="0"/>
+        <c:axId val="890366687"/>
+        <c:axId val="890352127"/>
+      </c:lineChart>
+      <c:catAx>
+        <c:axId val="890366687"/>
+        <c:scaling>
+          <c:orientation val="minMax"/>
+        </c:scaling>
+        <c:delete val="0"/>
+        <c:axPos val="b"/>
+        <c:majorGridlines>
+          <c:spPr>
+            <a:ln w="9525" cap="flat" cmpd="sng" algn="ctr">
+              <a:solidFill>
+                <a:schemeClr val="dk1">
+                  <a:lumMod val="15000"/>
+                  <a:lumOff val="85000"/>
+                  <a:alpha val="54000"/>
+                </a:schemeClr>
+              </a:solidFill>
+              <a:round/>
+            </a:ln>
+            <a:effectLst/>
+          </c:spPr>
+        </c:majorGridlines>
+        <c:minorGridlines>
+          <c:spPr>
+            <a:ln w="9525" cap="flat" cmpd="sng" algn="ctr">
+              <a:solidFill>
+                <a:schemeClr val="dk1">
+                  <a:lumMod val="15000"/>
+                  <a:lumOff val="85000"/>
+                  <a:alpha val="51000"/>
+                </a:schemeClr>
+              </a:solidFill>
+              <a:round/>
+            </a:ln>
+            <a:effectLst/>
+          </c:spPr>
+        </c:minorGridlines>
+        <c:majorTickMark val="none"/>
+        <c:minorTickMark val="none"/>
+        <c:tickLblPos val="nextTo"/>
+        <c:spPr>
+          <a:noFill/>
+          <a:ln w="9525" cap="flat" cmpd="sng" algn="ctr">
+            <a:solidFill>
+              <a:schemeClr val="dk1">
+                <a:lumMod val="15000"/>
+                <a:lumOff val="85000"/>
+              </a:schemeClr>
+            </a:solidFill>
+            <a:round/>
+          </a:ln>
+          <a:effectLst/>
+        </c:spPr>
+        <c:txPr>
+          <a:bodyPr rot="-60000000" spcFirstLastPara="1" vertOverflow="ellipsis" vert="horz" wrap="square" anchor="ctr" anchorCtr="1"/>
+          <a:lstStyle/>
+          <a:p>
+            <a:pPr>
+              <a:defRPr sz="1197" b="0" i="0" u="none" strike="noStrike" kern="1200" cap="none" spc="0" normalizeH="0" baseline="0">
+                <a:solidFill>
+                  <a:schemeClr val="dk1">
+                    <a:lumMod val="65000"/>
+                    <a:lumOff val="35000"/>
+                  </a:schemeClr>
+                </a:solidFill>
+                <a:latin typeface="+mn-lt"/>
+                <a:ea typeface="+mn-ea"/>
+                <a:cs typeface="+mn-cs"/>
+              </a:defRPr>
+            </a:pPr>
+            <a:endParaRPr lang="en-US"/>
+          </a:p>
+        </c:txPr>
+        <c:crossAx val="890352127"/>
+        <c:crosses val="autoZero"/>
+        <c:auto val="1"/>
+        <c:lblAlgn val="ctr"/>
+        <c:lblOffset val="100"/>
+        <c:noMultiLvlLbl val="0"/>
+      </c:catAx>
+      <c:valAx>
+        <c:axId val="890352127"/>
+        <c:scaling>
+          <c:orientation val="minMax"/>
+        </c:scaling>
+        <c:delete val="0"/>
+        <c:axPos val="l"/>
+        <c:majorGridlines>
+          <c:spPr>
+            <a:ln w="9525" cap="flat" cmpd="sng" algn="ctr">
+              <a:solidFill>
+                <a:schemeClr val="dk1">
+                  <a:lumMod val="15000"/>
+                  <a:lumOff val="85000"/>
+                  <a:alpha val="54000"/>
+                </a:schemeClr>
+              </a:solidFill>
+              <a:round/>
+            </a:ln>
+            <a:effectLst/>
+          </c:spPr>
+        </c:majorGridlines>
+        <c:numFmt formatCode="General" sourceLinked="1"/>
+        <c:majorTickMark val="none"/>
+        <c:minorTickMark val="none"/>
+        <c:tickLblPos val="nextTo"/>
+        <c:spPr>
+          <a:noFill/>
+          <a:ln>
+            <a:noFill/>
+          </a:ln>
+          <a:effectLst/>
+        </c:spPr>
+        <c:txPr>
+          <a:bodyPr rot="-60000000" spcFirstLastPara="1" vertOverflow="ellipsis" vert="horz" wrap="square" anchor="ctr" anchorCtr="1"/>
+          <a:lstStyle/>
+          <a:p>
+            <a:pPr>
+              <a:defRPr sz="1197" b="0" i="0" u="none" strike="noStrike" kern="1200" baseline="0">
+                <a:solidFill>
+                  <a:schemeClr val="dk1">
+                    <a:lumMod val="65000"/>
+                    <a:lumOff val="35000"/>
+                  </a:schemeClr>
+                </a:solidFill>
+                <a:latin typeface="+mn-lt"/>
+                <a:ea typeface="+mn-ea"/>
+                <a:cs typeface="+mn-cs"/>
+              </a:defRPr>
+            </a:pPr>
+            <a:endParaRPr lang="en-US"/>
+          </a:p>
+        </c:txPr>
+        <c:crossAx val="890366687"/>
+        <c:crosses val="autoZero"/>
+        <c:crossBetween val="between"/>
+      </c:valAx>
+      <c:spPr>
+        <a:pattFill prst="ltDnDiag">
+          <a:fgClr>
+            <a:schemeClr val="dk1">
+              <a:lumMod val="15000"/>
+              <a:lumOff val="85000"/>
+            </a:schemeClr>
+          </a:fgClr>
+          <a:bgClr>
+            <a:schemeClr val="lt1"/>
+          </a:bgClr>
+        </a:pattFill>
+        <a:ln>
+          <a:noFill/>
+        </a:ln>
+        <a:effectLst/>
+      </c:spPr>
+    </c:plotArea>
+    <c:legend>
+      <c:legendPos val="b"/>
+      <c:layout/>
+      <c:overlay val="0"/>
+      <c:spPr>
+        <a:noFill/>
+        <a:ln>
+          <a:noFill/>
+        </a:ln>
+        <a:effectLst/>
+      </c:spPr>
+      <c:txPr>
+        <a:bodyPr rot="0" spcFirstLastPara="1" vertOverflow="ellipsis" vert="horz" wrap="square" anchor="ctr" anchorCtr="1"/>
+        <a:lstStyle/>
+        <a:p>
+          <a:pPr>
+            <a:defRPr sz="1197" b="0" i="0" u="none" strike="noStrike" kern="1200" baseline="0">
+              <a:solidFill>
+                <a:schemeClr val="dk1">
+                  <a:lumMod val="65000"/>
+                  <a:lumOff val="35000"/>
+                </a:schemeClr>
+              </a:solidFill>
+              <a:latin typeface="+mn-lt"/>
+              <a:ea typeface="+mn-ea"/>
+              <a:cs typeface="+mn-cs"/>
+            </a:defRPr>
+          </a:pPr>
+          <a:endParaRPr lang="en-US"/>
+        </a:p>
+      </c:txPr>
+    </c:legend>
+    <c:plotVisOnly val="1"/>
+    <c:dispBlanksAs val="gap"/>
+    <c:showDLblsOverMax val="0"/>
+  </c:chart>
+  <c:spPr>
+    <a:solidFill>
+      <a:schemeClr val="lt1"/>
+    </a:solidFill>
+    <a:ln w="9525" cap="flat" cmpd="sng" algn="ctr">
+      <a:solidFill>
+        <a:schemeClr val="dk1">
+          <a:lumMod val="15000"/>
+          <a:lumOff val="85000"/>
+        </a:schemeClr>
+      </a:solidFill>
+      <a:round/>
+    </a:ln>
+    <a:effectLst/>
+  </c:spPr>
+  <c:txPr>
+    <a:bodyPr/>
+    <a:lstStyle/>
+    <a:p>
+      <a:pPr>
+        <a:defRPr/>
+      </a:pPr>
+      <a:endParaRPr lang="en-US"/>
+    </a:p>
+  </c:txPr>
+  <c:externalData r:id="rId3">
+    <c:autoUpdate val="0"/>
+  </c:externalData>
+</c:chartSpace>
+</file>
+
 <file path=ppt/charts/colors1.xml><?xml version="1.0" encoding="utf-8"?>
+<cs:colorStyle xmlns:cs="http://schemas.microsoft.com/office/drawing/2012/chartStyle" xmlns:a="http://schemas.openxmlformats.org/drawingml/2006/main" meth="cycle" id="10">
+  <a:schemeClr val="accent1"/>
+  <a:schemeClr val="accent2"/>
+  <a:schemeClr val="accent3"/>
+  <a:schemeClr val="accent4"/>
+  <a:schemeClr val="accent5"/>
+  <a:schemeClr val="accent6"/>
+  <cs:variation/>
+  <cs:variation>
+    <a:lumMod val="60000"/>
+  </cs:variation>
+  <cs:variation>
+    <a:lumMod val="80000"/>
+    <a:lumOff val="20000"/>
+  </cs:variation>
+  <cs:variation>
+    <a:lumMod val="80000"/>
+  </cs:variation>
+  <cs:variation>
+    <a:lumMod val="60000"/>
+    <a:lumOff val="40000"/>
+  </cs:variation>
+  <cs:variation>
+    <a:lumMod val="50000"/>
+  </cs:variation>
+  <cs:variation>
+    <a:lumMod val="70000"/>
+    <a:lumOff val="30000"/>
+  </cs:variation>
+  <cs:variation>
+    <a:lumMod val="70000"/>
+  </cs:variation>
+  <cs:variation>
+    <a:lumMod val="50000"/>
+    <a:lumOff val="50000"/>
+  </cs:variation>
+</cs:colorStyle>
+</file>
+
+<file path=ppt/charts/colors2.xml><?xml version="1.0" encoding="utf-8"?>
 <cs:colorStyle xmlns:cs="http://schemas.microsoft.com/office/drawing/2012/chartStyle" xmlns:a="http://schemas.openxmlformats.org/drawingml/2006/main" meth="cycle" id="10">
   <a:schemeClr val="accent1"/>
   <a:schemeClr val="accent2"/>
@@ -1135,6 +2471,557 @@
       <a:ln>
         <a:noFill/>
       </a:ln>
+    </cs:spPr>
+  </cs:wall>
+</cs:chartStyle>
+</file>
+
+<file path=ppt/charts/style2.xml><?xml version="1.0" encoding="utf-8"?>
+<cs:chartStyle xmlns:cs="http://schemas.microsoft.com/office/drawing/2012/chartStyle" xmlns:a="http://schemas.openxmlformats.org/drawingml/2006/main" id="232">
+  <cs:axisTitle>
+    <cs:lnRef idx="0"/>
+    <cs:fillRef idx="0"/>
+    <cs:effectRef idx="0"/>
+    <cs:fontRef idx="minor">
+      <a:schemeClr val="dk1">
+        <a:lumMod val="65000"/>
+        <a:lumOff val="35000"/>
+      </a:schemeClr>
+    </cs:fontRef>
+    <cs:defRPr sz="1197" b="1" kern="1200"/>
+  </cs:axisTitle>
+  <cs:categoryAxis>
+    <cs:lnRef idx="0"/>
+    <cs:fillRef idx="0"/>
+    <cs:effectRef idx="0"/>
+    <cs:fontRef idx="minor">
+      <a:schemeClr val="dk1">
+        <a:lumMod val="65000"/>
+        <a:lumOff val="35000"/>
+      </a:schemeClr>
+    </cs:fontRef>
+    <cs:spPr>
+      <a:ln w="9525" cap="flat" cmpd="sng" algn="ctr">
+        <a:solidFill>
+          <a:schemeClr val="dk1">
+            <a:lumMod val="15000"/>
+            <a:lumOff val="85000"/>
+          </a:schemeClr>
+        </a:solidFill>
+        <a:round/>
+      </a:ln>
+    </cs:spPr>
+    <cs:defRPr sz="1197" kern="1200" cap="none" spc="0" normalizeH="0" baseline="0"/>
+  </cs:categoryAxis>
+  <cs:chartArea>
+    <cs:lnRef idx="0"/>
+    <cs:fillRef idx="0"/>
+    <cs:effectRef idx="0"/>
+    <cs:fontRef idx="minor">
+      <a:schemeClr val="dk1"/>
+    </cs:fontRef>
+    <cs:spPr>
+      <a:solidFill>
+        <a:schemeClr val="lt1"/>
+      </a:solidFill>
+      <a:ln w="9525" cap="flat" cmpd="sng" algn="ctr">
+        <a:solidFill>
+          <a:schemeClr val="dk1">
+            <a:lumMod val="15000"/>
+            <a:lumOff val="85000"/>
+          </a:schemeClr>
+        </a:solidFill>
+        <a:round/>
+      </a:ln>
+    </cs:spPr>
+    <cs:defRPr sz="1197" kern="1200"/>
+  </cs:chartArea>
+  <cs:dataLabel>
+    <cs:lnRef idx="0"/>
+    <cs:fillRef idx="0"/>
+    <cs:effectRef idx="0"/>
+    <cs:fontRef idx="minor">
+      <a:schemeClr val="dk1">
+        <a:lumMod val="75000"/>
+        <a:lumOff val="25000"/>
+      </a:schemeClr>
+    </cs:fontRef>
+    <cs:defRPr sz="1197" kern="1200"/>
+  </cs:dataLabel>
+  <cs:dataLabelCallout>
+    <cs:lnRef idx="0"/>
+    <cs:fillRef idx="0"/>
+    <cs:effectRef idx="0"/>
+    <cs:fontRef idx="minor">
+      <a:schemeClr val="dk1">
+        <a:lumMod val="65000"/>
+        <a:lumOff val="35000"/>
+      </a:schemeClr>
+    </cs:fontRef>
+    <cs:spPr>
+      <a:solidFill>
+        <a:schemeClr val="lt1"/>
+      </a:solidFill>
+      <a:ln>
+        <a:solidFill>
+          <a:schemeClr val="dk1">
+            <a:lumMod val="25000"/>
+            <a:lumOff val="75000"/>
+          </a:schemeClr>
+        </a:solidFill>
+      </a:ln>
+    </cs:spPr>
+    <cs:defRPr sz="1197" kern="1200"/>
+    <cs:bodyPr rot="0" spcFirstLastPara="1" vertOverflow="clip" horzOverflow="clip" vert="horz" wrap="square" lIns="36576" tIns="18288" rIns="36576" bIns="18288" anchor="ctr" anchorCtr="1">
+      <a:spAutoFit/>
+    </cs:bodyPr>
+  </cs:dataLabelCallout>
+  <cs:dataPoint>
+    <cs:lnRef idx="0"/>
+    <cs:fillRef idx="0">
+      <cs:styleClr val="auto"/>
+    </cs:fillRef>
+    <cs:effectRef idx="0"/>
+    <cs:fontRef idx="minor">
+      <a:schemeClr val="dk1"/>
+    </cs:fontRef>
+    <cs:spPr>
+      <a:solidFill>
+        <a:schemeClr val="phClr"/>
+      </a:solidFill>
+    </cs:spPr>
+  </cs:dataPoint>
+  <cs:dataPoint3D>
+    <cs:lnRef idx="0"/>
+    <cs:fillRef idx="0">
+      <cs:styleClr val="auto"/>
+    </cs:fillRef>
+    <cs:effectRef idx="0"/>
+    <cs:fontRef idx="minor">
+      <a:schemeClr val="dk1"/>
+    </cs:fontRef>
+    <cs:spPr>
+      <a:solidFill>
+        <a:schemeClr val="phClr"/>
+      </a:solidFill>
+    </cs:spPr>
+  </cs:dataPoint3D>
+  <cs:dataPointLine>
+    <cs:lnRef idx="0">
+      <cs:styleClr val="auto"/>
+    </cs:lnRef>
+    <cs:fillRef idx="0"/>
+    <cs:effectRef idx="0"/>
+    <cs:fontRef idx="minor">
+      <a:schemeClr val="dk1"/>
+    </cs:fontRef>
+    <cs:spPr>
+      <a:ln w="22225" cap="rnd">
+        <a:solidFill>
+          <a:schemeClr val="phClr"/>
+        </a:solidFill>
+        <a:round/>
+      </a:ln>
+    </cs:spPr>
+  </cs:dataPointLine>
+  <cs:dataPointMarker>
+    <cs:lnRef idx="0">
+      <cs:styleClr val="auto"/>
+    </cs:lnRef>
+    <cs:fillRef idx="0">
+      <cs:styleClr val="auto"/>
+    </cs:fillRef>
+    <cs:effectRef idx="0"/>
+    <cs:fontRef idx="minor">
+      <a:schemeClr val="dk1"/>
+    </cs:fontRef>
+    <cs:spPr>
+      <a:solidFill>
+        <a:schemeClr val="lt1"/>
+      </a:solidFill>
+      <a:ln w="15875">
+        <a:solidFill>
+          <a:schemeClr val="phClr"/>
+        </a:solidFill>
+        <a:round/>
+      </a:ln>
+    </cs:spPr>
+  </cs:dataPointMarker>
+  <cs:dataPointMarkerLayout symbol="circle" size="6"/>
+  <cs:dataPointWireframe>
+    <cs:lnRef idx="0">
+      <cs:styleClr val="auto"/>
+    </cs:lnRef>
+    <cs:fillRef idx="0"/>
+    <cs:effectRef idx="0"/>
+    <cs:fontRef idx="minor">
+      <a:schemeClr val="dk1"/>
+    </cs:fontRef>
+    <cs:spPr>
+      <a:ln w="9525" cap="rnd">
+        <a:solidFill>
+          <a:schemeClr val="phClr"/>
+        </a:solidFill>
+        <a:round/>
+      </a:ln>
+    </cs:spPr>
+  </cs:dataPointWireframe>
+  <cs:dataTable>
+    <cs:lnRef idx="0"/>
+    <cs:fillRef idx="0"/>
+    <cs:effectRef idx="0"/>
+    <cs:fontRef idx="minor">
+      <a:schemeClr val="dk1">
+        <a:lumMod val="65000"/>
+        <a:lumOff val="35000"/>
+      </a:schemeClr>
+    </cs:fontRef>
+    <cs:spPr>
+      <a:ln w="9525" cap="flat" cmpd="sng" algn="ctr">
+        <a:solidFill>
+          <a:schemeClr val="dk1">
+            <a:lumMod val="15000"/>
+            <a:lumOff val="85000"/>
+          </a:schemeClr>
+        </a:solidFill>
+        <a:round/>
+      </a:ln>
+    </cs:spPr>
+    <cs:defRPr sz="1064" kern="1200"/>
+  </cs:dataTable>
+  <cs:downBar>
+    <cs:lnRef idx="0"/>
+    <cs:fillRef idx="0"/>
+    <cs:effectRef idx="0"/>
+    <cs:fontRef idx="minor">
+      <a:schemeClr val="dk1"/>
+    </cs:fontRef>
+    <cs:spPr>
+      <a:solidFill>
+        <a:schemeClr val="dk1">
+          <a:lumMod val="75000"/>
+          <a:lumOff val="25000"/>
+        </a:schemeClr>
+      </a:solidFill>
+      <a:ln w="9525" cap="flat" cmpd="sng" algn="ctr">
+        <a:solidFill>
+          <a:schemeClr val="dk1">
+            <a:lumMod val="50000"/>
+            <a:lumOff val="50000"/>
+          </a:schemeClr>
+        </a:solidFill>
+        <a:round/>
+      </a:ln>
+    </cs:spPr>
+  </cs:downBar>
+  <cs:dropLine>
+    <cs:lnRef idx="0"/>
+    <cs:fillRef idx="0"/>
+    <cs:effectRef idx="0"/>
+    <cs:fontRef idx="minor">
+      <a:schemeClr val="dk1"/>
+    </cs:fontRef>
+    <cs:spPr>
+      <a:ln w="9525" cap="flat" cmpd="sng" algn="ctr">
+        <a:solidFill>
+          <a:schemeClr val="dk1">
+            <a:lumMod val="35000"/>
+            <a:lumOff val="65000"/>
+          </a:schemeClr>
+        </a:solidFill>
+        <a:round/>
+      </a:ln>
+    </cs:spPr>
+  </cs:dropLine>
+  <cs:errorBar>
+    <cs:lnRef idx="0"/>
+    <cs:fillRef idx="0"/>
+    <cs:effectRef idx="0"/>
+    <cs:fontRef idx="minor">
+      <a:schemeClr val="dk1"/>
+    </cs:fontRef>
+    <cs:spPr>
+      <a:ln w="9525" cap="flat" cmpd="sng" algn="ctr">
+        <a:solidFill>
+          <a:schemeClr val="dk1">
+            <a:lumMod val="50000"/>
+            <a:lumOff val="50000"/>
+          </a:schemeClr>
+        </a:solidFill>
+        <a:round/>
+      </a:ln>
+    </cs:spPr>
+  </cs:errorBar>
+  <cs:floor>
+    <cs:lnRef idx="0"/>
+    <cs:fillRef idx="0"/>
+    <cs:effectRef idx="0"/>
+    <cs:fontRef idx="minor">
+      <a:schemeClr val="dk1"/>
+    </cs:fontRef>
+    <cs:spPr>
+      <a:pattFill prst="ltDnDiag">
+        <a:fgClr>
+          <a:schemeClr val="dk1">
+            <a:lumMod val="15000"/>
+            <a:lumOff val="85000"/>
+          </a:schemeClr>
+        </a:fgClr>
+        <a:bgClr>
+          <a:schemeClr val="lt1"/>
+        </a:bgClr>
+      </a:pattFill>
+    </cs:spPr>
+  </cs:floor>
+  <cs:gridlineMajor>
+    <cs:lnRef idx="0"/>
+    <cs:fillRef idx="0"/>
+    <cs:effectRef idx="0"/>
+    <cs:fontRef idx="minor">
+      <a:schemeClr val="dk1"/>
+    </cs:fontRef>
+    <cs:spPr>
+      <a:ln w="9525" cap="flat" cmpd="sng" algn="ctr">
+        <a:solidFill>
+          <a:schemeClr val="dk1">
+            <a:lumMod val="15000"/>
+            <a:lumOff val="85000"/>
+            <a:alpha val="54000"/>
+          </a:schemeClr>
+        </a:solidFill>
+        <a:round/>
+      </a:ln>
+    </cs:spPr>
+  </cs:gridlineMajor>
+  <cs:gridlineMinor>
+    <cs:lnRef idx="0"/>
+    <cs:fillRef idx="0"/>
+    <cs:effectRef idx="0"/>
+    <cs:fontRef idx="minor">
+      <a:schemeClr val="dk1"/>
+    </cs:fontRef>
+    <cs:spPr>
+      <a:ln w="9525" cap="flat" cmpd="sng" algn="ctr">
+        <a:solidFill>
+          <a:schemeClr val="dk1">
+            <a:lumMod val="15000"/>
+            <a:lumOff val="85000"/>
+            <a:alpha val="51000"/>
+          </a:schemeClr>
+        </a:solidFill>
+        <a:round/>
+      </a:ln>
+    </cs:spPr>
+  </cs:gridlineMinor>
+  <cs:hiLoLine>
+    <cs:lnRef idx="0"/>
+    <cs:fillRef idx="0"/>
+    <cs:effectRef idx="0"/>
+    <cs:fontRef idx="minor">
+      <a:schemeClr val="dk1"/>
+    </cs:fontRef>
+    <cs:spPr>
+      <a:ln w="9525" cap="flat" cmpd="sng" algn="ctr">
+        <a:solidFill>
+          <a:schemeClr val="dk1">
+            <a:lumMod val="35000"/>
+            <a:lumOff val="65000"/>
+          </a:schemeClr>
+        </a:solidFill>
+        <a:round/>
+      </a:ln>
+    </cs:spPr>
+  </cs:hiLoLine>
+  <cs:leaderLine>
+    <cs:lnRef idx="0"/>
+    <cs:fillRef idx="0"/>
+    <cs:effectRef idx="0"/>
+    <cs:fontRef idx="minor">
+      <a:schemeClr val="dk1"/>
+    </cs:fontRef>
+    <cs:spPr>
+      <a:ln w="9525" cap="flat" cmpd="sng" algn="ctr">
+        <a:solidFill>
+          <a:schemeClr val="dk1">
+            <a:lumMod val="35000"/>
+            <a:lumOff val="65000"/>
+          </a:schemeClr>
+        </a:solidFill>
+        <a:round/>
+      </a:ln>
+    </cs:spPr>
+  </cs:leaderLine>
+  <cs:legend>
+    <cs:lnRef idx="0"/>
+    <cs:fillRef idx="0"/>
+    <cs:effectRef idx="0"/>
+    <cs:fontRef idx="minor">
+      <a:schemeClr val="dk1">
+        <a:lumMod val="65000"/>
+        <a:lumOff val="35000"/>
+      </a:schemeClr>
+    </cs:fontRef>
+    <cs:defRPr sz="1197" kern="1200"/>
+  </cs:legend>
+  <cs:plotArea>
+    <cs:lnRef idx="0"/>
+    <cs:fillRef idx="0"/>
+    <cs:effectRef idx="0"/>
+    <cs:fontRef idx="minor">
+      <a:schemeClr val="dk1"/>
+    </cs:fontRef>
+    <cs:spPr>
+      <a:pattFill prst="ltDnDiag">
+        <a:fgClr>
+          <a:schemeClr val="dk1">
+            <a:lumMod val="15000"/>
+            <a:lumOff val="85000"/>
+          </a:schemeClr>
+        </a:fgClr>
+        <a:bgClr>
+          <a:schemeClr val="lt1"/>
+        </a:bgClr>
+      </a:pattFill>
+    </cs:spPr>
+  </cs:plotArea>
+  <cs:plotArea3D>
+    <cs:lnRef idx="0"/>
+    <cs:fillRef idx="0"/>
+    <cs:effectRef idx="0"/>
+    <cs:fontRef idx="minor">
+      <a:schemeClr val="dk1"/>
+    </cs:fontRef>
+    <cs:spPr>
+      <a:solidFill>
+        <a:schemeClr val="lt1"/>
+      </a:solidFill>
+    </cs:spPr>
+  </cs:plotArea3D>
+  <cs:seriesAxis>
+    <cs:lnRef idx="0"/>
+    <cs:fillRef idx="0"/>
+    <cs:effectRef idx="0"/>
+    <cs:fontRef idx="minor">
+      <a:schemeClr val="dk1">
+        <a:lumMod val="65000"/>
+        <a:lumOff val="35000"/>
+      </a:schemeClr>
+    </cs:fontRef>
+    <cs:defRPr sz="1197" kern="1200"/>
+  </cs:seriesAxis>
+  <cs:seriesLine>
+    <cs:lnRef idx="0"/>
+    <cs:fillRef idx="0"/>
+    <cs:effectRef idx="0"/>
+    <cs:fontRef idx="minor">
+      <a:schemeClr val="dk1"/>
+    </cs:fontRef>
+    <cs:spPr>
+      <a:ln w="9525" cap="flat" cmpd="sng" algn="ctr">
+        <a:solidFill>
+          <a:schemeClr val="dk1">
+            <a:lumMod val="35000"/>
+            <a:lumOff val="65000"/>
+          </a:schemeClr>
+        </a:solidFill>
+        <a:round/>
+      </a:ln>
+    </cs:spPr>
+  </cs:seriesLine>
+  <cs:title>
+    <cs:lnRef idx="0"/>
+    <cs:fillRef idx="0"/>
+    <cs:effectRef idx="0"/>
+    <cs:fontRef idx="major">
+      <a:schemeClr val="dk1">
+        <a:lumMod val="50000"/>
+        <a:lumOff val="50000"/>
+      </a:schemeClr>
+    </cs:fontRef>
+    <cs:defRPr sz="2128" b="1" kern="1200" cap="none" spc="0" normalizeH="0" baseline="0"/>
+  </cs:title>
+  <cs:trendline>
+    <cs:lnRef idx="0">
+      <cs:styleClr val="auto"/>
+    </cs:lnRef>
+    <cs:fillRef idx="0"/>
+    <cs:effectRef idx="0"/>
+    <cs:fontRef idx="minor">
+      <a:schemeClr val="dk1"/>
+    </cs:fontRef>
+    <cs:spPr>
+      <a:ln w="19050" cap="rnd">
+        <a:solidFill>
+          <a:schemeClr val="phClr"/>
+        </a:solidFill>
+      </a:ln>
+    </cs:spPr>
+  </cs:trendline>
+  <cs:trendlineLabel>
+    <cs:lnRef idx="0"/>
+    <cs:fillRef idx="0"/>
+    <cs:effectRef idx="0"/>
+    <cs:fontRef idx="minor">
+      <a:schemeClr val="dk1">
+        <a:lumMod val="65000"/>
+        <a:lumOff val="35000"/>
+      </a:schemeClr>
+    </cs:fontRef>
+    <cs:defRPr sz="1197" kern="1200"/>
+  </cs:trendlineLabel>
+  <cs:upBar>
+    <cs:lnRef idx="0"/>
+    <cs:fillRef idx="0"/>
+    <cs:effectRef idx="0"/>
+    <cs:fontRef idx="minor">
+      <a:schemeClr val="dk1"/>
+    </cs:fontRef>
+    <cs:spPr>
+      <a:solidFill>
+        <a:schemeClr val="lt1"/>
+      </a:solidFill>
+      <a:ln w="9525" cap="flat" cmpd="sng" algn="ctr">
+        <a:solidFill>
+          <a:schemeClr val="dk1">
+            <a:lumMod val="50000"/>
+            <a:lumOff val="50000"/>
+          </a:schemeClr>
+        </a:solidFill>
+        <a:round/>
+      </a:ln>
+    </cs:spPr>
+  </cs:upBar>
+  <cs:valueAxis>
+    <cs:lnRef idx="0"/>
+    <cs:fillRef idx="0"/>
+    <cs:effectRef idx="0"/>
+    <cs:fontRef idx="minor">
+      <a:schemeClr val="dk1">
+        <a:lumMod val="65000"/>
+        <a:lumOff val="35000"/>
+      </a:schemeClr>
+    </cs:fontRef>
+    <cs:defRPr sz="1197" kern="1200"/>
+  </cs:valueAxis>
+  <cs:wall>
+    <cs:lnRef idx="0"/>
+    <cs:fillRef idx="0"/>
+    <cs:effectRef idx="0"/>
+    <cs:fontRef idx="minor">
+      <a:schemeClr val="dk1"/>
+    </cs:fontRef>
+    <cs:spPr>
+      <a:pattFill prst="ltDnDiag">
+        <a:fgClr>
+          <a:schemeClr val="dk1">
+            <a:lumMod val="15000"/>
+            <a:lumOff val="85000"/>
+          </a:schemeClr>
+        </a:fgClr>
+        <a:bgClr>
+          <a:schemeClr val="lt1"/>
+        </a:bgClr>
+      </a:pattFill>
     </cs:spPr>
   </cs:wall>
 </cs:chartStyle>
@@ -4096,7 +5983,7 @@
                   <a:schemeClr val="tx2"/>
                 </a:solidFill>
               </a:rPr>
-              <a:t>11/14/2019</a:t>
+              <a:t>11/18/2019</a:t>
             </a:fld>
             <a:endParaRPr>
               <a:solidFill>
@@ -4286,7 +6173,7 @@
             <a:fld id="{F95CF31C-F757-429C-A789-86504F04C3BE}" type="datetimeFigureOut">
               <a:rPr lang="en-US"/>
               <a:pPr/>
-              <a:t>11/14/2019</a:t>
+              <a:t>11/18/2019</a:t>
             </a:fld>
             <a:endParaRPr/>
           </a:p>
@@ -4628,7 +6515,7 @@
             <a:fld id="{B8796F01-7154-41E0-B48B-A6921757531A}" type="slidenum">
               <a:rPr lang="en-US" smtClean="0"/>
               <a:pPr/>
-              <a:t>9</a:t>
+              <a:t>12</a:t>
             </a:fld>
             <a:endParaRPr lang="en-US"/>
           </a:p>
@@ -4971,7 +6858,7 @@
           <a:p>
             <a:fld id="{7AECB6C2-1084-4AED-A74A-DF028B0094EA}" type="datetimeFigureOut">
               <a:rPr lang="en-US"/>
-              <a:t>11/14/2019</a:t>
+              <a:t>11/18/2019</a:t>
             </a:fld>
             <a:endParaRPr/>
           </a:p>
@@ -5163,7 +7050,7 @@
           <a:p>
             <a:fld id="{7AECB6C2-1084-4AED-A74A-DF028B0094EA}" type="datetimeFigureOut">
               <a:rPr lang="en-US"/>
-              <a:t>11/14/2019</a:t>
+              <a:t>11/18/2019</a:t>
             </a:fld>
             <a:endParaRPr/>
           </a:p>
@@ -5361,7 +7248,7 @@
           <a:p>
             <a:fld id="{8B5A30F4-0B4E-4E4B-BC36-C30CD13F4E17}" type="datetimeFigureOut">
               <a:rPr lang="en-US"/>
-              <a:t>11/14/2019</a:t>
+              <a:t>11/18/2019</a:t>
             </a:fld>
             <a:endParaRPr dirty="0"/>
           </a:p>
@@ -5878,7 +7765,7 @@
           <a:p>
             <a:fld id="{2DD204D1-F9BD-4643-8480-6EA41EB484F1}" type="datetimeFigureOut">
               <a:rPr lang="en-US"/>
-              <a:t>11/14/2019</a:t>
+              <a:t>11/18/2019</a:t>
             </a:fld>
             <a:endParaRPr/>
           </a:p>
@@ -6326,7 +8213,7 @@
           <a:p>
             <a:fld id="{2DD204D1-F9BD-4643-8480-6EA41EB484F1}" type="datetimeFigureOut">
               <a:rPr lang="en-US"/>
-              <a:t>11/14/2019</a:t>
+              <a:t>11/18/2019</a:t>
             </a:fld>
             <a:endParaRPr/>
           </a:p>
@@ -6456,7 +8343,7 @@
           <a:p>
             <a:fld id="{2DD204D1-F9BD-4643-8480-6EA41EB484F1}" type="datetimeFigureOut">
               <a:rPr lang="en-US"/>
-              <a:t>11/14/2019</a:t>
+              <a:t>11/18/2019</a:t>
             </a:fld>
             <a:endParaRPr/>
           </a:p>
@@ -6563,7 +8450,7 @@
           <a:p>
             <a:fld id="{2DD204D1-F9BD-4643-8480-6EA41EB484F1}" type="datetimeFigureOut">
               <a:rPr lang="en-US"/>
-              <a:t>11/14/2019</a:t>
+              <a:t>11/18/2019</a:t>
             </a:fld>
             <a:endParaRPr/>
           </a:p>
@@ -6920,7 +8807,7 @@
           <a:p>
             <a:fld id="{126BF754-515F-40B9-8D24-D54D5825B3D0}" type="datetimeFigureOut">
               <a:rPr lang="en-US"/>
-              <a:t>11/14/2019</a:t>
+              <a:t>11/18/2019</a:t>
             </a:fld>
             <a:endParaRPr/>
           </a:p>
@@ -7257,7 +9144,7 @@
           <a:p>
             <a:fld id="{126BF754-515F-40B9-8D24-D54D5825B3D0}" type="datetimeFigureOut">
               <a:rPr lang="en-US"/>
-              <a:t>11/14/2019</a:t>
+              <a:t>11/18/2019</a:t>
             </a:fld>
             <a:endParaRPr/>
           </a:p>
@@ -7552,7 +9439,7 @@
             <a:fld id="{2DD204D1-F9BD-4643-8480-6EA41EB484F1}" type="datetimeFigureOut">
               <a:rPr lang="en-US" smtClean="0"/>
               <a:pPr/>
-              <a:t>11/14/2019</a:t>
+              <a:t>11/18/2019</a:t>
             </a:fld>
             <a:endParaRPr lang="en-US"/>
           </a:p>
@@ -8061,8 +9948,19 @@
                 <a:latin typeface="Times New Roman" panose="02020603050405020304" pitchFamily="18" charset="0"/>
                 <a:cs typeface="Times New Roman" panose="02020603050405020304" pitchFamily="18" charset="0"/>
               </a:rPr>
-              <a:t>NHÓM 2:</a:t>
-            </a:r>
+              <a:t>NHÓM </a:t>
+            </a:r>
+            <a:r>
+              <a:rPr lang="en-US" dirty="0" smtClean="0">
+                <a:latin typeface="Times New Roman" panose="02020603050405020304" pitchFamily="18" charset="0"/>
+                <a:cs typeface="Times New Roman" panose="02020603050405020304" pitchFamily="18" charset="0"/>
+              </a:rPr>
+              <a:t>3:</a:t>
+            </a:r>
+            <a:endParaRPr lang="en-US" dirty="0" smtClean="0">
+              <a:latin typeface="Times New Roman" panose="02020603050405020304" pitchFamily="18" charset="0"/>
+              <a:cs typeface="Times New Roman" panose="02020603050405020304" pitchFamily="18" charset="0"/>
+            </a:endParaRPr>
           </a:p>
           <a:p>
             <a:pPr marL="457200" indent="-457200">
@@ -8174,98 +10072,1437 @@
             <p:ph type="title"/>
           </p:nvPr>
         </p:nvSpPr>
-        <p:spPr/>
+        <p:spPr>
+          <a:xfrm>
+            <a:off x="1117308" y="685800"/>
+            <a:ext cx="10768303" cy="787400"/>
+          </a:xfrm>
+        </p:spPr>
         <p:txBody>
-          <a:bodyPr/>
+          <a:bodyPr>
+            <a:normAutofit fontScale="90000"/>
+          </a:bodyPr>
           <a:lstStyle/>
           <a:p>
             <a:r>
-              <a:rPr lang="en-US" dirty="0"/>
-              <a:t>Add a Slide Title - 2</a:t>
-            </a:r>
+              <a:rPr lang="en-US" b="1" dirty="0">
+                <a:solidFill>
+                  <a:schemeClr val="accent1">
+                    <a:lumMod val="50000"/>
+                  </a:schemeClr>
+                </a:solidFill>
+                <a:latin typeface="Times New Roman" pitchFamily="18" charset="0"/>
+                <a:cs typeface="Times New Roman" pitchFamily="18" charset="0"/>
+              </a:rPr>
+              <a:t>So sánh giải thuật DecTree &amp; </a:t>
+            </a:r>
+            <a:r>
+              <a:rPr lang="en-US" b="1" dirty="0" smtClean="0">
+                <a:solidFill>
+                  <a:schemeClr val="accent1">
+                    <a:lumMod val="50000"/>
+                  </a:schemeClr>
+                </a:solidFill>
+                <a:latin typeface="Times New Roman" pitchFamily="18" charset="0"/>
+                <a:cs typeface="Times New Roman" pitchFamily="18" charset="0"/>
+              </a:rPr>
+              <a:t>Bayes, Peceptron</a:t>
+            </a:r>
+            <a:endParaRPr lang="en-US" dirty="0"/>
           </a:p>
         </p:txBody>
       </p:sp>
-      <p:sp>
-        <p:nvSpPr>
-          <p:cNvPr id="5" name="Text Placeholder 4"/>
-          <p:cNvSpPr>
-            <a:spLocks noGrp="1"/>
-          </p:cNvSpPr>
+      <p:graphicFrame>
+        <p:nvGraphicFramePr>
+          <p:cNvPr id="5" name="Table 4"/>
+          <p:cNvGraphicFramePr>
+            <a:graphicFrameLocks noGrp="1"/>
+          </p:cNvGraphicFramePr>
           <p:nvPr>
-            <p:ph type="body" idx="1"/>
+            <p:extLst>
+              <p:ext uri="{D42A27DB-BD31-4B8C-83A1-F6EECF244321}">
+                <p14:modId xmlns:p14="http://schemas.microsoft.com/office/powerpoint/2010/main" val="794749841"/>
+              </p:ext>
+            </p:extLst>
           </p:nvPr>
-        </p:nvSpPr>
-        <p:spPr/>
-        <p:txBody>
-          <a:bodyPr/>
-          <a:lstStyle/>
-          <a:p>
-            <a:endParaRPr lang="en-US" dirty="0"/>
-          </a:p>
-        </p:txBody>
-      </p:sp>
-      <p:sp>
-        <p:nvSpPr>
-          <p:cNvPr id="3" name="Content Placeholder 2"/>
-          <p:cNvSpPr>
-            <a:spLocks noGrp="1"/>
-          </p:cNvSpPr>
+        </p:nvGraphicFramePr>
+        <p:xfrm>
+          <a:off x="1293812" y="2209800"/>
+          <a:ext cx="3047365" cy="4000500"/>
+        </p:xfrm>
+        <a:graphic>
+          <a:graphicData uri="http://schemas.openxmlformats.org/drawingml/2006/table">
+            <a:tbl>
+              <a:tblPr>
+                <a:tableStyleId>{22838BEF-8BB2-4498-84A7-C5851F593DF1}</a:tableStyleId>
+              </a:tblPr>
+              <a:tblGrid>
+                <a:gridCol w="457200">
+                  <a:extLst>
+                    <a:ext uri="{9D8B030D-6E8A-4147-A177-3AD203B41FA5}">
+                      <a16:colId xmlns:a16="http://schemas.microsoft.com/office/drawing/2014/main" val="2039038679"/>
+                    </a:ext>
+                  </a:extLst>
+                </a:gridCol>
+                <a:gridCol w="685165">
+                  <a:extLst>
+                    <a:ext uri="{9D8B030D-6E8A-4147-A177-3AD203B41FA5}">
+                      <a16:colId xmlns:a16="http://schemas.microsoft.com/office/drawing/2014/main" val="2107483083"/>
+                    </a:ext>
+                  </a:extLst>
+                </a:gridCol>
+                <a:gridCol w="952500">
+                  <a:extLst>
+                    <a:ext uri="{9D8B030D-6E8A-4147-A177-3AD203B41FA5}">
+                      <a16:colId xmlns:a16="http://schemas.microsoft.com/office/drawing/2014/main" val="3854999230"/>
+                    </a:ext>
+                  </a:extLst>
+                </a:gridCol>
+                <a:gridCol w="952500">
+                  <a:extLst>
+                    <a:ext uri="{9D8B030D-6E8A-4147-A177-3AD203B41FA5}">
+                      <a16:colId xmlns:a16="http://schemas.microsoft.com/office/drawing/2014/main" val="1691935312"/>
+                    </a:ext>
+                  </a:extLst>
+                </a:gridCol>
+              </a:tblGrid>
+              <a:tr h="266700">
+                <a:tc>
+                  <a:txBody>
+                    <a:bodyPr/>
+                    <a:lstStyle/>
+                    <a:p>
+                      <a:pPr algn="r" fontAlgn="b"/>
+                      <a:r>
+                        <a:rPr lang="en-US" sz="1000" u="none" strike="noStrike" dirty="0">
+                          <a:effectLst/>
+                        </a:rPr>
+                        <a:t>1</a:t>
+                      </a:r>
+                      <a:endParaRPr lang="en-US" sz="1000" b="0" i="0" u="none" strike="noStrike" dirty="0">
+                        <a:effectLst/>
+                        <a:latin typeface="Arial" panose="020B0604020202020204" pitchFamily="34" charset="0"/>
+                      </a:endParaRPr>
+                    </a:p>
+                  </a:txBody>
+                  <a:tcPr marL="7620" marR="7620" marT="7620" marB="0" anchor="b"/>
+                </a:tc>
+                <a:tc>
+                  <a:txBody>
+                    <a:bodyPr/>
+                    <a:lstStyle/>
+                    <a:p>
+                      <a:pPr algn="r" fontAlgn="b"/>
+                      <a:r>
+                        <a:rPr lang="en-US" sz="1000" u="none" strike="noStrike">
+                          <a:effectLst/>
+                        </a:rPr>
+                        <a:t>89.41685</a:t>
+                      </a:r>
+                      <a:endParaRPr lang="en-US" sz="1000" b="0" i="0" u="none" strike="noStrike">
+                        <a:effectLst/>
+                        <a:latin typeface="Arial" panose="020B0604020202020204" pitchFamily="34" charset="0"/>
+                      </a:endParaRPr>
+                    </a:p>
+                  </a:txBody>
+                  <a:tcPr marL="7620" marR="7620" marT="7620" marB="0" anchor="b"/>
+                </a:tc>
+                <a:tc>
+                  <a:txBody>
+                    <a:bodyPr/>
+                    <a:lstStyle/>
+                    <a:p>
+                      <a:pPr algn="r" fontAlgn="b"/>
+                      <a:r>
+                        <a:rPr lang="en-US" sz="1000" u="none" strike="noStrike">
+                          <a:effectLst/>
+                        </a:rPr>
+                        <a:t>73.65011</a:t>
+                      </a:r>
+                      <a:endParaRPr lang="en-US" sz="1000" b="0" i="0" u="none" strike="noStrike">
+                        <a:effectLst/>
+                        <a:latin typeface="Arial" panose="020B0604020202020204" pitchFamily="34" charset="0"/>
+                      </a:endParaRPr>
+                    </a:p>
+                  </a:txBody>
+                  <a:tcPr marL="7620" marR="7620" marT="7620" marB="0" anchor="b"/>
+                </a:tc>
+                <a:tc>
+                  <a:txBody>
+                    <a:bodyPr/>
+                    <a:lstStyle/>
+                    <a:p>
+                      <a:pPr algn="r" fontAlgn="b"/>
+                      <a:r>
+                        <a:rPr lang="en-US" sz="1000" u="none" strike="noStrike">
+                          <a:effectLst/>
+                        </a:rPr>
+                        <a:t>61.98704</a:t>
+                      </a:r>
+                      <a:endParaRPr lang="en-US" sz="1000" b="0" i="0" u="none" strike="noStrike">
+                        <a:effectLst/>
+                        <a:latin typeface="Arial" panose="020B0604020202020204" pitchFamily="34" charset="0"/>
+                      </a:endParaRPr>
+                    </a:p>
+                  </a:txBody>
+                  <a:tcPr marL="7620" marR="7620" marT="7620" marB="0" anchor="b"/>
+                </a:tc>
+                <a:extLst>
+                  <a:ext uri="{0D108BD9-81ED-4DB2-BD59-A6C34878D82A}">
+                    <a16:rowId xmlns:a16="http://schemas.microsoft.com/office/drawing/2014/main" val="3848384320"/>
+                  </a:ext>
+                </a:extLst>
+              </a:tr>
+              <a:tr h="266700">
+                <a:tc>
+                  <a:txBody>
+                    <a:bodyPr/>
+                    <a:lstStyle/>
+                    <a:p>
+                      <a:pPr algn="r" fontAlgn="b"/>
+                      <a:r>
+                        <a:rPr lang="en-US" sz="1000" u="none" strike="noStrike">
+                          <a:effectLst/>
+                        </a:rPr>
+                        <a:t>2</a:t>
+                      </a:r>
+                      <a:endParaRPr lang="en-US" sz="1000" b="0" i="0" u="none" strike="noStrike">
+                        <a:effectLst/>
+                        <a:latin typeface="Arial" panose="020B0604020202020204" pitchFamily="34" charset="0"/>
+                      </a:endParaRPr>
+                    </a:p>
+                  </a:txBody>
+                  <a:tcPr marL="7620" marR="7620" marT="7620" marB="0" anchor="b"/>
+                </a:tc>
+                <a:tc>
+                  <a:txBody>
+                    <a:bodyPr/>
+                    <a:lstStyle/>
+                    <a:p>
+                      <a:pPr algn="r" fontAlgn="b"/>
+                      <a:r>
+                        <a:rPr lang="en-US" sz="1000" u="none" strike="noStrike">
+                          <a:effectLst/>
+                        </a:rPr>
+                        <a:t>89.63283</a:t>
+                      </a:r>
+                      <a:endParaRPr lang="en-US" sz="1000" b="0" i="0" u="none" strike="noStrike">
+                        <a:effectLst/>
+                        <a:latin typeface="Arial" panose="020B0604020202020204" pitchFamily="34" charset="0"/>
+                      </a:endParaRPr>
+                    </a:p>
+                  </a:txBody>
+                  <a:tcPr marL="7620" marR="7620" marT="7620" marB="0" anchor="b"/>
+                </a:tc>
+                <a:tc>
+                  <a:txBody>
+                    <a:bodyPr/>
+                    <a:lstStyle/>
+                    <a:p>
+                      <a:pPr algn="r" fontAlgn="b"/>
+                      <a:r>
+                        <a:rPr lang="en-US" sz="1000" u="none" strike="noStrike">
+                          <a:effectLst/>
+                        </a:rPr>
+                        <a:t>76.2419</a:t>
+                      </a:r>
+                      <a:endParaRPr lang="en-US" sz="1000" b="0" i="0" u="none" strike="noStrike">
+                        <a:effectLst/>
+                        <a:latin typeface="Arial" panose="020B0604020202020204" pitchFamily="34" charset="0"/>
+                      </a:endParaRPr>
+                    </a:p>
+                  </a:txBody>
+                  <a:tcPr marL="7620" marR="7620" marT="7620" marB="0" anchor="b"/>
+                </a:tc>
+                <a:tc>
+                  <a:txBody>
+                    <a:bodyPr/>
+                    <a:lstStyle/>
+                    <a:p>
+                      <a:pPr algn="r" fontAlgn="b"/>
+                      <a:r>
+                        <a:rPr lang="en-US" sz="1000" u="none" strike="noStrike">
+                          <a:effectLst/>
+                        </a:rPr>
+                        <a:t>61.77106</a:t>
+                      </a:r>
+                      <a:endParaRPr lang="en-US" sz="1000" b="0" i="0" u="none" strike="noStrike">
+                        <a:effectLst/>
+                        <a:latin typeface="Arial" panose="020B0604020202020204" pitchFamily="34" charset="0"/>
+                      </a:endParaRPr>
+                    </a:p>
+                  </a:txBody>
+                  <a:tcPr marL="7620" marR="7620" marT="7620" marB="0" anchor="b"/>
+                </a:tc>
+                <a:extLst>
+                  <a:ext uri="{0D108BD9-81ED-4DB2-BD59-A6C34878D82A}">
+                    <a16:rowId xmlns:a16="http://schemas.microsoft.com/office/drawing/2014/main" val="168374616"/>
+                  </a:ext>
+                </a:extLst>
+              </a:tr>
+              <a:tr h="266700">
+                <a:tc>
+                  <a:txBody>
+                    <a:bodyPr/>
+                    <a:lstStyle/>
+                    <a:p>
+                      <a:pPr algn="r" fontAlgn="b"/>
+                      <a:r>
+                        <a:rPr lang="en-US" sz="1000" u="none" strike="noStrike">
+                          <a:effectLst/>
+                        </a:rPr>
+                        <a:t>3</a:t>
+                      </a:r>
+                      <a:endParaRPr lang="en-US" sz="1000" b="0" i="0" u="none" strike="noStrike">
+                        <a:effectLst/>
+                        <a:latin typeface="Arial" panose="020B0604020202020204" pitchFamily="34" charset="0"/>
+                      </a:endParaRPr>
+                    </a:p>
+                  </a:txBody>
+                  <a:tcPr marL="7620" marR="7620" marT="7620" marB="0" anchor="b"/>
+                </a:tc>
+                <a:tc>
+                  <a:txBody>
+                    <a:bodyPr/>
+                    <a:lstStyle/>
+                    <a:p>
+                      <a:pPr algn="r" fontAlgn="b"/>
+                      <a:r>
+                        <a:rPr lang="en-US" sz="1000" u="none" strike="noStrike">
+                          <a:effectLst/>
+                        </a:rPr>
+                        <a:t>87.04104</a:t>
+                      </a:r>
+                      <a:endParaRPr lang="en-US" sz="1000" b="0" i="0" u="none" strike="noStrike">
+                        <a:effectLst/>
+                        <a:latin typeface="Arial" panose="020B0604020202020204" pitchFamily="34" charset="0"/>
+                      </a:endParaRPr>
+                    </a:p>
+                  </a:txBody>
+                  <a:tcPr marL="7620" marR="7620" marT="7620" marB="0" anchor="b"/>
+                </a:tc>
+                <a:tc>
+                  <a:txBody>
+                    <a:bodyPr/>
+                    <a:lstStyle/>
+                    <a:p>
+                      <a:pPr algn="r" fontAlgn="b"/>
+                      <a:r>
+                        <a:rPr lang="en-US" sz="1000" u="none" strike="noStrike">
+                          <a:effectLst/>
+                        </a:rPr>
+                        <a:t>73.43413</a:t>
+                      </a:r>
+                      <a:endParaRPr lang="en-US" sz="1000" b="0" i="0" u="none" strike="noStrike">
+                        <a:effectLst/>
+                        <a:latin typeface="Arial" panose="020B0604020202020204" pitchFamily="34" charset="0"/>
+                      </a:endParaRPr>
+                    </a:p>
+                  </a:txBody>
+                  <a:tcPr marL="7620" marR="7620" marT="7620" marB="0" anchor="b"/>
+                </a:tc>
+                <a:tc>
+                  <a:txBody>
+                    <a:bodyPr/>
+                    <a:lstStyle/>
+                    <a:p>
+                      <a:pPr algn="r" fontAlgn="b"/>
+                      <a:r>
+                        <a:rPr lang="en-US" sz="1000" u="none" strike="noStrike">
+                          <a:effectLst/>
+                        </a:rPr>
+                        <a:t>63.49892</a:t>
+                      </a:r>
+                      <a:endParaRPr lang="en-US" sz="1000" b="0" i="0" u="none" strike="noStrike">
+                        <a:effectLst/>
+                        <a:latin typeface="Arial" panose="020B0604020202020204" pitchFamily="34" charset="0"/>
+                      </a:endParaRPr>
+                    </a:p>
+                  </a:txBody>
+                  <a:tcPr marL="7620" marR="7620" marT="7620" marB="0" anchor="b"/>
+                </a:tc>
+                <a:extLst>
+                  <a:ext uri="{0D108BD9-81ED-4DB2-BD59-A6C34878D82A}">
+                    <a16:rowId xmlns:a16="http://schemas.microsoft.com/office/drawing/2014/main" val="3224539195"/>
+                  </a:ext>
+                </a:extLst>
+              </a:tr>
+              <a:tr h="266700">
+                <a:tc>
+                  <a:txBody>
+                    <a:bodyPr/>
+                    <a:lstStyle/>
+                    <a:p>
+                      <a:pPr algn="r" fontAlgn="b"/>
+                      <a:r>
+                        <a:rPr lang="en-US" sz="1000" u="none" strike="noStrike">
+                          <a:effectLst/>
+                        </a:rPr>
+                        <a:t>4</a:t>
+                      </a:r>
+                      <a:endParaRPr lang="en-US" sz="1000" b="0" i="0" u="none" strike="noStrike">
+                        <a:effectLst/>
+                        <a:latin typeface="Arial" panose="020B0604020202020204" pitchFamily="34" charset="0"/>
+                      </a:endParaRPr>
+                    </a:p>
+                  </a:txBody>
+                  <a:tcPr marL="7620" marR="7620" marT="7620" marB="0" anchor="b"/>
+                </a:tc>
+                <a:tc>
+                  <a:txBody>
+                    <a:bodyPr/>
+                    <a:lstStyle/>
+                    <a:p>
+                      <a:pPr algn="r" fontAlgn="b"/>
+                      <a:r>
+                        <a:rPr lang="en-US" sz="1000" u="none" strike="noStrike" dirty="0">
+                          <a:effectLst/>
+                        </a:rPr>
+                        <a:t>87.68898</a:t>
+                      </a:r>
+                      <a:endParaRPr lang="en-US" sz="1000" b="0" i="0" u="none" strike="noStrike" dirty="0">
+                        <a:effectLst/>
+                        <a:latin typeface="Arial" panose="020B0604020202020204" pitchFamily="34" charset="0"/>
+                      </a:endParaRPr>
+                    </a:p>
+                  </a:txBody>
+                  <a:tcPr marL="7620" marR="7620" marT="7620" marB="0" anchor="b"/>
+                </a:tc>
+                <a:tc>
+                  <a:txBody>
+                    <a:bodyPr/>
+                    <a:lstStyle/>
+                    <a:p>
+                      <a:pPr algn="r" fontAlgn="b"/>
+                      <a:r>
+                        <a:rPr lang="en-US" sz="1000" u="none" strike="noStrike">
+                          <a:effectLst/>
+                        </a:rPr>
+                        <a:t>72.35421</a:t>
+                      </a:r>
+                      <a:endParaRPr lang="en-US" sz="1000" b="0" i="0" u="none" strike="noStrike">
+                        <a:effectLst/>
+                        <a:latin typeface="Arial" panose="020B0604020202020204" pitchFamily="34" charset="0"/>
+                      </a:endParaRPr>
+                    </a:p>
+                  </a:txBody>
+                  <a:tcPr marL="7620" marR="7620" marT="7620" marB="0" anchor="b"/>
+                </a:tc>
+                <a:tc>
+                  <a:txBody>
+                    <a:bodyPr/>
+                    <a:lstStyle/>
+                    <a:p>
+                      <a:pPr algn="r" fontAlgn="b"/>
+                      <a:r>
+                        <a:rPr lang="en-US" sz="1000" u="none" strike="noStrike">
+                          <a:effectLst/>
+                        </a:rPr>
+                        <a:t>65.0108</a:t>
+                      </a:r>
+                      <a:endParaRPr lang="en-US" sz="1000" b="0" i="0" u="none" strike="noStrike">
+                        <a:effectLst/>
+                        <a:latin typeface="Arial" panose="020B0604020202020204" pitchFamily="34" charset="0"/>
+                      </a:endParaRPr>
+                    </a:p>
+                  </a:txBody>
+                  <a:tcPr marL="7620" marR="7620" marT="7620" marB="0" anchor="b"/>
+                </a:tc>
+                <a:extLst>
+                  <a:ext uri="{0D108BD9-81ED-4DB2-BD59-A6C34878D82A}">
+                    <a16:rowId xmlns:a16="http://schemas.microsoft.com/office/drawing/2014/main" val="3084581654"/>
+                  </a:ext>
+                </a:extLst>
+              </a:tr>
+              <a:tr h="266700">
+                <a:tc>
+                  <a:txBody>
+                    <a:bodyPr/>
+                    <a:lstStyle/>
+                    <a:p>
+                      <a:pPr algn="r" fontAlgn="b"/>
+                      <a:r>
+                        <a:rPr lang="en-US" sz="1000" u="none" strike="noStrike">
+                          <a:effectLst/>
+                        </a:rPr>
+                        <a:t>5</a:t>
+                      </a:r>
+                      <a:endParaRPr lang="en-US" sz="1000" b="0" i="0" u="none" strike="noStrike">
+                        <a:effectLst/>
+                        <a:latin typeface="Arial" panose="020B0604020202020204" pitchFamily="34" charset="0"/>
+                      </a:endParaRPr>
+                    </a:p>
+                  </a:txBody>
+                  <a:tcPr marL="7620" marR="7620" marT="7620" marB="0" anchor="b"/>
+                </a:tc>
+                <a:tc>
+                  <a:txBody>
+                    <a:bodyPr/>
+                    <a:lstStyle/>
+                    <a:p>
+                      <a:pPr algn="r" fontAlgn="b"/>
+                      <a:r>
+                        <a:rPr lang="en-US" sz="1000" u="none" strike="noStrike">
+                          <a:effectLst/>
+                        </a:rPr>
+                        <a:t>89.20086</a:t>
+                      </a:r>
+                      <a:endParaRPr lang="en-US" sz="1000" b="0" i="0" u="none" strike="noStrike">
+                        <a:effectLst/>
+                        <a:latin typeface="Arial" panose="020B0604020202020204" pitchFamily="34" charset="0"/>
+                      </a:endParaRPr>
+                    </a:p>
+                  </a:txBody>
+                  <a:tcPr marL="7620" marR="7620" marT="7620" marB="0" anchor="b"/>
+                </a:tc>
+                <a:tc>
+                  <a:txBody>
+                    <a:bodyPr/>
+                    <a:lstStyle/>
+                    <a:p>
+                      <a:pPr algn="r" fontAlgn="b"/>
+                      <a:r>
+                        <a:rPr lang="en-US" sz="1000" u="none" strike="noStrike">
+                          <a:effectLst/>
+                        </a:rPr>
+                        <a:t>73.21814</a:t>
+                      </a:r>
+                      <a:endParaRPr lang="en-US" sz="1000" b="0" i="0" u="none" strike="noStrike">
+                        <a:effectLst/>
+                        <a:latin typeface="Arial" panose="020B0604020202020204" pitchFamily="34" charset="0"/>
+                      </a:endParaRPr>
+                    </a:p>
+                  </a:txBody>
+                  <a:tcPr marL="7620" marR="7620" marT="7620" marB="0" anchor="b"/>
+                </a:tc>
+                <a:tc>
+                  <a:txBody>
+                    <a:bodyPr/>
+                    <a:lstStyle/>
+                    <a:p>
+                      <a:pPr algn="r" fontAlgn="b"/>
+                      <a:r>
+                        <a:rPr lang="en-US" sz="1000" u="none" strike="noStrike">
+                          <a:effectLst/>
+                        </a:rPr>
+                        <a:t>60.25918</a:t>
+                      </a:r>
+                      <a:endParaRPr lang="en-US" sz="1000" b="0" i="0" u="none" strike="noStrike">
+                        <a:effectLst/>
+                        <a:latin typeface="Arial" panose="020B0604020202020204" pitchFamily="34" charset="0"/>
+                      </a:endParaRPr>
+                    </a:p>
+                  </a:txBody>
+                  <a:tcPr marL="7620" marR="7620" marT="7620" marB="0" anchor="b"/>
+                </a:tc>
+                <a:extLst>
+                  <a:ext uri="{0D108BD9-81ED-4DB2-BD59-A6C34878D82A}">
+                    <a16:rowId xmlns:a16="http://schemas.microsoft.com/office/drawing/2014/main" val="2134585086"/>
+                  </a:ext>
+                </a:extLst>
+              </a:tr>
+              <a:tr h="266700">
+                <a:tc>
+                  <a:txBody>
+                    <a:bodyPr/>
+                    <a:lstStyle/>
+                    <a:p>
+                      <a:pPr algn="r" fontAlgn="b"/>
+                      <a:r>
+                        <a:rPr lang="en-US" sz="1000" u="none" strike="noStrike">
+                          <a:effectLst/>
+                        </a:rPr>
+                        <a:t>6</a:t>
+                      </a:r>
+                      <a:endParaRPr lang="en-US" sz="1000" b="0" i="0" u="none" strike="noStrike">
+                        <a:effectLst/>
+                        <a:latin typeface="Arial" panose="020B0604020202020204" pitchFamily="34" charset="0"/>
+                      </a:endParaRPr>
+                    </a:p>
+                  </a:txBody>
+                  <a:tcPr marL="7620" marR="7620" marT="7620" marB="0" anchor="b"/>
+                </a:tc>
+                <a:tc>
+                  <a:txBody>
+                    <a:bodyPr/>
+                    <a:lstStyle/>
+                    <a:p>
+                      <a:pPr algn="r" fontAlgn="b"/>
+                      <a:r>
+                        <a:rPr lang="en-US" sz="1000" u="none" strike="noStrike">
+                          <a:effectLst/>
+                        </a:rPr>
+                        <a:t>87.473</a:t>
+                      </a:r>
+                      <a:endParaRPr lang="en-US" sz="1000" b="0" i="0" u="none" strike="noStrike">
+                        <a:effectLst/>
+                        <a:latin typeface="Arial" panose="020B0604020202020204" pitchFamily="34" charset="0"/>
+                      </a:endParaRPr>
+                    </a:p>
+                  </a:txBody>
+                  <a:tcPr marL="7620" marR="7620" marT="7620" marB="0" anchor="b"/>
+                </a:tc>
+                <a:tc>
+                  <a:txBody>
+                    <a:bodyPr/>
+                    <a:lstStyle/>
+                    <a:p>
+                      <a:pPr algn="r" fontAlgn="b"/>
+                      <a:r>
+                        <a:rPr lang="en-US" sz="1000" u="none" strike="noStrike">
+                          <a:effectLst/>
+                        </a:rPr>
+                        <a:t>72.78618</a:t>
+                      </a:r>
+                      <a:endParaRPr lang="en-US" sz="1000" b="0" i="0" u="none" strike="noStrike">
+                        <a:effectLst/>
+                        <a:latin typeface="Arial" panose="020B0604020202020204" pitchFamily="34" charset="0"/>
+                      </a:endParaRPr>
+                    </a:p>
+                  </a:txBody>
+                  <a:tcPr marL="7620" marR="7620" marT="7620" marB="0" anchor="b"/>
+                </a:tc>
+                <a:tc>
+                  <a:txBody>
+                    <a:bodyPr/>
+                    <a:lstStyle/>
+                    <a:p>
+                      <a:pPr algn="r" fontAlgn="b"/>
+                      <a:r>
+                        <a:rPr lang="en-US" sz="1000" u="none" strike="noStrike">
+                          <a:effectLst/>
+                        </a:rPr>
+                        <a:t>60.47516</a:t>
+                      </a:r>
+                      <a:endParaRPr lang="en-US" sz="1000" b="0" i="0" u="none" strike="noStrike">
+                        <a:effectLst/>
+                        <a:latin typeface="Arial" panose="020B0604020202020204" pitchFamily="34" charset="0"/>
+                      </a:endParaRPr>
+                    </a:p>
+                  </a:txBody>
+                  <a:tcPr marL="7620" marR="7620" marT="7620" marB="0" anchor="b"/>
+                </a:tc>
+                <a:extLst>
+                  <a:ext uri="{0D108BD9-81ED-4DB2-BD59-A6C34878D82A}">
+                    <a16:rowId xmlns:a16="http://schemas.microsoft.com/office/drawing/2014/main" val="231354001"/>
+                  </a:ext>
+                </a:extLst>
+              </a:tr>
+              <a:tr h="266700">
+                <a:tc>
+                  <a:txBody>
+                    <a:bodyPr/>
+                    <a:lstStyle/>
+                    <a:p>
+                      <a:pPr algn="r" fontAlgn="b"/>
+                      <a:r>
+                        <a:rPr lang="en-US" sz="1000" u="none" strike="noStrike">
+                          <a:effectLst/>
+                        </a:rPr>
+                        <a:t>7</a:t>
+                      </a:r>
+                      <a:endParaRPr lang="en-US" sz="1000" b="0" i="0" u="none" strike="noStrike">
+                        <a:effectLst/>
+                        <a:latin typeface="Arial" panose="020B0604020202020204" pitchFamily="34" charset="0"/>
+                      </a:endParaRPr>
+                    </a:p>
+                  </a:txBody>
+                  <a:tcPr marL="7620" marR="7620" marT="7620" marB="0" anchor="b"/>
+                </a:tc>
+                <a:tc>
+                  <a:txBody>
+                    <a:bodyPr/>
+                    <a:lstStyle/>
+                    <a:p>
+                      <a:pPr algn="r" fontAlgn="b"/>
+                      <a:r>
+                        <a:rPr lang="en-US" sz="1000" u="none" strike="noStrike">
+                          <a:effectLst/>
+                        </a:rPr>
+                        <a:t>87.68898</a:t>
+                      </a:r>
+                      <a:endParaRPr lang="en-US" sz="1000" b="0" i="0" u="none" strike="noStrike">
+                        <a:effectLst/>
+                        <a:latin typeface="Arial" panose="020B0604020202020204" pitchFamily="34" charset="0"/>
+                      </a:endParaRPr>
+                    </a:p>
+                  </a:txBody>
+                  <a:tcPr marL="7620" marR="7620" marT="7620" marB="0" anchor="b"/>
+                </a:tc>
+                <a:tc>
+                  <a:txBody>
+                    <a:bodyPr/>
+                    <a:lstStyle/>
+                    <a:p>
+                      <a:pPr algn="r" fontAlgn="b"/>
+                      <a:r>
+                        <a:rPr lang="en-US" sz="1000" u="none" strike="noStrike">
+                          <a:effectLst/>
+                        </a:rPr>
+                        <a:t>72.13823</a:t>
+                      </a:r>
+                      <a:endParaRPr lang="en-US" sz="1000" b="0" i="0" u="none" strike="noStrike">
+                        <a:effectLst/>
+                        <a:latin typeface="Arial" panose="020B0604020202020204" pitchFamily="34" charset="0"/>
+                      </a:endParaRPr>
+                    </a:p>
+                  </a:txBody>
+                  <a:tcPr marL="7620" marR="7620" marT="7620" marB="0" anchor="b"/>
+                </a:tc>
+                <a:tc>
+                  <a:txBody>
+                    <a:bodyPr/>
+                    <a:lstStyle/>
+                    <a:p>
+                      <a:pPr algn="r" fontAlgn="b"/>
+                      <a:r>
+                        <a:rPr lang="en-US" sz="1000" u="none" strike="noStrike">
+                          <a:effectLst/>
+                        </a:rPr>
+                        <a:t>62.63499</a:t>
+                      </a:r>
+                      <a:endParaRPr lang="en-US" sz="1000" b="0" i="0" u="none" strike="noStrike">
+                        <a:effectLst/>
+                        <a:latin typeface="Arial" panose="020B0604020202020204" pitchFamily="34" charset="0"/>
+                      </a:endParaRPr>
+                    </a:p>
+                  </a:txBody>
+                  <a:tcPr marL="7620" marR="7620" marT="7620" marB="0" anchor="b"/>
+                </a:tc>
+                <a:extLst>
+                  <a:ext uri="{0D108BD9-81ED-4DB2-BD59-A6C34878D82A}">
+                    <a16:rowId xmlns:a16="http://schemas.microsoft.com/office/drawing/2014/main" val="1710464718"/>
+                  </a:ext>
+                </a:extLst>
+              </a:tr>
+              <a:tr h="266700">
+                <a:tc>
+                  <a:txBody>
+                    <a:bodyPr/>
+                    <a:lstStyle/>
+                    <a:p>
+                      <a:pPr algn="r" fontAlgn="b"/>
+                      <a:r>
+                        <a:rPr lang="en-US" sz="1000" u="none" strike="noStrike">
+                          <a:effectLst/>
+                        </a:rPr>
+                        <a:t>8</a:t>
+                      </a:r>
+                      <a:endParaRPr lang="en-US" sz="1000" b="0" i="0" u="none" strike="noStrike">
+                        <a:effectLst/>
+                        <a:latin typeface="Arial" panose="020B0604020202020204" pitchFamily="34" charset="0"/>
+                      </a:endParaRPr>
+                    </a:p>
+                  </a:txBody>
+                  <a:tcPr marL="7620" marR="7620" marT="7620" marB="0" anchor="b"/>
+                </a:tc>
+                <a:tc>
+                  <a:txBody>
+                    <a:bodyPr/>
+                    <a:lstStyle/>
+                    <a:p>
+                      <a:pPr algn="r" fontAlgn="b"/>
+                      <a:r>
+                        <a:rPr lang="en-US" sz="1000" u="none" strike="noStrike">
+                          <a:effectLst/>
+                        </a:rPr>
+                        <a:t>87.68898</a:t>
+                      </a:r>
+                      <a:endParaRPr lang="en-US" sz="1000" b="0" i="0" u="none" strike="noStrike">
+                        <a:effectLst/>
+                        <a:latin typeface="Arial" panose="020B0604020202020204" pitchFamily="34" charset="0"/>
+                      </a:endParaRPr>
+                    </a:p>
+                  </a:txBody>
+                  <a:tcPr marL="7620" marR="7620" marT="7620" marB="0" anchor="b"/>
+                </a:tc>
+                <a:tc>
+                  <a:txBody>
+                    <a:bodyPr/>
+                    <a:lstStyle/>
+                    <a:p>
+                      <a:pPr algn="r" fontAlgn="b"/>
+                      <a:r>
+                        <a:rPr lang="en-US" sz="1000" u="none" strike="noStrike">
+                          <a:effectLst/>
+                        </a:rPr>
+                        <a:t>71.92225</a:t>
+                      </a:r>
+                      <a:endParaRPr lang="en-US" sz="1000" b="0" i="0" u="none" strike="noStrike">
+                        <a:effectLst/>
+                        <a:latin typeface="Arial" panose="020B0604020202020204" pitchFamily="34" charset="0"/>
+                      </a:endParaRPr>
+                    </a:p>
+                  </a:txBody>
+                  <a:tcPr marL="7620" marR="7620" marT="7620" marB="0" anchor="b"/>
+                </a:tc>
+                <a:tc>
+                  <a:txBody>
+                    <a:bodyPr/>
+                    <a:lstStyle/>
+                    <a:p>
+                      <a:pPr algn="r" fontAlgn="b"/>
+                      <a:r>
+                        <a:rPr lang="en-US" sz="1000" u="none" strike="noStrike">
+                          <a:effectLst/>
+                        </a:rPr>
+                        <a:t>66.09071</a:t>
+                      </a:r>
+                      <a:endParaRPr lang="en-US" sz="1000" b="0" i="0" u="none" strike="noStrike">
+                        <a:effectLst/>
+                        <a:latin typeface="Arial" panose="020B0604020202020204" pitchFamily="34" charset="0"/>
+                      </a:endParaRPr>
+                    </a:p>
+                  </a:txBody>
+                  <a:tcPr marL="7620" marR="7620" marT="7620" marB="0" anchor="b"/>
+                </a:tc>
+                <a:extLst>
+                  <a:ext uri="{0D108BD9-81ED-4DB2-BD59-A6C34878D82A}">
+                    <a16:rowId xmlns:a16="http://schemas.microsoft.com/office/drawing/2014/main" val="2134076807"/>
+                  </a:ext>
+                </a:extLst>
+              </a:tr>
+              <a:tr h="266700">
+                <a:tc>
+                  <a:txBody>
+                    <a:bodyPr/>
+                    <a:lstStyle/>
+                    <a:p>
+                      <a:pPr algn="r" fontAlgn="b"/>
+                      <a:r>
+                        <a:rPr lang="en-US" sz="1000" u="none" strike="noStrike">
+                          <a:effectLst/>
+                        </a:rPr>
+                        <a:t>9</a:t>
+                      </a:r>
+                      <a:endParaRPr lang="en-US" sz="1000" b="0" i="0" u="none" strike="noStrike">
+                        <a:effectLst/>
+                        <a:latin typeface="Arial" panose="020B0604020202020204" pitchFamily="34" charset="0"/>
+                      </a:endParaRPr>
+                    </a:p>
+                  </a:txBody>
+                  <a:tcPr marL="7620" marR="7620" marT="7620" marB="0" anchor="b"/>
+                </a:tc>
+                <a:tc>
+                  <a:txBody>
+                    <a:bodyPr/>
+                    <a:lstStyle/>
+                    <a:p>
+                      <a:pPr algn="r" fontAlgn="b"/>
+                      <a:r>
+                        <a:rPr lang="en-US" sz="1000" u="none" strike="noStrike">
+                          <a:effectLst/>
+                        </a:rPr>
+                        <a:t>86.82505</a:t>
+                      </a:r>
+                      <a:endParaRPr lang="en-US" sz="1000" b="0" i="0" u="none" strike="noStrike">
+                        <a:effectLst/>
+                        <a:latin typeface="Arial" panose="020B0604020202020204" pitchFamily="34" charset="0"/>
+                      </a:endParaRPr>
+                    </a:p>
+                  </a:txBody>
+                  <a:tcPr marL="7620" marR="7620" marT="7620" marB="0" anchor="b"/>
+                </a:tc>
+                <a:tc>
+                  <a:txBody>
+                    <a:bodyPr/>
+                    <a:lstStyle/>
+                    <a:p>
+                      <a:pPr algn="r" fontAlgn="b"/>
+                      <a:r>
+                        <a:rPr lang="en-US" sz="1000" u="none" strike="noStrike">
+                          <a:effectLst/>
+                        </a:rPr>
+                        <a:t>71.2743</a:t>
+                      </a:r>
+                      <a:endParaRPr lang="en-US" sz="1000" b="0" i="0" u="none" strike="noStrike">
+                        <a:effectLst/>
+                        <a:latin typeface="Arial" panose="020B0604020202020204" pitchFamily="34" charset="0"/>
+                      </a:endParaRPr>
+                    </a:p>
+                  </a:txBody>
+                  <a:tcPr marL="7620" marR="7620" marT="7620" marB="0" anchor="b"/>
+                </a:tc>
+                <a:tc>
+                  <a:txBody>
+                    <a:bodyPr/>
+                    <a:lstStyle/>
+                    <a:p>
+                      <a:pPr algn="r" fontAlgn="b"/>
+                      <a:r>
+                        <a:rPr lang="en-US" sz="1000" u="none" strike="noStrike">
+                          <a:effectLst/>
+                        </a:rPr>
+                        <a:t>61.77106</a:t>
+                      </a:r>
+                      <a:endParaRPr lang="en-US" sz="1000" b="0" i="0" u="none" strike="noStrike">
+                        <a:effectLst/>
+                        <a:latin typeface="Arial" panose="020B0604020202020204" pitchFamily="34" charset="0"/>
+                      </a:endParaRPr>
+                    </a:p>
+                  </a:txBody>
+                  <a:tcPr marL="7620" marR="7620" marT="7620" marB="0" anchor="b"/>
+                </a:tc>
+                <a:extLst>
+                  <a:ext uri="{0D108BD9-81ED-4DB2-BD59-A6C34878D82A}">
+                    <a16:rowId xmlns:a16="http://schemas.microsoft.com/office/drawing/2014/main" val="2272223841"/>
+                  </a:ext>
+                </a:extLst>
+              </a:tr>
+              <a:tr h="266700">
+                <a:tc>
+                  <a:txBody>
+                    <a:bodyPr/>
+                    <a:lstStyle/>
+                    <a:p>
+                      <a:pPr algn="r" fontAlgn="b"/>
+                      <a:r>
+                        <a:rPr lang="en-US" sz="1000" u="none" strike="noStrike">
+                          <a:effectLst/>
+                        </a:rPr>
+                        <a:t>10</a:t>
+                      </a:r>
+                      <a:endParaRPr lang="en-US" sz="1000" b="0" i="0" u="none" strike="noStrike">
+                        <a:effectLst/>
+                        <a:latin typeface="Arial" panose="020B0604020202020204" pitchFamily="34" charset="0"/>
+                      </a:endParaRPr>
+                    </a:p>
+                  </a:txBody>
+                  <a:tcPr marL="7620" marR="7620" marT="7620" marB="0" anchor="b"/>
+                </a:tc>
+                <a:tc>
+                  <a:txBody>
+                    <a:bodyPr/>
+                    <a:lstStyle/>
+                    <a:p>
+                      <a:pPr algn="r" fontAlgn="b"/>
+                      <a:r>
+                        <a:rPr lang="en-US" sz="1000" u="none" strike="noStrike">
+                          <a:effectLst/>
+                        </a:rPr>
+                        <a:t>88.7689</a:t>
+                      </a:r>
+                      <a:endParaRPr lang="en-US" sz="1000" b="0" i="0" u="none" strike="noStrike">
+                        <a:effectLst/>
+                        <a:latin typeface="Arial" panose="020B0604020202020204" pitchFamily="34" charset="0"/>
+                      </a:endParaRPr>
+                    </a:p>
+                  </a:txBody>
+                  <a:tcPr marL="7620" marR="7620" marT="7620" marB="0" anchor="b"/>
+                </a:tc>
+                <a:tc>
+                  <a:txBody>
+                    <a:bodyPr/>
+                    <a:lstStyle/>
+                    <a:p>
+                      <a:pPr algn="r" fontAlgn="b"/>
+                      <a:r>
+                        <a:rPr lang="en-US" sz="1000" u="none" strike="noStrike">
+                          <a:effectLst/>
+                        </a:rPr>
+                        <a:t>74.29806</a:t>
+                      </a:r>
+                      <a:endParaRPr lang="en-US" sz="1000" b="0" i="0" u="none" strike="noStrike">
+                        <a:effectLst/>
+                        <a:latin typeface="Arial" panose="020B0604020202020204" pitchFamily="34" charset="0"/>
+                      </a:endParaRPr>
+                    </a:p>
+                  </a:txBody>
+                  <a:tcPr marL="7620" marR="7620" marT="7620" marB="0" anchor="b"/>
+                </a:tc>
+                <a:tc>
+                  <a:txBody>
+                    <a:bodyPr/>
+                    <a:lstStyle/>
+                    <a:p>
+                      <a:pPr algn="r" fontAlgn="b"/>
+                      <a:r>
+                        <a:rPr lang="en-US" sz="1000" u="none" strike="noStrike">
+                          <a:effectLst/>
+                        </a:rPr>
+                        <a:t>63.06695</a:t>
+                      </a:r>
+                      <a:endParaRPr lang="en-US" sz="1000" b="0" i="0" u="none" strike="noStrike">
+                        <a:effectLst/>
+                        <a:latin typeface="Arial" panose="020B0604020202020204" pitchFamily="34" charset="0"/>
+                      </a:endParaRPr>
+                    </a:p>
+                  </a:txBody>
+                  <a:tcPr marL="7620" marR="7620" marT="7620" marB="0" anchor="b"/>
+                </a:tc>
+                <a:extLst>
+                  <a:ext uri="{0D108BD9-81ED-4DB2-BD59-A6C34878D82A}">
+                    <a16:rowId xmlns:a16="http://schemas.microsoft.com/office/drawing/2014/main" val="3567161672"/>
+                  </a:ext>
+                </a:extLst>
+              </a:tr>
+              <a:tr h="266700">
+                <a:tc>
+                  <a:txBody>
+                    <a:bodyPr/>
+                    <a:lstStyle/>
+                    <a:p>
+                      <a:pPr algn="r" fontAlgn="b"/>
+                      <a:r>
+                        <a:rPr lang="en-US" sz="1000" u="none" strike="noStrike">
+                          <a:effectLst/>
+                        </a:rPr>
+                        <a:t>11</a:t>
+                      </a:r>
+                      <a:endParaRPr lang="en-US" sz="1000" b="0" i="0" u="none" strike="noStrike">
+                        <a:effectLst/>
+                        <a:latin typeface="Arial" panose="020B0604020202020204" pitchFamily="34" charset="0"/>
+                      </a:endParaRPr>
+                    </a:p>
+                  </a:txBody>
+                  <a:tcPr marL="7620" marR="7620" marT="7620" marB="0" anchor="b"/>
+                </a:tc>
+                <a:tc>
+                  <a:txBody>
+                    <a:bodyPr/>
+                    <a:lstStyle/>
+                    <a:p>
+                      <a:pPr algn="r" fontAlgn="b"/>
+                      <a:r>
+                        <a:rPr lang="en-US" sz="1000" u="none" strike="noStrike">
+                          <a:effectLst/>
+                        </a:rPr>
+                        <a:t>87.90497</a:t>
+                      </a:r>
+                      <a:endParaRPr lang="en-US" sz="1000" b="0" i="0" u="none" strike="noStrike">
+                        <a:effectLst/>
+                        <a:latin typeface="Arial" panose="020B0604020202020204" pitchFamily="34" charset="0"/>
+                      </a:endParaRPr>
+                    </a:p>
+                  </a:txBody>
+                  <a:tcPr marL="7620" marR="7620" marT="7620" marB="0" anchor="b"/>
+                </a:tc>
+                <a:tc>
+                  <a:txBody>
+                    <a:bodyPr/>
+                    <a:lstStyle/>
+                    <a:p>
+                      <a:pPr algn="r" fontAlgn="b"/>
+                      <a:r>
+                        <a:rPr lang="en-US" sz="1000" u="none" strike="noStrike">
+                          <a:effectLst/>
+                        </a:rPr>
+                        <a:t>73.00216</a:t>
+                      </a:r>
+                      <a:endParaRPr lang="en-US" sz="1000" b="0" i="0" u="none" strike="noStrike">
+                        <a:effectLst/>
+                        <a:latin typeface="Arial" panose="020B0604020202020204" pitchFamily="34" charset="0"/>
+                      </a:endParaRPr>
+                    </a:p>
+                  </a:txBody>
+                  <a:tcPr marL="7620" marR="7620" marT="7620" marB="0" anchor="b"/>
+                </a:tc>
+                <a:tc>
+                  <a:txBody>
+                    <a:bodyPr/>
+                    <a:lstStyle/>
+                    <a:p>
+                      <a:pPr algn="r" fontAlgn="b"/>
+                      <a:r>
+                        <a:rPr lang="en-US" sz="1000" u="none" strike="noStrike">
+                          <a:effectLst/>
+                        </a:rPr>
+                        <a:t>62.20302</a:t>
+                      </a:r>
+                      <a:endParaRPr lang="en-US" sz="1000" b="0" i="0" u="none" strike="noStrike">
+                        <a:effectLst/>
+                        <a:latin typeface="Arial" panose="020B0604020202020204" pitchFamily="34" charset="0"/>
+                      </a:endParaRPr>
+                    </a:p>
+                  </a:txBody>
+                  <a:tcPr marL="7620" marR="7620" marT="7620" marB="0" anchor="b"/>
+                </a:tc>
+                <a:extLst>
+                  <a:ext uri="{0D108BD9-81ED-4DB2-BD59-A6C34878D82A}">
+                    <a16:rowId xmlns:a16="http://schemas.microsoft.com/office/drawing/2014/main" val="184882363"/>
+                  </a:ext>
+                </a:extLst>
+              </a:tr>
+              <a:tr h="266700">
+                <a:tc>
+                  <a:txBody>
+                    <a:bodyPr/>
+                    <a:lstStyle/>
+                    <a:p>
+                      <a:pPr algn="r" fontAlgn="b"/>
+                      <a:r>
+                        <a:rPr lang="en-US" sz="1000" u="none" strike="noStrike">
+                          <a:effectLst/>
+                        </a:rPr>
+                        <a:t>12</a:t>
+                      </a:r>
+                      <a:endParaRPr lang="en-US" sz="1000" b="0" i="0" u="none" strike="noStrike">
+                        <a:effectLst/>
+                        <a:latin typeface="Arial" panose="020B0604020202020204" pitchFamily="34" charset="0"/>
+                      </a:endParaRPr>
+                    </a:p>
+                  </a:txBody>
+                  <a:tcPr marL="7620" marR="7620" marT="7620" marB="0" anchor="b"/>
+                </a:tc>
+                <a:tc>
+                  <a:txBody>
+                    <a:bodyPr/>
+                    <a:lstStyle/>
+                    <a:p>
+                      <a:pPr algn="r" fontAlgn="b"/>
+                      <a:r>
+                        <a:rPr lang="en-US" sz="1000" u="none" strike="noStrike">
+                          <a:effectLst/>
+                        </a:rPr>
+                        <a:t>89.20086</a:t>
+                      </a:r>
+                      <a:endParaRPr lang="en-US" sz="1000" b="0" i="0" u="none" strike="noStrike">
+                        <a:effectLst/>
+                        <a:latin typeface="Arial" panose="020B0604020202020204" pitchFamily="34" charset="0"/>
+                      </a:endParaRPr>
+                    </a:p>
+                  </a:txBody>
+                  <a:tcPr marL="7620" marR="7620" marT="7620" marB="0" anchor="b"/>
+                </a:tc>
+                <a:tc>
+                  <a:txBody>
+                    <a:bodyPr/>
+                    <a:lstStyle/>
+                    <a:p>
+                      <a:pPr algn="r" fontAlgn="b"/>
+                      <a:r>
+                        <a:rPr lang="en-US" sz="1000" u="none" strike="noStrike">
+                          <a:effectLst/>
+                        </a:rPr>
+                        <a:t>73.86609</a:t>
+                      </a:r>
+                      <a:endParaRPr lang="en-US" sz="1000" b="0" i="0" u="none" strike="noStrike">
+                        <a:effectLst/>
+                        <a:latin typeface="Arial" panose="020B0604020202020204" pitchFamily="34" charset="0"/>
+                      </a:endParaRPr>
+                    </a:p>
+                  </a:txBody>
+                  <a:tcPr marL="7620" marR="7620" marT="7620" marB="0" anchor="b"/>
+                </a:tc>
+                <a:tc>
+                  <a:txBody>
+                    <a:bodyPr/>
+                    <a:lstStyle/>
+                    <a:p>
+                      <a:pPr algn="r" fontAlgn="b"/>
+                      <a:r>
+                        <a:rPr lang="en-US" sz="1000" u="none" strike="noStrike">
+                          <a:effectLst/>
+                        </a:rPr>
+                        <a:t>63.06695</a:t>
+                      </a:r>
+                      <a:endParaRPr lang="en-US" sz="1000" b="0" i="0" u="none" strike="noStrike">
+                        <a:effectLst/>
+                        <a:latin typeface="Arial" panose="020B0604020202020204" pitchFamily="34" charset="0"/>
+                      </a:endParaRPr>
+                    </a:p>
+                  </a:txBody>
+                  <a:tcPr marL="7620" marR="7620" marT="7620" marB="0" anchor="b"/>
+                </a:tc>
+                <a:extLst>
+                  <a:ext uri="{0D108BD9-81ED-4DB2-BD59-A6C34878D82A}">
+                    <a16:rowId xmlns:a16="http://schemas.microsoft.com/office/drawing/2014/main" val="603357743"/>
+                  </a:ext>
+                </a:extLst>
+              </a:tr>
+              <a:tr h="266700">
+                <a:tc>
+                  <a:txBody>
+                    <a:bodyPr/>
+                    <a:lstStyle/>
+                    <a:p>
+                      <a:pPr algn="r" fontAlgn="b"/>
+                      <a:r>
+                        <a:rPr lang="en-US" sz="1000" u="none" strike="noStrike">
+                          <a:effectLst/>
+                        </a:rPr>
+                        <a:t>13</a:t>
+                      </a:r>
+                      <a:endParaRPr lang="en-US" sz="1000" b="0" i="0" u="none" strike="noStrike">
+                        <a:effectLst/>
+                        <a:latin typeface="Arial" panose="020B0604020202020204" pitchFamily="34" charset="0"/>
+                      </a:endParaRPr>
+                    </a:p>
+                  </a:txBody>
+                  <a:tcPr marL="7620" marR="7620" marT="7620" marB="0" anchor="b"/>
+                </a:tc>
+                <a:tc>
+                  <a:txBody>
+                    <a:bodyPr/>
+                    <a:lstStyle/>
+                    <a:p>
+                      <a:pPr algn="r" fontAlgn="b"/>
+                      <a:r>
+                        <a:rPr lang="en-US" sz="1000" u="none" strike="noStrike">
+                          <a:effectLst/>
+                        </a:rPr>
+                        <a:t>88.12095</a:t>
+                      </a:r>
+                      <a:endParaRPr lang="en-US" sz="1000" b="0" i="0" u="none" strike="noStrike">
+                        <a:effectLst/>
+                        <a:latin typeface="Arial" panose="020B0604020202020204" pitchFamily="34" charset="0"/>
+                      </a:endParaRPr>
+                    </a:p>
+                  </a:txBody>
+                  <a:tcPr marL="7620" marR="7620" marT="7620" marB="0" anchor="b"/>
+                </a:tc>
+                <a:tc>
+                  <a:txBody>
+                    <a:bodyPr/>
+                    <a:lstStyle/>
+                    <a:p>
+                      <a:pPr algn="r" fontAlgn="b"/>
+                      <a:r>
+                        <a:rPr lang="en-US" sz="1000" u="none" strike="noStrike">
+                          <a:effectLst/>
+                        </a:rPr>
+                        <a:t>73.65011</a:t>
+                      </a:r>
+                      <a:endParaRPr lang="en-US" sz="1000" b="0" i="0" u="none" strike="noStrike">
+                        <a:effectLst/>
+                        <a:latin typeface="Arial" panose="020B0604020202020204" pitchFamily="34" charset="0"/>
+                      </a:endParaRPr>
+                    </a:p>
+                  </a:txBody>
+                  <a:tcPr marL="7620" marR="7620" marT="7620" marB="0" anchor="b"/>
+                </a:tc>
+                <a:tc>
+                  <a:txBody>
+                    <a:bodyPr/>
+                    <a:lstStyle/>
+                    <a:p>
+                      <a:pPr algn="r" fontAlgn="b"/>
+                      <a:r>
+                        <a:rPr lang="en-US" sz="1000" u="none" strike="noStrike">
+                          <a:effectLst/>
+                        </a:rPr>
+                        <a:t>63.06695</a:t>
+                      </a:r>
+                      <a:endParaRPr lang="en-US" sz="1000" b="0" i="0" u="none" strike="noStrike">
+                        <a:effectLst/>
+                        <a:latin typeface="Arial" panose="020B0604020202020204" pitchFamily="34" charset="0"/>
+                      </a:endParaRPr>
+                    </a:p>
+                  </a:txBody>
+                  <a:tcPr marL="7620" marR="7620" marT="7620" marB="0" anchor="b"/>
+                </a:tc>
+                <a:extLst>
+                  <a:ext uri="{0D108BD9-81ED-4DB2-BD59-A6C34878D82A}">
+                    <a16:rowId xmlns:a16="http://schemas.microsoft.com/office/drawing/2014/main" val="3601225265"/>
+                  </a:ext>
+                </a:extLst>
+              </a:tr>
+              <a:tr h="266700">
+                <a:tc>
+                  <a:txBody>
+                    <a:bodyPr/>
+                    <a:lstStyle/>
+                    <a:p>
+                      <a:pPr algn="r" fontAlgn="b"/>
+                      <a:r>
+                        <a:rPr lang="en-US" sz="1000" u="none" strike="noStrike">
+                          <a:effectLst/>
+                        </a:rPr>
+                        <a:t>14</a:t>
+                      </a:r>
+                      <a:endParaRPr lang="en-US" sz="1000" b="0" i="0" u="none" strike="noStrike">
+                        <a:effectLst/>
+                        <a:latin typeface="Arial" panose="020B0604020202020204" pitchFamily="34" charset="0"/>
+                      </a:endParaRPr>
+                    </a:p>
+                  </a:txBody>
+                  <a:tcPr marL="7620" marR="7620" marT="7620" marB="0" anchor="b"/>
+                </a:tc>
+                <a:tc>
+                  <a:txBody>
+                    <a:bodyPr/>
+                    <a:lstStyle/>
+                    <a:p>
+                      <a:pPr algn="r" fontAlgn="b"/>
+                      <a:r>
+                        <a:rPr lang="en-US" sz="1000" u="none" strike="noStrike">
+                          <a:effectLst/>
+                        </a:rPr>
+                        <a:t>85.96112</a:t>
+                      </a:r>
+                      <a:endParaRPr lang="en-US" sz="1000" b="0" i="0" u="none" strike="noStrike">
+                        <a:effectLst/>
+                        <a:latin typeface="Arial" panose="020B0604020202020204" pitchFamily="34" charset="0"/>
+                      </a:endParaRPr>
+                    </a:p>
+                  </a:txBody>
+                  <a:tcPr marL="7620" marR="7620" marT="7620" marB="0" anchor="b"/>
+                </a:tc>
+                <a:tc>
+                  <a:txBody>
+                    <a:bodyPr/>
+                    <a:lstStyle/>
+                    <a:p>
+                      <a:pPr algn="r" fontAlgn="b"/>
+                      <a:r>
+                        <a:rPr lang="en-US" sz="1000" u="none" strike="noStrike">
+                          <a:effectLst/>
+                        </a:rPr>
+                        <a:t>73.00216</a:t>
+                      </a:r>
+                      <a:endParaRPr lang="en-US" sz="1000" b="0" i="0" u="none" strike="noStrike">
+                        <a:effectLst/>
+                        <a:latin typeface="Arial" panose="020B0604020202020204" pitchFamily="34" charset="0"/>
+                      </a:endParaRPr>
+                    </a:p>
+                  </a:txBody>
+                  <a:tcPr marL="7620" marR="7620" marT="7620" marB="0" anchor="b"/>
+                </a:tc>
+                <a:tc>
+                  <a:txBody>
+                    <a:bodyPr/>
+                    <a:lstStyle/>
+                    <a:p>
+                      <a:pPr algn="r" fontAlgn="b"/>
+                      <a:r>
+                        <a:rPr lang="en-US" sz="1000" u="none" strike="noStrike">
+                          <a:effectLst/>
+                        </a:rPr>
+                        <a:t>63.49892</a:t>
+                      </a:r>
+                      <a:endParaRPr lang="en-US" sz="1000" b="0" i="0" u="none" strike="noStrike">
+                        <a:effectLst/>
+                        <a:latin typeface="Arial" panose="020B0604020202020204" pitchFamily="34" charset="0"/>
+                      </a:endParaRPr>
+                    </a:p>
+                  </a:txBody>
+                  <a:tcPr marL="7620" marR="7620" marT="7620" marB="0" anchor="b"/>
+                </a:tc>
+                <a:extLst>
+                  <a:ext uri="{0D108BD9-81ED-4DB2-BD59-A6C34878D82A}">
+                    <a16:rowId xmlns:a16="http://schemas.microsoft.com/office/drawing/2014/main" val="894521636"/>
+                  </a:ext>
+                </a:extLst>
+              </a:tr>
+              <a:tr h="266700">
+                <a:tc>
+                  <a:txBody>
+                    <a:bodyPr/>
+                    <a:lstStyle/>
+                    <a:p>
+                      <a:pPr algn="r" fontAlgn="b"/>
+                      <a:r>
+                        <a:rPr lang="en-US" sz="1000" u="none" strike="noStrike">
+                          <a:effectLst/>
+                        </a:rPr>
+                        <a:t>15</a:t>
+                      </a:r>
+                      <a:endParaRPr lang="en-US" sz="1000" b="0" i="0" u="none" strike="noStrike">
+                        <a:effectLst/>
+                        <a:latin typeface="Arial" panose="020B0604020202020204" pitchFamily="34" charset="0"/>
+                      </a:endParaRPr>
+                    </a:p>
+                  </a:txBody>
+                  <a:tcPr marL="7620" marR="7620" marT="7620" marB="0" anchor="b"/>
+                </a:tc>
+                <a:tc>
+                  <a:txBody>
+                    <a:bodyPr/>
+                    <a:lstStyle/>
+                    <a:p>
+                      <a:pPr algn="r" fontAlgn="b"/>
+                      <a:r>
+                        <a:rPr lang="en-US" sz="1000" u="none" strike="noStrike">
+                          <a:effectLst/>
+                        </a:rPr>
+                        <a:t>88.12095</a:t>
+                      </a:r>
+                      <a:endParaRPr lang="en-US" sz="1000" b="0" i="0" u="none" strike="noStrike">
+                        <a:effectLst/>
+                        <a:latin typeface="Arial" panose="020B0604020202020204" pitchFamily="34" charset="0"/>
+                      </a:endParaRPr>
+                    </a:p>
+                  </a:txBody>
+                  <a:tcPr marL="7620" marR="7620" marT="7620" marB="0" anchor="b"/>
+                </a:tc>
+                <a:tc>
+                  <a:txBody>
+                    <a:bodyPr/>
+                    <a:lstStyle/>
+                    <a:p>
+                      <a:pPr algn="r" fontAlgn="b"/>
+                      <a:r>
+                        <a:rPr lang="en-US" sz="1000" u="none" strike="noStrike">
+                          <a:effectLst/>
+                        </a:rPr>
+                        <a:t>74.946</a:t>
+                      </a:r>
+                      <a:endParaRPr lang="en-US" sz="1000" b="0" i="0" u="none" strike="noStrike">
+                        <a:effectLst/>
+                        <a:latin typeface="Arial" panose="020B0604020202020204" pitchFamily="34" charset="0"/>
+                      </a:endParaRPr>
+                    </a:p>
+                  </a:txBody>
+                  <a:tcPr marL="7620" marR="7620" marT="7620" marB="0" anchor="b"/>
+                </a:tc>
+                <a:tc>
+                  <a:txBody>
+                    <a:bodyPr/>
+                    <a:lstStyle/>
+                    <a:p>
+                      <a:pPr algn="r" fontAlgn="b"/>
+                      <a:r>
+                        <a:rPr lang="en-US" sz="1000" u="none" strike="noStrike" dirty="0">
+                          <a:effectLst/>
+                        </a:rPr>
+                        <a:t>62.20302</a:t>
+                      </a:r>
+                      <a:endParaRPr lang="en-US" sz="1000" b="0" i="0" u="none" strike="noStrike" dirty="0">
+                        <a:effectLst/>
+                        <a:latin typeface="Arial" panose="020B0604020202020204" pitchFamily="34" charset="0"/>
+                      </a:endParaRPr>
+                    </a:p>
+                  </a:txBody>
+                  <a:tcPr marL="7620" marR="7620" marT="7620" marB="0" anchor="b"/>
+                </a:tc>
+                <a:extLst>
+                  <a:ext uri="{0D108BD9-81ED-4DB2-BD59-A6C34878D82A}">
+                    <a16:rowId xmlns:a16="http://schemas.microsoft.com/office/drawing/2014/main" val="1245652568"/>
+                  </a:ext>
+                </a:extLst>
+              </a:tr>
+            </a:tbl>
+          </a:graphicData>
+        </a:graphic>
+      </p:graphicFrame>
+      <p:graphicFrame>
+        <p:nvGraphicFramePr>
+          <p:cNvPr id="6" name="Chart 5"/>
+          <p:cNvGraphicFramePr>
+            <a:graphicFrameLocks/>
+          </p:cNvGraphicFramePr>
           <p:nvPr>
-            <p:ph sz="half" idx="2"/>
+            <p:extLst>
+              <p:ext uri="{D42A27DB-BD31-4B8C-83A1-F6EECF244321}">
+                <p14:modId xmlns:p14="http://schemas.microsoft.com/office/powerpoint/2010/main" val="4003476672"/>
+              </p:ext>
+            </p:extLst>
           </p:nvPr>
-        </p:nvSpPr>
-        <p:spPr/>
-        <p:txBody>
-          <a:bodyPr/>
-          <a:lstStyle/>
-          <a:p>
-            <a:endParaRPr lang="en-US" dirty="0"/>
-          </a:p>
-        </p:txBody>
-      </p:sp>
-      <p:sp>
-        <p:nvSpPr>
-          <p:cNvPr id="6" name="Text Placeholder 5"/>
-          <p:cNvSpPr>
-            <a:spLocks noGrp="1"/>
-          </p:cNvSpPr>
-          <p:nvPr>
-            <p:ph type="body" sz="quarter" idx="3"/>
-          </p:nvPr>
-        </p:nvSpPr>
-        <p:spPr/>
-        <p:txBody>
-          <a:bodyPr/>
-          <a:lstStyle/>
-          <a:p>
-            <a:endParaRPr lang="en-US" dirty="0"/>
-          </a:p>
-        </p:txBody>
-      </p:sp>
-      <p:sp>
-        <p:nvSpPr>
-          <p:cNvPr id="4" name="Content Placeholder 3"/>
-          <p:cNvSpPr>
-            <a:spLocks noGrp="1"/>
-          </p:cNvSpPr>
-          <p:nvPr>
-            <p:ph sz="quarter" idx="4"/>
-          </p:nvPr>
-        </p:nvSpPr>
-        <p:spPr/>
-        <p:txBody>
-          <a:bodyPr/>
-          <a:lstStyle/>
-          <a:p>
-            <a:endParaRPr lang="en-US" dirty="0"/>
-          </a:p>
-        </p:txBody>
-      </p:sp>
+        </p:nvGraphicFramePr>
+        <p:xfrm>
+          <a:off x="5027612" y="2362200"/>
+          <a:ext cx="6096000" cy="2743200"/>
+        </p:xfrm>
+        <a:graphic>
+          <a:graphicData uri="http://schemas.openxmlformats.org/drawingml/2006/chart">
+            <c:chart xmlns:c="http://schemas.openxmlformats.org/drawingml/2006/chart" xmlns:r="http://schemas.openxmlformats.org/officeDocument/2006/relationships" r:id="rId2"/>
+          </a:graphicData>
+        </a:graphic>
+      </p:graphicFrame>
     </p:spTree>
     <p:extLst>
       <p:ext uri="{BB962C8B-B14F-4D97-AF65-F5344CB8AC3E}">
-        <p14:creationId xmlns:p14="http://schemas.microsoft.com/office/powerpoint/2010/main" val="3296948863"/>
+        <p14:creationId xmlns:p14="http://schemas.microsoft.com/office/powerpoint/2010/main" val="3120038584"/>
       </p:ext>
     </p:extLst>
   </p:cSld>
@@ -8284,6 +11521,13 @@
       </p:transition>
     </mc:Fallback>
   </mc:AlternateContent>
+  <p:timing>
+    <p:tnLst>
+      <p:par>
+        <p:cTn id="1" dur="indefinite" restart="never" nodeType="tmRoot"/>
+      </p:par>
+    </p:tnLst>
+  </p:timing>
 </p:sld>
 </file>
 
@@ -8320,16 +11564,77 @@
           <a:lstStyle/>
           <a:p>
             <a:r>
-              <a:rPr lang="en-US" dirty="0"/>
-              <a:t>Add a Slide Title - 3</a:t>
-            </a:r>
+              <a:rPr lang="en-US"/>
+              <a:t>Two Content Layout with SmartArt</a:t>
+            </a:r>
+            <a:endParaRPr lang="en-US" dirty="0"/>
+          </a:p>
+        </p:txBody>
+      </p:sp>
+      <p:graphicFrame>
+        <p:nvGraphicFramePr>
+          <p:cNvPr id="4" name="Content Placeholder 3" descr="Vertical bullet list showing 3 groups arranged one below the other and bullet points are present under each group."/>
+          <p:cNvGraphicFramePr>
+            <a:graphicFrameLocks noGrp="1"/>
+          </p:cNvGraphicFramePr>
+          <p:nvPr>
+            <p:ph sz="half" idx="1"/>
+            <p:extLst>
+              <p:ext uri="{D42A27DB-BD31-4B8C-83A1-F6EECF244321}">
+                <p14:modId xmlns:p14="http://schemas.microsoft.com/office/powerpoint/2010/main" val="2078625310"/>
+              </p:ext>
+            </p:extLst>
+          </p:nvPr>
+        </p:nvGraphicFramePr>
+        <p:xfrm>
+          <a:off x="1117600" y="1701800"/>
+          <a:ext cx="4976813" cy="4470400"/>
+        </p:xfrm>
+        <a:graphic>
+          <a:graphicData uri="http://schemas.openxmlformats.org/drawingml/2006/diagram">
+            <dgm:relIds xmlns:dgm="http://schemas.openxmlformats.org/drawingml/2006/diagram" xmlns:r="http://schemas.openxmlformats.org/officeDocument/2006/relationships" r:dm="rId2" r:lo="rId3" r:qs="rId4" r:cs="rId5"/>
+          </a:graphicData>
+        </a:graphic>
+      </p:graphicFrame>
+      <p:sp>
+        <p:nvSpPr>
+          <p:cNvPr id="6" name="Content Placeholder 5"/>
+          <p:cNvSpPr>
+            <a:spLocks noGrp="1"/>
+          </p:cNvSpPr>
+          <p:nvPr>
+            <p:ph sz="half" idx="2"/>
+          </p:nvPr>
+        </p:nvSpPr>
+        <p:spPr/>
+        <p:txBody>
+          <a:bodyPr/>
+          <a:lstStyle/>
+          <a:p>
+            <a:r>
+              <a:rPr lang="en-US"/>
+              <a:t>First bullet point here</a:t>
+            </a:r>
+          </a:p>
+          <a:p>
+            <a:r>
+              <a:rPr lang="en-US"/>
+              <a:t>Second bullet point here</a:t>
+            </a:r>
+          </a:p>
+          <a:p>
+            <a:r>
+              <a:rPr lang="en-US"/>
+              <a:t>Third bullet point here</a:t>
+            </a:r>
+            <a:endParaRPr lang="en-US" dirty="0"/>
           </a:p>
         </p:txBody>
       </p:sp>
     </p:spTree>
     <p:extLst>
       <p:ext uri="{BB962C8B-B14F-4D97-AF65-F5344CB8AC3E}">
-        <p14:creationId xmlns:p14="http://schemas.microsoft.com/office/powerpoint/2010/main" val="1653943558"/>
+        <p14:creationId xmlns:p14="http://schemas.microsoft.com/office/powerpoint/2010/main" val="13403576"/>
       </p:ext>
     </p:extLst>
   </p:cSld>
@@ -8368,10 +11673,51 @@
           <a:chExt cx="0" cy="0"/>
         </a:xfrm>
       </p:grpSpPr>
+      <p:sp>
+        <p:nvSpPr>
+          <p:cNvPr id="2" name="Title 1"/>
+          <p:cNvSpPr>
+            <a:spLocks noGrp="1"/>
+          </p:cNvSpPr>
+          <p:nvPr>
+            <p:ph type="title"/>
+          </p:nvPr>
+        </p:nvSpPr>
+        <p:spPr/>
+        <p:txBody>
+          <a:bodyPr/>
+          <a:lstStyle/>
+          <a:p>
+            <a:r>
+              <a:rPr lang="en-US" dirty="0"/>
+              <a:t>Add a Slide Title - 1</a:t>
+            </a:r>
+          </a:p>
+        </p:txBody>
+      </p:sp>
+      <p:sp>
+        <p:nvSpPr>
+          <p:cNvPr id="3" name="Text Placeholder 2"/>
+          <p:cNvSpPr>
+            <a:spLocks noGrp="1"/>
+          </p:cNvSpPr>
+          <p:nvPr>
+            <p:ph type="body" idx="1"/>
+          </p:nvPr>
+        </p:nvSpPr>
+        <p:spPr/>
+        <p:txBody>
+          <a:bodyPr/>
+          <a:lstStyle/>
+          <a:p>
+            <a:endParaRPr lang="en-US" dirty="0"/>
+          </a:p>
+        </p:txBody>
+      </p:sp>
     </p:spTree>
     <p:extLst>
       <p:ext uri="{BB962C8B-B14F-4D97-AF65-F5344CB8AC3E}">
-        <p14:creationId xmlns:p14="http://schemas.microsoft.com/office/powerpoint/2010/main" val="3030984589"/>
+        <p14:creationId xmlns:p14="http://schemas.microsoft.com/office/powerpoint/2010/main" val="1997697987"/>
       </p:ext>
     </p:extLst>
   </p:cSld>
@@ -8390,112 +11736,17 @@
       </p:transition>
     </mc:Fallback>
   </mc:AlternateContent>
+  <p:timing>
+    <p:tnLst>
+      <p:par>
+        <p:cTn id="1" dur="indefinite" restart="never" nodeType="tmRoot"/>
+      </p:par>
+    </p:tnLst>
+  </p:timing>
 </p:sld>
 </file>
 
 <file path=ppt/slides/slide13.xml><?xml version="1.0" encoding="utf-8"?>
-<p:sld xmlns:a="http://schemas.openxmlformats.org/drawingml/2006/main" xmlns:r="http://schemas.openxmlformats.org/officeDocument/2006/relationships" xmlns:p="http://schemas.openxmlformats.org/presentationml/2006/main">
-  <p:cSld>
-    <p:spTree>
-      <p:nvGrpSpPr>
-        <p:cNvPr id="1" name=""/>
-        <p:cNvGrpSpPr/>
-        <p:nvPr/>
-      </p:nvGrpSpPr>
-      <p:grpSpPr>
-        <a:xfrm>
-          <a:off x="0" y="0"/>
-          <a:ext cx="0" cy="0"/>
-          <a:chOff x="0" y="0"/>
-          <a:chExt cx="0" cy="0"/>
-        </a:xfrm>
-      </p:grpSpPr>
-      <p:sp>
-        <p:nvSpPr>
-          <p:cNvPr id="2" name="Title 1"/>
-          <p:cNvSpPr>
-            <a:spLocks noGrp="1"/>
-          </p:cNvSpPr>
-          <p:nvPr>
-            <p:ph type="title"/>
-          </p:nvPr>
-        </p:nvSpPr>
-        <p:spPr/>
-        <p:txBody>
-          <a:bodyPr/>
-          <a:lstStyle/>
-          <a:p>
-            <a:r>
-              <a:rPr lang="en-US" dirty="0"/>
-              <a:t>Add a Slide Title - 4</a:t>
-            </a:r>
-          </a:p>
-        </p:txBody>
-      </p:sp>
-      <p:sp>
-        <p:nvSpPr>
-          <p:cNvPr id="4" name="Text Placeholder 3"/>
-          <p:cNvSpPr>
-            <a:spLocks noGrp="1"/>
-          </p:cNvSpPr>
-          <p:nvPr>
-            <p:ph type="body" sz="half" idx="2"/>
-          </p:nvPr>
-        </p:nvSpPr>
-        <p:spPr/>
-        <p:txBody>
-          <a:bodyPr/>
-          <a:lstStyle/>
-          <a:p>
-            <a:endParaRPr lang="en-US" dirty="0"/>
-          </a:p>
-        </p:txBody>
-      </p:sp>
-      <p:sp>
-        <p:nvSpPr>
-          <p:cNvPr id="3" name="Content Placeholder 2"/>
-          <p:cNvSpPr>
-            <a:spLocks noGrp="1"/>
-          </p:cNvSpPr>
-          <p:nvPr>
-            <p:ph idx="1"/>
-          </p:nvPr>
-        </p:nvSpPr>
-        <p:spPr/>
-        <p:txBody>
-          <a:bodyPr/>
-          <a:lstStyle/>
-          <a:p>
-            <a:endParaRPr lang="en-US" dirty="0"/>
-          </a:p>
-        </p:txBody>
-      </p:sp>
-    </p:spTree>
-    <p:extLst>
-      <p:ext uri="{BB962C8B-B14F-4D97-AF65-F5344CB8AC3E}">
-        <p14:creationId xmlns:p14="http://schemas.microsoft.com/office/powerpoint/2010/main" val="1750688946"/>
-      </p:ext>
-    </p:extLst>
-  </p:cSld>
-  <p:clrMapOvr>
-    <a:masterClrMapping/>
-  </p:clrMapOvr>
-  <mc:AlternateContent xmlns:mc="http://schemas.openxmlformats.org/markup-compatibility/2006" xmlns:p14="http://schemas.microsoft.com/office/powerpoint/2010/main">
-    <mc:Choice Requires="p14">
-      <p:transition spd="med" p14:dur="700">
-        <p:fade/>
-      </p:transition>
-    </mc:Choice>
-    <mc:Fallback xmlns="">
-      <p:transition spd="med">
-        <p:fade/>
-      </p:transition>
-    </mc:Fallback>
-  </mc:AlternateContent>
-</p:sld>
-</file>
-
-<file path=ppt/slides/slide14.xml><?xml version="1.0" encoding="utf-8"?>
 <p:sld xmlns:a="http://schemas.openxmlformats.org/drawingml/2006/main" xmlns:r="http://schemas.openxmlformats.org/officeDocument/2006/relationships" xmlns:p="http://schemas.openxmlformats.org/presentationml/2006/main">
   <p:cSld>
     <p:spTree>
@@ -8571,6 +11822,13 @@
       </p:transition>
     </mc:Fallback>
   </mc:AlternateContent>
+  <p:timing>
+    <p:tnLst>
+      <p:par>
+        <p:cTn id="1" dur="indefinite" restart="never" nodeType="tmRoot"/>
+      </p:par>
+    </p:tnLst>
+  </p:timing>
 </p:sld>
 </file>
 
@@ -8626,10 +11884,6 @@
               </a:rPr>
               <a:t>PHÂN TÍCH DỮ LIỆU</a:t>
             </a:r>
-            <a:endParaRPr lang="en-US" dirty="0" smtClean="0">
-              <a:latin typeface="Times New Roman" panose="02020603050405020304" pitchFamily="18" charset="0"/>
-              <a:cs typeface="Times New Roman" panose="02020603050405020304" pitchFamily="18" charset="0"/>
-            </a:endParaRPr>
           </a:p>
           <a:p>
             <a:r>
@@ -8677,6 +11931,13 @@
       </p:transition>
     </mc:Fallback>
   </mc:AlternateContent>
+  <p:timing>
+    <p:tnLst>
+      <p:par>
+        <p:cTn id="1" dur="indefinite" restart="never" nodeType="tmRoot"/>
+      </p:par>
+    </p:tnLst>
+  </p:timing>
 </p:sld>
 </file>
 
@@ -8736,29 +11997,135 @@
             <p:ph idx="1"/>
           </p:nvPr>
         </p:nvSpPr>
-        <p:spPr/>
+        <p:spPr>
+          <a:xfrm>
+            <a:off x="1117309" y="1524000"/>
+            <a:ext cx="10157354" cy="5105400"/>
+          </a:xfrm>
+        </p:spPr>
         <p:txBody>
           <a:bodyPr>
             <a:normAutofit/>
           </a:bodyPr>
           <a:lstStyle/>
           <a:p>
-            <a:r>
-              <a:rPr lang="vi-VN" sz="2000" dirty="0">
+            <a:pPr marL="0" indent="0">
+              <a:lnSpc>
+                <a:spcPct val="150000"/>
+              </a:lnSpc>
+              <a:buNone/>
+            </a:pPr>
+            <a:r>
+              <a:rPr lang="en-US" sz="2600" b="1" dirty="0" smtClean="0">
+                <a:solidFill>
+                  <a:srgbClr val="002060"/>
+                </a:solidFill>
                 <a:latin typeface="Times New Roman" panose="02020603050405020304" pitchFamily="18" charset="0"/>
                 <a:cs typeface="Times New Roman" panose="02020603050405020304" pitchFamily="18" charset="0"/>
               </a:rPr>
-              <a:t>Mục tiêu của nghiên cứu là giúp các kiểm toán viên bằng cách xây dựng một mô hình phân loại có thể dự đoán công ty lừa đảo trên cơ sở các yếu tố rủi ro hiện tại và lịch sử. Thông tin về các lĩnh vực và số lượng các công ty được liệt kê tương ứng là Thủy lợi (114), Sức khỏe cộng đồng (77), Tòa nhà và Con đường (82), Rừng (70</a:t>
-            </a:r>
-            <a:r>
-              <a:rPr lang="vi-VN" sz="2000" dirty="0" smtClean="0">
+              <a:t>Tên </a:t>
+            </a:r>
+            <a:r>
+              <a:rPr lang="en-US" sz="2600" b="1" dirty="0">
+                <a:solidFill>
+                  <a:srgbClr val="002060"/>
+                </a:solidFill>
                 <a:latin typeface="Times New Roman" panose="02020603050405020304" pitchFamily="18" charset="0"/>
                 <a:cs typeface="Times New Roman" panose="02020603050405020304" pitchFamily="18" charset="0"/>
               </a:rPr>
-              <a:t>),</a:t>
-            </a:r>
-            <a:r>
-              <a:rPr lang="en-US" sz="2000" dirty="0" smtClean="0">
+              <a:t>tập dữ liệu</a:t>
+            </a:r>
+            <a:r>
+              <a:rPr lang="en-US" sz="2600" dirty="0">
+                <a:solidFill>
+                  <a:srgbClr val="002060"/>
+                </a:solidFill>
+                <a:latin typeface="Times New Roman" panose="02020603050405020304" pitchFamily="18" charset="0"/>
+                <a:cs typeface="Times New Roman" panose="02020603050405020304" pitchFamily="18" charset="0"/>
+              </a:rPr>
+              <a:t>: </a:t>
+            </a:r>
+            <a:r>
+              <a:rPr lang="en-US" sz="2600" dirty="0" smtClean="0">
+                <a:solidFill>
+                  <a:srgbClr val="002060"/>
+                </a:solidFill>
+                <a:latin typeface="Times New Roman" panose="02020603050405020304" pitchFamily="18" charset="0"/>
+                <a:cs typeface="Times New Roman" panose="02020603050405020304" pitchFamily="18" charset="0"/>
+              </a:rPr>
+              <a:t>Audit Risk Data </a:t>
+            </a:r>
+            <a:r>
+              <a:rPr lang="en-US" sz="2600" dirty="0">
+                <a:solidFill>
+                  <a:srgbClr val="002060"/>
+                </a:solidFill>
+                <a:latin typeface="Times New Roman" panose="02020603050405020304" pitchFamily="18" charset="0"/>
+                <a:cs typeface="Times New Roman" panose="02020603050405020304" pitchFamily="18" charset="0"/>
+              </a:rPr>
+              <a:t>Set </a:t>
+            </a:r>
+            <a:r>
+              <a:rPr lang="en-US" sz="2600" dirty="0" smtClean="0">
+                <a:solidFill>
+                  <a:srgbClr val="002060"/>
+                </a:solidFill>
+                <a:latin typeface="Times New Roman" panose="02020603050405020304" pitchFamily="18" charset="0"/>
+                <a:cs typeface="Times New Roman" panose="02020603050405020304" pitchFamily="18" charset="0"/>
+              </a:rPr>
+              <a:t>(Tập dữ liệu rủi ro trong kiểm toán)</a:t>
+            </a:r>
+            <a:endParaRPr lang="en-US" sz="2600" dirty="0">
+              <a:solidFill>
+                <a:srgbClr val="002060"/>
+              </a:solidFill>
+              <a:latin typeface="Times New Roman" panose="02020603050405020304" pitchFamily="18" charset="0"/>
+              <a:cs typeface="Times New Roman" panose="02020603050405020304" pitchFamily="18" charset="0"/>
+            </a:endParaRPr>
+          </a:p>
+          <a:p>
+            <a:pPr marL="0" indent="0">
+              <a:buNone/>
+            </a:pPr>
+            <a:r>
+              <a:rPr lang="en-US" sz="2600" b="1" dirty="0" smtClean="0">
+                <a:solidFill>
+                  <a:srgbClr val="002060"/>
+                </a:solidFill>
+                <a:latin typeface="Times New Roman" panose="02020603050405020304" pitchFamily="18" charset="0"/>
+                <a:cs typeface="Times New Roman" panose="02020603050405020304" pitchFamily="18" charset="0"/>
+              </a:rPr>
+              <a:t>Thông </a:t>
+            </a:r>
+            <a:r>
+              <a:rPr lang="en-US" sz="2600" b="1" dirty="0">
+                <a:solidFill>
+                  <a:srgbClr val="002060"/>
+                </a:solidFill>
+                <a:latin typeface="Times New Roman" panose="02020603050405020304" pitchFamily="18" charset="0"/>
+                <a:cs typeface="Times New Roman" panose="02020603050405020304" pitchFamily="18" charset="0"/>
+              </a:rPr>
+              <a:t>tin tập dữ liệu</a:t>
+            </a:r>
+            <a:r>
+              <a:rPr lang="en-US" sz="2600" dirty="0">
+                <a:solidFill>
+                  <a:srgbClr val="002060"/>
+                </a:solidFill>
+                <a:latin typeface="Times New Roman" panose="02020603050405020304" pitchFamily="18" charset="0"/>
+                <a:cs typeface="Times New Roman" panose="02020603050405020304" pitchFamily="18" charset="0"/>
+              </a:rPr>
+              <a:t>: </a:t>
+            </a:r>
+            <a:r>
+              <a:rPr lang="vi-VN" sz="2600" dirty="0">
+                <a:latin typeface="Times New Roman" panose="02020603050405020304" pitchFamily="18" charset="0"/>
+                <a:cs typeface="Times New Roman" panose="02020603050405020304" pitchFamily="18" charset="0"/>
+              </a:rPr>
+              <a:t>. Thông tin về các lĩnh vực và số lượng các công ty được liệt kê tương ứng là Thủy lợi (114), Sức khỏe cộng đồng (77), Tòa nhà và Con đường (82), Rừng (70),</a:t>
+            </a:r>
+            <a:r>
+              <a:rPr lang="en-US" sz="2600" dirty="0">
                 <a:latin typeface="Times New Roman" panose="02020603050405020304" pitchFamily="18" charset="0"/>
                 <a:cs typeface="Times New Roman" panose="02020603050405020304" pitchFamily="18" charset="0"/>
               </a:rPr>
@@ -8766,19 +12133,90 @@
             </a:r>
           </a:p>
           <a:p>
-            <a:pPr marL="304747" lvl="1">
-              <a:spcBef>
-                <a:spcPts val="1866"/>
-              </a:spcBef>
-              <a:buFont typeface="Arial" pitchFamily="34" charset="0"/>
-              <a:buChar char="•"/>
+            <a:pPr marL="0" indent="0">
+              <a:lnSpc>
+                <a:spcPct val="150000"/>
+              </a:lnSpc>
+              <a:buNone/>
             </a:pPr>
             <a:r>
-              <a:rPr lang="en-US" dirty="0">
+              <a:rPr lang="vi-VN" sz="2600" b="1" dirty="0" smtClean="0">
+                <a:solidFill>
+                  <a:srgbClr val="002060"/>
+                </a:solidFill>
                 <a:latin typeface="Times New Roman" panose="02020603050405020304" pitchFamily="18" charset="0"/>
                 <a:cs typeface="Times New Roman" panose="02020603050405020304" pitchFamily="18" charset="0"/>
               </a:rPr>
-              <a:t>Tập dữ liệu này sẽ có 777 công ty từ 46 thành phố khác nhau.</a:t>
+              <a:t>Nhiệm </a:t>
+            </a:r>
+            <a:r>
+              <a:rPr lang="vi-VN" sz="2600" b="1" dirty="0">
+                <a:solidFill>
+                  <a:srgbClr val="002060"/>
+                </a:solidFill>
+                <a:latin typeface="Times New Roman" panose="02020603050405020304" pitchFamily="18" charset="0"/>
+                <a:cs typeface="Times New Roman" panose="02020603050405020304" pitchFamily="18" charset="0"/>
+              </a:rPr>
+              <a:t>vụ</a:t>
+            </a:r>
+            <a:r>
+              <a:rPr lang="en-US" sz="2600" dirty="0">
+                <a:solidFill>
+                  <a:srgbClr val="002060"/>
+                </a:solidFill>
+                <a:latin typeface="Times New Roman" panose="02020603050405020304" pitchFamily="18" charset="0"/>
+                <a:cs typeface="Times New Roman" panose="02020603050405020304" pitchFamily="18" charset="0"/>
+              </a:rPr>
+              <a:t>:</a:t>
+            </a:r>
+            <a:r>
+              <a:rPr lang="vi-VN" sz="2600" dirty="0">
+                <a:solidFill>
+                  <a:srgbClr val="002060"/>
+                </a:solidFill>
+                <a:latin typeface="Times New Roman" panose="02020603050405020304" pitchFamily="18" charset="0"/>
+                <a:cs typeface="Times New Roman" panose="02020603050405020304" pitchFamily="18" charset="0"/>
+              </a:rPr>
+              <a:t> </a:t>
+            </a:r>
+            <a:r>
+              <a:rPr lang="vi-VN" sz="2600" dirty="0">
+                <a:latin typeface="Times New Roman" panose="02020603050405020304" pitchFamily="18" charset="0"/>
+                <a:cs typeface="Times New Roman" panose="02020603050405020304" pitchFamily="18" charset="0"/>
+              </a:rPr>
+              <a:t>giúp các kiểm toán viên bằng cách xây dựng một mô hình phân loại có thể dự đoán công ty lừa đảo trên cơ sở các yếu tố rủi ro hiện tại và lịch sử. </a:t>
+            </a:r>
+            <a:endParaRPr lang="en-US" sz="2600" dirty="0">
+              <a:latin typeface="Times New Roman" panose="02020603050405020304" pitchFamily="18" charset="0"/>
+              <a:cs typeface="Times New Roman" panose="02020603050405020304" pitchFamily="18" charset="0"/>
+            </a:endParaRPr>
+          </a:p>
+          <a:p>
+            <a:pPr marL="0" indent="0">
+              <a:lnSpc>
+                <a:spcPct val="150000"/>
+              </a:lnSpc>
+              <a:buNone/>
+            </a:pPr>
+            <a:r>
+              <a:rPr lang="en-US" sz="2600" b="1" dirty="0" smtClean="0">
+                <a:solidFill>
+                  <a:srgbClr val="002060"/>
+                </a:solidFill>
+                <a:latin typeface="Times New Roman" panose="02020603050405020304" pitchFamily="18" charset="0"/>
+                <a:cs typeface="Times New Roman" panose="02020603050405020304" pitchFamily="18" charset="0"/>
+              </a:rPr>
+              <a:t>Dữ liệu gồm:</a:t>
+            </a:r>
+            <a:r>
+              <a:rPr lang="en-US" sz="2600" dirty="0" smtClean="0">
+                <a:solidFill>
+                  <a:srgbClr val="002060"/>
+                </a:solidFill>
+                <a:latin typeface="Times New Roman" panose="02020603050405020304" pitchFamily="18" charset="0"/>
+                <a:cs typeface="Times New Roman" panose="02020603050405020304" pitchFamily="18" charset="0"/>
+              </a:rPr>
+              <a:t> Dữ liệu của 777 công ty </a:t>
             </a:r>
           </a:p>
           <a:p>
@@ -8811,6 +12249,13 @@
       </p:transition>
     </mc:Fallback>
   </mc:AlternateContent>
+  <p:timing>
+    <p:tnLst>
+      <p:par>
+        <p:cTn id="1" dur="indefinite" restart="never" nodeType="tmRoot"/>
+      </p:par>
+    </p:tnLst>
+  </p:timing>
 </p:sld>
 </file>
 
@@ -8851,7 +12296,7 @@
                 <a:latin typeface="Times New Roman" panose="02020603050405020304" pitchFamily="18" charset="0"/>
                 <a:cs typeface="Times New Roman" panose="02020603050405020304" pitchFamily="18" charset="0"/>
               </a:rPr>
-              <a:t>PHÂN TÍCH DỮ LIỆU</a:t>
+              <a:t>Phân tích tập dữ liệu</a:t>
             </a:r>
             <a:endParaRPr lang="en-US" dirty="0">
               <a:latin typeface="Times New Roman" panose="02020603050405020304" pitchFamily="18" charset="0"/>
@@ -8862,47 +12307,593 @@
       </p:sp>
       <p:sp>
         <p:nvSpPr>
-          <p:cNvPr id="3" name="Content Placeholder 2"/>
-          <p:cNvSpPr>
-            <a:spLocks noGrp="1"/>
-          </p:cNvSpPr>
-          <p:nvPr>
-            <p:ph idx="1"/>
-          </p:nvPr>
+          <p:cNvPr id="10" name="TextBox 9"/>
+          <p:cNvSpPr txBox="1"/>
+          <p:nvPr/>
         </p:nvSpPr>
-        <p:spPr/>
+        <p:spPr>
+          <a:xfrm>
+            <a:off x="1117309" y="1600200"/>
+            <a:ext cx="10006303" cy="3046988"/>
+          </a:xfrm>
+          <a:prstGeom prst="rect">
+            <a:avLst/>
+          </a:prstGeom>
+          <a:noFill/>
+        </p:spPr>
         <p:txBody>
-          <a:bodyPr/>
+          <a:bodyPr wrap="square" rtlCol="0">
+            <a:spAutoFit/>
+          </a:bodyPr>
           <a:lstStyle/>
           <a:p>
+            <a:r>
+              <a:rPr lang="en-US" b="1" dirty="0">
+                <a:solidFill>
+                  <a:srgbClr val="002060"/>
+                </a:solidFill>
+                <a:latin typeface="Times New Roman" panose="02020603050405020304" pitchFamily="18" charset="0"/>
+                <a:cs typeface="Times New Roman" panose="02020603050405020304" pitchFamily="18" charset="0"/>
+              </a:rPr>
+              <a:t>Dữ liệu gồm:</a:t>
+            </a:r>
+            <a:r>
+              <a:rPr lang="en-US" dirty="0">
+                <a:solidFill>
+                  <a:srgbClr val="002060"/>
+                </a:solidFill>
+                <a:latin typeface="Times New Roman" panose="02020603050405020304" pitchFamily="18" charset="0"/>
+                <a:cs typeface="Times New Roman" panose="02020603050405020304" pitchFamily="18" charset="0"/>
+              </a:rPr>
+              <a:t> Dữ liệu của 777 công ty </a:t>
+            </a:r>
+            <a:r>
+              <a:rPr lang="en-US" dirty="0" smtClean="0">
+                <a:solidFill>
+                  <a:srgbClr val="002060"/>
+                </a:solidFill>
+                <a:latin typeface="Times New Roman" panose="02020603050405020304" pitchFamily="18" charset="0"/>
+                <a:cs typeface="Times New Roman" panose="02020603050405020304" pitchFamily="18" charset="0"/>
+              </a:rPr>
+              <a:t>và sau </a:t>
+            </a:r>
+            <a:r>
+              <a:rPr lang="en-US" dirty="0">
+                <a:solidFill>
+                  <a:srgbClr val="002060"/>
+                </a:solidFill>
+                <a:latin typeface="Times New Roman" panose="02020603050405020304" pitchFamily="18" charset="0"/>
+                <a:cs typeface="Times New Roman" panose="02020603050405020304" pitchFamily="18" charset="0"/>
+              </a:rPr>
+              <a:t>thực hiện tiền xử lý </a:t>
+            </a:r>
+            <a:r>
+              <a:rPr lang="en-US" dirty="0" smtClean="0">
+                <a:solidFill>
+                  <a:srgbClr val="002060"/>
+                </a:solidFill>
+                <a:latin typeface="Times New Roman" panose="02020603050405020304" pitchFamily="18" charset="0"/>
+                <a:cs typeface="Times New Roman" panose="02020603050405020304" pitchFamily="18" charset="0"/>
+              </a:rPr>
+              <a:t>dữ </a:t>
+            </a:r>
+            <a:r>
+              <a:rPr lang="en-US" dirty="0">
+                <a:solidFill>
+                  <a:srgbClr val="002060"/>
+                </a:solidFill>
+                <a:latin typeface="Times New Roman" panose="02020603050405020304" pitchFamily="18" charset="0"/>
+                <a:cs typeface="Times New Roman" panose="02020603050405020304" pitchFamily="18" charset="0"/>
+              </a:rPr>
+              <a:t>liệu thực </a:t>
+            </a:r>
+            <a:r>
+              <a:rPr lang="en-US" dirty="0" smtClean="0">
+                <a:solidFill>
+                  <a:srgbClr val="002060"/>
+                </a:solidFill>
+                <a:latin typeface="Times New Roman" panose="02020603050405020304" pitchFamily="18" charset="0"/>
+                <a:cs typeface="Times New Roman" panose="02020603050405020304" pitchFamily="18" charset="0"/>
+              </a:rPr>
+              <a:t>hiện còn 772 </a:t>
+            </a:r>
+            <a:r>
+              <a:rPr lang="en-US" dirty="0">
+                <a:solidFill>
+                  <a:srgbClr val="002060"/>
+                </a:solidFill>
+                <a:latin typeface="Times New Roman" panose="02020603050405020304" pitchFamily="18" charset="0"/>
+                <a:cs typeface="Times New Roman" panose="02020603050405020304" pitchFamily="18" charset="0"/>
+              </a:rPr>
+              <a:t>dữ liệu</a:t>
+            </a:r>
+            <a:r>
+              <a:rPr lang="en-US" dirty="0" smtClean="0">
+                <a:solidFill>
+                  <a:srgbClr val="002060"/>
+                </a:solidFill>
+                <a:latin typeface="Times New Roman" panose="02020603050405020304" pitchFamily="18" charset="0"/>
+                <a:cs typeface="Times New Roman" panose="02020603050405020304" pitchFamily="18" charset="0"/>
+              </a:rPr>
+              <a:t>. (AuditRisk.csv)</a:t>
+            </a:r>
+          </a:p>
+          <a:p>
+            <a:r>
+              <a:rPr lang="en-US" b="1" dirty="0">
+                <a:solidFill>
+                  <a:srgbClr val="002060"/>
+                </a:solidFill>
+                <a:latin typeface="Times New Roman" panose="02020603050405020304" pitchFamily="18" charset="0"/>
+                <a:cs typeface="Times New Roman" panose="02020603050405020304" pitchFamily="18" charset="0"/>
+              </a:rPr>
+              <a:t>Dữ liệu gồm</a:t>
+            </a:r>
+            <a:r>
+              <a:rPr lang="en-US" b="1" dirty="0" smtClean="0">
+                <a:solidFill>
+                  <a:srgbClr val="002060"/>
+                </a:solidFill>
+                <a:latin typeface="Times New Roman" panose="02020603050405020304" pitchFamily="18" charset="0"/>
+                <a:cs typeface="Times New Roman" panose="02020603050405020304" pitchFamily="18" charset="0"/>
+              </a:rPr>
+              <a:t>: </a:t>
+            </a:r>
+            <a:r>
+              <a:rPr lang="en-US" dirty="0" smtClean="0">
+                <a:solidFill>
+                  <a:srgbClr val="002060"/>
+                </a:solidFill>
+                <a:latin typeface="Times New Roman" panose="02020603050405020304" pitchFamily="18" charset="0"/>
+                <a:cs typeface="Times New Roman" panose="02020603050405020304" pitchFamily="18" charset="0"/>
+              </a:rPr>
+              <a:t>Tập dữ liệu kiểm thử bao gồm 776 (trial.csv)</a:t>
+            </a:r>
+          </a:p>
+          <a:p>
+            <a:r>
+              <a:rPr lang="en-US" b="1" dirty="0">
+                <a:latin typeface="Times New Roman" panose="02020603050405020304" pitchFamily="18" charset="0"/>
+                <a:cs typeface="Times New Roman" panose="02020603050405020304" pitchFamily="18" charset="0"/>
+              </a:rPr>
+              <a:t>Nhãn dữ liệu</a:t>
+            </a:r>
+            <a:r>
+              <a:rPr lang="en-US" dirty="0">
+                <a:latin typeface="Times New Roman" panose="02020603050405020304" pitchFamily="18" charset="0"/>
+                <a:cs typeface="Times New Roman" panose="02020603050405020304" pitchFamily="18" charset="0"/>
+              </a:rPr>
+              <a:t>: bao gồm 2 giá trị 0 và </a:t>
+            </a:r>
             <a:r>
               <a:rPr lang="en-US" dirty="0" smtClean="0">
                 <a:latin typeface="Times New Roman" panose="02020603050405020304" pitchFamily="18" charset="0"/>
                 <a:cs typeface="Times New Roman" panose="02020603050405020304" pitchFamily="18" charset="0"/>
               </a:rPr>
-              <a:t>Tập dữ liệu tập huấn (audit_risk.csv) và tập dữ kiểm thử (trial.csv)</a:t>
-            </a:r>
-          </a:p>
-          <a:p>
-            <a:r>
-              <a:rPr lang="en-US" dirty="0" smtClean="0">
+              <a:t>1</a:t>
+            </a:r>
+          </a:p>
+          <a:p>
+            <a:r>
+              <a:rPr lang="en-US" b="1" dirty="0">
                 <a:latin typeface="Times New Roman" panose="02020603050405020304" pitchFamily="18" charset="0"/>
                 <a:cs typeface="Times New Roman" panose="02020603050405020304" pitchFamily="18" charset="0"/>
               </a:rPr>
-              <a:t>Tập dữ liệu tập huấn</a:t>
-            </a:r>
-          </a:p>
-          <a:p>
-            <a:r>
-              <a:rPr lang="en-US" dirty="0" smtClean="0">
+              <a:t>Các thuộc tính:</a:t>
+            </a:r>
+          </a:p>
+          <a:p>
+            <a:endParaRPr lang="en-US" dirty="0">
+              <a:latin typeface="Times New Roman" panose="02020603050405020304" pitchFamily="18" charset="0"/>
+              <a:cs typeface="Times New Roman" panose="02020603050405020304" pitchFamily="18" charset="0"/>
+            </a:endParaRPr>
+          </a:p>
+          <a:p>
+            <a:endParaRPr lang="en-US" dirty="0">
+              <a:solidFill>
+                <a:srgbClr val="002060"/>
+              </a:solidFill>
+              <a:latin typeface="Times New Roman" panose="02020603050405020304" pitchFamily="18" charset="0"/>
+              <a:cs typeface="Times New Roman" panose="02020603050405020304" pitchFamily="18" charset="0"/>
+            </a:endParaRPr>
+          </a:p>
+          <a:p>
+            <a:endParaRPr lang="en-US" dirty="0"/>
+          </a:p>
+        </p:txBody>
+      </p:sp>
+      <p:sp>
+        <p:nvSpPr>
+          <p:cNvPr id="12" name="TextBox 11"/>
+          <p:cNvSpPr txBox="1"/>
+          <p:nvPr/>
+        </p:nvSpPr>
+        <p:spPr>
+          <a:xfrm>
+            <a:off x="1117309" y="3354526"/>
+            <a:ext cx="8634704" cy="2585323"/>
+          </a:xfrm>
+          <a:prstGeom prst="rect">
+            <a:avLst/>
+          </a:prstGeom>
+          <a:noFill/>
+        </p:spPr>
+        <p:txBody>
+          <a:bodyPr wrap="square" numCol="3" rtlCol="0">
+            <a:spAutoFit/>
+          </a:bodyPr>
+          <a:lstStyle/>
+          <a:p>
+            <a:pPr marL="952393" lvl="1" indent="-342900">
+              <a:buFont typeface="+mj-lt"/>
+              <a:buAutoNum type="arabicPeriod"/>
+            </a:pPr>
+            <a:r>
+              <a:rPr lang="en-US" sz="1800" b="1" dirty="0" smtClean="0">
+                <a:solidFill>
+                  <a:srgbClr val="FF0000"/>
+                </a:solidFill>
                 <a:latin typeface="Times New Roman" panose="02020603050405020304" pitchFamily="18" charset="0"/>
                 <a:cs typeface="Times New Roman" panose="02020603050405020304" pitchFamily="18" charset="0"/>
               </a:rPr>
-              <a:t>Tập dữ liệu có x thuộc tính và nhãn là y</a:t>
-            </a:r>
-          </a:p>
-          <a:p>
-            <a:endParaRPr lang="en-US" dirty="0" smtClean="0">
+              <a:t>Sector_score</a:t>
+            </a:r>
+          </a:p>
+          <a:p>
+            <a:pPr marL="952393" lvl="1" indent="-342900">
+              <a:buFont typeface="+mj-lt"/>
+              <a:buAutoNum type="arabicPeriod"/>
+            </a:pPr>
+            <a:r>
+              <a:rPr lang="en-US" sz="1800" b="1" dirty="0" smtClean="0">
+                <a:solidFill>
+                  <a:srgbClr val="FF0000"/>
+                </a:solidFill>
+                <a:latin typeface="Times New Roman" panose="02020603050405020304" pitchFamily="18" charset="0"/>
+                <a:cs typeface="Times New Roman" panose="02020603050405020304" pitchFamily="18" charset="0"/>
+              </a:rPr>
+              <a:t>LOCATION_ID</a:t>
+            </a:r>
+          </a:p>
+          <a:p>
+            <a:pPr marL="952393" lvl="1" indent="-342900">
+              <a:buFont typeface="+mj-lt"/>
+              <a:buAutoNum type="arabicPeriod"/>
+            </a:pPr>
+            <a:r>
+              <a:rPr lang="en-US" sz="1800" b="1" dirty="0" smtClean="0">
+                <a:solidFill>
+                  <a:srgbClr val="FF0000"/>
+                </a:solidFill>
+                <a:latin typeface="Times New Roman" panose="02020603050405020304" pitchFamily="18" charset="0"/>
+                <a:cs typeface="Times New Roman" panose="02020603050405020304" pitchFamily="18" charset="0"/>
+              </a:rPr>
+              <a:t>PARA_A</a:t>
+            </a:r>
+          </a:p>
+          <a:p>
+            <a:pPr marL="952393" lvl="1" indent="-342900">
+              <a:buFont typeface="+mj-lt"/>
+              <a:buAutoNum type="arabicPeriod"/>
+            </a:pPr>
+            <a:r>
+              <a:rPr lang="en-US" sz="1800" b="1" dirty="0" smtClean="0">
+                <a:solidFill>
+                  <a:srgbClr val="FF0000"/>
+                </a:solidFill>
+                <a:latin typeface="Times New Roman" panose="02020603050405020304" pitchFamily="18" charset="0"/>
+                <a:cs typeface="Times New Roman" panose="02020603050405020304" pitchFamily="18" charset="0"/>
+              </a:rPr>
+              <a:t>Score_A</a:t>
+            </a:r>
+          </a:p>
+          <a:p>
+            <a:pPr marL="952393" lvl="1" indent="-342900">
+              <a:buFont typeface="+mj-lt"/>
+              <a:buAutoNum type="arabicPeriod"/>
+            </a:pPr>
+            <a:r>
+              <a:rPr lang="en-US" sz="1800" dirty="0" smtClean="0">
+                <a:latin typeface="Times New Roman" panose="02020603050405020304" pitchFamily="18" charset="0"/>
+                <a:cs typeface="Times New Roman" panose="02020603050405020304" pitchFamily="18" charset="0"/>
+              </a:rPr>
+              <a:t>Risk_A</a:t>
+            </a:r>
+          </a:p>
+          <a:p>
+            <a:pPr marL="952393" lvl="1" indent="-342900">
+              <a:buFont typeface="+mj-lt"/>
+              <a:buAutoNum type="arabicPeriod"/>
+            </a:pPr>
+            <a:r>
+              <a:rPr lang="en-US" sz="1800" b="1" dirty="0" smtClean="0">
+                <a:solidFill>
+                  <a:srgbClr val="FF0000"/>
+                </a:solidFill>
+                <a:latin typeface="Times New Roman" panose="02020603050405020304" pitchFamily="18" charset="0"/>
+                <a:cs typeface="Times New Roman" panose="02020603050405020304" pitchFamily="18" charset="0"/>
+              </a:rPr>
+              <a:t>PARA_B</a:t>
+            </a:r>
+          </a:p>
+          <a:p>
+            <a:pPr marL="952393" lvl="1" indent="-342900">
+              <a:buFont typeface="+mj-lt"/>
+              <a:buAutoNum type="arabicPeriod"/>
+            </a:pPr>
+            <a:r>
+              <a:rPr lang="en-US" sz="1800" b="1" dirty="0" smtClean="0">
+                <a:solidFill>
+                  <a:srgbClr val="FF0000"/>
+                </a:solidFill>
+                <a:latin typeface="Times New Roman" panose="02020603050405020304" pitchFamily="18" charset="0"/>
+                <a:cs typeface="Times New Roman" panose="02020603050405020304" pitchFamily="18" charset="0"/>
+              </a:rPr>
+              <a:t>Score_B</a:t>
+            </a:r>
+          </a:p>
+          <a:p>
+            <a:pPr marL="952393" lvl="1" indent="-342900">
+              <a:buFont typeface="+mj-lt"/>
+              <a:buAutoNum type="arabicPeriod"/>
+            </a:pPr>
+            <a:r>
+              <a:rPr lang="en-US" sz="1800" dirty="0" smtClean="0">
+                <a:latin typeface="Times New Roman" panose="02020603050405020304" pitchFamily="18" charset="0"/>
+                <a:cs typeface="Times New Roman" panose="02020603050405020304" pitchFamily="18" charset="0"/>
+              </a:rPr>
+              <a:t>Risk_B</a:t>
+            </a:r>
+          </a:p>
+          <a:p>
+            <a:pPr marL="952393" lvl="1" indent="-342900">
+              <a:buFont typeface="+mj-lt"/>
+              <a:buAutoNum type="arabicPeriod"/>
+            </a:pPr>
+            <a:r>
+              <a:rPr lang="en-US" sz="1800" b="1" dirty="0" smtClean="0">
+                <a:solidFill>
+                  <a:srgbClr val="FF0000"/>
+                </a:solidFill>
+                <a:latin typeface="Times New Roman" panose="02020603050405020304" pitchFamily="18" charset="0"/>
+                <a:cs typeface="Times New Roman" panose="02020603050405020304" pitchFamily="18" charset="0"/>
+              </a:rPr>
+              <a:t>TOTAL</a:t>
+            </a:r>
+          </a:p>
+          <a:p>
+            <a:pPr marL="952393" lvl="1" indent="-342900">
+              <a:buFont typeface="+mj-lt"/>
+              <a:buAutoNum type="arabicPeriod"/>
+            </a:pPr>
+            <a:r>
+              <a:rPr lang="en-US" sz="1800" b="1" dirty="0" smtClean="0">
+                <a:solidFill>
+                  <a:srgbClr val="FF0000"/>
+                </a:solidFill>
+                <a:latin typeface="Times New Roman" panose="02020603050405020304" pitchFamily="18" charset="0"/>
+                <a:cs typeface="Times New Roman" panose="02020603050405020304" pitchFamily="18" charset="0"/>
+              </a:rPr>
+              <a:t>Numbers</a:t>
+            </a:r>
+          </a:p>
+          <a:p>
+            <a:pPr marL="952393" lvl="1" indent="-342900">
+              <a:buFont typeface="+mj-lt"/>
+              <a:buAutoNum type="arabicPeriod"/>
+            </a:pPr>
+            <a:r>
+              <a:rPr lang="en-US" sz="1800" dirty="0" smtClean="0">
+                <a:latin typeface="Times New Roman" panose="02020603050405020304" pitchFamily="18" charset="0"/>
+                <a:cs typeface="Times New Roman" panose="02020603050405020304" pitchFamily="18" charset="0"/>
+              </a:rPr>
+              <a:t>Score_B</a:t>
+            </a:r>
+          </a:p>
+          <a:p>
+            <a:pPr marL="952393" lvl="1" indent="-342900">
+              <a:buFont typeface="+mj-lt"/>
+              <a:buAutoNum type="arabicPeriod"/>
+            </a:pPr>
+            <a:r>
+              <a:rPr lang="en-US" sz="1800" dirty="0" smtClean="0">
+                <a:latin typeface="Times New Roman" panose="02020603050405020304" pitchFamily="18" charset="0"/>
+                <a:cs typeface="Times New Roman" panose="02020603050405020304" pitchFamily="18" charset="0"/>
+              </a:rPr>
+              <a:t>Risk_C</a:t>
+            </a:r>
+          </a:p>
+          <a:p>
+            <a:pPr marL="952393" lvl="1" indent="-342900">
+              <a:buFont typeface="+mj-lt"/>
+              <a:buAutoNum type="arabicPeriod"/>
+            </a:pPr>
+            <a:r>
+              <a:rPr lang="en-US" sz="1800" b="1" dirty="0" smtClean="0">
+                <a:solidFill>
+                  <a:srgbClr val="FF0000"/>
+                </a:solidFill>
+                <a:latin typeface="Times New Roman" panose="02020603050405020304" pitchFamily="18" charset="0"/>
+                <a:cs typeface="Times New Roman" panose="02020603050405020304" pitchFamily="18" charset="0"/>
+              </a:rPr>
+              <a:t>Money_Value</a:t>
+            </a:r>
+          </a:p>
+          <a:p>
+            <a:pPr marL="952393" lvl="1" indent="-342900">
+              <a:buFont typeface="+mj-lt"/>
+              <a:buAutoNum type="arabicPeriod"/>
+            </a:pPr>
+            <a:r>
+              <a:rPr lang="en-US" sz="1800" dirty="0" smtClean="0">
+                <a:latin typeface="Times New Roman" panose="02020603050405020304" pitchFamily="18" charset="0"/>
+                <a:cs typeface="Times New Roman" panose="02020603050405020304" pitchFamily="18" charset="0"/>
+              </a:rPr>
+              <a:t>Score_MV</a:t>
+            </a:r>
+          </a:p>
+          <a:p>
+            <a:pPr marL="952393" lvl="1" indent="-342900">
+              <a:buFont typeface="+mj-lt"/>
+              <a:buAutoNum type="arabicPeriod"/>
+            </a:pPr>
+            <a:r>
+              <a:rPr lang="en-US" sz="1800" dirty="0" smtClean="0">
+                <a:latin typeface="Times New Roman" panose="02020603050405020304" pitchFamily="18" charset="0"/>
+                <a:cs typeface="Times New Roman" panose="02020603050405020304" pitchFamily="18" charset="0"/>
+              </a:rPr>
+              <a:t>Risk_D</a:t>
+            </a:r>
+          </a:p>
+          <a:p>
+            <a:pPr marL="952393" lvl="1" indent="-342900">
+              <a:buFont typeface="+mj-lt"/>
+              <a:buAutoNum type="arabicPeriod"/>
+            </a:pPr>
+            <a:r>
+              <a:rPr lang="en-US" sz="1800" dirty="0" smtClean="0">
+                <a:latin typeface="Times New Roman" panose="02020603050405020304" pitchFamily="18" charset="0"/>
+                <a:cs typeface="Times New Roman" panose="02020603050405020304" pitchFamily="18" charset="0"/>
+              </a:rPr>
+              <a:t>District_Loss</a:t>
+            </a:r>
+          </a:p>
+          <a:p>
+            <a:pPr marL="952393" lvl="1" indent="-342900">
+              <a:buFont typeface="+mj-lt"/>
+              <a:buAutoNum type="arabicPeriod"/>
+            </a:pPr>
+            <a:r>
+              <a:rPr lang="en-US" sz="1800" dirty="0" smtClean="0">
+                <a:latin typeface="Times New Roman" panose="02020603050405020304" pitchFamily="18" charset="0"/>
+                <a:cs typeface="Times New Roman" panose="02020603050405020304" pitchFamily="18" charset="0"/>
+              </a:rPr>
+              <a:t>PROB</a:t>
+            </a:r>
+          </a:p>
+          <a:p>
+            <a:pPr marL="952393" lvl="1" indent="-342900">
+              <a:buFont typeface="+mj-lt"/>
+              <a:buAutoNum type="arabicPeriod"/>
+            </a:pPr>
+            <a:r>
+              <a:rPr lang="en-US" sz="1800" dirty="0" smtClean="0">
+                <a:latin typeface="Times New Roman" panose="02020603050405020304" pitchFamily="18" charset="0"/>
+                <a:cs typeface="Times New Roman" panose="02020603050405020304" pitchFamily="18" charset="0"/>
+              </a:rPr>
+              <a:t>RiSk_E</a:t>
+            </a:r>
+          </a:p>
+          <a:p>
+            <a:pPr marL="952393" lvl="1" indent="-342900">
+              <a:buFont typeface="+mj-lt"/>
+              <a:buAutoNum type="arabicPeriod"/>
+            </a:pPr>
+            <a:r>
+              <a:rPr lang="en-US" sz="1800" b="1" dirty="0" smtClean="0">
+                <a:solidFill>
+                  <a:srgbClr val="FF0000"/>
+                </a:solidFill>
+                <a:latin typeface="Times New Roman" panose="02020603050405020304" pitchFamily="18" charset="0"/>
+                <a:cs typeface="Times New Roman" panose="02020603050405020304" pitchFamily="18" charset="0"/>
+              </a:rPr>
+              <a:t>History</a:t>
+            </a:r>
+          </a:p>
+          <a:p>
+            <a:pPr marL="952393" lvl="1" indent="-342900">
+              <a:buFont typeface="+mj-lt"/>
+              <a:buAutoNum type="arabicPeriod"/>
+            </a:pPr>
+            <a:r>
+              <a:rPr lang="en-US" sz="1800" dirty="0" smtClean="0">
+                <a:latin typeface="Times New Roman" panose="02020603050405020304" pitchFamily="18" charset="0"/>
+                <a:cs typeface="Times New Roman" panose="02020603050405020304" pitchFamily="18" charset="0"/>
+              </a:rPr>
+              <a:t>Prob</a:t>
+            </a:r>
+          </a:p>
+          <a:p>
+            <a:pPr marL="952393" lvl="1" indent="-342900">
+              <a:buFont typeface="+mj-lt"/>
+              <a:buAutoNum type="arabicPeriod"/>
+            </a:pPr>
+            <a:r>
+              <a:rPr lang="en-US" sz="1800" dirty="0" smtClean="0">
+                <a:latin typeface="Times New Roman" panose="02020603050405020304" pitchFamily="18" charset="0"/>
+                <a:cs typeface="Times New Roman" panose="02020603050405020304" pitchFamily="18" charset="0"/>
+              </a:rPr>
+              <a:t>Risk_F</a:t>
+            </a:r>
+          </a:p>
+          <a:p>
+            <a:pPr marL="952393" lvl="1" indent="-342900">
+              <a:buFont typeface="+mj-lt"/>
+              <a:buAutoNum type="arabicPeriod"/>
+            </a:pPr>
+            <a:r>
+              <a:rPr lang="en-US" sz="1800" b="1" dirty="0" smtClean="0">
+                <a:solidFill>
+                  <a:srgbClr val="FF0000"/>
+                </a:solidFill>
+                <a:latin typeface="Times New Roman" panose="02020603050405020304" pitchFamily="18" charset="0"/>
+                <a:cs typeface="Times New Roman" panose="02020603050405020304" pitchFamily="18" charset="0"/>
+              </a:rPr>
+              <a:t>Score</a:t>
+            </a:r>
+          </a:p>
+          <a:p>
+            <a:pPr marL="952393" lvl="1" indent="-342900">
+              <a:buFont typeface="+mj-lt"/>
+              <a:buAutoNum type="arabicPeriod"/>
+            </a:pPr>
+            <a:r>
+              <a:rPr lang="en-US" sz="1800" dirty="0" smtClean="0">
+                <a:latin typeface="Times New Roman" panose="02020603050405020304" pitchFamily="18" charset="0"/>
+                <a:cs typeface="Times New Roman" panose="02020603050405020304" pitchFamily="18" charset="0"/>
+              </a:rPr>
+              <a:t>Inherent_Risk</a:t>
+            </a:r>
+          </a:p>
+          <a:p>
+            <a:pPr marL="952393" lvl="1" indent="-342900">
+              <a:buFont typeface="+mj-lt"/>
+              <a:buAutoNum type="arabicPeriod"/>
+            </a:pPr>
+            <a:r>
+              <a:rPr lang="en-US" sz="1800" dirty="0" smtClean="0">
+                <a:latin typeface="Times New Roman" panose="02020603050405020304" pitchFamily="18" charset="0"/>
+                <a:cs typeface="Times New Roman" panose="02020603050405020304" pitchFamily="18" charset="0"/>
+              </a:rPr>
+              <a:t>CONTROL_RISK</a:t>
+            </a:r>
+          </a:p>
+          <a:p>
+            <a:pPr marL="952393" lvl="1" indent="-342900">
+              <a:buFont typeface="+mj-lt"/>
+              <a:buAutoNum type="arabicPeriod"/>
+            </a:pPr>
+            <a:r>
+              <a:rPr lang="en-US" sz="1800" dirty="0" smtClean="0">
+                <a:latin typeface="Times New Roman" panose="02020603050405020304" pitchFamily="18" charset="0"/>
+                <a:cs typeface="Times New Roman" panose="02020603050405020304" pitchFamily="18" charset="0"/>
+              </a:rPr>
+              <a:t>Detection_Risk</a:t>
+            </a:r>
+          </a:p>
+          <a:p>
+            <a:pPr marL="952393" lvl="1" indent="-342900">
+              <a:buFont typeface="+mj-lt"/>
+              <a:buAutoNum type="arabicPeriod"/>
+            </a:pPr>
+            <a:r>
+              <a:rPr lang="en-US" sz="1800" dirty="0" smtClean="0">
+                <a:latin typeface="Times New Roman" panose="02020603050405020304" pitchFamily="18" charset="0"/>
+                <a:cs typeface="Times New Roman" panose="02020603050405020304" pitchFamily="18" charset="0"/>
+              </a:rPr>
+              <a:t>Audit_Risk</a:t>
+            </a:r>
+            <a:endParaRPr lang="en-US" sz="1800" dirty="0">
               <a:latin typeface="Times New Roman" panose="02020603050405020304" pitchFamily="18" charset="0"/>
               <a:cs typeface="Times New Roman" panose="02020603050405020304" pitchFamily="18" charset="0"/>
             </a:endParaRPr>
@@ -8912,7 +12903,7 @@
     </p:spTree>
     <p:extLst>
       <p:ext uri="{BB962C8B-B14F-4D97-AF65-F5344CB8AC3E}">
-        <p14:creationId xmlns:p14="http://schemas.microsoft.com/office/powerpoint/2010/main" val="2245923582"/>
+        <p14:creationId xmlns:p14="http://schemas.microsoft.com/office/powerpoint/2010/main" val="2150017228"/>
       </p:ext>
     </p:extLst>
   </p:cSld>
@@ -8931,6 +12922,13 @@
       </p:transition>
     </mc:Fallback>
   </mc:AlternateContent>
+  <p:timing>
+    <p:tnLst>
+      <p:par>
+        <p:cTn id="1" dur="indefinite" restart="never" nodeType="tmRoot"/>
+      </p:par>
+    </p:tnLst>
+  </p:timing>
 </p:sld>
 </file>
 
@@ -8967,12 +12965,16 @@
           <a:lstStyle/>
           <a:p>
             <a:r>
-              <a:rPr lang="en-US" dirty="0">
+              <a:rPr lang="en-US" dirty="0" smtClean="0">
                 <a:latin typeface="Times New Roman" panose="02020603050405020304" pitchFamily="18" charset="0"/>
                 <a:cs typeface="Times New Roman" panose="02020603050405020304" pitchFamily="18" charset="0"/>
               </a:rPr>
-              <a:t>PHƯƠNG PHÁP THỰC HIỆN</a:t>
-            </a:r>
+              <a:t>Phương pháp thực hiện</a:t>
+            </a:r>
+            <a:endParaRPr lang="en-US" dirty="0">
+              <a:latin typeface="Times New Roman" panose="02020603050405020304" pitchFamily="18" charset="0"/>
+              <a:cs typeface="Times New Roman" panose="02020603050405020304" pitchFamily="18" charset="0"/>
+            </a:endParaRPr>
           </a:p>
         </p:txBody>
       </p:sp>
@@ -8996,24 +12998,913 @@
                 <a:latin typeface="Times New Roman" panose="02020603050405020304" pitchFamily="18" charset="0"/>
                 <a:cs typeface="Times New Roman" panose="02020603050405020304" pitchFamily="18" charset="0"/>
               </a:rPr>
-              <a:t>Dựa vào nhãn(Rick) của tập dữ liệu là 0,1 ta có thể xác định giải thuật có thể được </a:t>
-            </a:r>
-            <a:r>
-              <a:rPr lang="en-US" smtClean="0">
+              <a:t>Cây quyết định phân lớp. (Decision Tree Classification)</a:t>
+            </a:r>
+          </a:p>
+          <a:p>
+            <a:r>
+              <a:rPr lang="en-US" dirty="0" smtClean="0">
                 <a:latin typeface="Times New Roman" panose="02020603050405020304" pitchFamily="18" charset="0"/>
                 <a:cs typeface="Times New Roman" panose="02020603050405020304" pitchFamily="18" charset="0"/>
               </a:rPr>
-              <a:t>sử dụng: Cây quyết định,Phương pháp Bayes thơ ngây,Mô hình mạng nơ-ron Perceptron .</a:t>
-            </a:r>
-          </a:p>
-          <a:p>
-            <a:endParaRPr lang="en-US" smtClean="0">
+              <a:t>Chọn tập dữ liệu thực hiện gồm 8 phần tử , 5 thuộc tính, 1 cột nhãn.</a:t>
+            </a:r>
+            <a:endParaRPr lang="en-US" dirty="0" smtClean="0">
               <a:latin typeface="Times New Roman" panose="02020603050405020304" pitchFamily="18" charset="0"/>
               <a:cs typeface="Times New Roman" panose="02020603050405020304" pitchFamily="18" charset="0"/>
             </a:endParaRPr>
           </a:p>
+          <a:p>
+            <a:endParaRPr lang="en-US" dirty="0" smtClean="0">
+              <a:latin typeface="Times New Roman" panose="02020603050405020304" pitchFamily="18" charset="0"/>
+              <a:cs typeface="Times New Roman" panose="02020603050405020304" pitchFamily="18" charset="0"/>
+            </a:endParaRPr>
+          </a:p>
+          <a:p>
+            <a:endParaRPr lang="en-US" dirty="0" smtClean="0">
+              <a:latin typeface="Times New Roman" panose="02020603050405020304" pitchFamily="18" charset="0"/>
+              <a:cs typeface="Times New Roman" panose="02020603050405020304" pitchFamily="18" charset="0"/>
+            </a:endParaRPr>
+          </a:p>
         </p:txBody>
       </p:sp>
+      <p:pic>
+        <p:nvPicPr>
+          <p:cNvPr id="4" name="Picture 3"/>
+          <p:cNvPicPr/>
+          <p:nvPr/>
+        </p:nvPicPr>
+        <p:blipFill>
+          <a:blip r:embed="rId2"/>
+          <a:stretch>
+            <a:fillRect/>
+          </a:stretch>
+        </p:blipFill>
+        <p:spPr>
+          <a:xfrm>
+            <a:off x="2513012" y="3048000"/>
+            <a:ext cx="5962650" cy="3124200"/>
+          </a:xfrm>
+          <a:prstGeom prst="rect">
+            <a:avLst/>
+          </a:prstGeom>
+        </p:spPr>
+      </p:pic>
+    </p:spTree>
+    <p:extLst>
+      <p:ext uri="{BB962C8B-B14F-4D97-AF65-F5344CB8AC3E}">
+        <p14:creationId xmlns:p14="http://schemas.microsoft.com/office/powerpoint/2010/main" val="2245923582"/>
+      </p:ext>
+    </p:extLst>
+  </p:cSld>
+  <p:clrMapOvr>
+    <a:masterClrMapping/>
+  </p:clrMapOvr>
+  <mc:AlternateContent xmlns:mc="http://schemas.openxmlformats.org/markup-compatibility/2006" xmlns:p14="http://schemas.microsoft.com/office/powerpoint/2010/main">
+    <mc:Choice Requires="p14">
+      <p:transition spd="med" p14:dur="700">
+        <p:fade/>
+      </p:transition>
+    </mc:Choice>
+    <mc:Fallback xmlns="">
+      <p:transition spd="med">
+        <p:fade/>
+      </p:transition>
+    </mc:Fallback>
+  </mc:AlternateContent>
+  <p:timing>
+    <p:tnLst>
+      <p:par>
+        <p:cTn id="1" dur="indefinite" restart="never" nodeType="tmRoot"/>
+      </p:par>
+    </p:tnLst>
+  </p:timing>
+</p:sld>
+</file>
+
+<file path=ppt/slides/slide6.xml><?xml version="1.0" encoding="utf-8"?>
+<p:sld xmlns:a="http://schemas.openxmlformats.org/drawingml/2006/main" xmlns:r="http://schemas.openxmlformats.org/officeDocument/2006/relationships" xmlns:p="http://schemas.openxmlformats.org/presentationml/2006/main">
+  <p:cSld>
+    <p:spTree>
+      <p:nvGrpSpPr>
+        <p:cNvPr id="1" name=""/>
+        <p:cNvGrpSpPr/>
+        <p:nvPr/>
+      </p:nvGrpSpPr>
+      <p:grpSpPr>
+        <a:xfrm>
+          <a:off x="0" y="0"/>
+          <a:ext cx="0" cy="0"/>
+          <a:chOff x="0" y="0"/>
+          <a:chExt cx="0" cy="0"/>
+        </a:xfrm>
+      </p:grpSpPr>
+      <p:sp>
+        <p:nvSpPr>
+          <p:cNvPr id="2" name="Title 1"/>
+          <p:cNvSpPr>
+            <a:spLocks noGrp="1"/>
+          </p:cNvSpPr>
+          <p:nvPr>
+            <p:ph type="title"/>
+          </p:nvPr>
+        </p:nvSpPr>
+        <p:spPr/>
+        <p:txBody>
+          <a:bodyPr/>
+          <a:lstStyle/>
+          <a:p>
+            <a:r>
+              <a:rPr lang="en-US" dirty="0">
+                <a:latin typeface="Times New Roman" panose="02020603050405020304" pitchFamily="18" charset="0"/>
+                <a:cs typeface="Times New Roman" panose="02020603050405020304" pitchFamily="18" charset="0"/>
+              </a:rPr>
+              <a:t>PHƯƠNG PHÁP THỰC HIỆN</a:t>
+            </a:r>
+          </a:p>
+        </p:txBody>
+      </p:sp>
+      <mc:AlternateContent xmlns:mc="http://schemas.openxmlformats.org/markup-compatibility/2006">
+        <mc:Choice xmlns:a14="http://schemas.microsoft.com/office/drawing/2010/main" Requires="a14">
+          <p:sp>
+            <p:nvSpPr>
+              <p:cNvPr id="3" name="Content Placeholder 2"/>
+              <p:cNvSpPr>
+                <a:spLocks noGrp="1"/>
+              </p:cNvSpPr>
+              <p:nvPr>
+                <p:ph idx="1"/>
+              </p:nvPr>
+            </p:nvSpPr>
+            <p:spPr>
+              <a:xfrm>
+                <a:off x="531812" y="2092007"/>
+                <a:ext cx="8229599" cy="4470400"/>
+              </a:xfrm>
+            </p:spPr>
+            <p:txBody>
+              <a:bodyPr>
+                <a:normAutofit/>
+              </a:bodyPr>
+              <a:lstStyle/>
+              <a:p>
+                <a:pPr marL="285750" lvl="0" indent="-285750" eaLnBrk="0" fontAlgn="base" hangingPunct="0">
+                  <a:spcBef>
+                    <a:spcPct val="20000"/>
+                  </a:spcBef>
+                  <a:spcAft>
+                    <a:spcPct val="0"/>
+                  </a:spcAft>
+                  <a:buFont typeface="Wingdings" panose="05000000000000000000" pitchFamily="2" charset="2"/>
+                  <a:buChar char="v"/>
+                </a:pPr>
+                <a:r>
+                  <a:rPr lang="en-US" altLang="vi-VN" b="1" dirty="0" smtClean="0">
+                    <a:solidFill>
+                      <a:srgbClr val="000066"/>
+                    </a:solidFill>
+                    <a:latin typeface="Times New Roman" panose="02020603050405020304" pitchFamily="18" charset="0"/>
+                    <a:cs typeface="Times New Roman" panose="02020603050405020304" pitchFamily="18" charset="0"/>
+                  </a:rPr>
+                  <a:t>Độ</a:t>
+                </a:r>
+                <a:r>
+                  <a:rPr lang="en-US" altLang="vi-VN" b="1" dirty="0">
+                    <a:solidFill>
+                      <a:srgbClr val="000066"/>
+                    </a:solidFill>
+                    <a:latin typeface="Times New Roman" panose="02020603050405020304" pitchFamily="18" charset="0"/>
+                    <a:cs typeface="Times New Roman" panose="02020603050405020304" pitchFamily="18" charset="0"/>
+                  </a:rPr>
+                  <a:t> </a:t>
+                </a:r>
+                <a:r>
+                  <a:rPr lang="en-US" altLang="vi-VN" b="1" dirty="0" err="1">
+                    <a:solidFill>
+                      <a:srgbClr val="000066"/>
+                    </a:solidFill>
+                    <a:latin typeface="Times New Roman" panose="02020603050405020304" pitchFamily="18" charset="0"/>
+                    <a:cs typeface="Times New Roman" panose="02020603050405020304" pitchFamily="18" charset="0"/>
+                  </a:rPr>
+                  <a:t>hỗn</a:t>
+                </a:r>
+                <a:r>
+                  <a:rPr lang="en-US" altLang="vi-VN" b="1" dirty="0">
+                    <a:solidFill>
+                      <a:srgbClr val="000066"/>
+                    </a:solidFill>
+                    <a:latin typeface="Times New Roman" panose="02020603050405020304" pitchFamily="18" charset="0"/>
+                    <a:cs typeface="Times New Roman" panose="02020603050405020304" pitchFamily="18" charset="0"/>
+                  </a:rPr>
+                  <a:t> </a:t>
+                </a:r>
+                <a:r>
+                  <a:rPr lang="en-US" altLang="vi-VN" b="1" dirty="0" err="1">
+                    <a:solidFill>
+                      <a:srgbClr val="000066"/>
+                    </a:solidFill>
+                    <a:latin typeface="Times New Roman" panose="02020603050405020304" pitchFamily="18" charset="0"/>
+                    <a:cs typeface="Times New Roman" panose="02020603050405020304" pitchFamily="18" charset="0"/>
+                  </a:rPr>
+                  <a:t>loạn</a:t>
+                </a:r>
+                <a:r>
+                  <a:rPr lang="en-US" altLang="vi-VN" b="1" dirty="0">
+                    <a:solidFill>
+                      <a:srgbClr val="000066"/>
+                    </a:solidFill>
+                    <a:latin typeface="Times New Roman" panose="02020603050405020304" pitchFamily="18" charset="0"/>
+                    <a:cs typeface="Times New Roman" panose="02020603050405020304" pitchFamily="18" charset="0"/>
+                  </a:rPr>
+                  <a:t> </a:t>
+                </a:r>
+                <a:r>
+                  <a:rPr lang="en-US" altLang="vi-VN" b="1" dirty="0" err="1">
+                    <a:solidFill>
+                      <a:srgbClr val="000066"/>
+                    </a:solidFill>
+                    <a:latin typeface="Times New Roman" panose="02020603050405020304" pitchFamily="18" charset="0"/>
+                    <a:cs typeface="Times New Roman" panose="02020603050405020304" pitchFamily="18" charset="0"/>
+                  </a:rPr>
+                  <a:t>thông</a:t>
+                </a:r>
+                <a:r>
+                  <a:rPr lang="en-US" altLang="vi-VN" b="1" dirty="0">
+                    <a:solidFill>
+                      <a:srgbClr val="000066"/>
+                    </a:solidFill>
+                    <a:latin typeface="Times New Roman" panose="02020603050405020304" pitchFamily="18" charset="0"/>
+                    <a:cs typeface="Times New Roman" panose="02020603050405020304" pitchFamily="18" charset="0"/>
+                  </a:rPr>
+                  <a:t> tin </a:t>
+                </a:r>
+                <a:r>
+                  <a:rPr lang="en-US" altLang="vi-VN" b="1" dirty="0" err="1">
+                    <a:solidFill>
+                      <a:srgbClr val="000066"/>
+                    </a:solidFill>
+                    <a:latin typeface="Times New Roman" panose="02020603050405020304" pitchFamily="18" charset="0"/>
+                    <a:cs typeface="Times New Roman" panose="02020603050405020304" pitchFamily="18" charset="0"/>
+                  </a:rPr>
+                  <a:t>trước</a:t>
+                </a:r>
+                <a:r>
+                  <a:rPr lang="en-US" altLang="vi-VN" b="1" dirty="0">
+                    <a:solidFill>
+                      <a:srgbClr val="000066"/>
+                    </a:solidFill>
+                    <a:latin typeface="Times New Roman" panose="02020603050405020304" pitchFamily="18" charset="0"/>
+                    <a:cs typeface="Times New Roman" panose="02020603050405020304" pitchFamily="18" charset="0"/>
+                  </a:rPr>
+                  <a:t> </a:t>
+                </a:r>
+                <a:r>
+                  <a:rPr lang="en-US" altLang="vi-VN" b="1" dirty="0" err="1">
+                    <a:solidFill>
+                      <a:srgbClr val="000066"/>
+                    </a:solidFill>
+                    <a:latin typeface="Times New Roman" panose="02020603050405020304" pitchFamily="18" charset="0"/>
+                    <a:cs typeface="Times New Roman" panose="02020603050405020304" pitchFamily="18" charset="0"/>
+                  </a:rPr>
+                  <a:t>khi</a:t>
+                </a:r>
+                <a:r>
+                  <a:rPr lang="en-US" altLang="vi-VN" b="1" dirty="0">
+                    <a:solidFill>
+                      <a:srgbClr val="000066"/>
+                    </a:solidFill>
+                    <a:latin typeface="Times New Roman" panose="02020603050405020304" pitchFamily="18" charset="0"/>
+                    <a:cs typeface="Times New Roman" panose="02020603050405020304" pitchFamily="18" charset="0"/>
+                  </a:rPr>
+                  <a:t> </a:t>
+                </a:r>
+                <a:r>
+                  <a:rPr lang="en-US" altLang="vi-VN" b="1" dirty="0" err="1">
+                    <a:solidFill>
+                      <a:srgbClr val="000066"/>
+                    </a:solidFill>
+                    <a:latin typeface="Times New Roman" panose="02020603050405020304" pitchFamily="18" charset="0"/>
+                    <a:cs typeface="Times New Roman" panose="02020603050405020304" pitchFamily="18" charset="0"/>
+                  </a:rPr>
+                  <a:t>phân</a:t>
+                </a:r>
+                <a:r>
+                  <a:rPr lang="en-US" altLang="vi-VN" b="1" dirty="0">
+                    <a:solidFill>
+                      <a:srgbClr val="000066"/>
+                    </a:solidFill>
+                    <a:latin typeface="Times New Roman" panose="02020603050405020304" pitchFamily="18" charset="0"/>
+                    <a:cs typeface="Times New Roman" panose="02020603050405020304" pitchFamily="18" charset="0"/>
+                  </a:rPr>
+                  <a:t> </a:t>
+                </a:r>
+                <a:r>
+                  <a:rPr lang="en-US" altLang="vi-VN" b="1" dirty="0" err="1">
+                    <a:solidFill>
+                      <a:srgbClr val="000066"/>
+                    </a:solidFill>
+                    <a:latin typeface="Times New Roman" panose="02020603050405020304" pitchFamily="18" charset="0"/>
+                    <a:cs typeface="Times New Roman" panose="02020603050405020304" pitchFamily="18" charset="0"/>
+                  </a:rPr>
+                  <a:t>hoạch</a:t>
+                </a:r>
+                <a:r>
+                  <a:rPr lang="en-US" altLang="vi-VN" b="1" dirty="0">
+                    <a:solidFill>
+                      <a:srgbClr val="000066"/>
+                    </a:solidFill>
+                    <a:latin typeface="Times New Roman" panose="02020603050405020304" pitchFamily="18" charset="0"/>
+                    <a:cs typeface="Times New Roman" panose="02020603050405020304" pitchFamily="18" charset="0"/>
+                  </a:rPr>
+                  <a:t>: </a:t>
+                </a:r>
+              </a:p>
+              <a:p>
+                <a:pPr lvl="2" eaLnBrk="0" fontAlgn="base" hangingPunct="0">
+                  <a:spcBef>
+                    <a:spcPct val="20000"/>
+                  </a:spcBef>
+                  <a:spcAft>
+                    <a:spcPct val="0"/>
+                  </a:spcAft>
+                </a:pPr>
+                <a:r>
+                  <a:rPr lang="en-US" altLang="vi-VN" sz="2400" dirty="0">
+                    <a:solidFill>
+                      <a:srgbClr val="000066"/>
+                    </a:solidFill>
+                    <a:latin typeface="Times New Roman" panose="02020603050405020304" pitchFamily="18" charset="0"/>
+                    <a:cs typeface="Times New Roman" panose="02020603050405020304" pitchFamily="18" charset="0"/>
+                  </a:rPr>
+                  <a:t> Info(D) = entropy(p</a:t>
+                </a:r>
+                <a:r>
+                  <a:rPr lang="en-US" altLang="vi-VN" sz="2400" baseline="-25000" dirty="0">
+                    <a:solidFill>
+                      <a:srgbClr val="000066"/>
+                    </a:solidFill>
+                    <a:latin typeface="Times New Roman" panose="02020603050405020304" pitchFamily="18" charset="0"/>
+                    <a:cs typeface="Times New Roman" panose="02020603050405020304" pitchFamily="18" charset="0"/>
+                  </a:rPr>
+                  <a:t>1</a:t>
+                </a:r>
+                <a:r>
+                  <a:rPr lang="en-US" altLang="vi-VN" sz="2400" dirty="0">
+                    <a:solidFill>
+                      <a:srgbClr val="000066"/>
+                    </a:solidFill>
+                    <a:latin typeface="Times New Roman" panose="02020603050405020304" pitchFamily="18" charset="0"/>
+                    <a:cs typeface="Times New Roman" panose="02020603050405020304" pitchFamily="18" charset="0"/>
+                  </a:rPr>
+                  <a:t>, p</a:t>
+                </a:r>
+                <a:r>
+                  <a:rPr lang="en-US" altLang="vi-VN" sz="2400" baseline="-25000" dirty="0">
+                    <a:solidFill>
+                      <a:srgbClr val="000066"/>
+                    </a:solidFill>
+                    <a:latin typeface="Times New Roman" panose="02020603050405020304" pitchFamily="18" charset="0"/>
+                    <a:cs typeface="Times New Roman" panose="02020603050405020304" pitchFamily="18" charset="0"/>
+                  </a:rPr>
+                  <a:t>2</a:t>
+                </a:r>
+                <a:r>
+                  <a:rPr lang="en-US" altLang="vi-VN" sz="2400" dirty="0">
+                    <a:solidFill>
+                      <a:srgbClr val="000066"/>
+                    </a:solidFill>
+                    <a:latin typeface="Times New Roman" panose="02020603050405020304" pitchFamily="18" charset="0"/>
+                    <a:cs typeface="Times New Roman" panose="02020603050405020304" pitchFamily="18" charset="0"/>
+                  </a:rPr>
+                  <a:t>,…, </a:t>
+                </a:r>
+                <a:r>
+                  <a:rPr lang="en-US" altLang="vi-VN" sz="2400" dirty="0" err="1">
+                    <a:solidFill>
+                      <a:srgbClr val="000066"/>
+                    </a:solidFill>
+                    <a:latin typeface="Times New Roman" panose="02020603050405020304" pitchFamily="18" charset="0"/>
+                    <a:cs typeface="Times New Roman" panose="02020603050405020304" pitchFamily="18" charset="0"/>
+                  </a:rPr>
+                  <a:t>p</a:t>
+                </a:r>
+                <a:r>
+                  <a:rPr lang="en-US" altLang="vi-VN" sz="2400" baseline="-25000" dirty="0" err="1">
+                    <a:solidFill>
+                      <a:srgbClr val="000066"/>
+                    </a:solidFill>
+                    <a:latin typeface="Times New Roman" panose="02020603050405020304" pitchFamily="18" charset="0"/>
+                    <a:cs typeface="Times New Roman" panose="02020603050405020304" pitchFamily="18" charset="0"/>
+                  </a:rPr>
+                  <a:t>n</a:t>
+                </a:r>
+                <a:r>
+                  <a:rPr lang="en-US" altLang="vi-VN" sz="2400" dirty="0">
+                    <a:solidFill>
+                      <a:srgbClr val="000066"/>
+                    </a:solidFill>
+                    <a:latin typeface="Times New Roman" panose="02020603050405020304" pitchFamily="18" charset="0"/>
+                    <a:cs typeface="Times New Roman" panose="02020603050405020304" pitchFamily="18" charset="0"/>
+                  </a:rPr>
+                  <a:t> ) </a:t>
+                </a:r>
+              </a:p>
+              <a:p>
+                <a:pPr lvl="2" eaLnBrk="0" fontAlgn="base" hangingPunct="0">
+                  <a:spcBef>
+                    <a:spcPct val="20000"/>
+                  </a:spcBef>
+                  <a:spcAft>
+                    <a:spcPct val="0"/>
+                  </a:spcAft>
+                </a:pPr>
+                <a:r>
+                  <a:rPr lang="en-US" altLang="vi-VN" sz="2400" dirty="0">
+                    <a:solidFill>
+                      <a:srgbClr val="000066"/>
+                    </a:solidFill>
+                    <a:latin typeface="Times New Roman" panose="02020603050405020304" pitchFamily="18" charset="0"/>
+                    <a:cs typeface="Times New Roman" panose="02020603050405020304" pitchFamily="18" charset="0"/>
+                  </a:rPr>
+                  <a:t>	       = − p</a:t>
+                </a:r>
+                <a:r>
+                  <a:rPr lang="en-US" altLang="vi-VN" sz="2400" baseline="-25000" dirty="0">
+                    <a:solidFill>
+                      <a:srgbClr val="000066"/>
+                    </a:solidFill>
+                    <a:latin typeface="Times New Roman" panose="02020603050405020304" pitchFamily="18" charset="0"/>
+                    <a:cs typeface="Times New Roman" panose="02020603050405020304" pitchFamily="18" charset="0"/>
+                  </a:rPr>
+                  <a:t>1</a:t>
+                </a:r>
+                <a:r>
+                  <a:rPr lang="en-US" altLang="vi-VN" sz="2400" dirty="0">
+                    <a:solidFill>
+                      <a:srgbClr val="000066"/>
+                    </a:solidFill>
+                    <a:latin typeface="Times New Roman" panose="02020603050405020304" pitchFamily="18" charset="0"/>
+                    <a:cs typeface="Times New Roman" panose="02020603050405020304" pitchFamily="18" charset="0"/>
+                  </a:rPr>
+                  <a:t>log p</a:t>
+                </a:r>
+                <a:r>
+                  <a:rPr lang="en-US" altLang="vi-VN" sz="2400" baseline="-25000" dirty="0">
+                    <a:solidFill>
+                      <a:srgbClr val="000066"/>
+                    </a:solidFill>
+                    <a:latin typeface="Times New Roman" panose="02020603050405020304" pitchFamily="18" charset="0"/>
+                    <a:cs typeface="Times New Roman" panose="02020603050405020304" pitchFamily="18" charset="0"/>
+                  </a:rPr>
+                  <a:t>1</a:t>
+                </a:r>
+                <a:r>
+                  <a:rPr lang="en-US" altLang="vi-VN" sz="2400" dirty="0">
+                    <a:solidFill>
+                      <a:srgbClr val="000066"/>
+                    </a:solidFill>
+                    <a:latin typeface="Times New Roman" panose="02020603050405020304" pitchFamily="18" charset="0"/>
+                    <a:cs typeface="Times New Roman" panose="02020603050405020304" pitchFamily="18" charset="0"/>
+                  </a:rPr>
+                  <a:t> – p</a:t>
+                </a:r>
+                <a:r>
+                  <a:rPr lang="en-US" altLang="vi-VN" sz="2400" baseline="-25000" dirty="0">
+                    <a:solidFill>
+                      <a:srgbClr val="000066"/>
+                    </a:solidFill>
+                    <a:latin typeface="Times New Roman" panose="02020603050405020304" pitchFamily="18" charset="0"/>
+                    <a:cs typeface="Times New Roman" panose="02020603050405020304" pitchFamily="18" charset="0"/>
+                  </a:rPr>
+                  <a:t>2</a:t>
+                </a:r>
+                <a:r>
+                  <a:rPr lang="en-US" altLang="vi-VN" sz="2400" dirty="0">
+                    <a:solidFill>
+                      <a:srgbClr val="000066"/>
+                    </a:solidFill>
+                    <a:latin typeface="Times New Roman" panose="02020603050405020304" pitchFamily="18" charset="0"/>
+                    <a:cs typeface="Times New Roman" panose="02020603050405020304" pitchFamily="18" charset="0"/>
+                  </a:rPr>
+                  <a:t>log p</a:t>
+                </a:r>
+                <a:r>
+                  <a:rPr lang="en-US" altLang="vi-VN" sz="2400" baseline="-25000" dirty="0">
+                    <a:solidFill>
+                      <a:srgbClr val="000066"/>
+                    </a:solidFill>
+                    <a:latin typeface="Times New Roman" panose="02020603050405020304" pitchFamily="18" charset="0"/>
+                    <a:cs typeface="Times New Roman" panose="02020603050405020304" pitchFamily="18" charset="0"/>
+                  </a:rPr>
+                  <a:t>2</a:t>
+                </a:r>
+                <a:r>
+                  <a:rPr lang="en-US" altLang="vi-VN" sz="2400" dirty="0">
+                    <a:solidFill>
+                      <a:srgbClr val="000066"/>
+                    </a:solidFill>
+                    <a:latin typeface="Times New Roman" panose="02020603050405020304" pitchFamily="18" charset="0"/>
+                    <a:cs typeface="Times New Roman" panose="02020603050405020304" pitchFamily="18" charset="0"/>
+                  </a:rPr>
+                  <a:t>…− </a:t>
+                </a:r>
+                <a:r>
+                  <a:rPr lang="en-US" altLang="vi-VN" sz="2400" dirty="0" err="1">
+                    <a:solidFill>
+                      <a:srgbClr val="000066"/>
+                    </a:solidFill>
+                    <a:latin typeface="Times New Roman" panose="02020603050405020304" pitchFamily="18" charset="0"/>
+                    <a:cs typeface="Times New Roman" panose="02020603050405020304" pitchFamily="18" charset="0"/>
+                  </a:rPr>
+                  <a:t>p</a:t>
+                </a:r>
+                <a:r>
+                  <a:rPr lang="en-US" altLang="vi-VN" sz="2400" baseline="-25000" dirty="0" err="1">
+                    <a:solidFill>
+                      <a:srgbClr val="000066"/>
+                    </a:solidFill>
+                    <a:latin typeface="Times New Roman" panose="02020603050405020304" pitchFamily="18" charset="0"/>
+                    <a:cs typeface="Times New Roman" panose="02020603050405020304" pitchFamily="18" charset="0"/>
+                  </a:rPr>
+                  <a:t>n</a:t>
+                </a:r>
+                <a:r>
+                  <a:rPr lang="en-US" altLang="vi-VN" sz="2400" dirty="0" err="1">
+                    <a:solidFill>
+                      <a:srgbClr val="000066"/>
+                    </a:solidFill>
+                    <a:latin typeface="Times New Roman" panose="02020603050405020304" pitchFamily="18" charset="0"/>
+                    <a:cs typeface="Times New Roman" panose="02020603050405020304" pitchFamily="18" charset="0"/>
+                  </a:rPr>
+                  <a:t>log</a:t>
+                </a:r>
+                <a:r>
+                  <a:rPr lang="en-US" altLang="vi-VN" sz="2400" dirty="0">
+                    <a:solidFill>
+                      <a:srgbClr val="000066"/>
+                    </a:solidFill>
+                    <a:latin typeface="Times New Roman" panose="02020603050405020304" pitchFamily="18" charset="0"/>
+                    <a:cs typeface="Times New Roman" panose="02020603050405020304" pitchFamily="18" charset="0"/>
+                  </a:rPr>
+                  <a:t> </a:t>
+                </a:r>
+                <a:r>
+                  <a:rPr lang="en-US" altLang="vi-VN" sz="2400" dirty="0" err="1">
+                    <a:solidFill>
+                      <a:srgbClr val="000066"/>
+                    </a:solidFill>
+                    <a:latin typeface="Times New Roman" panose="02020603050405020304" pitchFamily="18" charset="0"/>
+                    <a:cs typeface="Times New Roman" panose="02020603050405020304" pitchFamily="18" charset="0"/>
+                  </a:rPr>
+                  <a:t>p</a:t>
+                </a:r>
+                <a:r>
+                  <a:rPr lang="en-US" altLang="vi-VN" sz="2400" baseline="-25000" dirty="0" err="1">
+                    <a:solidFill>
+                      <a:srgbClr val="000066"/>
+                    </a:solidFill>
+                    <a:latin typeface="Times New Roman" panose="02020603050405020304" pitchFamily="18" charset="0"/>
+                    <a:cs typeface="Times New Roman" panose="02020603050405020304" pitchFamily="18" charset="0"/>
+                  </a:rPr>
+                  <a:t>n</a:t>
+                </a:r>
+                <a:endParaRPr lang="en-US" altLang="vi-VN" sz="2400" dirty="0">
+                  <a:solidFill>
+                    <a:srgbClr val="000066"/>
+                  </a:solidFill>
+                  <a:latin typeface="Times New Roman" panose="02020603050405020304" pitchFamily="18" charset="0"/>
+                  <a:cs typeface="Times New Roman" panose="02020603050405020304" pitchFamily="18" charset="0"/>
+                </a:endParaRPr>
+              </a:p>
+              <a:p>
+                <a:pPr lvl="2" eaLnBrk="0" fontAlgn="base" hangingPunct="0">
+                  <a:spcBef>
+                    <a:spcPct val="20000"/>
+                  </a:spcBef>
+                  <a:spcAft>
+                    <a:spcPct val="0"/>
+                  </a:spcAft>
+                </a:pPr>
+                <a:r>
+                  <a:rPr lang="en-US" altLang="vi-VN" sz="2400" dirty="0">
+                    <a:solidFill>
+                      <a:srgbClr val="000066"/>
+                    </a:solidFill>
+                    <a:latin typeface="Times New Roman" panose="02020603050405020304" pitchFamily="18" charset="0"/>
+                    <a:cs typeface="Times New Roman" panose="02020603050405020304" pitchFamily="18" charset="0"/>
+                  </a:rPr>
+                  <a:t>             </a:t>
+                </a:r>
+                <a14:m>
+                  <m:oMath xmlns:m="http://schemas.openxmlformats.org/officeDocument/2006/math">
+                    <m:r>
+                      <a:rPr lang="en-US" altLang="vi-VN" sz="2400" i="1">
+                        <a:solidFill>
+                          <a:srgbClr val="000066"/>
+                        </a:solidFill>
+                        <a:latin typeface="Cambria Math"/>
+                        <a:cs typeface="Times New Roman" panose="02020603050405020304" pitchFamily="18" charset="0"/>
+                      </a:rPr>
+                      <m:t>=</m:t>
+                    </m:r>
+                    <m:f>
+                      <m:fPr>
+                        <m:ctrlPr>
+                          <a:rPr lang="en-US" altLang="vi-VN" sz="2400" i="1">
+                            <a:solidFill>
+                              <a:srgbClr val="000066"/>
+                            </a:solidFill>
+                            <a:latin typeface="Cambria Math" panose="02040503050406030204" pitchFamily="18" charset="0"/>
+                            <a:cs typeface="Times New Roman" panose="02020603050405020304" pitchFamily="18" charset="0"/>
+                          </a:rPr>
+                        </m:ctrlPr>
+                      </m:fPr>
+                      <m:num>
+                        <m:r>
+                          <a:rPr lang="en-US" altLang="vi-VN" sz="2400" i="1">
+                            <a:solidFill>
+                              <a:srgbClr val="000066"/>
+                            </a:solidFill>
+                            <a:latin typeface="Cambria Math"/>
+                            <a:cs typeface="Times New Roman" panose="02020603050405020304" pitchFamily="18" charset="0"/>
+                          </a:rPr>
+                          <m:t>−</m:t>
+                        </m:r>
+                        <m:r>
+                          <a:rPr lang="en-US" altLang="vi-VN" sz="2400" b="0" i="1" smtClean="0">
+                            <a:solidFill>
+                              <a:srgbClr val="000066"/>
+                            </a:solidFill>
+                            <a:latin typeface="Cambria Math" panose="02040503050406030204" pitchFamily="18" charset="0"/>
+                            <a:cs typeface="Times New Roman" panose="02020603050405020304" pitchFamily="18" charset="0"/>
+                          </a:rPr>
+                          <m:t>5</m:t>
+                        </m:r>
+                      </m:num>
+                      <m:den>
+                        <m:r>
+                          <a:rPr lang="en-US" altLang="vi-VN" sz="2400" b="0" i="1" smtClean="0">
+                            <a:solidFill>
+                              <a:srgbClr val="000066"/>
+                            </a:solidFill>
+                            <a:latin typeface="Cambria Math" panose="02040503050406030204" pitchFamily="18" charset="0"/>
+                            <a:cs typeface="Times New Roman" panose="02020603050405020304" pitchFamily="18" charset="0"/>
+                          </a:rPr>
+                          <m:t>8</m:t>
+                        </m:r>
+                      </m:den>
+                    </m:f>
+                    <m:r>
+                      <a:rPr lang="en-US" altLang="vi-VN" sz="2400" i="1">
+                        <a:solidFill>
+                          <a:srgbClr val="000066"/>
+                        </a:solidFill>
+                        <a:latin typeface="Cambria Math"/>
+                        <a:cs typeface="Times New Roman" panose="02020603050405020304" pitchFamily="18" charset="0"/>
+                      </a:rPr>
+                      <m:t>𝑙𝑜𝑔</m:t>
+                    </m:r>
+                    <m:f>
+                      <m:fPr>
+                        <m:ctrlPr>
+                          <a:rPr lang="en-US" altLang="vi-VN" sz="2400" i="1">
+                            <a:solidFill>
+                              <a:srgbClr val="000066"/>
+                            </a:solidFill>
+                            <a:latin typeface="Cambria Math" panose="02040503050406030204" pitchFamily="18" charset="0"/>
+                            <a:cs typeface="Times New Roman" panose="02020603050405020304" pitchFamily="18" charset="0"/>
+                          </a:rPr>
+                        </m:ctrlPr>
+                      </m:fPr>
+                      <m:num>
+                        <m:r>
+                          <a:rPr lang="en-US" altLang="vi-VN" sz="2400" b="0" i="1" smtClean="0">
+                            <a:solidFill>
+                              <a:srgbClr val="000066"/>
+                            </a:solidFill>
+                            <a:latin typeface="Cambria Math" panose="02040503050406030204" pitchFamily="18" charset="0"/>
+                            <a:cs typeface="Times New Roman" panose="02020603050405020304" pitchFamily="18" charset="0"/>
+                          </a:rPr>
+                          <m:t>5</m:t>
+                        </m:r>
+                      </m:num>
+                      <m:den>
+                        <m:r>
+                          <a:rPr lang="en-US" altLang="vi-VN" sz="2400" b="0" i="1" smtClean="0">
+                            <a:solidFill>
+                              <a:srgbClr val="000066"/>
+                            </a:solidFill>
+                            <a:latin typeface="Cambria Math" panose="02040503050406030204" pitchFamily="18" charset="0"/>
+                            <a:cs typeface="Times New Roman" panose="02020603050405020304" pitchFamily="18" charset="0"/>
+                          </a:rPr>
+                          <m:t>8</m:t>
+                        </m:r>
+                      </m:den>
+                    </m:f>
+                    <m:r>
+                      <a:rPr lang="en-US" altLang="vi-VN" sz="2400" i="1">
+                        <a:solidFill>
+                          <a:srgbClr val="000066"/>
+                        </a:solidFill>
+                        <a:latin typeface="Cambria Math"/>
+                        <a:cs typeface="Times New Roman" panose="02020603050405020304" pitchFamily="18" charset="0"/>
+                      </a:rPr>
+                      <m:t>−</m:t>
+                    </m:r>
+                    <m:f>
+                      <m:fPr>
+                        <m:ctrlPr>
+                          <a:rPr lang="en-US" altLang="vi-VN" sz="2400" i="1">
+                            <a:solidFill>
+                              <a:srgbClr val="000066"/>
+                            </a:solidFill>
+                            <a:latin typeface="Cambria Math" panose="02040503050406030204" pitchFamily="18" charset="0"/>
+                            <a:cs typeface="Times New Roman" panose="02020603050405020304" pitchFamily="18" charset="0"/>
+                          </a:rPr>
+                        </m:ctrlPr>
+                      </m:fPr>
+                      <m:num>
+                        <m:r>
+                          <a:rPr lang="en-US" altLang="vi-VN" sz="2400" b="0" i="1" smtClean="0">
+                            <a:solidFill>
+                              <a:srgbClr val="000066"/>
+                            </a:solidFill>
+                            <a:latin typeface="Cambria Math" panose="02040503050406030204" pitchFamily="18" charset="0"/>
+                            <a:cs typeface="Times New Roman" panose="02020603050405020304" pitchFamily="18" charset="0"/>
+                          </a:rPr>
+                          <m:t>3</m:t>
+                        </m:r>
+                      </m:num>
+                      <m:den>
+                        <m:r>
+                          <a:rPr lang="en-US" altLang="vi-VN" sz="2400" b="0" i="1" smtClean="0">
+                            <a:solidFill>
+                              <a:srgbClr val="000066"/>
+                            </a:solidFill>
+                            <a:latin typeface="Cambria Math" panose="02040503050406030204" pitchFamily="18" charset="0"/>
+                            <a:cs typeface="Times New Roman" panose="02020603050405020304" pitchFamily="18" charset="0"/>
+                          </a:rPr>
+                          <m:t>8</m:t>
+                        </m:r>
+                      </m:den>
+                    </m:f>
+                    <m:r>
+                      <a:rPr lang="en-US" altLang="vi-VN" sz="2400" i="1">
+                        <a:solidFill>
+                          <a:srgbClr val="000066"/>
+                        </a:solidFill>
+                        <a:latin typeface="Cambria Math"/>
+                        <a:cs typeface="Times New Roman" panose="02020603050405020304" pitchFamily="18" charset="0"/>
+                      </a:rPr>
+                      <m:t>𝑙𝑜𝑔</m:t>
+                    </m:r>
+                    <m:f>
+                      <m:fPr>
+                        <m:ctrlPr>
+                          <a:rPr lang="en-US" altLang="vi-VN" sz="2400" i="1">
+                            <a:solidFill>
+                              <a:srgbClr val="000066"/>
+                            </a:solidFill>
+                            <a:latin typeface="Cambria Math" panose="02040503050406030204" pitchFamily="18" charset="0"/>
+                            <a:cs typeface="Times New Roman" panose="02020603050405020304" pitchFamily="18" charset="0"/>
+                          </a:rPr>
+                        </m:ctrlPr>
+                      </m:fPr>
+                      <m:num>
+                        <m:r>
+                          <a:rPr lang="en-US" altLang="vi-VN" sz="2400" b="0" i="1" smtClean="0">
+                            <a:solidFill>
+                              <a:srgbClr val="000066"/>
+                            </a:solidFill>
+                            <a:latin typeface="Cambria Math" panose="02040503050406030204" pitchFamily="18" charset="0"/>
+                            <a:cs typeface="Times New Roman" panose="02020603050405020304" pitchFamily="18" charset="0"/>
+                          </a:rPr>
+                          <m:t>3</m:t>
+                        </m:r>
+                      </m:num>
+                      <m:den>
+                        <m:r>
+                          <a:rPr lang="en-US" altLang="vi-VN" sz="2400" b="0" i="1" smtClean="0">
+                            <a:solidFill>
+                              <a:srgbClr val="000066"/>
+                            </a:solidFill>
+                            <a:latin typeface="Cambria Math" panose="02040503050406030204" pitchFamily="18" charset="0"/>
+                            <a:cs typeface="Times New Roman" panose="02020603050405020304" pitchFamily="18" charset="0"/>
+                          </a:rPr>
+                          <m:t>8</m:t>
+                        </m:r>
+                      </m:den>
+                    </m:f>
+                    <m:r>
+                      <a:rPr lang="en-US" altLang="vi-VN" sz="2400" i="1">
+                        <a:solidFill>
+                          <a:srgbClr val="000066"/>
+                        </a:solidFill>
+                        <a:latin typeface="Cambria Math"/>
+                        <a:cs typeface="Times New Roman" panose="02020603050405020304" pitchFamily="18" charset="0"/>
+                      </a:rPr>
+                      <m:t>=</m:t>
+                    </m:r>
+                    <m:r>
+                      <a:rPr lang="en-US" altLang="vi-VN" sz="2400" b="0" i="1" smtClean="0">
+                        <a:solidFill>
+                          <a:srgbClr val="000066"/>
+                        </a:solidFill>
+                        <a:latin typeface="Cambria Math" panose="02040503050406030204" pitchFamily="18" charset="0"/>
+                        <a:cs typeface="Times New Roman" panose="02020603050405020304" pitchFamily="18" charset="0"/>
+                      </a:rPr>
+                      <m:t>0.287 (</m:t>
+                    </m:r>
+                    <m:r>
+                      <a:rPr lang="en-US" altLang="vi-VN" sz="2400" b="0" i="1" smtClean="0">
+                        <a:solidFill>
+                          <a:srgbClr val="000066"/>
+                        </a:solidFill>
+                        <a:latin typeface="Cambria Math" panose="02040503050406030204" pitchFamily="18" charset="0"/>
+                        <a:cs typeface="Times New Roman" panose="02020603050405020304" pitchFamily="18" charset="0"/>
+                      </a:rPr>
+                      <m:t>𝑏𝑖𝑡</m:t>
+                    </m:r>
+                    <m:r>
+                      <a:rPr lang="en-US" altLang="vi-VN" sz="2400" b="0" i="1" smtClean="0">
+                        <a:solidFill>
+                          <a:srgbClr val="000066"/>
+                        </a:solidFill>
+                        <a:latin typeface="Cambria Math" panose="02040503050406030204" pitchFamily="18" charset="0"/>
+                        <a:cs typeface="Times New Roman" panose="02020603050405020304" pitchFamily="18" charset="0"/>
+                      </a:rPr>
+                      <m:t>)</m:t>
+                    </m:r>
+                  </m:oMath>
+                </a14:m>
+                <a:endParaRPr lang="en-US" dirty="0" smtClean="0">
+                  <a:latin typeface="Times New Roman" panose="02020603050405020304" pitchFamily="18" charset="0"/>
+                  <a:cs typeface="Times New Roman" panose="02020603050405020304" pitchFamily="18" charset="0"/>
+                </a:endParaRPr>
+              </a:p>
+            </p:txBody>
+          </p:sp>
+        </mc:Choice>
+        <mc:Fallback>
+          <p:sp>
+            <p:nvSpPr>
+              <p:cNvPr id="3" name="Content Placeholder 2"/>
+              <p:cNvSpPr>
+                <a:spLocks noGrp="1" noRot="1" noChangeAspect="1" noMove="1" noResize="1" noEditPoints="1" noAdjustHandles="1" noChangeArrowheads="1" noChangeShapeType="1" noTextEdit="1"/>
+              </p:cNvSpPr>
+              <p:nvPr>
+                <p:ph idx="1"/>
+              </p:nvPr>
+            </p:nvSpPr>
+            <p:spPr>
+              <a:xfrm>
+                <a:off x="531812" y="2092007"/>
+                <a:ext cx="8229599" cy="4470400"/>
+              </a:xfrm>
+              <a:blipFill>
+                <a:blip r:embed="rId2"/>
+                <a:stretch>
+                  <a:fillRect l="-593" t="-1090"/>
+                </a:stretch>
+              </a:blipFill>
+            </p:spPr>
+            <p:txBody>
+              <a:bodyPr/>
+              <a:lstStyle/>
+              <a:p>
+                <a:r>
+                  <a:rPr lang="en-US">
+                    <a:noFill/>
+                  </a:rPr>
+                  <a:t> </a:t>
+                </a:r>
+              </a:p>
+            </p:txBody>
+          </p:sp>
+        </mc:Fallback>
+      </mc:AlternateContent>
+      <p:pic>
+        <p:nvPicPr>
+          <p:cNvPr id="4" name="Picture 3"/>
+          <p:cNvPicPr/>
+          <p:nvPr/>
+        </p:nvPicPr>
+        <p:blipFill>
+          <a:blip r:embed="rId3"/>
+          <a:stretch>
+            <a:fillRect/>
+          </a:stretch>
+        </p:blipFill>
+        <p:spPr>
+          <a:xfrm>
+            <a:off x="7770812" y="2092007"/>
+            <a:ext cx="3741420" cy="3689985"/>
+          </a:xfrm>
+          <a:prstGeom prst="rect">
+            <a:avLst/>
+          </a:prstGeom>
+        </p:spPr>
+      </p:pic>
     </p:spTree>
     <p:extLst>
       <p:ext uri="{BB962C8B-B14F-4D97-AF65-F5344CB8AC3E}">
@@ -9036,10 +13927,597 @@
       </p:transition>
     </mc:Fallback>
   </mc:AlternateContent>
+  <p:timing>
+    <p:tnLst>
+      <p:par>
+        <p:cTn id="1" dur="indefinite" restart="never" nodeType="tmRoot"/>
+      </p:par>
+    </p:tnLst>
+  </p:timing>
 </p:sld>
 </file>
 
-<file path=ppt/slides/slide6.xml><?xml version="1.0" encoding="utf-8"?>
+<file path=ppt/slides/slide7.xml><?xml version="1.0" encoding="utf-8"?>
+<p:sld xmlns:a="http://schemas.openxmlformats.org/drawingml/2006/main" xmlns:r="http://schemas.openxmlformats.org/officeDocument/2006/relationships" xmlns:p="http://schemas.openxmlformats.org/presentationml/2006/main">
+  <p:cSld>
+    <p:spTree>
+      <p:nvGrpSpPr>
+        <p:cNvPr id="1" name=""/>
+        <p:cNvGrpSpPr/>
+        <p:nvPr/>
+      </p:nvGrpSpPr>
+      <p:grpSpPr>
+        <a:xfrm>
+          <a:off x="0" y="0"/>
+          <a:ext cx="0" cy="0"/>
+          <a:chOff x="0" y="0"/>
+          <a:chExt cx="0" cy="0"/>
+        </a:xfrm>
+      </p:grpSpPr>
+      <p:sp>
+        <p:nvSpPr>
+          <p:cNvPr id="2" name="Title 1"/>
+          <p:cNvSpPr>
+            <a:spLocks noGrp="1"/>
+          </p:cNvSpPr>
+          <p:nvPr>
+            <p:ph type="title"/>
+          </p:nvPr>
+        </p:nvSpPr>
+        <p:spPr/>
+        <p:txBody>
+          <a:bodyPr/>
+          <a:lstStyle/>
+          <a:p>
+            <a:r>
+              <a:rPr lang="en-US" b="1" dirty="0">
+                <a:solidFill>
+                  <a:schemeClr val="accent1">
+                    <a:lumMod val="50000"/>
+                  </a:schemeClr>
+                </a:solidFill>
+                <a:latin typeface="Times New Roman" pitchFamily="18" charset="0"/>
+                <a:cs typeface="Times New Roman" pitchFamily="18" charset="0"/>
+              </a:rPr>
+              <a:t>Tính GAIN cho các thuộc </a:t>
+            </a:r>
+            <a:r>
+              <a:rPr lang="en-US" b="1" dirty="0" smtClean="0">
+                <a:solidFill>
+                  <a:schemeClr val="accent1">
+                    <a:lumMod val="50000"/>
+                  </a:schemeClr>
+                </a:solidFill>
+                <a:latin typeface="Times New Roman" pitchFamily="18" charset="0"/>
+                <a:cs typeface="Times New Roman" pitchFamily="18" charset="0"/>
+              </a:rPr>
+              <a:t>tính</a:t>
+            </a:r>
+            <a:endParaRPr lang="en-US" dirty="0"/>
+          </a:p>
+        </p:txBody>
+      </p:sp>
+      <p:graphicFrame>
+        <p:nvGraphicFramePr>
+          <p:cNvPr id="4" name="Table 3"/>
+          <p:cNvGraphicFramePr>
+            <a:graphicFrameLocks noGrp="1"/>
+          </p:cNvGraphicFramePr>
+          <p:nvPr>
+            <p:extLst>
+              <p:ext uri="{D42A27DB-BD31-4B8C-83A1-F6EECF244321}">
+                <p14:modId xmlns:p14="http://schemas.microsoft.com/office/powerpoint/2010/main" val="841805676"/>
+              </p:ext>
+            </p:extLst>
+          </p:nvPr>
+        </p:nvGraphicFramePr>
+        <p:xfrm>
+          <a:off x="531812" y="2043759"/>
+          <a:ext cx="10515600" cy="4195262"/>
+        </p:xfrm>
+        <a:graphic>
+          <a:graphicData uri="http://schemas.openxmlformats.org/drawingml/2006/table">
+            <a:tbl>
+              <a:tblPr firstRow="1" bandRow="1">
+                <a:tableStyleId>{5940675A-B579-460E-94D1-54222C63F5DA}</a:tableStyleId>
+              </a:tblPr>
+              <a:tblGrid>
+                <a:gridCol w="3147526">
+                  <a:extLst>
+                    <a:ext uri="{9D8B030D-6E8A-4147-A177-3AD203B41FA5}">
+                      <a16:colId xmlns:a16="http://schemas.microsoft.com/office/drawing/2014/main" val="20000"/>
+                    </a:ext>
+                  </a:extLst>
+                </a:gridCol>
+                <a:gridCol w="7368074">
+                  <a:extLst>
+                    <a:ext uri="{9D8B030D-6E8A-4147-A177-3AD203B41FA5}">
+                      <a16:colId xmlns:a16="http://schemas.microsoft.com/office/drawing/2014/main" val="20001"/>
+                    </a:ext>
+                  </a:extLst>
+                </a:gridCol>
+              </a:tblGrid>
+              <a:tr h="732692">
+                <a:tc>
+                  <a:txBody>
+                    <a:bodyPr/>
+                    <a:lstStyle/>
+                    <a:p>
+                      <a:pPr algn="ctr"/>
+                      <a:r>
+                        <a:rPr lang="en-US" sz="2400" b="1" dirty="0" smtClean="0">
+                          <a:latin typeface="Times New Roman" pitchFamily="18" charset="0"/>
+                          <a:cs typeface="Times New Roman" pitchFamily="18" charset="0"/>
+                        </a:rPr>
+                        <a:t>Sector_score</a:t>
+                      </a:r>
+                      <a:endParaRPr lang="en-US" sz="2400" b="1" dirty="0">
+                        <a:latin typeface="Times New Roman" pitchFamily="18" charset="0"/>
+                        <a:cs typeface="Times New Roman" pitchFamily="18" charset="0"/>
+                      </a:endParaRPr>
+                    </a:p>
+                  </a:txBody>
+                  <a:tcPr anchor="ctr"/>
+                </a:tc>
+                <a:tc>
+                  <a:txBody>
+                    <a:bodyPr/>
+                    <a:lstStyle/>
+                    <a:p>
+                      <a:pPr algn="l"/>
+                      <a:r>
+                        <a:rPr lang="en-US" sz="2400" b="0" dirty="0" smtClean="0">
+                          <a:latin typeface="Times New Roman" pitchFamily="18" charset="0"/>
+                          <a:cs typeface="Times New Roman" pitchFamily="18" charset="0"/>
+                        </a:rPr>
+                        <a:t>Info</a:t>
+                      </a:r>
+                      <a:r>
+                        <a:rPr lang="en-US" sz="2400" b="0" baseline="-25000" dirty="0" smtClean="0">
+                          <a:latin typeface="Times New Roman" pitchFamily="18" charset="0"/>
+                          <a:cs typeface="Times New Roman" pitchFamily="18" charset="0"/>
+                        </a:rPr>
+                        <a:t>KTC</a:t>
+                      </a:r>
+                      <a:r>
+                        <a:rPr lang="en-US" sz="2400" b="0" dirty="0" smtClean="0">
+                          <a:latin typeface="Times New Roman" pitchFamily="18" charset="0"/>
+                          <a:cs typeface="Times New Roman" pitchFamily="18" charset="0"/>
+                        </a:rPr>
+                        <a:t>(</a:t>
+                      </a:r>
+                      <a:r>
+                        <a:rPr lang="en-US" sz="2400" b="1" dirty="0" smtClean="0">
+                          <a:latin typeface="Times New Roman" pitchFamily="18" charset="0"/>
+                          <a:cs typeface="Times New Roman" pitchFamily="18" charset="0"/>
+                        </a:rPr>
+                        <a:t>Money_Value</a:t>
+                      </a:r>
+                      <a:r>
+                        <a:rPr lang="en-US" sz="2400" b="0" dirty="0" smtClean="0">
+                          <a:latin typeface="Times New Roman" pitchFamily="18" charset="0"/>
+                          <a:cs typeface="Times New Roman" pitchFamily="18" charset="0"/>
+                        </a:rPr>
+                        <a:t>) </a:t>
+                      </a:r>
+                      <a:r>
+                        <a:rPr lang="en-US" sz="2400" b="0" dirty="0">
+                          <a:latin typeface="Times New Roman" pitchFamily="18" charset="0"/>
+                          <a:cs typeface="Times New Roman" pitchFamily="18" charset="0"/>
+                        </a:rPr>
+                        <a:t>= -1/1</a:t>
+                      </a:r>
+                      <a:r>
+                        <a:rPr lang="en-US" sz="2400" b="0" baseline="0" dirty="0">
+                          <a:latin typeface="Times New Roman" pitchFamily="18" charset="0"/>
+                          <a:cs typeface="Times New Roman" pitchFamily="18" charset="0"/>
+                        </a:rPr>
+                        <a:t> * log(1/1)  - 0/1 * log(0/1)= 0</a:t>
+                      </a:r>
+                      <a:r>
+                        <a:rPr lang="en-US" sz="2400" b="0" dirty="0">
+                          <a:latin typeface="Times New Roman" pitchFamily="18" charset="0"/>
+                          <a:cs typeface="Times New Roman" pitchFamily="18" charset="0"/>
+                        </a:rPr>
+                        <a:t> </a:t>
+                      </a:r>
+                    </a:p>
+                  </a:txBody>
+                  <a:tcPr anchor="ctr"/>
+                </a:tc>
+                <a:extLst>
+                  <a:ext uri="{0D108BD9-81ED-4DB2-BD59-A6C34878D82A}">
+                    <a16:rowId xmlns:a16="http://schemas.microsoft.com/office/drawing/2014/main" val="10000"/>
+                  </a:ext>
+                </a:extLst>
+              </a:tr>
+              <a:tr h="792374">
+                <a:tc>
+                  <a:txBody>
+                    <a:bodyPr/>
+                    <a:lstStyle/>
+                    <a:p>
+                      <a:pPr algn="ctr"/>
+                      <a:r>
+                        <a:rPr lang="en-US" sz="2400" b="1" dirty="0" smtClean="0">
+                          <a:latin typeface="Times New Roman" pitchFamily="18" charset="0"/>
+                          <a:cs typeface="Times New Roman" pitchFamily="18" charset="0"/>
+                        </a:rPr>
+                        <a:t>Score</a:t>
+                      </a:r>
+                      <a:r>
+                        <a:rPr lang="en-US" sz="2400" b="1" baseline="0" dirty="0" smtClean="0">
+                          <a:latin typeface="Times New Roman" pitchFamily="18" charset="0"/>
+                          <a:cs typeface="Times New Roman" pitchFamily="18" charset="0"/>
+                        </a:rPr>
+                        <a:t>_A</a:t>
+                      </a:r>
+                      <a:endParaRPr lang="en-US" sz="2400" b="1" dirty="0">
+                        <a:latin typeface="Times New Roman" pitchFamily="18" charset="0"/>
+                        <a:cs typeface="Times New Roman" pitchFamily="18" charset="0"/>
+                      </a:endParaRPr>
+                    </a:p>
+                  </a:txBody>
+                  <a:tcPr anchor="ctr"/>
+                </a:tc>
+                <a:tc>
+                  <a:txBody>
+                    <a:bodyPr/>
+                    <a:lstStyle/>
+                    <a:p>
+                      <a:pPr algn="l"/>
+                      <a:r>
+                        <a:rPr lang="en-US" sz="2400" b="0" dirty="0" smtClean="0">
+                          <a:latin typeface="Times New Roman" pitchFamily="18" charset="0"/>
+                          <a:cs typeface="Times New Roman" pitchFamily="18" charset="0"/>
+                        </a:rPr>
+                        <a:t>Info</a:t>
+                      </a:r>
+                      <a:r>
+                        <a:rPr lang="en-US" sz="2400" b="0" baseline="-25000" dirty="0" smtClean="0">
+                          <a:latin typeface="Times New Roman" pitchFamily="18" charset="0"/>
+                          <a:cs typeface="Times New Roman" pitchFamily="18" charset="0"/>
+                        </a:rPr>
+                        <a:t>CP</a:t>
+                      </a:r>
+                      <a:r>
+                        <a:rPr lang="en-US" sz="2400" b="0" dirty="0" smtClean="0">
+                          <a:latin typeface="Times New Roman" pitchFamily="18" charset="0"/>
+                          <a:cs typeface="Times New Roman" pitchFamily="18" charset="0"/>
+                        </a:rPr>
+                        <a:t>(</a:t>
+                      </a:r>
+                      <a:r>
+                        <a:rPr lang="en-US" sz="2400" b="1" dirty="0" smtClean="0">
+                          <a:latin typeface="Times New Roman" pitchFamily="18" charset="0"/>
+                          <a:cs typeface="Times New Roman" pitchFamily="18" charset="0"/>
+                        </a:rPr>
+                        <a:t>Money_Value</a:t>
+                      </a:r>
+                      <a:r>
+                        <a:rPr lang="en-US" sz="2400" b="0" dirty="0" smtClean="0">
+                          <a:latin typeface="Times New Roman" pitchFamily="18" charset="0"/>
+                          <a:cs typeface="Times New Roman" pitchFamily="18" charset="0"/>
+                        </a:rPr>
+                        <a:t>)= </a:t>
+                      </a:r>
+                      <a:r>
+                        <a:rPr lang="en-US" sz="2400" b="0" dirty="0">
+                          <a:latin typeface="Times New Roman" pitchFamily="18" charset="0"/>
+                          <a:cs typeface="Times New Roman" pitchFamily="18" charset="0"/>
+                        </a:rPr>
+                        <a:t>-1/2 * log(1/2)</a:t>
+                      </a:r>
+                      <a:r>
+                        <a:rPr lang="en-US" sz="2400" b="0" baseline="0" dirty="0">
+                          <a:latin typeface="Times New Roman" pitchFamily="18" charset="0"/>
+                          <a:cs typeface="Times New Roman" pitchFamily="18" charset="0"/>
+                        </a:rPr>
+                        <a:t> – 1/2 * log(1/2) = 1</a:t>
+                      </a:r>
+                      <a:endParaRPr lang="en-US" sz="2400" b="0" dirty="0">
+                        <a:latin typeface="Times New Roman" pitchFamily="18" charset="0"/>
+                        <a:cs typeface="Times New Roman" pitchFamily="18" charset="0"/>
+                      </a:endParaRPr>
+                    </a:p>
+                  </a:txBody>
+                  <a:tcPr anchor="ctr"/>
+                </a:tc>
+                <a:extLst>
+                  <a:ext uri="{0D108BD9-81ED-4DB2-BD59-A6C34878D82A}">
+                    <a16:rowId xmlns:a16="http://schemas.microsoft.com/office/drawing/2014/main" val="10001"/>
+                  </a:ext>
+                </a:extLst>
+              </a:tr>
+              <a:tr h="825624">
+                <a:tc>
+                  <a:txBody>
+                    <a:bodyPr/>
+                    <a:lstStyle/>
+                    <a:p>
+                      <a:pPr algn="ctr"/>
+                      <a:r>
+                        <a:rPr lang="en-US" sz="2400" b="1" dirty="0" smtClean="0">
+                          <a:latin typeface="Times New Roman" pitchFamily="18" charset="0"/>
+                          <a:cs typeface="Times New Roman" pitchFamily="18" charset="0"/>
+                        </a:rPr>
+                        <a:t>Score_B</a:t>
+                      </a:r>
+                      <a:endParaRPr lang="en-US" sz="2400" b="1" dirty="0">
+                        <a:latin typeface="Times New Roman" pitchFamily="18" charset="0"/>
+                        <a:cs typeface="Times New Roman" pitchFamily="18" charset="0"/>
+                      </a:endParaRPr>
+                    </a:p>
+                  </a:txBody>
+                  <a:tcPr anchor="ctr"/>
+                </a:tc>
+                <a:tc>
+                  <a:txBody>
+                    <a:bodyPr/>
+                    <a:lstStyle/>
+                    <a:p>
+                      <a:pPr algn="l"/>
+                      <a:r>
+                        <a:rPr lang="en-US" sz="2400" b="0" dirty="0" smtClean="0">
+                          <a:latin typeface="Times New Roman" pitchFamily="18" charset="0"/>
+                          <a:cs typeface="Times New Roman" pitchFamily="18" charset="0"/>
+                        </a:rPr>
+                        <a:t>Info</a:t>
+                      </a:r>
+                      <a:r>
+                        <a:rPr lang="en-US" sz="2400" b="0" baseline="-25000" dirty="0" smtClean="0">
+                          <a:latin typeface="Times New Roman" pitchFamily="18" charset="0"/>
+                          <a:cs typeface="Times New Roman" pitchFamily="18" charset="0"/>
+                        </a:rPr>
+                        <a:t>RT</a:t>
+                      </a:r>
+                      <a:r>
+                        <a:rPr lang="en-US" sz="2400" b="0" dirty="0" smtClean="0">
+                          <a:latin typeface="Times New Roman" pitchFamily="18" charset="0"/>
+                          <a:cs typeface="Times New Roman" pitchFamily="18" charset="0"/>
+                        </a:rPr>
+                        <a:t>(</a:t>
+                      </a:r>
+                      <a:r>
+                        <a:rPr lang="en-US" sz="2400" b="1" dirty="0" smtClean="0">
+                          <a:latin typeface="Times New Roman" pitchFamily="18" charset="0"/>
+                          <a:cs typeface="Times New Roman" pitchFamily="18" charset="0"/>
+                        </a:rPr>
+                        <a:t>Money_Value</a:t>
+                      </a:r>
+                      <a:r>
+                        <a:rPr lang="en-US" sz="2400" b="0" dirty="0" smtClean="0">
+                          <a:latin typeface="Times New Roman" pitchFamily="18" charset="0"/>
+                          <a:cs typeface="Times New Roman" pitchFamily="18" charset="0"/>
+                        </a:rPr>
+                        <a:t>)= </a:t>
+                      </a:r>
+                      <a:r>
+                        <a:rPr lang="en-US" sz="2400" b="0" dirty="0">
+                          <a:latin typeface="Times New Roman" pitchFamily="18" charset="0"/>
+                          <a:cs typeface="Times New Roman" pitchFamily="18" charset="0"/>
+                        </a:rPr>
+                        <a:t>-5/5 * log(5/5)</a:t>
+                      </a:r>
+                      <a:r>
+                        <a:rPr lang="en-US" sz="2400" b="0" baseline="0" dirty="0">
+                          <a:latin typeface="Times New Roman" pitchFamily="18" charset="0"/>
+                          <a:cs typeface="Times New Roman" pitchFamily="18" charset="0"/>
+                        </a:rPr>
+                        <a:t> – 0/5 * log(0/5) = 0</a:t>
+                      </a:r>
+                      <a:endParaRPr lang="en-US" sz="2400" b="0" dirty="0">
+                        <a:latin typeface="Times New Roman" pitchFamily="18" charset="0"/>
+                        <a:cs typeface="Times New Roman" pitchFamily="18" charset="0"/>
+                      </a:endParaRPr>
+                    </a:p>
+                  </a:txBody>
+                  <a:tcPr anchor="ctr"/>
+                </a:tc>
+                <a:extLst>
+                  <a:ext uri="{0D108BD9-81ED-4DB2-BD59-A6C34878D82A}">
+                    <a16:rowId xmlns:a16="http://schemas.microsoft.com/office/drawing/2014/main" val="10002"/>
+                  </a:ext>
+                </a:extLst>
+              </a:tr>
+              <a:tr h="833936">
+                <a:tc>
+                  <a:txBody>
+                    <a:bodyPr/>
+                    <a:lstStyle/>
+                    <a:p>
+                      <a:pPr algn="ctr"/>
+                      <a:r>
+                        <a:rPr lang="en-US" sz="2400" b="1" dirty="0" smtClean="0">
+                          <a:latin typeface="Times New Roman" pitchFamily="18" charset="0"/>
+                          <a:cs typeface="Times New Roman" pitchFamily="18" charset="0"/>
+                        </a:rPr>
+                        <a:t>TOTAL</a:t>
+                      </a:r>
+                      <a:endParaRPr lang="en-US" sz="2400" b="1" dirty="0">
+                        <a:latin typeface="Times New Roman" pitchFamily="18" charset="0"/>
+                        <a:cs typeface="Times New Roman" pitchFamily="18" charset="0"/>
+                      </a:endParaRPr>
+                    </a:p>
+                  </a:txBody>
+                  <a:tcPr anchor="ctr"/>
+                </a:tc>
+                <a:tc>
+                  <a:txBody>
+                    <a:bodyPr/>
+                    <a:lstStyle/>
+                    <a:p>
+                      <a:pPr algn="l"/>
+                      <a:r>
+                        <a:rPr lang="en-US" sz="2400" b="0" dirty="0" smtClean="0">
+                          <a:latin typeface="Times New Roman" pitchFamily="18" charset="0"/>
+                          <a:cs typeface="Times New Roman" pitchFamily="18" charset="0"/>
+                        </a:rPr>
+                        <a:t>Info</a:t>
+                      </a:r>
+                      <a:r>
+                        <a:rPr lang="en-US" sz="2400" b="0" baseline="-25000" dirty="0" smtClean="0">
+                          <a:latin typeface="Times New Roman" pitchFamily="18" charset="0"/>
+                          <a:cs typeface="Times New Roman" pitchFamily="18" charset="0"/>
+                        </a:rPr>
+                        <a:t>DP</a:t>
+                      </a:r>
+                      <a:r>
+                        <a:rPr lang="en-US" sz="2400" b="0" dirty="0" smtClean="0">
+                          <a:latin typeface="Times New Roman" pitchFamily="18" charset="0"/>
+                          <a:cs typeface="Times New Roman" pitchFamily="18" charset="0"/>
+                        </a:rPr>
+                        <a:t>(</a:t>
+                      </a:r>
+                      <a:r>
+                        <a:rPr lang="en-US" sz="2400" b="1" dirty="0" smtClean="0">
+                          <a:latin typeface="Times New Roman" pitchFamily="18" charset="0"/>
+                          <a:cs typeface="Times New Roman" pitchFamily="18" charset="0"/>
+                        </a:rPr>
+                        <a:t>Money_Value</a:t>
+                      </a:r>
+                      <a:r>
+                        <a:rPr lang="en-US" sz="2400" b="0" dirty="0" smtClean="0">
+                          <a:latin typeface="Times New Roman" pitchFamily="18" charset="0"/>
+                          <a:cs typeface="Times New Roman" pitchFamily="18" charset="0"/>
+                        </a:rPr>
+                        <a:t>)= </a:t>
+                      </a:r>
+                      <a:r>
+                        <a:rPr lang="en-US" sz="2400" b="0" dirty="0">
+                          <a:latin typeface="Times New Roman" pitchFamily="18" charset="0"/>
+                          <a:cs typeface="Times New Roman" pitchFamily="18" charset="0"/>
+                        </a:rPr>
+                        <a:t>-1/1 * log(1/1)</a:t>
+                      </a:r>
+                      <a:r>
+                        <a:rPr lang="en-US" sz="2400" b="0" baseline="0" dirty="0">
+                          <a:latin typeface="Times New Roman" pitchFamily="18" charset="0"/>
+                          <a:cs typeface="Times New Roman" pitchFamily="18" charset="0"/>
+                        </a:rPr>
+                        <a:t> – 0/1 * log(0/1) = 0</a:t>
+                      </a:r>
+                      <a:endParaRPr lang="en-US" sz="2400" b="0" dirty="0">
+                        <a:latin typeface="Times New Roman" pitchFamily="18" charset="0"/>
+                        <a:cs typeface="Times New Roman" pitchFamily="18" charset="0"/>
+                      </a:endParaRPr>
+                    </a:p>
+                  </a:txBody>
+                  <a:tcPr anchor="ctr"/>
+                </a:tc>
+                <a:extLst>
+                  <a:ext uri="{0D108BD9-81ED-4DB2-BD59-A6C34878D82A}">
+                    <a16:rowId xmlns:a16="http://schemas.microsoft.com/office/drawing/2014/main" val="10003"/>
+                  </a:ext>
+                </a:extLst>
+              </a:tr>
+              <a:tr h="889782">
+                <a:tc>
+                  <a:txBody>
+                    <a:bodyPr/>
+                    <a:lstStyle/>
+                    <a:p>
+                      <a:pPr algn="ctr"/>
+                      <a:r>
+                        <a:rPr lang="en-US" sz="2400" b="1" dirty="0" smtClean="0">
+                          <a:latin typeface="Times New Roman" pitchFamily="18" charset="0"/>
+                          <a:cs typeface="Times New Roman" pitchFamily="18" charset="0"/>
+                        </a:rPr>
+                        <a:t>Money_Value</a:t>
+                      </a:r>
+                      <a:endParaRPr lang="en-US" sz="2400" b="1" dirty="0">
+                        <a:latin typeface="Times New Roman" pitchFamily="18" charset="0"/>
+                        <a:cs typeface="Times New Roman" pitchFamily="18" charset="0"/>
+                      </a:endParaRPr>
+                    </a:p>
+                  </a:txBody>
+                  <a:tcPr anchor="ctr"/>
+                </a:tc>
+                <a:tc>
+                  <a:txBody>
+                    <a:bodyPr/>
+                    <a:lstStyle/>
+                    <a:p>
+                      <a:pPr algn="l"/>
+                      <a:r>
+                        <a:rPr lang="en-US" sz="2400" b="0" dirty="0">
+                          <a:latin typeface="Times New Roman" pitchFamily="18" charset="0"/>
+                          <a:cs typeface="Times New Roman" pitchFamily="18" charset="0"/>
+                        </a:rPr>
+                        <a:t>Info</a:t>
+                      </a:r>
+                      <a:r>
+                        <a:rPr lang="en-US" sz="2400" b="0" baseline="-25000" dirty="0">
+                          <a:latin typeface="Times New Roman" pitchFamily="18" charset="0"/>
+                          <a:cs typeface="Times New Roman" pitchFamily="18" charset="0"/>
+                        </a:rPr>
+                        <a:t>NN</a:t>
+                      </a:r>
+                      <a:r>
+                        <a:rPr lang="en-US" sz="2400" b="0" dirty="0">
+                          <a:latin typeface="Times New Roman" pitchFamily="18" charset="0"/>
+                          <a:cs typeface="Times New Roman" pitchFamily="18" charset="0"/>
+                        </a:rPr>
+                        <a:t>(loaicongviec)= -0/1 * log(0/1)</a:t>
+                      </a:r>
+                      <a:r>
+                        <a:rPr lang="en-US" sz="2400" b="0" baseline="0" dirty="0">
+                          <a:latin typeface="Times New Roman" pitchFamily="18" charset="0"/>
+                          <a:cs typeface="Times New Roman" pitchFamily="18" charset="0"/>
+                        </a:rPr>
+                        <a:t> – 1/1 * log(1/1) = 0</a:t>
+                      </a:r>
+                      <a:endParaRPr lang="en-US" sz="2400" b="0" dirty="0">
+                        <a:latin typeface="Times New Roman" pitchFamily="18" charset="0"/>
+                        <a:cs typeface="Times New Roman" pitchFamily="18" charset="0"/>
+                      </a:endParaRPr>
+                    </a:p>
+                  </a:txBody>
+                  <a:tcPr anchor="ctr"/>
+                </a:tc>
+                <a:extLst>
+                  <a:ext uri="{0D108BD9-81ED-4DB2-BD59-A6C34878D82A}">
+                    <a16:rowId xmlns:a16="http://schemas.microsoft.com/office/drawing/2014/main" val="10004"/>
+                  </a:ext>
+                </a:extLst>
+              </a:tr>
+            </a:tbl>
+          </a:graphicData>
+        </a:graphic>
+      </p:graphicFrame>
+    </p:spTree>
+    <p:extLst>
+      <p:ext uri="{BB962C8B-B14F-4D97-AF65-F5344CB8AC3E}">
+        <p14:creationId xmlns:p14="http://schemas.microsoft.com/office/powerpoint/2010/main" val="2255219986"/>
+      </p:ext>
+    </p:extLst>
+  </p:cSld>
+  <p:clrMapOvr>
+    <a:masterClrMapping/>
+  </p:clrMapOvr>
+  <mc:AlternateContent xmlns:mc="http://schemas.openxmlformats.org/markup-compatibility/2006" xmlns:p14="http://schemas.microsoft.com/office/powerpoint/2010/main">
+    <mc:Choice Requires="p14">
+      <p:transition spd="med" p14:dur="700">
+        <p:fade/>
+      </p:transition>
+    </mc:Choice>
+    <mc:Fallback xmlns="">
+      <p:transition spd="med">
+        <p:fade/>
+      </p:transition>
+    </mc:Fallback>
+  </mc:AlternateContent>
+  <p:timing>
+    <p:tnLst>
+      <p:par>
+        <p:cTn id="1" dur="indefinite" restart="never" nodeType="tmRoot"/>
+      </p:par>
+    </p:tnLst>
+  </p:timing>
+</p:sld>
+</file>
+
+<file path=ppt/slides/slide8.xml><?xml version="1.0" encoding="utf-8"?>
 <p:sld xmlns:a="http://schemas.openxmlformats.org/drawingml/2006/main" xmlns:r="http://schemas.openxmlformats.org/officeDocument/2006/relationships" xmlns:p="http://schemas.openxmlformats.org/presentationml/2006/main">
   <p:cSld>
     <p:spTree>
@@ -9125,10 +14603,17 @@
       </p:transition>
     </mc:Fallback>
   </mc:AlternateContent>
+  <p:timing>
+    <p:tnLst>
+      <p:par>
+        <p:cTn id="1" dur="indefinite" restart="never" nodeType="tmRoot"/>
+      </p:par>
+    </p:tnLst>
+  </p:timing>
 </p:sld>
 </file>
 
-<file path=ppt/slides/slide7.xml><?xml version="1.0" encoding="utf-8"?>
+<file path=ppt/slides/slide9.xml><?xml version="1.0" encoding="utf-8"?>
 <p:sld xmlns:a="http://schemas.openxmlformats.org/drawingml/2006/main" xmlns:r="http://schemas.openxmlformats.org/officeDocument/2006/relationships" xmlns:p="http://schemas.openxmlformats.org/presentationml/2006/main">
   <p:cSld>
     <p:spTree>
@@ -9467,214 +14952,13 @@
       </p:transition>
     </mc:Fallback>
   </mc:AlternateContent>
-</p:sld>
-</file>
-
-<file path=ppt/slides/slide8.xml><?xml version="1.0" encoding="utf-8"?>
-<p:sld xmlns:a="http://schemas.openxmlformats.org/drawingml/2006/main" xmlns:r="http://schemas.openxmlformats.org/officeDocument/2006/relationships" xmlns:p="http://schemas.openxmlformats.org/presentationml/2006/main">
-  <p:cSld>
-    <p:spTree>
-      <p:nvGrpSpPr>
-        <p:cNvPr id="1" name=""/>
-        <p:cNvGrpSpPr/>
-        <p:nvPr/>
-      </p:nvGrpSpPr>
-      <p:grpSpPr>
-        <a:xfrm>
-          <a:off x="0" y="0"/>
-          <a:ext cx="0" cy="0"/>
-          <a:chOff x="0" y="0"/>
-          <a:chExt cx="0" cy="0"/>
-        </a:xfrm>
-      </p:grpSpPr>
-      <p:sp>
-        <p:nvSpPr>
-          <p:cNvPr id="2" name="Title 1"/>
-          <p:cNvSpPr>
-            <a:spLocks noGrp="1"/>
-          </p:cNvSpPr>
-          <p:nvPr>
-            <p:ph type="title"/>
-          </p:nvPr>
-        </p:nvSpPr>
-        <p:spPr/>
-        <p:txBody>
-          <a:bodyPr/>
-          <a:lstStyle/>
-          <a:p>
-            <a:r>
-              <a:rPr lang="en-US"/>
-              <a:t>Two Content Layout with SmartArt</a:t>
-            </a:r>
-            <a:endParaRPr lang="en-US" dirty="0"/>
-          </a:p>
-        </p:txBody>
-      </p:sp>
-      <p:graphicFrame>
-        <p:nvGraphicFramePr>
-          <p:cNvPr id="4" name="Content Placeholder 3" descr="Vertical bullet list showing 3 groups arranged one below the other and bullet points are present under each group."/>
-          <p:cNvGraphicFramePr>
-            <a:graphicFrameLocks noGrp="1"/>
-          </p:cNvGraphicFramePr>
-          <p:nvPr>
-            <p:ph sz="half" idx="1"/>
-            <p:extLst>
-              <p:ext uri="{D42A27DB-BD31-4B8C-83A1-F6EECF244321}">
-                <p14:modId xmlns:p14="http://schemas.microsoft.com/office/powerpoint/2010/main" val="2078625310"/>
-              </p:ext>
-            </p:extLst>
-          </p:nvPr>
-        </p:nvGraphicFramePr>
-        <p:xfrm>
-          <a:off x="1117600" y="1701800"/>
-          <a:ext cx="4976813" cy="4470400"/>
-        </p:xfrm>
-        <a:graphic>
-          <a:graphicData uri="http://schemas.openxmlformats.org/drawingml/2006/diagram">
-            <dgm:relIds xmlns:dgm="http://schemas.openxmlformats.org/drawingml/2006/diagram" xmlns:r="http://schemas.openxmlformats.org/officeDocument/2006/relationships" r:dm="rId2" r:lo="rId3" r:qs="rId4" r:cs="rId5"/>
-          </a:graphicData>
-        </a:graphic>
-      </p:graphicFrame>
-      <p:sp>
-        <p:nvSpPr>
-          <p:cNvPr id="6" name="Content Placeholder 5"/>
-          <p:cNvSpPr>
-            <a:spLocks noGrp="1"/>
-          </p:cNvSpPr>
-          <p:nvPr>
-            <p:ph sz="half" idx="2"/>
-          </p:nvPr>
-        </p:nvSpPr>
-        <p:spPr/>
-        <p:txBody>
-          <a:bodyPr/>
-          <a:lstStyle/>
-          <a:p>
-            <a:r>
-              <a:rPr lang="en-US"/>
-              <a:t>First bullet point here</a:t>
-            </a:r>
-          </a:p>
-          <a:p>
-            <a:r>
-              <a:rPr lang="en-US"/>
-              <a:t>Second bullet point here</a:t>
-            </a:r>
-          </a:p>
-          <a:p>
-            <a:r>
-              <a:rPr lang="en-US"/>
-              <a:t>Third bullet point here</a:t>
-            </a:r>
-            <a:endParaRPr lang="en-US" dirty="0"/>
-          </a:p>
-        </p:txBody>
-      </p:sp>
-    </p:spTree>
-    <p:extLst>
-      <p:ext uri="{BB962C8B-B14F-4D97-AF65-F5344CB8AC3E}">
-        <p14:creationId xmlns:p14="http://schemas.microsoft.com/office/powerpoint/2010/main" val="13403576"/>
-      </p:ext>
-    </p:extLst>
-  </p:cSld>
-  <p:clrMapOvr>
-    <a:masterClrMapping/>
-  </p:clrMapOvr>
-  <mc:AlternateContent xmlns:mc="http://schemas.openxmlformats.org/markup-compatibility/2006" xmlns:p14="http://schemas.microsoft.com/office/powerpoint/2010/main">
-    <mc:Choice Requires="p14">
-      <p:transition spd="med" p14:dur="700">
-        <p:fade/>
-      </p:transition>
-    </mc:Choice>
-    <mc:Fallback xmlns="">
-      <p:transition spd="med">
-        <p:fade/>
-      </p:transition>
-    </mc:Fallback>
-  </mc:AlternateContent>
-</p:sld>
-</file>
-
-<file path=ppt/slides/slide9.xml><?xml version="1.0" encoding="utf-8"?>
-<p:sld xmlns:a="http://schemas.openxmlformats.org/drawingml/2006/main" xmlns:r="http://schemas.openxmlformats.org/officeDocument/2006/relationships" xmlns:p="http://schemas.openxmlformats.org/presentationml/2006/main">
-  <p:cSld>
-    <p:spTree>
-      <p:nvGrpSpPr>
-        <p:cNvPr id="1" name=""/>
-        <p:cNvGrpSpPr/>
-        <p:nvPr/>
-      </p:nvGrpSpPr>
-      <p:grpSpPr>
-        <a:xfrm>
-          <a:off x="0" y="0"/>
-          <a:ext cx="0" cy="0"/>
-          <a:chOff x="0" y="0"/>
-          <a:chExt cx="0" cy="0"/>
-        </a:xfrm>
-      </p:grpSpPr>
-      <p:sp>
-        <p:nvSpPr>
-          <p:cNvPr id="2" name="Title 1"/>
-          <p:cNvSpPr>
-            <a:spLocks noGrp="1"/>
-          </p:cNvSpPr>
-          <p:nvPr>
-            <p:ph type="title"/>
-          </p:nvPr>
-        </p:nvSpPr>
-        <p:spPr/>
-        <p:txBody>
-          <a:bodyPr/>
-          <a:lstStyle/>
-          <a:p>
-            <a:r>
-              <a:rPr lang="en-US" dirty="0"/>
-              <a:t>Add a Slide Title - 1</a:t>
-            </a:r>
-          </a:p>
-        </p:txBody>
-      </p:sp>
-      <p:sp>
-        <p:nvSpPr>
-          <p:cNvPr id="3" name="Text Placeholder 2"/>
-          <p:cNvSpPr>
-            <a:spLocks noGrp="1"/>
-          </p:cNvSpPr>
-          <p:nvPr>
-            <p:ph type="body" idx="1"/>
-          </p:nvPr>
-        </p:nvSpPr>
-        <p:spPr/>
-        <p:txBody>
-          <a:bodyPr/>
-          <a:lstStyle/>
-          <a:p>
-            <a:endParaRPr lang="en-US" dirty="0"/>
-          </a:p>
-        </p:txBody>
-      </p:sp>
-    </p:spTree>
-    <p:extLst>
-      <p:ext uri="{BB962C8B-B14F-4D97-AF65-F5344CB8AC3E}">
-        <p14:creationId xmlns:p14="http://schemas.microsoft.com/office/powerpoint/2010/main" val="1997697987"/>
-      </p:ext>
-    </p:extLst>
-  </p:cSld>
-  <p:clrMapOvr>
-    <a:masterClrMapping/>
-  </p:clrMapOvr>
-  <mc:AlternateContent xmlns:mc="http://schemas.openxmlformats.org/markup-compatibility/2006" xmlns:p14="http://schemas.microsoft.com/office/powerpoint/2010/main">
-    <mc:Choice Requires="p14">
-      <p:transition spd="med" p14:dur="700">
-        <p:fade/>
-      </p:transition>
-    </mc:Choice>
-    <mc:Fallback xmlns="">
-      <p:transition spd="med">
-        <p:fade/>
-      </p:transition>
-    </mc:Fallback>
-  </mc:AlternateContent>
+  <p:timing>
+    <p:tnLst>
+      <p:par>
+        <p:cTn id="1" dur="indefinite" restart="never" nodeType="tmRoot"/>
+      </p:par>
+    </p:tnLst>
+  </p:timing>
 </p:sld>
 </file>
 

--- a/report.pptx
+++ b/report.pptx
@@ -18,9 +18,9 @@
     <p:sldId id="283" r:id="rId6"/>
     <p:sldId id="284" r:id="rId7"/>
     <p:sldId id="286" r:id="rId8"/>
-    <p:sldId id="287" r:id="rId9"/>
-    <p:sldId id="288" r:id="rId10"/>
-    <p:sldId id="266" r:id="rId11"/>
+    <p:sldId id="288" r:id="rId9"/>
+    <p:sldId id="289" r:id="rId10"/>
+    <p:sldId id="287" r:id="rId11"/>
     <p:sldId id="274" r:id="rId12"/>
   </p:sldIdLst>
   <p:sldSz cx="12188825" cy="6858000"/>
@@ -174,22 +174,42 @@
           <a:lstStyle/>
           <a:p>
             <a:pPr>
-              <a:defRPr sz="2128" b="1" i="0" u="none" strike="noStrike" kern="1200" cap="none" spc="0" normalizeH="0" baseline="0">
+              <a:defRPr sz="2128" b="1" i="0" u="none" strike="noStrike" kern="1200" spc="100" baseline="0">
                 <a:solidFill>
-                  <a:schemeClr val="dk1">
-                    <a:lumMod val="50000"/>
-                    <a:lumOff val="50000"/>
+                  <a:schemeClr val="lt1">
+                    <a:lumMod val="95000"/>
                   </a:schemeClr>
                 </a:solidFill>
-                <a:latin typeface="+mj-lt"/>
-                <a:ea typeface="+mj-ea"/>
-                <a:cs typeface="+mj-cs"/>
+                <a:effectLst>
+                  <a:outerShdw blurRad="50800" dist="38100" dir="5400000" algn="t" rotWithShape="0">
+                    <a:prstClr val="black">
+                      <a:alpha val="40000"/>
+                    </a:prstClr>
+                  </a:outerShdw>
+                </a:effectLst>
+                <a:latin typeface="+mn-lt"/>
+                <a:ea typeface="+mn-ea"/>
+                <a:cs typeface="+mn-cs"/>
               </a:defRPr>
             </a:pPr>
             <a:r>
-              <a:rPr lang="en-US"/>
-              <a:t>accuracy_score: Đánh giá tỉ lệ </a:t>
-            </a:r>
+              <a:rPr lang="en-US" dirty="0" smtClean="0">
+                <a:latin typeface="Times New Roman" panose="02020603050405020304" pitchFamily="18" charset="0"/>
+                <a:cs typeface="Times New Roman" panose="02020603050405020304" pitchFamily="18" charset="0"/>
+              </a:rPr>
+              <a:t>Accuracy:</a:t>
+            </a:r>
+            <a:r>
+              <a:rPr lang="en-US" baseline="0" dirty="0" smtClean="0">
+                <a:latin typeface="Times New Roman" panose="02020603050405020304" pitchFamily="18" charset="0"/>
+                <a:cs typeface="Times New Roman" panose="02020603050405020304" pitchFamily="18" charset="0"/>
+              </a:rPr>
+              <a:t>  Đánh giá độ chính xác</a:t>
+            </a:r>
+            <a:endParaRPr lang="en-US" dirty="0">
+              <a:latin typeface="Times New Roman" panose="02020603050405020304" pitchFamily="18" charset="0"/>
+              <a:cs typeface="Times New Roman" panose="02020603050405020304" pitchFamily="18" charset="0"/>
+            </a:endParaRPr>
           </a:p>
         </c:rich>
       </c:tx>
@@ -207,16 +227,22 @@
         <a:lstStyle/>
         <a:p>
           <a:pPr>
-            <a:defRPr sz="2128" b="1" i="0" u="none" strike="noStrike" kern="1200" cap="none" spc="0" normalizeH="0" baseline="0">
+            <a:defRPr sz="2128" b="1" i="0" u="none" strike="noStrike" kern="1200" spc="100" baseline="0">
               <a:solidFill>
-                <a:schemeClr val="dk1">
-                  <a:lumMod val="50000"/>
-                  <a:lumOff val="50000"/>
+                <a:schemeClr val="lt1">
+                  <a:lumMod val="95000"/>
                 </a:schemeClr>
               </a:solidFill>
-              <a:latin typeface="+mj-lt"/>
-              <a:ea typeface="+mj-ea"/>
-              <a:cs typeface="+mj-cs"/>
+              <a:effectLst>
+                <a:outerShdw blurRad="50800" dist="38100" dir="5400000" algn="t" rotWithShape="0">
+                  <a:prstClr val="black">
+                    <a:alpha val="40000"/>
+                  </a:prstClr>
+                </a:outerShdw>
+              </a:effectLst>
+              <a:latin typeface="+mn-lt"/>
+              <a:ea typeface="+mn-ea"/>
+              <a:cs typeface="+mn-cs"/>
             </a:defRPr>
           </a:pPr>
           <a:endParaRPr lang="en-US"/>
@@ -232,14 +258,31 @@
         <c:ser>
           <c:idx val="0"/>
           <c:order val="0"/>
+          <c:tx>
+            <c:strRef>
+              <c:f>'Sheet Name'!$B$1</c:f>
+              <c:strCache>
+                <c:ptCount val="1"/>
+                <c:pt idx="0">
+                  <c:v>Decision Tree</c:v>
+                </c:pt>
+              </c:strCache>
+            </c:strRef>
+          </c:tx>
           <c:spPr>
-            <a:ln w="22225" cap="rnd">
+            <a:ln w="34925" cap="rnd">
               <a:solidFill>
                 <a:schemeClr val="accent1"/>
               </a:solidFill>
               <a:round/>
             </a:ln>
-            <a:effectLst/>
+            <a:effectLst>
+              <a:outerShdw blurRad="57150" dist="19050" dir="5400000" algn="ctr" rotWithShape="0">
+                <a:srgbClr val="000000">
+                  <a:alpha val="63000"/>
+                </a:srgbClr>
+              </a:outerShdw>
+            </a:effectLst>
           </c:spPr>
           <c:marker>
             <c:symbol val="none"/>
@@ -553,7 +596,7 @@
           <c:smooth val="0"/>
           <c:extLst>
             <c:ext xmlns:c16="http://schemas.microsoft.com/office/drawing/2014/chart" uri="{C3380CC4-5D6E-409C-BE32-E72D297353CC}">
-              <c16:uniqueId val="{00000000-FF93-4C62-93C4-CEEEA74D5719}"/>
+              <c16:uniqueId val="{00000000-5E4C-4072-AEB9-874C4747D86C}"/>
             </c:ext>
           </c:extLst>
         </c:ser>
@@ -561,16 +604,30 @@
           <c:idx val="1"/>
           <c:order val="1"/>
           <c:tx>
-            <c:v>Decision Tree</c:v>
+            <c:strRef>
+              <c:f>'Sheet Name'!$C$1</c:f>
+              <c:strCache>
+                <c:ptCount val="1"/>
+                <c:pt idx="0">
+                  <c:v>Perceptron</c:v>
+                </c:pt>
+              </c:strCache>
+            </c:strRef>
           </c:tx>
           <c:spPr>
-            <a:ln w="22225" cap="rnd">
+            <a:ln w="34925" cap="rnd">
               <a:solidFill>
                 <a:schemeClr val="accent2"/>
               </a:solidFill>
               <a:round/>
             </a:ln>
-            <a:effectLst/>
+            <a:effectLst>
+              <a:outerShdw blurRad="57150" dist="19050" dir="5400000" algn="ctr" rotWithShape="0">
+                <a:srgbClr val="000000">
+                  <a:alpha val="63000"/>
+                </a:srgbClr>
+              </a:outerShdw>
+            </a:effectLst>
           </c:spPr>
           <c:marker>
             <c:symbol val="none"/>
@@ -884,21 +941,38 @@
           <c:smooth val="0"/>
           <c:extLst>
             <c:ext xmlns:c16="http://schemas.microsoft.com/office/drawing/2014/chart" uri="{C3380CC4-5D6E-409C-BE32-E72D297353CC}">
-              <c16:uniqueId val="{00000001-FF93-4C62-93C4-CEEEA74D5719}"/>
+              <c16:uniqueId val="{00000001-5E4C-4072-AEB9-874C4747D86C}"/>
             </c:ext>
           </c:extLst>
         </c:ser>
         <c:ser>
           <c:idx val="2"/>
           <c:order val="2"/>
+          <c:tx>
+            <c:strRef>
+              <c:f>'Sheet Name'!$D$1</c:f>
+              <c:strCache>
+                <c:ptCount val="1"/>
+                <c:pt idx="0">
+                  <c:v>Bayes</c:v>
+                </c:pt>
+              </c:strCache>
+            </c:strRef>
+          </c:tx>
           <c:spPr>
-            <a:ln w="22225" cap="rnd">
+            <a:ln w="34925" cap="rnd">
               <a:solidFill>
                 <a:schemeClr val="accent3"/>
               </a:solidFill>
               <a:round/>
             </a:ln>
-            <a:effectLst/>
+            <a:effectLst>
+              <a:outerShdw blurRad="57150" dist="19050" dir="5400000" algn="ctr" rotWithShape="0">
+                <a:srgbClr val="000000">
+                  <a:alpha val="63000"/>
+                </a:srgbClr>
+              </a:outerShdw>
+            </a:effectLst>
           </c:spPr>
           <c:marker>
             <c:symbol val="none"/>
@@ -1212,7 +1286,7 @@
           <c:smooth val="0"/>
           <c:extLst>
             <c:ext xmlns:c16="http://schemas.microsoft.com/office/drawing/2014/chart" uri="{C3380CC4-5D6E-409C-BE32-E72D297353CC}">
-              <c16:uniqueId val="{00000002-FF93-4C62-93C4-CEEEA74D5719}"/>
+              <c16:uniqueId val="{00000002-5E4C-4072-AEB9-874C4747D86C}"/>
             </c:ext>
           </c:extLst>
         </c:ser>
@@ -1225,46 +1299,16 @@
           <c:showBubbleSize val="0"/>
         </c:dLbls>
         <c:smooth val="0"/>
-        <c:axId val="890366687"/>
-        <c:axId val="890352127"/>
+        <c:axId val="465040415"/>
+        <c:axId val="465036671"/>
       </c:lineChart>
       <c:catAx>
-        <c:axId val="890366687"/>
+        <c:axId val="465040415"/>
         <c:scaling>
           <c:orientation val="minMax"/>
         </c:scaling>
         <c:delete val="0"/>
         <c:axPos val="b"/>
-        <c:majorGridlines>
-          <c:spPr>
-            <a:ln w="9525" cap="flat" cmpd="sng" algn="ctr">
-              <a:solidFill>
-                <a:schemeClr val="dk1">
-                  <a:lumMod val="15000"/>
-                  <a:lumOff val="85000"/>
-                  <a:alpha val="54000"/>
-                </a:schemeClr>
-              </a:solidFill>
-              <a:round/>
-            </a:ln>
-            <a:effectLst/>
-          </c:spPr>
-        </c:majorGridlines>
-        <c:minorGridlines>
-          <c:spPr>
-            <a:ln w="9525" cap="flat" cmpd="sng" algn="ctr">
-              <a:solidFill>
-                <a:schemeClr val="dk1">
-                  <a:lumMod val="15000"/>
-                  <a:lumOff val="85000"/>
-                  <a:alpha val="51000"/>
-                </a:schemeClr>
-              </a:solidFill>
-              <a:round/>
-            </a:ln>
-            <a:effectLst/>
-          </c:spPr>
-        </c:minorGridlines>
         <c:majorTickMark val="none"/>
         <c:minorTickMark val="none"/>
         <c:tickLblPos val="nextTo"/>
@@ -1272,9 +1316,9 @@
           <a:noFill/>
           <a:ln w="9525" cap="flat" cmpd="sng" algn="ctr">
             <a:solidFill>
-              <a:schemeClr val="dk1">
-                <a:lumMod val="15000"/>
-                <a:lumOff val="85000"/>
+              <a:schemeClr val="lt1">
+                <a:lumMod val="95000"/>
+                <a:alpha val="10000"/>
               </a:schemeClr>
             </a:solidFill>
             <a:round/>
@@ -1286,11 +1330,10 @@
           <a:lstStyle/>
           <a:p>
             <a:pPr>
-              <a:defRPr sz="1197" b="0" i="0" u="none" strike="noStrike" kern="1200" cap="none" spc="0" normalizeH="0" baseline="0">
+              <a:defRPr sz="1197" b="0" i="0" u="none" strike="noStrike" kern="1200" baseline="0">
                 <a:solidFill>
-                  <a:schemeClr val="dk1">
-                    <a:lumMod val="65000"/>
-                    <a:lumOff val="35000"/>
+                  <a:schemeClr val="lt1">
+                    <a:lumMod val="85000"/>
                   </a:schemeClr>
                 </a:solidFill>
                 <a:latin typeface="+mn-lt"/>
@@ -1301,7 +1344,7 @@
             <a:endParaRPr lang="en-US"/>
           </a:p>
         </c:txPr>
-        <c:crossAx val="890352127"/>
+        <c:crossAx val="465036671"/>
         <c:crosses val="autoZero"/>
         <c:auto val="1"/>
         <c:lblAlgn val="ctr"/>
@@ -1309,7 +1352,7 @@
         <c:noMultiLvlLbl val="0"/>
       </c:catAx>
       <c:valAx>
-        <c:axId val="890352127"/>
+        <c:axId val="465036671"/>
         <c:scaling>
           <c:orientation val="minMax"/>
         </c:scaling>
@@ -1319,10 +1362,9 @@
           <c:spPr>
             <a:ln w="9525" cap="flat" cmpd="sng" algn="ctr">
               <a:solidFill>
-                <a:schemeClr val="dk1">
-                  <a:lumMod val="15000"/>
-                  <a:lumOff val="85000"/>
-                  <a:alpha val="54000"/>
+                <a:schemeClr val="lt1">
+                  <a:lumMod val="95000"/>
+                  <a:alpha val="10000"/>
                 </a:schemeClr>
               </a:solidFill>
               <a:round/>
@@ -1348,9 +1390,8 @@
             <a:pPr>
               <a:defRPr sz="1197" b="0" i="0" u="none" strike="noStrike" kern="1200" baseline="0">
                 <a:solidFill>
-                  <a:schemeClr val="dk1">
-                    <a:lumMod val="65000"/>
-                    <a:lumOff val="35000"/>
+                  <a:schemeClr val="lt1">
+                    <a:lumMod val="85000"/>
                   </a:schemeClr>
                 </a:solidFill>
                 <a:latin typeface="+mn-lt"/>
@@ -1361,22 +1402,12 @@
             <a:endParaRPr lang="en-US"/>
           </a:p>
         </c:txPr>
-        <c:crossAx val="890366687"/>
+        <c:crossAx val="465040415"/>
         <c:crosses val="autoZero"/>
         <c:crossBetween val="between"/>
       </c:valAx>
       <c:spPr>
-        <a:pattFill prst="ltDnDiag">
-          <a:fgClr>
-            <a:schemeClr val="dk1">
-              <a:lumMod val="15000"/>
-              <a:lumOff val="85000"/>
-            </a:schemeClr>
-          </a:fgClr>
-          <a:bgClr>
-            <a:schemeClr val="lt1"/>
-          </a:bgClr>
-        </a:pattFill>
+        <a:noFill/>
         <a:ln>
           <a:noFill/>
         </a:ln>
@@ -1401,9 +1432,8 @@
           <a:pPr>
             <a:defRPr sz="1197" b="0" i="0" u="none" strike="noStrike" kern="1200" baseline="0">
               <a:solidFill>
-                <a:schemeClr val="dk1">
-                  <a:lumMod val="65000"/>
-                  <a:lumOff val="35000"/>
+                <a:schemeClr val="lt1">
+                  <a:lumMod val="85000"/>
                 </a:schemeClr>
               </a:solidFill>
               <a:latin typeface="+mn-lt"/>
@@ -1420,17 +1450,28 @@
     <c:showDLblsOverMax val="0"/>
   </c:chart>
   <c:spPr>
-    <a:solidFill>
-      <a:schemeClr val="lt1"/>
-    </a:solidFill>
-    <a:ln w="9525" cap="flat" cmpd="sng" algn="ctr">
-      <a:solidFill>
-        <a:schemeClr val="dk1">
-          <a:lumMod val="15000"/>
-          <a:lumOff val="85000"/>
-        </a:schemeClr>
-      </a:solidFill>
-      <a:round/>
+    <a:gradFill flip="none" rotWithShape="1">
+      <a:gsLst>
+        <a:gs pos="0">
+          <a:schemeClr val="dk1">
+            <a:lumMod val="65000"/>
+            <a:lumOff val="35000"/>
+          </a:schemeClr>
+        </a:gs>
+        <a:gs pos="100000">
+          <a:schemeClr val="dk1">
+            <a:lumMod val="85000"/>
+            <a:lumOff val="15000"/>
+          </a:schemeClr>
+        </a:gs>
+      </a:gsLst>
+      <a:path path="circle">
+        <a:fillToRect l="50000" t="50000" r="50000" b="50000"/>
+      </a:path>
+      <a:tileRect/>
+    </a:gradFill>
+    <a:ln>
+      <a:noFill/>
     </a:ln>
     <a:effectLst/>
   </c:spPr>
@@ -1491,41 +1532,39 @@
 </file>
 
 <file path=ppt/charts/style1.xml><?xml version="1.0" encoding="utf-8"?>
-<cs:chartStyle xmlns:cs="http://schemas.microsoft.com/office/drawing/2012/chartStyle" xmlns:a="http://schemas.openxmlformats.org/drawingml/2006/main" id="232">
+<cs:chartStyle xmlns:cs="http://schemas.microsoft.com/office/drawing/2012/chartStyle" xmlns:a="http://schemas.openxmlformats.org/drawingml/2006/main" id="233">
   <cs:axisTitle>
     <cs:lnRef idx="0"/>
     <cs:fillRef idx="0"/>
     <cs:effectRef idx="0"/>
     <cs:fontRef idx="minor">
-      <a:schemeClr val="dk1">
-        <a:lumMod val="65000"/>
-        <a:lumOff val="35000"/>
+      <a:schemeClr val="lt1">
+        <a:lumMod val="85000"/>
       </a:schemeClr>
     </cs:fontRef>
-    <cs:defRPr sz="1197" b="1" kern="1200"/>
+    <cs:defRPr sz="1197" b="1" kern="1200" cap="all"/>
   </cs:axisTitle>
   <cs:categoryAxis>
     <cs:lnRef idx="0"/>
     <cs:fillRef idx="0"/>
     <cs:effectRef idx="0"/>
     <cs:fontRef idx="minor">
-      <a:schemeClr val="dk1">
-        <a:lumMod val="65000"/>
-        <a:lumOff val="35000"/>
+      <a:schemeClr val="lt1">
+        <a:lumMod val="85000"/>
       </a:schemeClr>
     </cs:fontRef>
     <cs:spPr>
       <a:ln w="9525" cap="flat" cmpd="sng" algn="ctr">
         <a:solidFill>
-          <a:schemeClr val="dk1">
-            <a:lumMod val="15000"/>
-            <a:lumOff val="85000"/>
+          <a:schemeClr val="lt1">
+            <a:lumMod val="95000"/>
+            <a:alpha val="10000"/>
           </a:schemeClr>
         </a:solidFill>
         <a:round/>
       </a:ln>
     </cs:spPr>
-    <cs:defRPr sz="1197" kern="1200" cap="none" spc="0" normalizeH="0" baseline="0"/>
+    <cs:defRPr sz="1197" kern="1200"/>
   </cs:categoryAxis>
   <cs:chartArea>
     <cs:lnRef idx="0"/>
@@ -1535,29 +1574,36 @@
       <a:schemeClr val="dk1"/>
     </cs:fontRef>
     <cs:spPr>
-      <a:solidFill>
-        <a:schemeClr val="lt1"/>
-      </a:solidFill>
-      <a:ln w="9525" cap="flat" cmpd="sng" algn="ctr">
-        <a:solidFill>
-          <a:schemeClr val="dk1">
-            <a:lumMod val="15000"/>
-            <a:lumOff val="85000"/>
-          </a:schemeClr>
-        </a:solidFill>
-        <a:round/>
-      </a:ln>
+      <a:gradFill flip="none" rotWithShape="1">
+        <a:gsLst>
+          <a:gs pos="0">
+            <a:schemeClr val="dk1">
+              <a:lumMod val="65000"/>
+              <a:lumOff val="35000"/>
+            </a:schemeClr>
+          </a:gs>
+          <a:gs pos="100000">
+            <a:schemeClr val="dk1">
+              <a:lumMod val="85000"/>
+              <a:lumOff val="15000"/>
+            </a:schemeClr>
+          </a:gs>
+        </a:gsLst>
+        <a:path path="circle">
+          <a:fillToRect l="50000" t="50000" r="50000" b="50000"/>
+        </a:path>
+        <a:tileRect/>
+      </a:gradFill>
     </cs:spPr>
-    <cs:defRPr sz="1197" kern="1200"/>
+    <cs:defRPr sz="1330" kern="1200"/>
   </cs:chartArea>
   <cs:dataLabel>
     <cs:lnRef idx="0"/>
     <cs:fillRef idx="0"/>
     <cs:effectRef idx="0"/>
     <cs:fontRef idx="minor">
-      <a:schemeClr val="dk1">
-        <a:lumMod val="75000"/>
-        <a:lumOff val="25000"/>
+      <a:schemeClr val="lt1">
+        <a:lumMod val="85000"/>
       </a:schemeClr>
     </cs:fontRef>
     <cs:defRPr sz="1197" kern="1200"/>
@@ -1576,14 +1622,6 @@
       <a:solidFill>
         <a:schemeClr val="lt1"/>
       </a:solidFill>
-      <a:ln>
-        <a:solidFill>
-          <a:schemeClr val="dk1">
-            <a:lumMod val="25000"/>
-            <a:lumOff val="75000"/>
-          </a:schemeClr>
-        </a:solidFill>
-      </a:ln>
     </cs:spPr>
     <cs:defRPr sz="1197" kern="1200"/>
     <cs:bodyPr rot="0" spcFirstLastPara="1" vertOverflow="clip" horzOverflow="clip" vert="horz" wrap="square" lIns="36576" tIns="18288" rIns="36576" bIns="18288" anchor="ctr" anchorCtr="1">
@@ -1592,45 +1630,35 @@
   </cs:dataLabelCallout>
   <cs:dataPoint>
     <cs:lnRef idx="0"/>
-    <cs:fillRef idx="0">
+    <cs:fillRef idx="3">
       <cs:styleClr val="auto"/>
     </cs:fillRef>
-    <cs:effectRef idx="0"/>
+    <cs:effectRef idx="3"/>
     <cs:fontRef idx="minor">
-      <a:schemeClr val="dk1"/>
+      <a:schemeClr val="tx1"/>
     </cs:fontRef>
-    <cs:spPr>
-      <a:solidFill>
-        <a:schemeClr val="phClr"/>
-      </a:solidFill>
-    </cs:spPr>
   </cs:dataPoint>
   <cs:dataPoint3D>
     <cs:lnRef idx="0"/>
-    <cs:fillRef idx="0">
+    <cs:fillRef idx="3">
       <cs:styleClr val="auto"/>
     </cs:fillRef>
-    <cs:effectRef idx="0"/>
+    <cs:effectRef idx="3"/>
     <cs:fontRef idx="minor">
-      <a:schemeClr val="dk1"/>
+      <a:schemeClr val="tx1"/>
     </cs:fontRef>
-    <cs:spPr>
-      <a:solidFill>
-        <a:schemeClr val="phClr"/>
-      </a:solidFill>
-    </cs:spPr>
   </cs:dataPoint3D>
   <cs:dataPointLine>
     <cs:lnRef idx="0">
       <cs:styleClr val="auto"/>
     </cs:lnRef>
-    <cs:fillRef idx="0"/>
-    <cs:effectRef idx="0"/>
+    <cs:fillRef idx="3"/>
+    <cs:effectRef idx="3"/>
     <cs:fontRef idx="minor">
-      <a:schemeClr val="dk1"/>
+      <a:schemeClr val="tx1"/>
     </cs:fontRef>
     <cs:spPr>
-      <a:ln w="22225" cap="rnd">
+      <a:ln w="34925" cap="rnd">
         <a:solidFill>
           <a:schemeClr val="phClr"/>
         </a:solidFill>
@@ -1642,18 +1670,15 @@
     <cs:lnRef idx="0">
       <cs:styleClr val="auto"/>
     </cs:lnRef>
-    <cs:fillRef idx="0">
+    <cs:fillRef idx="3">
       <cs:styleClr val="auto"/>
     </cs:fillRef>
-    <cs:effectRef idx="0"/>
+    <cs:effectRef idx="3"/>
     <cs:fontRef idx="minor">
-      <a:schemeClr val="dk1"/>
+      <a:schemeClr val="tx1"/>
     </cs:fontRef>
     <cs:spPr>
-      <a:solidFill>
-        <a:schemeClr val="lt1"/>
-      </a:solidFill>
-      <a:ln w="15875">
+      <a:ln w="9525">
         <a:solidFill>
           <a:schemeClr val="phClr"/>
         </a:solidFill>
@@ -1666,10 +1691,10 @@
     <cs:lnRef idx="0">
       <cs:styleClr val="auto"/>
     </cs:lnRef>
-    <cs:fillRef idx="0"/>
-    <cs:effectRef idx="0"/>
+    <cs:fillRef idx="3"/>
+    <cs:effectRef idx="3"/>
     <cs:fontRef idx="minor">
-      <a:schemeClr val="dk1"/>
+      <a:schemeClr val="tx1"/>
     </cs:fontRef>
     <cs:spPr>
       <a:ln w="9525" cap="rnd">
@@ -1685,30 +1710,28 @@
     <cs:fillRef idx="0"/>
     <cs:effectRef idx="0"/>
     <cs:fontRef idx="minor">
-      <a:schemeClr val="dk1">
-        <a:lumMod val="65000"/>
-        <a:lumOff val="35000"/>
+      <a:schemeClr val="lt1">
+        <a:lumMod val="85000"/>
       </a:schemeClr>
     </cs:fontRef>
     <cs:spPr>
-      <a:ln w="9525" cap="flat" cmpd="sng" algn="ctr">
+      <a:ln w="9525">
         <a:solidFill>
-          <a:schemeClr val="dk1">
-            <a:lumMod val="15000"/>
-            <a:lumOff val="85000"/>
+          <a:schemeClr val="lt1">
+            <a:lumMod val="95000"/>
+            <a:alpha val="54000"/>
           </a:schemeClr>
         </a:solidFill>
-        <a:round/>
       </a:ln>
     </cs:spPr>
-    <cs:defRPr sz="1064" kern="1200"/>
+    <cs:defRPr sz="1197" kern="1200"/>
   </cs:dataTable>
   <cs:downBar>
     <cs:lnRef idx="0"/>
     <cs:fillRef idx="0"/>
     <cs:effectRef idx="0"/>
     <cs:fontRef idx="minor">
-      <a:schemeClr val="dk1"/>
+      <a:schemeClr val="tx1"/>
     </cs:fontRef>
     <cs:spPr>
       <a:solidFill>
@@ -1717,14 +1740,13 @@
           <a:lumOff val="25000"/>
         </a:schemeClr>
       </a:solidFill>
-      <a:ln w="9525" cap="flat" cmpd="sng" algn="ctr">
+      <a:ln w="9525">
         <a:solidFill>
-          <a:schemeClr val="dk1">
-            <a:lumMod val="50000"/>
-            <a:lumOff val="50000"/>
+          <a:schemeClr val="lt1">
+            <a:lumMod val="95000"/>
+            <a:alpha val="54000"/>
           </a:schemeClr>
         </a:solidFill>
-        <a:round/>
       </a:ln>
     </cs:spPr>
   </cs:downBar>
@@ -1733,17 +1755,17 @@
     <cs:fillRef idx="0"/>
     <cs:effectRef idx="0"/>
     <cs:fontRef idx="minor">
-      <a:schemeClr val="dk1"/>
+      <a:schemeClr val="tx1"/>
     </cs:fontRef>
     <cs:spPr>
-      <a:ln w="9525" cap="flat" cmpd="sng" algn="ctr">
+      <a:ln w="9525">
         <a:solidFill>
-          <a:schemeClr val="dk1">
-            <a:lumMod val="35000"/>
-            <a:lumOff val="65000"/>
+          <a:schemeClr val="lt1">
+            <a:lumMod val="95000"/>
+            <a:alpha val="54000"/>
           </a:schemeClr>
         </a:solidFill>
-        <a:round/>
+        <a:prstDash val="dash"/>
       </a:ln>
     </cs:spPr>
   </cs:dropLine>
@@ -1752,14 +1774,13 @@
     <cs:fillRef idx="0"/>
     <cs:effectRef idx="0"/>
     <cs:fontRef idx="minor">
-      <a:schemeClr val="dk1"/>
+      <a:schemeClr val="tx1"/>
     </cs:fontRef>
     <cs:spPr>
       <a:ln w="9525" cap="flat" cmpd="sng" algn="ctr">
         <a:solidFill>
-          <a:schemeClr val="dk1">
-            <a:lumMod val="50000"/>
-            <a:lumOff val="50000"/>
+          <a:schemeClr val="lt1">
+            <a:lumMod val="95000"/>
           </a:schemeClr>
         </a:solidFill>
         <a:round/>
@@ -1771,36 +1792,22 @@
     <cs:fillRef idx="0"/>
     <cs:effectRef idx="0"/>
     <cs:fontRef idx="minor">
-      <a:schemeClr val="dk1"/>
+      <a:schemeClr val="tx1"/>
     </cs:fontRef>
-    <cs:spPr>
-      <a:pattFill prst="ltDnDiag">
-        <a:fgClr>
-          <a:schemeClr val="dk1">
-            <a:lumMod val="15000"/>
-            <a:lumOff val="85000"/>
-          </a:schemeClr>
-        </a:fgClr>
-        <a:bgClr>
-          <a:schemeClr val="lt1"/>
-        </a:bgClr>
-      </a:pattFill>
-    </cs:spPr>
   </cs:floor>
   <cs:gridlineMajor>
     <cs:lnRef idx="0"/>
     <cs:fillRef idx="0"/>
     <cs:effectRef idx="0"/>
     <cs:fontRef idx="minor">
-      <a:schemeClr val="dk1"/>
+      <a:schemeClr val="tx1"/>
     </cs:fontRef>
     <cs:spPr>
       <a:ln w="9525" cap="flat" cmpd="sng" algn="ctr">
         <a:solidFill>
-          <a:schemeClr val="dk1">
-            <a:lumMod val="15000"/>
-            <a:lumOff val="85000"/>
-            <a:alpha val="54000"/>
+          <a:schemeClr val="lt1">
+            <a:lumMod val="95000"/>
+            <a:alpha val="10000"/>
           </a:schemeClr>
         </a:solidFill>
         <a:round/>
@@ -1812,18 +1819,16 @@
     <cs:fillRef idx="0"/>
     <cs:effectRef idx="0"/>
     <cs:fontRef idx="minor">
-      <a:schemeClr val="dk1"/>
+      <a:schemeClr val="tx1"/>
     </cs:fontRef>
     <cs:spPr>
-      <a:ln w="9525" cap="flat" cmpd="sng" algn="ctr">
+      <a:ln>
         <a:solidFill>
-          <a:schemeClr val="dk1">
-            <a:lumMod val="15000"/>
-            <a:lumOff val="85000"/>
-            <a:alpha val="51000"/>
+          <a:schemeClr val="lt1">
+            <a:lumMod val="95000"/>
+            <a:alpha val="5000"/>
           </a:schemeClr>
         </a:solidFill>
-        <a:round/>
       </a:ln>
     </cs:spPr>
   </cs:gridlineMinor>
@@ -1832,17 +1837,17 @@
     <cs:fillRef idx="0"/>
     <cs:effectRef idx="0"/>
     <cs:fontRef idx="minor">
-      <a:schemeClr val="dk1"/>
+      <a:schemeClr val="tx1"/>
     </cs:fontRef>
     <cs:spPr>
-      <a:ln w="9525" cap="flat" cmpd="sng" algn="ctr">
+      <a:ln w="9525">
         <a:solidFill>
-          <a:schemeClr val="dk1">
-            <a:lumMod val="35000"/>
-            <a:lumOff val="65000"/>
+          <a:schemeClr val="lt1">
+            <a:lumMod val="95000"/>
+            <a:alpha val="54000"/>
           </a:schemeClr>
         </a:solidFill>
-        <a:round/>
+        <a:prstDash val="dash"/>
       </a:ln>
     </cs:spPr>
   </cs:hiLoLine>
@@ -1851,17 +1856,16 @@
     <cs:fillRef idx="0"/>
     <cs:effectRef idx="0"/>
     <cs:fontRef idx="minor">
-      <a:schemeClr val="dk1"/>
+      <a:schemeClr val="tx1"/>
     </cs:fontRef>
     <cs:spPr>
-      <a:ln w="9525" cap="flat" cmpd="sng" algn="ctr">
+      <a:ln w="9525">
         <a:solidFill>
-          <a:schemeClr val="dk1">
-            <a:lumMod val="35000"/>
-            <a:lumOff val="65000"/>
+          <a:schemeClr val="lt1">
+            <a:lumMod val="95000"/>
+            <a:alpha val="54000"/>
           </a:schemeClr>
         </a:solidFill>
-        <a:round/>
       </a:ln>
     </cs:spPr>
   </cs:leaderLine>
@@ -1870,9 +1874,8 @@
     <cs:fillRef idx="0"/>
     <cs:effectRef idx="0"/>
     <cs:fontRef idx="minor">
-      <a:schemeClr val="dk1">
-        <a:lumMod val="65000"/>
-        <a:lumOff val="35000"/>
+      <a:schemeClr val="lt1">
+        <a:lumMod val="85000"/>
       </a:schemeClr>
     </cs:fontRef>
     <cs:defRPr sz="1197" kern="1200"/>
@@ -1882,45 +1885,37 @@
     <cs:fillRef idx="0"/>
     <cs:effectRef idx="0"/>
     <cs:fontRef idx="minor">
-      <a:schemeClr val="dk1"/>
+      <a:schemeClr val="tx1"/>
     </cs:fontRef>
-    <cs:spPr>
-      <a:pattFill prst="ltDnDiag">
-        <a:fgClr>
-          <a:schemeClr val="dk1">
-            <a:lumMod val="15000"/>
-            <a:lumOff val="85000"/>
-          </a:schemeClr>
-        </a:fgClr>
-        <a:bgClr>
-          <a:schemeClr val="lt1"/>
-        </a:bgClr>
-      </a:pattFill>
-    </cs:spPr>
   </cs:plotArea>
   <cs:plotArea3D>
     <cs:lnRef idx="0"/>
     <cs:fillRef idx="0"/>
     <cs:effectRef idx="0"/>
     <cs:fontRef idx="minor">
-      <a:schemeClr val="dk1"/>
+      <a:schemeClr val="tx1"/>
     </cs:fontRef>
-    <cs:spPr>
-      <a:solidFill>
-        <a:schemeClr val="lt1"/>
-      </a:solidFill>
-    </cs:spPr>
   </cs:plotArea3D>
   <cs:seriesAxis>
     <cs:lnRef idx="0"/>
     <cs:fillRef idx="0"/>
     <cs:effectRef idx="0"/>
     <cs:fontRef idx="minor">
-      <a:schemeClr val="dk1">
-        <a:lumMod val="65000"/>
-        <a:lumOff val="35000"/>
+      <a:schemeClr val="lt1">
+        <a:lumMod val="85000"/>
       </a:schemeClr>
     </cs:fontRef>
+    <cs:spPr>
+      <a:ln w="12700" cap="flat" cmpd="sng" algn="ctr">
+        <a:solidFill>
+          <a:schemeClr val="lt1">
+            <a:lumMod val="95000"/>
+            <a:alpha val="54000"/>
+          </a:schemeClr>
+        </a:solidFill>
+        <a:round/>
+      </a:ln>
+    </cs:spPr>
     <cs:defRPr sz="1197" kern="1200"/>
   </cs:seriesAxis>
   <cs:seriesLine>
@@ -1928,14 +1923,14 @@
     <cs:fillRef idx="0"/>
     <cs:effectRef idx="0"/>
     <cs:fontRef idx="minor">
-      <a:schemeClr val="dk1"/>
+      <a:schemeClr val="lt1"/>
     </cs:fontRef>
     <cs:spPr>
       <a:ln w="9525" cap="flat" cmpd="sng" algn="ctr">
         <a:solidFill>
-          <a:schemeClr val="dk1">
-            <a:lumMod val="35000"/>
-            <a:lumOff val="65000"/>
+          <a:schemeClr val="lt1">
+            <a:lumMod val="95000"/>
+            <a:alpha val="54000"/>
           </a:schemeClr>
         </a:solidFill>
         <a:round/>
@@ -1946,13 +1941,20 @@
     <cs:lnRef idx="0"/>
     <cs:fillRef idx="0"/>
     <cs:effectRef idx="0"/>
-    <cs:fontRef idx="major">
-      <a:schemeClr val="dk1">
-        <a:lumMod val="50000"/>
-        <a:lumOff val="50000"/>
+    <cs:fontRef idx="minor">
+      <a:schemeClr val="lt1">
+        <a:lumMod val="95000"/>
       </a:schemeClr>
     </cs:fontRef>
-    <cs:defRPr sz="2128" b="1" kern="1200" cap="none" spc="0" normalizeH="0" baseline="0"/>
+    <cs:defRPr sz="2128" b="1" kern="1200" spc="100" baseline="0">
+      <a:effectLst>
+        <a:outerShdw blurRad="50800" dist="38100" dir="5400000" algn="t" rotWithShape="0">
+          <a:prstClr val="black">
+            <a:alpha val="40000"/>
+          </a:prstClr>
+        </a:outerShdw>
+      </a:effectLst>
+    </cs:defRPr>
   </cs:title>
   <cs:trendline>
     <cs:lnRef idx="0">
@@ -1961,7 +1963,7 @@
     <cs:fillRef idx="0"/>
     <cs:effectRef idx="0"/>
     <cs:fontRef idx="minor">
-      <a:schemeClr val="dk1"/>
+      <a:schemeClr val="tx1"/>
     </cs:fontRef>
     <cs:spPr>
       <a:ln w="19050" cap="rnd">
@@ -1976,9 +1978,8 @@
     <cs:fillRef idx="0"/>
     <cs:effectRef idx="0"/>
     <cs:fontRef idx="minor">
-      <a:schemeClr val="dk1">
-        <a:lumMod val="65000"/>
-        <a:lumOff val="35000"/>
+      <a:schemeClr val="lt1">
+        <a:lumMod val="85000"/>
       </a:schemeClr>
     </cs:fontRef>
     <cs:defRPr sz="1197" kern="1200"/>
@@ -1988,20 +1989,19 @@
     <cs:fillRef idx="0"/>
     <cs:effectRef idx="0"/>
     <cs:fontRef idx="minor">
-      <a:schemeClr val="dk1"/>
+      <a:schemeClr val="tx1"/>
     </cs:fontRef>
     <cs:spPr>
       <a:solidFill>
         <a:schemeClr val="lt1"/>
       </a:solidFill>
-      <a:ln w="9525" cap="flat" cmpd="sng" algn="ctr">
+      <a:ln w="9525">
         <a:solidFill>
-          <a:schemeClr val="dk1">
-            <a:lumMod val="50000"/>
-            <a:lumOff val="50000"/>
+          <a:schemeClr val="lt1">
+            <a:lumMod val="95000"/>
+            <a:alpha val="54000"/>
           </a:schemeClr>
         </a:solidFill>
-        <a:round/>
       </a:ln>
     </cs:spPr>
   </cs:upBar>
@@ -2010,9 +2010,8 @@
     <cs:fillRef idx="0"/>
     <cs:effectRef idx="0"/>
     <cs:fontRef idx="minor">
-      <a:schemeClr val="dk1">
-        <a:lumMod val="65000"/>
-        <a:lumOff val="35000"/>
+      <a:schemeClr val="lt1">
+        <a:lumMod val="85000"/>
       </a:schemeClr>
     </cs:fontRef>
     <cs:defRPr sz="1197" kern="1200"/>
@@ -2022,21 +2021,8 @@
     <cs:fillRef idx="0"/>
     <cs:effectRef idx="0"/>
     <cs:fontRef idx="minor">
-      <a:schemeClr val="dk1"/>
+      <a:schemeClr val="tx1"/>
     </cs:fontRef>
-    <cs:spPr>
-      <a:pattFill prst="ltDnDiag">
-        <a:fgClr>
-          <a:schemeClr val="dk1">
-            <a:lumMod val="15000"/>
-            <a:lumOff val="85000"/>
-          </a:schemeClr>
-        </a:fgClr>
-        <a:bgClr>
-          <a:schemeClr val="lt1"/>
-        </a:bgClr>
-      </a:pattFill>
-    </cs:spPr>
   </cs:wall>
 </cs:chartStyle>
 </file>
@@ -2131,7 +2117,7 @@
                   <a:schemeClr val="tx2"/>
                 </a:solidFill>
               </a:rPr>
-              <a:t>11/18/2019</a:t>
+              <a:t>11/19/2019</a:t>
             </a:fld>
             <a:endParaRPr>
               <a:solidFill>
@@ -2321,7 +2307,7 @@
             <a:fld id="{F95CF31C-F757-429C-A789-86504F04C3BE}" type="datetimeFigureOut">
               <a:rPr lang="en-US"/>
               <a:pPr/>
-              <a:t>11/18/2019</a:t>
+              <a:t>11/19/2019</a:t>
             </a:fld>
             <a:endParaRPr/>
           </a:p>
@@ -2385,35 +2371,30 @@
           <a:p>
             <a:pPr lvl="0"/>
             <a:r>
-              <a:rPr/>
               <a:t>Click to edit Master text styles</a:t>
             </a:r>
           </a:p>
           <a:p>
             <a:pPr lvl="1"/>
             <a:r>
-              <a:rPr/>
               <a:t>Second level</a:t>
             </a:r>
           </a:p>
           <a:p>
             <a:pPr lvl="2"/>
             <a:r>
-              <a:rPr/>
               <a:t>Third level</a:t>
             </a:r>
           </a:p>
           <a:p>
             <a:pPr lvl="3"/>
             <a:r>
-              <a:rPr/>
               <a:t>Fourth level</a:t>
             </a:r>
           </a:p>
           <a:p>
             <a:pPr lvl="4"/>
             <a:r>
-              <a:rPr/>
               <a:t>Fifth level</a:t>
             </a:r>
           </a:p>
@@ -2597,91 +2578,6 @@
 </p:notesMaster>
 </file>
 
-<file path=ppt/notesSlides/notesSlide1.xml><?xml version="1.0" encoding="utf-8"?>
-<p:notes xmlns:a="http://schemas.openxmlformats.org/drawingml/2006/main" xmlns:r="http://schemas.openxmlformats.org/officeDocument/2006/relationships" xmlns:p="http://schemas.openxmlformats.org/presentationml/2006/main">
-  <p:cSld>
-    <p:spTree>
-      <p:nvGrpSpPr>
-        <p:cNvPr id="1" name=""/>
-        <p:cNvGrpSpPr/>
-        <p:nvPr/>
-      </p:nvGrpSpPr>
-      <p:grpSpPr>
-        <a:xfrm>
-          <a:off x="0" y="0"/>
-          <a:ext cx="0" cy="0"/>
-          <a:chOff x="0" y="0"/>
-          <a:chExt cx="0" cy="0"/>
-        </a:xfrm>
-      </p:grpSpPr>
-      <p:sp>
-        <p:nvSpPr>
-          <p:cNvPr id="2" name="Slide Image Placeholder 1"/>
-          <p:cNvSpPr>
-            <a:spLocks noGrp="1" noRot="1" noChangeAspect="1"/>
-          </p:cNvSpPr>
-          <p:nvPr>
-            <p:ph type="sldImg"/>
-          </p:nvPr>
-        </p:nvSpPr>
-        <p:spPr/>
-      </p:sp>
-      <p:sp>
-        <p:nvSpPr>
-          <p:cNvPr id="3" name="Notes Placeholder 2"/>
-          <p:cNvSpPr>
-            <a:spLocks noGrp="1"/>
-          </p:cNvSpPr>
-          <p:nvPr>
-            <p:ph type="body" idx="1"/>
-          </p:nvPr>
-        </p:nvSpPr>
-        <p:spPr/>
-        <p:txBody>
-          <a:bodyPr/>
-          <a:lstStyle/>
-          <a:p>
-            <a:endParaRPr lang="en-US" dirty="0"/>
-          </a:p>
-        </p:txBody>
-      </p:sp>
-      <p:sp>
-        <p:nvSpPr>
-          <p:cNvPr id="4" name="Slide Number Placeholder 3"/>
-          <p:cNvSpPr>
-            <a:spLocks noGrp="1"/>
-          </p:cNvSpPr>
-          <p:nvPr>
-            <p:ph type="sldNum" sz="quarter" idx="10"/>
-          </p:nvPr>
-        </p:nvSpPr>
-        <p:spPr/>
-        <p:txBody>
-          <a:bodyPr/>
-          <a:lstStyle/>
-          <a:p>
-            <a:fld id="{B8796F01-7154-41E0-B48B-A6921757531A}" type="slidenum">
-              <a:rPr lang="en-US" smtClean="0"/>
-              <a:pPr/>
-              <a:t>10</a:t>
-            </a:fld>
-            <a:endParaRPr lang="en-US"/>
-          </a:p>
-        </p:txBody>
-      </p:sp>
-    </p:spTree>
-    <p:extLst>
-      <p:ext uri="{BB962C8B-B14F-4D97-AF65-F5344CB8AC3E}">
-        <p14:creationId xmlns:p14="http://schemas.microsoft.com/office/powerpoint/2010/main" val="2646662203"/>
-      </p:ext>
-    </p:extLst>
-  </p:cSld>
-  <p:clrMapOvr>
-    <a:masterClrMapping/>
-  </p:clrMapOvr>
-</p:notes>
-</file>
-
 <file path=ppt/slideLayouts/slideLayout1.xml><?xml version="1.0" encoding="utf-8"?>
 <p:sldLayout xmlns:a="http://schemas.openxmlformats.org/drawingml/2006/main" xmlns:r="http://schemas.openxmlformats.org/officeDocument/2006/relationships" xmlns:p="http://schemas.openxmlformats.org/presentationml/2006/main" showMasterSp="0" type="title" preserve="1">
   <p:cSld name="Title Slide">
@@ -2743,7 +2639,7 @@
           </a:lstStyle>
           <a:p>
             <a:r>
-              <a:rPr lang="en-US" smtClean="0"/>
+              <a:rPr lang="en-US"/>
               <a:t>Click to edit Master title style</a:t>
             </a:r>
             <a:endParaRPr/>
@@ -2865,7 +2761,7 @@
           </a:lstStyle>
           <a:p>
             <a:r>
-              <a:rPr lang="en-US" smtClean="0"/>
+              <a:rPr lang="en-US"/>
               <a:t>Click to edit Master subtitle style</a:t>
             </a:r>
             <a:endParaRPr/>
@@ -2930,7 +2826,7 @@
           <a:lstStyle/>
           <a:p>
             <a:r>
-              <a:rPr lang="en-US" smtClean="0"/>
+              <a:rPr lang="en-US"/>
               <a:t>Click to edit Master title style</a:t>
             </a:r>
             <a:endParaRPr/>
@@ -2954,35 +2850,35 @@
           <a:p>
             <a:pPr lvl="0"/>
             <a:r>
-              <a:rPr lang="en-US" smtClean="0"/>
+              <a:rPr lang="en-US"/>
               <a:t>Edit Master text styles</a:t>
             </a:r>
           </a:p>
           <a:p>
             <a:pPr lvl="1"/>
             <a:r>
-              <a:rPr lang="en-US" smtClean="0"/>
+              <a:rPr lang="en-US"/>
               <a:t>Second level</a:t>
             </a:r>
           </a:p>
           <a:p>
             <a:pPr lvl="2"/>
             <a:r>
-              <a:rPr lang="en-US" smtClean="0"/>
+              <a:rPr lang="en-US"/>
               <a:t>Third level</a:t>
             </a:r>
           </a:p>
           <a:p>
             <a:pPr lvl="3"/>
             <a:r>
-              <a:rPr lang="en-US" smtClean="0"/>
+              <a:rPr lang="en-US"/>
               <a:t>Fourth level</a:t>
             </a:r>
           </a:p>
           <a:p>
             <a:pPr lvl="4"/>
             <a:r>
-              <a:rPr lang="en-US" smtClean="0"/>
+              <a:rPr lang="en-US"/>
               <a:t>Fifth level</a:t>
             </a:r>
             <a:endParaRPr/>
@@ -3004,9 +2900,9 @@
           <a:bodyPr/>
           <a:lstStyle/>
           <a:p>
-            <a:fld id="{7AECB6C2-1084-4AED-A74A-DF028B0094EA}" type="datetimeFigureOut">
-              <a:rPr lang="en-US"/>
-              <a:t>11/18/2019</a:t>
+            <a:fld id="{15BDAC69-CE73-4AA9-A572-50DED2B9202D}" type="datetime1">
+              <a:rPr lang="en-US" smtClean="0"/>
+              <a:t>11/19/2019</a:t>
             </a:fld>
             <a:endParaRPr/>
           </a:p>
@@ -3117,7 +3013,7 @@
           <a:lstStyle/>
           <a:p>
             <a:r>
-              <a:rPr lang="en-US" smtClean="0"/>
+              <a:rPr lang="en-US"/>
               <a:t>Click to edit Master title style</a:t>
             </a:r>
             <a:endParaRPr/>
@@ -3146,35 +3042,35 @@
           <a:p>
             <a:pPr lvl="0"/>
             <a:r>
-              <a:rPr lang="en-US" smtClean="0"/>
+              <a:rPr lang="en-US"/>
               <a:t>Edit Master text styles</a:t>
             </a:r>
           </a:p>
           <a:p>
             <a:pPr lvl="1"/>
             <a:r>
-              <a:rPr lang="en-US" smtClean="0"/>
+              <a:rPr lang="en-US"/>
               <a:t>Second level</a:t>
             </a:r>
           </a:p>
           <a:p>
             <a:pPr lvl="2"/>
             <a:r>
-              <a:rPr lang="en-US" smtClean="0"/>
+              <a:rPr lang="en-US"/>
               <a:t>Third level</a:t>
             </a:r>
           </a:p>
           <a:p>
             <a:pPr lvl="3"/>
             <a:r>
-              <a:rPr lang="en-US" smtClean="0"/>
+              <a:rPr lang="en-US"/>
               <a:t>Fourth level</a:t>
             </a:r>
           </a:p>
           <a:p>
             <a:pPr lvl="4"/>
             <a:r>
-              <a:rPr lang="en-US" smtClean="0"/>
+              <a:rPr lang="en-US"/>
               <a:t>Fifth level</a:t>
             </a:r>
             <a:endParaRPr/>
@@ -3196,9 +3092,9 @@
           <a:bodyPr/>
           <a:lstStyle/>
           <a:p>
-            <a:fld id="{7AECB6C2-1084-4AED-A74A-DF028B0094EA}" type="datetimeFigureOut">
-              <a:rPr lang="en-US"/>
-              <a:t>11/18/2019</a:t>
+            <a:fld id="{F75A8A54-58D2-4DE3-9E84-FDC06107C71A}" type="datetime1">
+              <a:rPr lang="en-US" smtClean="0"/>
+              <a:t>11/19/2019</a:t>
             </a:fld>
             <a:endParaRPr/>
           </a:p>
@@ -3304,7 +3200,7 @@
           <a:lstStyle/>
           <a:p>
             <a:r>
-              <a:rPr lang="en-US" smtClean="0"/>
+              <a:rPr lang="en-US"/>
               <a:t>Click to edit Master title style</a:t>
             </a:r>
             <a:endParaRPr/>
@@ -3344,35 +3240,35 @@
           <a:p>
             <a:pPr lvl="0"/>
             <a:r>
-              <a:rPr lang="en-US" smtClean="0"/>
+              <a:rPr lang="en-US"/>
               <a:t>Edit Master text styles</a:t>
             </a:r>
           </a:p>
           <a:p>
             <a:pPr lvl="1"/>
             <a:r>
-              <a:rPr lang="en-US" smtClean="0"/>
+              <a:rPr lang="en-US"/>
               <a:t>Second level</a:t>
             </a:r>
           </a:p>
           <a:p>
             <a:pPr lvl="2"/>
             <a:r>
-              <a:rPr lang="en-US" smtClean="0"/>
+              <a:rPr lang="en-US"/>
               <a:t>Third level</a:t>
             </a:r>
           </a:p>
           <a:p>
             <a:pPr lvl="3"/>
             <a:r>
-              <a:rPr lang="en-US" smtClean="0"/>
+              <a:rPr lang="en-US"/>
               <a:t>Fourth level</a:t>
             </a:r>
           </a:p>
           <a:p>
             <a:pPr lvl="4"/>
             <a:r>
-              <a:rPr lang="en-US" smtClean="0"/>
+              <a:rPr lang="en-US"/>
               <a:t>Fifth level</a:t>
             </a:r>
             <a:endParaRPr/>
@@ -3394,9 +3290,9 @@
           <a:bodyPr/>
           <a:lstStyle/>
           <a:p>
-            <a:fld id="{8B5A30F4-0B4E-4E4B-BC36-C30CD13F4E17}" type="datetimeFigureOut">
-              <a:rPr lang="en-US"/>
-              <a:t>11/18/2019</a:t>
+            <a:fld id="{181A2C2D-21E2-4A61-8890-42F2A29579D1}" type="datetime1">
+              <a:rPr lang="en-US" smtClean="0"/>
+              <a:t>11/19/2019</a:t>
             </a:fld>
             <a:endParaRPr dirty="0"/>
           </a:p>
@@ -3527,7 +3423,7 @@
           </a:lstStyle>
           <a:p>
             <a:r>
-              <a:rPr lang="en-US" smtClean="0"/>
+              <a:rPr lang="en-US"/>
               <a:t>Click to edit Master title style</a:t>
             </a:r>
             <a:endParaRPr dirty="0"/>
@@ -3650,7 +3546,7 @@
           <a:p>
             <a:pPr lvl="0"/>
             <a:r>
-              <a:rPr lang="en-US" smtClean="0"/>
+              <a:rPr lang="en-US"/>
               <a:t>Edit Master text styles</a:t>
             </a:r>
           </a:p>
@@ -3714,7 +3610,7 @@
           <a:lstStyle/>
           <a:p>
             <a:r>
-              <a:rPr lang="en-US" smtClean="0"/>
+              <a:rPr lang="en-US"/>
               <a:t>Click to edit Master title style</a:t>
             </a:r>
             <a:endParaRPr/>
@@ -3774,35 +3670,35 @@
           <a:p>
             <a:pPr lvl="0"/>
             <a:r>
-              <a:rPr lang="en-US" smtClean="0"/>
+              <a:rPr lang="en-US"/>
               <a:t>Edit Master text styles</a:t>
             </a:r>
           </a:p>
           <a:p>
             <a:pPr lvl="1"/>
             <a:r>
-              <a:rPr lang="en-US" smtClean="0"/>
+              <a:rPr lang="en-US"/>
               <a:t>Second level</a:t>
             </a:r>
           </a:p>
           <a:p>
             <a:pPr lvl="2"/>
             <a:r>
-              <a:rPr lang="en-US" smtClean="0"/>
+              <a:rPr lang="en-US"/>
               <a:t>Third level</a:t>
             </a:r>
           </a:p>
           <a:p>
             <a:pPr lvl="3"/>
             <a:r>
-              <a:rPr lang="en-US" smtClean="0"/>
+              <a:rPr lang="en-US"/>
               <a:t>Fourth level</a:t>
             </a:r>
           </a:p>
           <a:p>
             <a:pPr lvl="4"/>
             <a:r>
-              <a:rPr lang="en-US" smtClean="0"/>
+              <a:rPr lang="en-US"/>
               <a:t>Fifth level</a:t>
             </a:r>
             <a:endParaRPr lang="en-US" dirty="0"/>
@@ -3861,35 +3757,35 @@
           <a:p>
             <a:pPr lvl="0"/>
             <a:r>
-              <a:rPr lang="en-US" smtClean="0"/>
+              <a:rPr lang="en-US"/>
               <a:t>Edit Master text styles</a:t>
             </a:r>
           </a:p>
           <a:p>
             <a:pPr lvl="1"/>
             <a:r>
-              <a:rPr lang="en-US" smtClean="0"/>
+              <a:rPr lang="en-US"/>
               <a:t>Second level</a:t>
             </a:r>
           </a:p>
           <a:p>
             <a:pPr lvl="2"/>
             <a:r>
-              <a:rPr lang="en-US" smtClean="0"/>
+              <a:rPr lang="en-US"/>
               <a:t>Third level</a:t>
             </a:r>
           </a:p>
           <a:p>
             <a:pPr lvl="3"/>
             <a:r>
-              <a:rPr lang="en-US" smtClean="0"/>
+              <a:rPr lang="en-US"/>
               <a:t>Fourth level</a:t>
             </a:r>
           </a:p>
           <a:p>
             <a:pPr lvl="4"/>
             <a:r>
-              <a:rPr lang="en-US" smtClean="0"/>
+              <a:rPr lang="en-US"/>
               <a:t>Fifth level</a:t>
             </a:r>
             <a:endParaRPr/>
@@ -3911,9 +3807,9 @@
           <a:bodyPr/>
           <a:lstStyle/>
           <a:p>
-            <a:fld id="{2DD204D1-F9BD-4643-8480-6EA41EB484F1}" type="datetimeFigureOut">
-              <a:rPr lang="en-US"/>
-              <a:t>11/18/2019</a:t>
+            <a:fld id="{A75430FD-ECB1-484C-A455-B630C0A67407}" type="datetime1">
+              <a:rPr lang="en-US" smtClean="0"/>
+              <a:t>11/19/2019</a:t>
             </a:fld>
             <a:endParaRPr/>
           </a:p>
@@ -4023,7 +3919,7 @@
           </a:lstStyle>
           <a:p>
             <a:r>
-              <a:rPr lang="en-US" smtClean="0"/>
+              <a:rPr lang="en-US"/>
               <a:t>Click to edit Master title style</a:t>
             </a:r>
             <a:endParaRPr/>
@@ -4094,7 +3990,7 @@
           <a:p>
             <a:pPr lvl="0"/>
             <a:r>
-              <a:rPr lang="en-US" smtClean="0"/>
+              <a:rPr lang="en-US"/>
               <a:t>Edit Master text styles</a:t>
             </a:r>
           </a:p>
@@ -4152,35 +4048,35 @@
           <a:p>
             <a:pPr lvl="0"/>
             <a:r>
-              <a:rPr lang="en-US" smtClean="0"/>
+              <a:rPr lang="en-US"/>
               <a:t>Edit Master text styles</a:t>
             </a:r>
           </a:p>
           <a:p>
             <a:pPr lvl="1"/>
             <a:r>
-              <a:rPr lang="en-US" smtClean="0"/>
+              <a:rPr lang="en-US"/>
               <a:t>Second level</a:t>
             </a:r>
           </a:p>
           <a:p>
             <a:pPr lvl="2"/>
             <a:r>
-              <a:rPr lang="en-US" smtClean="0"/>
+              <a:rPr lang="en-US"/>
               <a:t>Third level</a:t>
             </a:r>
           </a:p>
           <a:p>
             <a:pPr lvl="3"/>
             <a:r>
-              <a:rPr lang="en-US" smtClean="0"/>
+              <a:rPr lang="en-US"/>
               <a:t>Fourth level</a:t>
             </a:r>
           </a:p>
           <a:p>
             <a:pPr lvl="4"/>
             <a:r>
-              <a:rPr lang="en-US" smtClean="0"/>
+              <a:rPr lang="en-US"/>
               <a:t>Fifth level</a:t>
             </a:r>
             <a:endParaRPr/>
@@ -4251,7 +4147,7 @@
           <a:p>
             <a:pPr lvl="0"/>
             <a:r>
-              <a:rPr lang="en-US" smtClean="0"/>
+              <a:rPr lang="en-US"/>
               <a:t>Edit Master text styles</a:t>
             </a:r>
           </a:p>
@@ -4309,35 +4205,35 @@
           <a:p>
             <a:pPr lvl="0"/>
             <a:r>
-              <a:rPr lang="en-US" smtClean="0"/>
+              <a:rPr lang="en-US"/>
               <a:t>Edit Master text styles</a:t>
             </a:r>
           </a:p>
           <a:p>
             <a:pPr lvl="1"/>
             <a:r>
-              <a:rPr lang="en-US" smtClean="0"/>
+              <a:rPr lang="en-US"/>
               <a:t>Second level</a:t>
             </a:r>
           </a:p>
           <a:p>
             <a:pPr lvl="2"/>
             <a:r>
-              <a:rPr lang="en-US" smtClean="0"/>
+              <a:rPr lang="en-US"/>
               <a:t>Third level</a:t>
             </a:r>
           </a:p>
           <a:p>
             <a:pPr lvl="3"/>
             <a:r>
-              <a:rPr lang="en-US" smtClean="0"/>
+              <a:rPr lang="en-US"/>
               <a:t>Fourth level</a:t>
             </a:r>
           </a:p>
           <a:p>
             <a:pPr lvl="4"/>
             <a:r>
-              <a:rPr lang="en-US" smtClean="0"/>
+              <a:rPr lang="en-US"/>
               <a:t>Fifth level</a:t>
             </a:r>
             <a:endParaRPr/>
@@ -4359,9 +4255,9 @@
           <a:bodyPr/>
           <a:lstStyle/>
           <a:p>
-            <a:fld id="{2DD204D1-F9BD-4643-8480-6EA41EB484F1}" type="datetimeFigureOut">
-              <a:rPr lang="en-US"/>
-              <a:t>11/18/2019</a:t>
+            <a:fld id="{0744EB69-3432-48BF-AE23-85F762ACEA2D}" type="datetime1">
+              <a:rPr lang="en-US" smtClean="0"/>
+              <a:t>11/19/2019</a:t>
             </a:fld>
             <a:endParaRPr/>
           </a:p>
@@ -4467,7 +4363,7 @@
           <a:lstStyle/>
           <a:p>
             <a:r>
-              <a:rPr lang="en-US" smtClean="0"/>
+              <a:rPr lang="en-US"/>
               <a:t>Click to edit Master title style</a:t>
             </a:r>
             <a:endParaRPr/>
@@ -4489,9 +4385,9 @@
           <a:bodyPr/>
           <a:lstStyle/>
           <a:p>
-            <a:fld id="{2DD204D1-F9BD-4643-8480-6EA41EB484F1}" type="datetimeFigureOut">
-              <a:rPr lang="en-US"/>
-              <a:t>11/18/2019</a:t>
+            <a:fld id="{9BF9486C-01BE-4591-A40B-3A9F2237F3B1}" type="datetime1">
+              <a:rPr lang="en-US" smtClean="0"/>
+              <a:t>11/19/2019</a:t>
             </a:fld>
             <a:endParaRPr/>
           </a:p>
@@ -4596,9 +4492,9 @@
           <a:bodyPr/>
           <a:lstStyle/>
           <a:p>
-            <a:fld id="{2DD204D1-F9BD-4643-8480-6EA41EB484F1}" type="datetimeFigureOut">
-              <a:rPr lang="en-US"/>
-              <a:t>11/18/2019</a:t>
+            <a:fld id="{69706C28-4DB6-404A-BD73-050D3C3D65EA}" type="datetime1">
+              <a:rPr lang="en-US" smtClean="0"/>
+              <a:t>11/19/2019</a:t>
             </a:fld>
             <a:endParaRPr/>
           </a:p>
@@ -4774,7 +4670,7 @@
           </a:lstStyle>
           <a:p>
             <a:r>
-              <a:rPr lang="en-US" smtClean="0"/>
+              <a:rPr lang="en-US"/>
               <a:t>Click to edit Master title style</a:t>
             </a:r>
             <a:endParaRPr/>
@@ -4845,7 +4741,7 @@
           <a:p>
             <a:pPr lvl="0"/>
             <a:r>
-              <a:rPr lang="en-US" smtClean="0"/>
+              <a:rPr lang="en-US"/>
               <a:t>Edit Master text styles</a:t>
             </a:r>
           </a:p>
@@ -4903,35 +4799,35 @@
           <a:p>
             <a:pPr lvl="0"/>
             <a:r>
-              <a:rPr lang="en-US" smtClean="0"/>
+              <a:rPr lang="en-US"/>
               <a:t>Edit Master text styles</a:t>
             </a:r>
           </a:p>
           <a:p>
             <a:pPr lvl="1"/>
             <a:r>
-              <a:rPr lang="en-US" smtClean="0"/>
+              <a:rPr lang="en-US"/>
               <a:t>Second level</a:t>
             </a:r>
           </a:p>
           <a:p>
             <a:pPr lvl="2"/>
             <a:r>
-              <a:rPr lang="en-US" smtClean="0"/>
+              <a:rPr lang="en-US"/>
               <a:t>Third level</a:t>
             </a:r>
           </a:p>
           <a:p>
             <a:pPr lvl="3"/>
             <a:r>
-              <a:rPr lang="en-US" smtClean="0"/>
+              <a:rPr lang="en-US"/>
               <a:t>Fourth level</a:t>
             </a:r>
           </a:p>
           <a:p>
             <a:pPr lvl="4"/>
             <a:r>
-              <a:rPr lang="en-US" smtClean="0"/>
+              <a:rPr lang="en-US"/>
               <a:t>Fifth level</a:t>
             </a:r>
             <a:endParaRPr/>
@@ -4953,9 +4849,9 @@
           <a:bodyPr/>
           <a:lstStyle/>
           <a:p>
-            <a:fld id="{126BF754-515F-40B9-8D24-D54D5825B3D0}" type="datetimeFigureOut">
-              <a:rPr lang="en-US"/>
-              <a:t>11/18/2019</a:t>
+            <a:fld id="{100C2E2C-98F2-4DC8-B0EB-8F668477CA64}" type="datetime1">
+              <a:rPr lang="en-US" smtClean="0"/>
+              <a:t>11/19/2019</a:t>
             </a:fld>
             <a:endParaRPr/>
           </a:p>
@@ -5131,7 +5027,7 @@
           </a:lstStyle>
           <a:p>
             <a:r>
-              <a:rPr lang="en-US" smtClean="0"/>
+              <a:rPr lang="en-US"/>
               <a:t>Click to edit Master title style</a:t>
             </a:r>
             <a:endParaRPr/>
@@ -5198,7 +5094,7 @@
           </a:lstStyle>
           <a:p>
             <a:r>
-              <a:rPr lang="en-US" smtClean="0"/>
+              <a:rPr lang="en-US"/>
               <a:t>Click icon to add picture</a:t>
             </a:r>
             <a:endParaRPr/>
@@ -5269,7 +5165,7 @@
           <a:p>
             <a:pPr lvl="0"/>
             <a:r>
-              <a:rPr lang="en-US" smtClean="0"/>
+              <a:rPr lang="en-US"/>
               <a:t>Edit Master text styles</a:t>
             </a:r>
           </a:p>
@@ -5290,9 +5186,9 @@
           <a:bodyPr/>
           <a:lstStyle/>
           <a:p>
-            <a:fld id="{126BF754-515F-40B9-8D24-D54D5825B3D0}" type="datetimeFigureOut">
-              <a:rPr lang="en-US"/>
-              <a:t>11/18/2019</a:t>
+            <a:fld id="{25FD71EB-3487-4C64-A089-1158C533F330}" type="datetime1">
+              <a:rPr lang="en-US" smtClean="0"/>
+              <a:t>11/19/2019</a:t>
             </a:fld>
             <a:endParaRPr/>
           </a:p>
@@ -5481,7 +5377,7 @@
           <a:lstStyle/>
           <a:p>
             <a:r>
-              <a:rPr lang="en-US" smtClean="0"/>
+              <a:rPr lang="en-US"/>
               <a:t>Click to edit Master title style</a:t>
             </a:r>
             <a:endParaRPr dirty="0"/>
@@ -5584,10 +5480,9 @@
             </a:lvl1pPr>
           </a:lstStyle>
           <a:p>
-            <a:fld id="{2DD204D1-F9BD-4643-8480-6EA41EB484F1}" type="datetimeFigureOut">
+            <a:fld id="{58067944-093B-4113-831A-222A46448DF8}" type="datetime1">
               <a:rPr lang="en-US" smtClean="0"/>
-              <a:pPr/>
-              <a:t>11/18/2019</a:t>
+              <a:t>11/19/2019</a:t>
             </a:fld>
             <a:endParaRPr lang="en-US"/>
           </a:p>
@@ -5707,6 +5602,7 @@
       </p:transition>
     </mc:Fallback>
   </mc:AlternateContent>
+  <p:hf hdr="0" ftr="0" dt="0"/>
   <p:txStyles>
     <p:titleStyle>
       <a:lvl1pPr algn="l" defTabSz="1218987" rtl="0" eaLnBrk="1" latinLnBrk="0" hangingPunct="1">
@@ -6056,12 +5952,20 @@
           <a:lstStyle/>
           <a:p>
             <a:r>
+              <a:rPr lang="en-US" sz="8800" dirty="0">
+                <a:solidFill>
+                  <a:srgbClr val="FF0000"/>
+                </a:solidFill>
+              </a:rPr>
+              <a:t>AUDIT </a:t>
+            </a:r>
+            <a:r>
               <a:rPr lang="en-US" sz="8800" dirty="0" smtClean="0">
                 <a:solidFill>
                   <a:srgbClr val="FF0000"/>
                 </a:solidFill>
               </a:rPr>
-              <a:t>AUDIT DATA</a:t>
+              <a:t>DATA</a:t>
             </a:r>
             <a:endParaRPr lang="en-US" sz="8800" dirty="0">
               <a:solidFill>
@@ -6092,7 +5996,7 @@
           <a:lstStyle/>
           <a:p>
             <a:r>
-              <a:rPr lang="en-US" dirty="0" smtClean="0">
+              <a:rPr lang="en-US" dirty="0">
                 <a:latin typeface="Times New Roman" panose="02020603050405020304" pitchFamily="18" charset="0"/>
                 <a:cs typeface="Times New Roman" panose="02020603050405020304" pitchFamily="18" charset="0"/>
               </a:rPr>
@@ -6105,7 +6009,7 @@
               <a:buChar char="•"/>
             </a:pPr>
             <a:r>
-              <a:rPr lang="en-US" sz="2400" dirty="0" smtClean="0">
+              <a:rPr lang="en-US" sz="2400" dirty="0">
                 <a:latin typeface="Times New Roman" panose="02020603050405020304" pitchFamily="18" charset="0"/>
                 <a:cs typeface="Times New Roman" panose="02020603050405020304" pitchFamily="18" charset="0"/>
               </a:rPr>
@@ -6118,7 +6022,7 @@
               <a:buChar char="•"/>
             </a:pPr>
             <a:r>
-              <a:rPr lang="en-US" sz="2400" dirty="0" smtClean="0">
+              <a:rPr lang="en-US" sz="2400" dirty="0">
                 <a:latin typeface="Times New Roman" panose="02020603050405020304" pitchFamily="18" charset="0"/>
                 <a:cs typeface="Times New Roman" panose="02020603050405020304" pitchFamily="18" charset="0"/>
               </a:rPr>
@@ -6131,7 +6035,7 @@
               <a:buChar char="•"/>
             </a:pPr>
             <a:r>
-              <a:rPr lang="en-US" sz="2400" dirty="0" smtClean="0">
+              <a:rPr lang="en-US" sz="2400" dirty="0">
                 <a:latin typeface="Times New Roman" panose="02020603050405020304" pitchFamily="18" charset="0"/>
                 <a:cs typeface="Times New Roman" panose="02020603050405020304" pitchFamily="18" charset="0"/>
               </a:rPr>
@@ -6144,13 +6048,56 @@
               <a:buChar char="•"/>
             </a:pPr>
             <a:r>
-              <a:rPr lang="en-US" sz="2400" dirty="0" smtClean="0">
+              <a:rPr lang="en-US" sz="2400" dirty="0">
                 <a:latin typeface="Times New Roman" panose="02020603050405020304" pitchFamily="18" charset="0"/>
                 <a:cs typeface="Times New Roman" panose="02020603050405020304" pitchFamily="18" charset="0"/>
               </a:rPr>
               <a:t>NGUYỄN VĂN QUÝ B1606926</a:t>
             </a:r>
-            <a:endParaRPr lang="en-US" sz="2400" dirty="0">
+          </a:p>
+        </p:txBody>
+      </p:sp>
+      <p:sp>
+        <p:nvSpPr>
+          <p:cNvPr id="4" name="TextBox 3"/>
+          <p:cNvSpPr txBox="1"/>
+          <p:nvPr/>
+        </p:nvSpPr>
+        <p:spPr>
+          <a:xfrm>
+            <a:off x="5483561" y="3276601"/>
+            <a:ext cx="4725075" cy="1077218"/>
+          </a:xfrm>
+          <a:prstGeom prst="rect">
+            <a:avLst/>
+          </a:prstGeom>
+          <a:noFill/>
+        </p:spPr>
+        <p:txBody>
+          <a:bodyPr wrap="none" rtlCol="0">
+            <a:spAutoFit/>
+          </a:bodyPr>
+          <a:lstStyle/>
+          <a:p>
+            <a:pPr algn="ctr"/>
+            <a:r>
+              <a:rPr lang="en-US" sz="3200" dirty="0" smtClean="0">
+                <a:latin typeface="Times New Roman" panose="02020603050405020304" pitchFamily="18" charset="0"/>
+                <a:cs typeface="Times New Roman" panose="02020603050405020304" pitchFamily="18" charset="0"/>
+              </a:rPr>
+              <a:t>SỬ DỤNG THUẬT TOÁN</a:t>
+            </a:r>
+          </a:p>
+          <a:p>
+            <a:pPr algn="ctr"/>
+            <a:r>
+              <a:rPr lang="en-US" sz="3200" dirty="0" smtClean="0">
+                <a:latin typeface="Times New Roman" panose="02020603050405020304" pitchFamily="18" charset="0"/>
+                <a:cs typeface="Times New Roman" panose="02020603050405020304" pitchFamily="18" charset="0"/>
+              </a:rPr>
+              <a:t>CÂY QUYẾT ĐỊNH</a:t>
+            </a:r>
+            <a:endParaRPr lang="en-US" sz="3200" dirty="0">
               <a:latin typeface="Times New Roman" panose="02020603050405020304" pitchFamily="18" charset="0"/>
               <a:cs typeface="Times New Roman" panose="02020603050405020304" pitchFamily="18" charset="0"/>
             </a:endParaRPr>
@@ -6179,6 +6126,13 @@
       </p:transition>
     </mc:Fallback>
   </mc:AlternateContent>
+  <p:timing>
+    <p:tnLst>
+      <p:par>
+        <p:cTn id="1" dur="indefinite" restart="never" nodeType="tmRoot"/>
+      </p:par>
+    </p:tnLst>
+  </p:timing>
 </p:sld>
 </file>
 
@@ -6209,26 +6163,1730 @@
             <p:ph type="title"/>
           </p:nvPr>
         </p:nvSpPr>
-        <p:spPr/>
+        <p:spPr>
+          <a:xfrm>
+            <a:off x="379412" y="685800"/>
+            <a:ext cx="12216104" cy="787400"/>
+          </a:xfrm>
+        </p:spPr>
         <p:txBody>
-          <a:bodyPr/>
+          <a:bodyPr>
+            <a:normAutofit fontScale="90000"/>
+          </a:bodyPr>
           <a:lstStyle/>
           <a:p>
             <a:r>
-              <a:rPr lang="en-US" dirty="0"/>
-              <a:t>Add a Slide Title - 1</a:t>
-            </a:r>
+              <a:rPr lang="en-US" b="1" dirty="0">
+                <a:solidFill>
+                  <a:schemeClr val="accent1">
+                    <a:lumMod val="50000"/>
+                  </a:schemeClr>
+                </a:solidFill>
+                <a:latin typeface="Times New Roman" pitchFamily="18" charset="0"/>
+                <a:cs typeface="Times New Roman" pitchFamily="18" charset="0"/>
+              </a:rPr>
+              <a:t>So sánh giải </a:t>
+            </a:r>
+            <a:r>
+              <a:rPr lang="en-US" b="1" dirty="0" err="1">
+                <a:solidFill>
+                  <a:schemeClr val="accent1">
+                    <a:lumMod val="50000"/>
+                  </a:schemeClr>
+                </a:solidFill>
+                <a:latin typeface="Times New Roman" pitchFamily="18" charset="0"/>
+                <a:cs typeface="Times New Roman" pitchFamily="18" charset="0"/>
+              </a:rPr>
+              <a:t>thuật</a:t>
+            </a:r>
+            <a:r>
+              <a:rPr lang="en-US" b="1" dirty="0">
+                <a:solidFill>
+                  <a:schemeClr val="accent1">
+                    <a:lumMod val="50000"/>
+                  </a:schemeClr>
+                </a:solidFill>
+                <a:latin typeface="Times New Roman" pitchFamily="18" charset="0"/>
+                <a:cs typeface="Times New Roman" pitchFamily="18" charset="0"/>
+              </a:rPr>
+              <a:t> Decision Tree &amp; Bayes, Perceptron</a:t>
+            </a:r>
+            <a:endParaRPr lang="en-US" dirty="0"/>
           </a:p>
         </p:txBody>
       </p:sp>
+      <p:graphicFrame>
+        <p:nvGraphicFramePr>
+          <p:cNvPr id="5" name="Table 4"/>
+          <p:cNvGraphicFramePr>
+            <a:graphicFrameLocks noGrp="1"/>
+          </p:cNvGraphicFramePr>
+          <p:nvPr>
+            <p:extLst>
+              <p:ext uri="{D42A27DB-BD31-4B8C-83A1-F6EECF244321}">
+                <p14:modId xmlns:p14="http://schemas.microsoft.com/office/powerpoint/2010/main" val="3037377512"/>
+              </p:ext>
+            </p:extLst>
+          </p:nvPr>
+        </p:nvGraphicFramePr>
+        <p:xfrm>
+          <a:off x="836612" y="1905000"/>
+          <a:ext cx="3997889" cy="4511040"/>
+        </p:xfrm>
+        <a:graphic>
+          <a:graphicData uri="http://schemas.openxmlformats.org/drawingml/2006/table">
+            <a:tbl>
+              <a:tblPr>
+                <a:tableStyleId>{616DA210-FB5B-4158-B5E0-FEB733F419BA}</a:tableStyleId>
+              </a:tblPr>
+              <a:tblGrid>
+                <a:gridCol w="681990">
+                  <a:extLst>
+                    <a:ext uri="{9D8B030D-6E8A-4147-A177-3AD203B41FA5}">
+                      <a16:colId xmlns:a16="http://schemas.microsoft.com/office/drawing/2014/main" val="2039038679"/>
+                    </a:ext>
+                  </a:extLst>
+                </a:gridCol>
+                <a:gridCol w="1155827">
+                  <a:extLst>
+                    <a:ext uri="{9D8B030D-6E8A-4147-A177-3AD203B41FA5}">
+                      <a16:colId xmlns:a16="http://schemas.microsoft.com/office/drawing/2014/main" val="2107483083"/>
+                    </a:ext>
+                  </a:extLst>
+                </a:gridCol>
+                <a:gridCol w="1080036">
+                  <a:extLst>
+                    <a:ext uri="{9D8B030D-6E8A-4147-A177-3AD203B41FA5}">
+                      <a16:colId xmlns:a16="http://schemas.microsoft.com/office/drawing/2014/main" val="3854999230"/>
+                    </a:ext>
+                  </a:extLst>
+                </a:gridCol>
+                <a:gridCol w="1080036">
+                  <a:extLst>
+                    <a:ext uri="{9D8B030D-6E8A-4147-A177-3AD203B41FA5}">
+                      <a16:colId xmlns:a16="http://schemas.microsoft.com/office/drawing/2014/main" val="1691935312"/>
+                    </a:ext>
+                  </a:extLst>
+                </a:gridCol>
+              </a:tblGrid>
+              <a:tr h="281940">
+                <a:tc>
+                  <a:txBody>
+                    <a:bodyPr/>
+                    <a:lstStyle/>
+                    <a:p>
+                      <a:pPr algn="ctr" fontAlgn="b"/>
+                      <a:r>
+                        <a:rPr lang="en-US" sz="1600" u="none" strike="noStrike" dirty="0" err="1">
+                          <a:effectLst/>
+                          <a:latin typeface="Times New Roman" panose="02020603050405020304" pitchFamily="18" charset="0"/>
+                          <a:cs typeface="Times New Roman" panose="02020603050405020304" pitchFamily="18" charset="0"/>
+                        </a:rPr>
+                        <a:t>Lần</a:t>
+                      </a:r>
+                      <a:r>
+                        <a:rPr lang="en-US" sz="1600" u="none" strike="noStrike" dirty="0">
+                          <a:effectLst/>
+                          <a:latin typeface="Times New Roman" panose="02020603050405020304" pitchFamily="18" charset="0"/>
+                          <a:cs typeface="Times New Roman" panose="02020603050405020304" pitchFamily="18" charset="0"/>
+                        </a:rPr>
+                        <a:t> </a:t>
+                      </a:r>
+                      <a:r>
+                        <a:rPr lang="en-US" sz="1600" u="none" strike="noStrike" dirty="0" err="1">
+                          <a:effectLst/>
+                          <a:latin typeface="Times New Roman" panose="02020603050405020304" pitchFamily="18" charset="0"/>
+                          <a:cs typeface="Times New Roman" panose="02020603050405020304" pitchFamily="18" charset="0"/>
+                        </a:rPr>
+                        <a:t>lăp</a:t>
+                      </a:r>
+                      <a:endParaRPr lang="en-US" sz="1600" b="0" i="0" u="none" strike="noStrike" dirty="0">
+                        <a:effectLst/>
+                        <a:latin typeface="Times New Roman" panose="02020603050405020304" pitchFamily="18" charset="0"/>
+                        <a:cs typeface="Times New Roman" panose="02020603050405020304" pitchFamily="18" charset="0"/>
+                      </a:endParaRPr>
+                    </a:p>
+                  </a:txBody>
+                  <a:tcPr marL="7620" marR="7620" marT="7620" marB="0" anchor="ctr"/>
+                </a:tc>
+                <a:tc>
+                  <a:txBody>
+                    <a:bodyPr/>
+                    <a:lstStyle/>
+                    <a:p>
+                      <a:pPr algn="ctr" fontAlgn="b"/>
+                      <a:r>
+                        <a:rPr lang="en-US" sz="1600" u="none" strike="noStrike" dirty="0" err="1">
+                          <a:effectLst/>
+                          <a:latin typeface="Times New Roman" panose="02020603050405020304" pitchFamily="18" charset="0"/>
+                          <a:cs typeface="Times New Roman" panose="02020603050405020304" pitchFamily="18" charset="0"/>
+                        </a:rPr>
+                        <a:t>DecisionTree</a:t>
+                      </a:r>
+                      <a:endParaRPr lang="en-US" sz="1600" b="0" i="0" u="none" strike="noStrike" dirty="0">
+                        <a:effectLst/>
+                        <a:latin typeface="Times New Roman" panose="02020603050405020304" pitchFamily="18" charset="0"/>
+                        <a:cs typeface="Times New Roman" panose="02020603050405020304" pitchFamily="18" charset="0"/>
+                      </a:endParaRPr>
+                    </a:p>
+                  </a:txBody>
+                  <a:tcPr marL="7620" marR="7620" marT="7620" marB="0" anchor="ctr"/>
+                </a:tc>
+                <a:tc>
+                  <a:txBody>
+                    <a:bodyPr/>
+                    <a:lstStyle/>
+                    <a:p>
+                      <a:pPr algn="ctr" fontAlgn="b"/>
+                      <a:r>
+                        <a:rPr lang="en-US" sz="1600" u="none" strike="noStrike" dirty="0">
+                          <a:effectLst/>
+                          <a:latin typeface="Times New Roman" panose="02020603050405020304" pitchFamily="18" charset="0"/>
+                          <a:cs typeface="Times New Roman" panose="02020603050405020304" pitchFamily="18" charset="0"/>
+                        </a:rPr>
+                        <a:t>Bayes</a:t>
+                      </a:r>
+                      <a:endParaRPr lang="en-US" sz="1600" b="0" i="0" u="none" strike="noStrike" dirty="0">
+                        <a:effectLst/>
+                        <a:latin typeface="Times New Roman" panose="02020603050405020304" pitchFamily="18" charset="0"/>
+                        <a:cs typeface="Times New Roman" panose="02020603050405020304" pitchFamily="18" charset="0"/>
+                      </a:endParaRPr>
+                    </a:p>
+                  </a:txBody>
+                  <a:tcPr marL="7620" marR="7620" marT="7620" marB="0" anchor="ctr"/>
+                </a:tc>
+                <a:tc>
+                  <a:txBody>
+                    <a:bodyPr/>
+                    <a:lstStyle/>
+                    <a:p>
+                      <a:pPr algn="ctr" fontAlgn="b"/>
+                      <a:r>
+                        <a:rPr lang="en-US" sz="1600" u="none" strike="noStrike" dirty="0">
+                          <a:effectLst/>
+                          <a:latin typeface="Times New Roman" panose="02020603050405020304" pitchFamily="18" charset="0"/>
+                          <a:cs typeface="Times New Roman" panose="02020603050405020304" pitchFamily="18" charset="0"/>
+                        </a:rPr>
+                        <a:t>Perceptron</a:t>
+                      </a:r>
+                      <a:endParaRPr lang="en-US" sz="1600" b="0" i="0" u="none" strike="noStrike" dirty="0">
+                        <a:effectLst/>
+                        <a:latin typeface="Times New Roman" panose="02020603050405020304" pitchFamily="18" charset="0"/>
+                        <a:cs typeface="Times New Roman" panose="02020603050405020304" pitchFamily="18" charset="0"/>
+                      </a:endParaRPr>
+                    </a:p>
+                  </a:txBody>
+                  <a:tcPr marL="7620" marR="7620" marT="7620" marB="0" anchor="ctr"/>
+                </a:tc>
+                <a:extLst>
+                  <a:ext uri="{0D108BD9-81ED-4DB2-BD59-A6C34878D82A}">
+                    <a16:rowId xmlns:a16="http://schemas.microsoft.com/office/drawing/2014/main" val="383216949"/>
+                  </a:ext>
+                </a:extLst>
+              </a:tr>
+              <a:tr h="281940">
+                <a:tc>
+                  <a:txBody>
+                    <a:bodyPr/>
+                    <a:lstStyle/>
+                    <a:p>
+                      <a:pPr algn="r" fontAlgn="b"/>
+                      <a:r>
+                        <a:rPr lang="en-US" sz="1600" u="none" strike="noStrike" dirty="0">
+                          <a:effectLst/>
+                          <a:latin typeface="Times New Roman" panose="02020603050405020304" pitchFamily="18" charset="0"/>
+                          <a:cs typeface="Times New Roman" panose="02020603050405020304" pitchFamily="18" charset="0"/>
+                        </a:rPr>
+                        <a:t>1</a:t>
+                      </a:r>
+                      <a:endParaRPr lang="en-US" sz="1600" b="0" i="0" u="none" strike="noStrike" dirty="0">
+                        <a:effectLst/>
+                        <a:latin typeface="Times New Roman" panose="02020603050405020304" pitchFamily="18" charset="0"/>
+                        <a:cs typeface="Times New Roman" panose="02020603050405020304" pitchFamily="18" charset="0"/>
+                      </a:endParaRPr>
+                    </a:p>
+                  </a:txBody>
+                  <a:tcPr marL="7620" marR="7620" marT="7620" marB="0" anchor="ctr"/>
+                </a:tc>
+                <a:tc>
+                  <a:txBody>
+                    <a:bodyPr/>
+                    <a:lstStyle/>
+                    <a:p>
+                      <a:pPr algn="r" fontAlgn="b"/>
+                      <a:r>
+                        <a:rPr lang="en-US" sz="1600" u="none" strike="noStrike">
+                          <a:effectLst/>
+                          <a:latin typeface="Times New Roman" panose="02020603050405020304" pitchFamily="18" charset="0"/>
+                          <a:cs typeface="Times New Roman" panose="02020603050405020304" pitchFamily="18" charset="0"/>
+                        </a:rPr>
+                        <a:t>89.41685</a:t>
+                      </a:r>
+                      <a:endParaRPr lang="en-US" sz="1600" b="0" i="0" u="none" strike="noStrike">
+                        <a:effectLst/>
+                        <a:latin typeface="Times New Roman" panose="02020603050405020304" pitchFamily="18" charset="0"/>
+                        <a:cs typeface="Times New Roman" panose="02020603050405020304" pitchFamily="18" charset="0"/>
+                      </a:endParaRPr>
+                    </a:p>
+                  </a:txBody>
+                  <a:tcPr marL="7620" marR="7620" marT="7620" marB="0" anchor="ctr"/>
+                </a:tc>
+                <a:tc>
+                  <a:txBody>
+                    <a:bodyPr/>
+                    <a:lstStyle/>
+                    <a:p>
+                      <a:pPr algn="r" fontAlgn="b"/>
+                      <a:r>
+                        <a:rPr lang="en-US" sz="1600" u="none" strike="noStrike">
+                          <a:effectLst/>
+                          <a:latin typeface="Times New Roman" panose="02020603050405020304" pitchFamily="18" charset="0"/>
+                          <a:cs typeface="Times New Roman" panose="02020603050405020304" pitchFamily="18" charset="0"/>
+                        </a:rPr>
+                        <a:t>73.65011</a:t>
+                      </a:r>
+                      <a:endParaRPr lang="en-US" sz="1600" b="0" i="0" u="none" strike="noStrike">
+                        <a:effectLst/>
+                        <a:latin typeface="Times New Roman" panose="02020603050405020304" pitchFamily="18" charset="0"/>
+                        <a:cs typeface="Times New Roman" panose="02020603050405020304" pitchFamily="18" charset="0"/>
+                      </a:endParaRPr>
+                    </a:p>
+                  </a:txBody>
+                  <a:tcPr marL="7620" marR="7620" marT="7620" marB="0" anchor="ctr"/>
+                </a:tc>
+                <a:tc>
+                  <a:txBody>
+                    <a:bodyPr/>
+                    <a:lstStyle/>
+                    <a:p>
+                      <a:pPr algn="r" fontAlgn="b"/>
+                      <a:r>
+                        <a:rPr lang="en-US" sz="1600" u="none" strike="noStrike">
+                          <a:effectLst/>
+                          <a:latin typeface="Times New Roman" panose="02020603050405020304" pitchFamily="18" charset="0"/>
+                          <a:cs typeface="Times New Roman" panose="02020603050405020304" pitchFamily="18" charset="0"/>
+                        </a:rPr>
+                        <a:t>61.98704</a:t>
+                      </a:r>
+                      <a:endParaRPr lang="en-US" sz="1600" b="0" i="0" u="none" strike="noStrike">
+                        <a:effectLst/>
+                        <a:latin typeface="Times New Roman" panose="02020603050405020304" pitchFamily="18" charset="0"/>
+                        <a:cs typeface="Times New Roman" panose="02020603050405020304" pitchFamily="18" charset="0"/>
+                      </a:endParaRPr>
+                    </a:p>
+                  </a:txBody>
+                  <a:tcPr marL="7620" marR="7620" marT="7620" marB="0" anchor="ctr"/>
+                </a:tc>
+                <a:extLst>
+                  <a:ext uri="{0D108BD9-81ED-4DB2-BD59-A6C34878D82A}">
+                    <a16:rowId xmlns:a16="http://schemas.microsoft.com/office/drawing/2014/main" val="3848384320"/>
+                  </a:ext>
+                </a:extLst>
+              </a:tr>
+              <a:tr h="281940">
+                <a:tc>
+                  <a:txBody>
+                    <a:bodyPr/>
+                    <a:lstStyle/>
+                    <a:p>
+                      <a:pPr algn="r" fontAlgn="b"/>
+                      <a:r>
+                        <a:rPr lang="en-US" sz="1600" u="none" strike="noStrike" dirty="0">
+                          <a:effectLst/>
+                          <a:latin typeface="Times New Roman" panose="02020603050405020304" pitchFamily="18" charset="0"/>
+                          <a:cs typeface="Times New Roman" panose="02020603050405020304" pitchFamily="18" charset="0"/>
+                        </a:rPr>
+                        <a:t>2</a:t>
+                      </a:r>
+                      <a:endParaRPr lang="en-US" sz="1600" b="0" i="0" u="none" strike="noStrike" dirty="0">
+                        <a:effectLst/>
+                        <a:latin typeface="Times New Roman" panose="02020603050405020304" pitchFamily="18" charset="0"/>
+                        <a:cs typeface="Times New Roman" panose="02020603050405020304" pitchFamily="18" charset="0"/>
+                      </a:endParaRPr>
+                    </a:p>
+                  </a:txBody>
+                  <a:tcPr marL="7620" marR="7620" marT="7620" marB="0" anchor="ctr"/>
+                </a:tc>
+                <a:tc>
+                  <a:txBody>
+                    <a:bodyPr/>
+                    <a:lstStyle/>
+                    <a:p>
+                      <a:pPr algn="r" fontAlgn="b"/>
+                      <a:r>
+                        <a:rPr lang="en-US" sz="1600" u="none" strike="noStrike" dirty="0">
+                          <a:effectLst/>
+                          <a:latin typeface="Times New Roman" panose="02020603050405020304" pitchFamily="18" charset="0"/>
+                          <a:cs typeface="Times New Roman" panose="02020603050405020304" pitchFamily="18" charset="0"/>
+                        </a:rPr>
+                        <a:t>89.63283</a:t>
+                      </a:r>
+                      <a:endParaRPr lang="en-US" sz="1600" b="0" i="0" u="none" strike="noStrike" dirty="0">
+                        <a:effectLst/>
+                        <a:latin typeface="Times New Roman" panose="02020603050405020304" pitchFamily="18" charset="0"/>
+                        <a:cs typeface="Times New Roman" panose="02020603050405020304" pitchFamily="18" charset="0"/>
+                      </a:endParaRPr>
+                    </a:p>
+                  </a:txBody>
+                  <a:tcPr marL="7620" marR="7620" marT="7620" marB="0" anchor="ctr"/>
+                </a:tc>
+                <a:tc>
+                  <a:txBody>
+                    <a:bodyPr/>
+                    <a:lstStyle/>
+                    <a:p>
+                      <a:pPr algn="r" fontAlgn="b"/>
+                      <a:r>
+                        <a:rPr lang="en-US" sz="1600" u="none" strike="noStrike">
+                          <a:effectLst/>
+                          <a:latin typeface="Times New Roman" panose="02020603050405020304" pitchFamily="18" charset="0"/>
+                          <a:cs typeface="Times New Roman" panose="02020603050405020304" pitchFamily="18" charset="0"/>
+                        </a:rPr>
+                        <a:t>76.2419</a:t>
+                      </a:r>
+                      <a:endParaRPr lang="en-US" sz="1600" b="0" i="0" u="none" strike="noStrike">
+                        <a:effectLst/>
+                        <a:latin typeface="Times New Roman" panose="02020603050405020304" pitchFamily="18" charset="0"/>
+                        <a:cs typeface="Times New Roman" panose="02020603050405020304" pitchFamily="18" charset="0"/>
+                      </a:endParaRPr>
+                    </a:p>
+                  </a:txBody>
+                  <a:tcPr marL="7620" marR="7620" marT="7620" marB="0" anchor="ctr"/>
+                </a:tc>
+                <a:tc>
+                  <a:txBody>
+                    <a:bodyPr/>
+                    <a:lstStyle/>
+                    <a:p>
+                      <a:pPr algn="r" fontAlgn="b"/>
+                      <a:r>
+                        <a:rPr lang="en-US" sz="1600" u="none" strike="noStrike">
+                          <a:effectLst/>
+                          <a:latin typeface="Times New Roman" panose="02020603050405020304" pitchFamily="18" charset="0"/>
+                          <a:cs typeface="Times New Roman" panose="02020603050405020304" pitchFamily="18" charset="0"/>
+                        </a:rPr>
+                        <a:t>61.77106</a:t>
+                      </a:r>
+                      <a:endParaRPr lang="en-US" sz="1600" b="0" i="0" u="none" strike="noStrike">
+                        <a:effectLst/>
+                        <a:latin typeface="Times New Roman" panose="02020603050405020304" pitchFamily="18" charset="0"/>
+                        <a:cs typeface="Times New Roman" panose="02020603050405020304" pitchFamily="18" charset="0"/>
+                      </a:endParaRPr>
+                    </a:p>
+                  </a:txBody>
+                  <a:tcPr marL="7620" marR="7620" marT="7620" marB="0" anchor="ctr"/>
+                </a:tc>
+                <a:extLst>
+                  <a:ext uri="{0D108BD9-81ED-4DB2-BD59-A6C34878D82A}">
+                    <a16:rowId xmlns:a16="http://schemas.microsoft.com/office/drawing/2014/main" val="168374616"/>
+                  </a:ext>
+                </a:extLst>
+              </a:tr>
+              <a:tr h="281940">
+                <a:tc>
+                  <a:txBody>
+                    <a:bodyPr/>
+                    <a:lstStyle/>
+                    <a:p>
+                      <a:pPr algn="r" fontAlgn="b"/>
+                      <a:r>
+                        <a:rPr lang="en-US" sz="1600" u="none" strike="noStrike">
+                          <a:effectLst/>
+                          <a:latin typeface="Times New Roman" panose="02020603050405020304" pitchFamily="18" charset="0"/>
+                          <a:cs typeface="Times New Roman" panose="02020603050405020304" pitchFamily="18" charset="0"/>
+                        </a:rPr>
+                        <a:t>3</a:t>
+                      </a:r>
+                      <a:endParaRPr lang="en-US" sz="1600" b="0" i="0" u="none" strike="noStrike">
+                        <a:effectLst/>
+                        <a:latin typeface="Times New Roman" panose="02020603050405020304" pitchFamily="18" charset="0"/>
+                        <a:cs typeface="Times New Roman" panose="02020603050405020304" pitchFamily="18" charset="0"/>
+                      </a:endParaRPr>
+                    </a:p>
+                  </a:txBody>
+                  <a:tcPr marL="7620" marR="7620" marT="7620" marB="0" anchor="ctr"/>
+                </a:tc>
+                <a:tc>
+                  <a:txBody>
+                    <a:bodyPr/>
+                    <a:lstStyle/>
+                    <a:p>
+                      <a:pPr algn="r" fontAlgn="b"/>
+                      <a:r>
+                        <a:rPr lang="en-US" sz="1600" u="none" strike="noStrike" dirty="0">
+                          <a:effectLst/>
+                          <a:latin typeface="Times New Roman" panose="02020603050405020304" pitchFamily="18" charset="0"/>
+                          <a:cs typeface="Times New Roman" panose="02020603050405020304" pitchFamily="18" charset="0"/>
+                        </a:rPr>
+                        <a:t>87.04104</a:t>
+                      </a:r>
+                      <a:endParaRPr lang="en-US" sz="1600" b="0" i="0" u="none" strike="noStrike" dirty="0">
+                        <a:effectLst/>
+                        <a:latin typeface="Times New Roman" panose="02020603050405020304" pitchFamily="18" charset="0"/>
+                        <a:cs typeface="Times New Roman" panose="02020603050405020304" pitchFamily="18" charset="0"/>
+                      </a:endParaRPr>
+                    </a:p>
+                  </a:txBody>
+                  <a:tcPr marL="7620" marR="7620" marT="7620" marB="0" anchor="ctr"/>
+                </a:tc>
+                <a:tc>
+                  <a:txBody>
+                    <a:bodyPr/>
+                    <a:lstStyle/>
+                    <a:p>
+                      <a:pPr algn="r" fontAlgn="b"/>
+                      <a:r>
+                        <a:rPr lang="en-US" sz="1600" u="none" strike="noStrike">
+                          <a:effectLst/>
+                          <a:latin typeface="Times New Roman" panose="02020603050405020304" pitchFamily="18" charset="0"/>
+                          <a:cs typeface="Times New Roman" panose="02020603050405020304" pitchFamily="18" charset="0"/>
+                        </a:rPr>
+                        <a:t>73.43413</a:t>
+                      </a:r>
+                      <a:endParaRPr lang="en-US" sz="1600" b="0" i="0" u="none" strike="noStrike">
+                        <a:effectLst/>
+                        <a:latin typeface="Times New Roman" panose="02020603050405020304" pitchFamily="18" charset="0"/>
+                        <a:cs typeface="Times New Roman" panose="02020603050405020304" pitchFamily="18" charset="0"/>
+                      </a:endParaRPr>
+                    </a:p>
+                  </a:txBody>
+                  <a:tcPr marL="7620" marR="7620" marT="7620" marB="0" anchor="ctr"/>
+                </a:tc>
+                <a:tc>
+                  <a:txBody>
+                    <a:bodyPr/>
+                    <a:lstStyle/>
+                    <a:p>
+                      <a:pPr algn="r" fontAlgn="b"/>
+                      <a:r>
+                        <a:rPr lang="en-US" sz="1600" u="none" strike="noStrike">
+                          <a:effectLst/>
+                          <a:latin typeface="Times New Roman" panose="02020603050405020304" pitchFamily="18" charset="0"/>
+                          <a:cs typeface="Times New Roman" panose="02020603050405020304" pitchFamily="18" charset="0"/>
+                        </a:rPr>
+                        <a:t>63.49892</a:t>
+                      </a:r>
+                      <a:endParaRPr lang="en-US" sz="1600" b="0" i="0" u="none" strike="noStrike">
+                        <a:effectLst/>
+                        <a:latin typeface="Times New Roman" panose="02020603050405020304" pitchFamily="18" charset="0"/>
+                        <a:cs typeface="Times New Roman" panose="02020603050405020304" pitchFamily="18" charset="0"/>
+                      </a:endParaRPr>
+                    </a:p>
+                  </a:txBody>
+                  <a:tcPr marL="7620" marR="7620" marT="7620" marB="0" anchor="ctr"/>
+                </a:tc>
+                <a:extLst>
+                  <a:ext uri="{0D108BD9-81ED-4DB2-BD59-A6C34878D82A}">
+                    <a16:rowId xmlns:a16="http://schemas.microsoft.com/office/drawing/2014/main" val="3224539195"/>
+                  </a:ext>
+                </a:extLst>
+              </a:tr>
+              <a:tr h="281940">
+                <a:tc>
+                  <a:txBody>
+                    <a:bodyPr/>
+                    <a:lstStyle/>
+                    <a:p>
+                      <a:pPr algn="r" fontAlgn="b"/>
+                      <a:r>
+                        <a:rPr lang="en-US" sz="1600" u="none" strike="noStrike">
+                          <a:effectLst/>
+                          <a:latin typeface="Times New Roman" panose="02020603050405020304" pitchFamily="18" charset="0"/>
+                          <a:cs typeface="Times New Roman" panose="02020603050405020304" pitchFamily="18" charset="0"/>
+                        </a:rPr>
+                        <a:t>4</a:t>
+                      </a:r>
+                      <a:endParaRPr lang="en-US" sz="1600" b="0" i="0" u="none" strike="noStrike">
+                        <a:effectLst/>
+                        <a:latin typeface="Times New Roman" panose="02020603050405020304" pitchFamily="18" charset="0"/>
+                        <a:cs typeface="Times New Roman" panose="02020603050405020304" pitchFamily="18" charset="0"/>
+                      </a:endParaRPr>
+                    </a:p>
+                  </a:txBody>
+                  <a:tcPr marL="7620" marR="7620" marT="7620" marB="0" anchor="ctr"/>
+                </a:tc>
+                <a:tc>
+                  <a:txBody>
+                    <a:bodyPr/>
+                    <a:lstStyle/>
+                    <a:p>
+                      <a:pPr algn="r" fontAlgn="b"/>
+                      <a:r>
+                        <a:rPr lang="en-US" sz="1600" u="none" strike="noStrike" dirty="0">
+                          <a:effectLst/>
+                          <a:latin typeface="Times New Roman" panose="02020603050405020304" pitchFamily="18" charset="0"/>
+                          <a:cs typeface="Times New Roman" panose="02020603050405020304" pitchFamily="18" charset="0"/>
+                        </a:rPr>
+                        <a:t>87.68898</a:t>
+                      </a:r>
+                      <a:endParaRPr lang="en-US" sz="1600" b="0" i="0" u="none" strike="noStrike" dirty="0">
+                        <a:effectLst/>
+                        <a:latin typeface="Times New Roman" panose="02020603050405020304" pitchFamily="18" charset="0"/>
+                        <a:cs typeface="Times New Roman" panose="02020603050405020304" pitchFamily="18" charset="0"/>
+                      </a:endParaRPr>
+                    </a:p>
+                  </a:txBody>
+                  <a:tcPr marL="7620" marR="7620" marT="7620" marB="0" anchor="ctr"/>
+                </a:tc>
+                <a:tc>
+                  <a:txBody>
+                    <a:bodyPr/>
+                    <a:lstStyle/>
+                    <a:p>
+                      <a:pPr algn="r" fontAlgn="b"/>
+                      <a:r>
+                        <a:rPr lang="en-US" sz="1600" u="none" strike="noStrike">
+                          <a:effectLst/>
+                          <a:latin typeface="Times New Roman" panose="02020603050405020304" pitchFamily="18" charset="0"/>
+                          <a:cs typeface="Times New Roman" panose="02020603050405020304" pitchFamily="18" charset="0"/>
+                        </a:rPr>
+                        <a:t>72.35421</a:t>
+                      </a:r>
+                      <a:endParaRPr lang="en-US" sz="1600" b="0" i="0" u="none" strike="noStrike">
+                        <a:effectLst/>
+                        <a:latin typeface="Times New Roman" panose="02020603050405020304" pitchFamily="18" charset="0"/>
+                        <a:cs typeface="Times New Roman" panose="02020603050405020304" pitchFamily="18" charset="0"/>
+                      </a:endParaRPr>
+                    </a:p>
+                  </a:txBody>
+                  <a:tcPr marL="7620" marR="7620" marT="7620" marB="0" anchor="ctr"/>
+                </a:tc>
+                <a:tc>
+                  <a:txBody>
+                    <a:bodyPr/>
+                    <a:lstStyle/>
+                    <a:p>
+                      <a:pPr algn="r" fontAlgn="b"/>
+                      <a:r>
+                        <a:rPr lang="en-US" sz="1600" u="none" strike="noStrike">
+                          <a:effectLst/>
+                          <a:latin typeface="Times New Roman" panose="02020603050405020304" pitchFamily="18" charset="0"/>
+                          <a:cs typeface="Times New Roman" panose="02020603050405020304" pitchFamily="18" charset="0"/>
+                        </a:rPr>
+                        <a:t>65.0108</a:t>
+                      </a:r>
+                      <a:endParaRPr lang="en-US" sz="1600" b="0" i="0" u="none" strike="noStrike">
+                        <a:effectLst/>
+                        <a:latin typeface="Times New Roman" panose="02020603050405020304" pitchFamily="18" charset="0"/>
+                        <a:cs typeface="Times New Roman" panose="02020603050405020304" pitchFamily="18" charset="0"/>
+                      </a:endParaRPr>
+                    </a:p>
+                  </a:txBody>
+                  <a:tcPr marL="7620" marR="7620" marT="7620" marB="0" anchor="ctr"/>
+                </a:tc>
+                <a:extLst>
+                  <a:ext uri="{0D108BD9-81ED-4DB2-BD59-A6C34878D82A}">
+                    <a16:rowId xmlns:a16="http://schemas.microsoft.com/office/drawing/2014/main" val="3084581654"/>
+                  </a:ext>
+                </a:extLst>
+              </a:tr>
+              <a:tr h="281940">
+                <a:tc>
+                  <a:txBody>
+                    <a:bodyPr/>
+                    <a:lstStyle/>
+                    <a:p>
+                      <a:pPr algn="r" fontAlgn="b"/>
+                      <a:r>
+                        <a:rPr lang="en-US" sz="1600" u="none" strike="noStrike">
+                          <a:effectLst/>
+                          <a:latin typeface="Times New Roman" panose="02020603050405020304" pitchFamily="18" charset="0"/>
+                          <a:cs typeface="Times New Roman" panose="02020603050405020304" pitchFamily="18" charset="0"/>
+                        </a:rPr>
+                        <a:t>5</a:t>
+                      </a:r>
+                      <a:endParaRPr lang="en-US" sz="1600" b="0" i="0" u="none" strike="noStrike">
+                        <a:effectLst/>
+                        <a:latin typeface="Times New Roman" panose="02020603050405020304" pitchFamily="18" charset="0"/>
+                        <a:cs typeface="Times New Roman" panose="02020603050405020304" pitchFamily="18" charset="0"/>
+                      </a:endParaRPr>
+                    </a:p>
+                  </a:txBody>
+                  <a:tcPr marL="7620" marR="7620" marT="7620" marB="0" anchor="ctr"/>
+                </a:tc>
+                <a:tc>
+                  <a:txBody>
+                    <a:bodyPr/>
+                    <a:lstStyle/>
+                    <a:p>
+                      <a:pPr algn="r" fontAlgn="b"/>
+                      <a:r>
+                        <a:rPr lang="en-US" sz="1600" u="none" strike="noStrike" dirty="0">
+                          <a:effectLst/>
+                          <a:latin typeface="Times New Roman" panose="02020603050405020304" pitchFamily="18" charset="0"/>
+                          <a:cs typeface="Times New Roman" panose="02020603050405020304" pitchFamily="18" charset="0"/>
+                        </a:rPr>
+                        <a:t>89.20086</a:t>
+                      </a:r>
+                      <a:endParaRPr lang="en-US" sz="1600" b="0" i="0" u="none" strike="noStrike" dirty="0">
+                        <a:effectLst/>
+                        <a:latin typeface="Times New Roman" panose="02020603050405020304" pitchFamily="18" charset="0"/>
+                        <a:cs typeface="Times New Roman" panose="02020603050405020304" pitchFamily="18" charset="0"/>
+                      </a:endParaRPr>
+                    </a:p>
+                  </a:txBody>
+                  <a:tcPr marL="7620" marR="7620" marT="7620" marB="0" anchor="ctr"/>
+                </a:tc>
+                <a:tc>
+                  <a:txBody>
+                    <a:bodyPr/>
+                    <a:lstStyle/>
+                    <a:p>
+                      <a:pPr algn="r" fontAlgn="b"/>
+                      <a:r>
+                        <a:rPr lang="en-US" sz="1600" u="none" strike="noStrike">
+                          <a:effectLst/>
+                          <a:latin typeface="Times New Roman" panose="02020603050405020304" pitchFamily="18" charset="0"/>
+                          <a:cs typeface="Times New Roman" panose="02020603050405020304" pitchFamily="18" charset="0"/>
+                        </a:rPr>
+                        <a:t>73.21814</a:t>
+                      </a:r>
+                      <a:endParaRPr lang="en-US" sz="1600" b="0" i="0" u="none" strike="noStrike">
+                        <a:effectLst/>
+                        <a:latin typeface="Times New Roman" panose="02020603050405020304" pitchFamily="18" charset="0"/>
+                        <a:cs typeface="Times New Roman" panose="02020603050405020304" pitchFamily="18" charset="0"/>
+                      </a:endParaRPr>
+                    </a:p>
+                  </a:txBody>
+                  <a:tcPr marL="7620" marR="7620" marT="7620" marB="0" anchor="ctr"/>
+                </a:tc>
+                <a:tc>
+                  <a:txBody>
+                    <a:bodyPr/>
+                    <a:lstStyle/>
+                    <a:p>
+                      <a:pPr algn="r" fontAlgn="b"/>
+                      <a:r>
+                        <a:rPr lang="en-US" sz="1600" u="none" strike="noStrike">
+                          <a:effectLst/>
+                          <a:latin typeface="Times New Roman" panose="02020603050405020304" pitchFamily="18" charset="0"/>
+                          <a:cs typeface="Times New Roman" panose="02020603050405020304" pitchFamily="18" charset="0"/>
+                        </a:rPr>
+                        <a:t>60.25918</a:t>
+                      </a:r>
+                      <a:endParaRPr lang="en-US" sz="1600" b="0" i="0" u="none" strike="noStrike">
+                        <a:effectLst/>
+                        <a:latin typeface="Times New Roman" panose="02020603050405020304" pitchFamily="18" charset="0"/>
+                        <a:cs typeface="Times New Roman" panose="02020603050405020304" pitchFamily="18" charset="0"/>
+                      </a:endParaRPr>
+                    </a:p>
+                  </a:txBody>
+                  <a:tcPr marL="7620" marR="7620" marT="7620" marB="0" anchor="ctr"/>
+                </a:tc>
+                <a:extLst>
+                  <a:ext uri="{0D108BD9-81ED-4DB2-BD59-A6C34878D82A}">
+                    <a16:rowId xmlns:a16="http://schemas.microsoft.com/office/drawing/2014/main" val="2134585086"/>
+                  </a:ext>
+                </a:extLst>
+              </a:tr>
+              <a:tr h="281940">
+                <a:tc>
+                  <a:txBody>
+                    <a:bodyPr/>
+                    <a:lstStyle/>
+                    <a:p>
+                      <a:pPr algn="r" fontAlgn="b"/>
+                      <a:r>
+                        <a:rPr lang="en-US" sz="1600" u="none" strike="noStrike">
+                          <a:effectLst/>
+                          <a:latin typeface="Times New Roman" panose="02020603050405020304" pitchFamily="18" charset="0"/>
+                          <a:cs typeface="Times New Roman" panose="02020603050405020304" pitchFamily="18" charset="0"/>
+                        </a:rPr>
+                        <a:t>6</a:t>
+                      </a:r>
+                      <a:endParaRPr lang="en-US" sz="1600" b="0" i="0" u="none" strike="noStrike">
+                        <a:effectLst/>
+                        <a:latin typeface="Times New Roman" panose="02020603050405020304" pitchFamily="18" charset="0"/>
+                        <a:cs typeface="Times New Roman" panose="02020603050405020304" pitchFamily="18" charset="0"/>
+                      </a:endParaRPr>
+                    </a:p>
+                  </a:txBody>
+                  <a:tcPr marL="7620" marR="7620" marT="7620" marB="0" anchor="ctr"/>
+                </a:tc>
+                <a:tc>
+                  <a:txBody>
+                    <a:bodyPr/>
+                    <a:lstStyle/>
+                    <a:p>
+                      <a:pPr algn="r" fontAlgn="b"/>
+                      <a:r>
+                        <a:rPr lang="en-US" sz="1600" u="none" strike="noStrike">
+                          <a:effectLst/>
+                          <a:latin typeface="Times New Roman" panose="02020603050405020304" pitchFamily="18" charset="0"/>
+                          <a:cs typeface="Times New Roman" panose="02020603050405020304" pitchFamily="18" charset="0"/>
+                        </a:rPr>
+                        <a:t>87.473</a:t>
+                      </a:r>
+                      <a:endParaRPr lang="en-US" sz="1600" b="0" i="0" u="none" strike="noStrike">
+                        <a:effectLst/>
+                        <a:latin typeface="Times New Roman" panose="02020603050405020304" pitchFamily="18" charset="0"/>
+                        <a:cs typeface="Times New Roman" panose="02020603050405020304" pitchFamily="18" charset="0"/>
+                      </a:endParaRPr>
+                    </a:p>
+                  </a:txBody>
+                  <a:tcPr marL="7620" marR="7620" marT="7620" marB="0" anchor="ctr"/>
+                </a:tc>
+                <a:tc>
+                  <a:txBody>
+                    <a:bodyPr/>
+                    <a:lstStyle/>
+                    <a:p>
+                      <a:pPr algn="r" fontAlgn="b"/>
+                      <a:r>
+                        <a:rPr lang="en-US" sz="1600" u="none" strike="noStrike" dirty="0">
+                          <a:effectLst/>
+                          <a:latin typeface="Times New Roman" panose="02020603050405020304" pitchFamily="18" charset="0"/>
+                          <a:cs typeface="Times New Roman" panose="02020603050405020304" pitchFamily="18" charset="0"/>
+                        </a:rPr>
+                        <a:t>72.78618</a:t>
+                      </a:r>
+                      <a:endParaRPr lang="en-US" sz="1600" b="0" i="0" u="none" strike="noStrike" dirty="0">
+                        <a:effectLst/>
+                        <a:latin typeface="Times New Roman" panose="02020603050405020304" pitchFamily="18" charset="0"/>
+                        <a:cs typeface="Times New Roman" panose="02020603050405020304" pitchFamily="18" charset="0"/>
+                      </a:endParaRPr>
+                    </a:p>
+                  </a:txBody>
+                  <a:tcPr marL="7620" marR="7620" marT="7620" marB="0" anchor="ctr"/>
+                </a:tc>
+                <a:tc>
+                  <a:txBody>
+                    <a:bodyPr/>
+                    <a:lstStyle/>
+                    <a:p>
+                      <a:pPr algn="r" fontAlgn="b"/>
+                      <a:r>
+                        <a:rPr lang="en-US" sz="1600" u="none" strike="noStrike">
+                          <a:effectLst/>
+                          <a:latin typeface="Times New Roman" panose="02020603050405020304" pitchFamily="18" charset="0"/>
+                          <a:cs typeface="Times New Roman" panose="02020603050405020304" pitchFamily="18" charset="0"/>
+                        </a:rPr>
+                        <a:t>60.47516</a:t>
+                      </a:r>
+                      <a:endParaRPr lang="en-US" sz="1600" b="0" i="0" u="none" strike="noStrike">
+                        <a:effectLst/>
+                        <a:latin typeface="Times New Roman" panose="02020603050405020304" pitchFamily="18" charset="0"/>
+                        <a:cs typeface="Times New Roman" panose="02020603050405020304" pitchFamily="18" charset="0"/>
+                      </a:endParaRPr>
+                    </a:p>
+                  </a:txBody>
+                  <a:tcPr marL="7620" marR="7620" marT="7620" marB="0" anchor="ctr"/>
+                </a:tc>
+                <a:extLst>
+                  <a:ext uri="{0D108BD9-81ED-4DB2-BD59-A6C34878D82A}">
+                    <a16:rowId xmlns:a16="http://schemas.microsoft.com/office/drawing/2014/main" val="231354001"/>
+                  </a:ext>
+                </a:extLst>
+              </a:tr>
+              <a:tr h="281940">
+                <a:tc>
+                  <a:txBody>
+                    <a:bodyPr/>
+                    <a:lstStyle/>
+                    <a:p>
+                      <a:pPr algn="r" fontAlgn="b"/>
+                      <a:r>
+                        <a:rPr lang="en-US" sz="1600" u="none" strike="noStrike">
+                          <a:effectLst/>
+                          <a:latin typeface="Times New Roman" panose="02020603050405020304" pitchFamily="18" charset="0"/>
+                          <a:cs typeface="Times New Roman" panose="02020603050405020304" pitchFamily="18" charset="0"/>
+                        </a:rPr>
+                        <a:t>7</a:t>
+                      </a:r>
+                      <a:endParaRPr lang="en-US" sz="1600" b="0" i="0" u="none" strike="noStrike">
+                        <a:effectLst/>
+                        <a:latin typeface="Times New Roman" panose="02020603050405020304" pitchFamily="18" charset="0"/>
+                        <a:cs typeface="Times New Roman" panose="02020603050405020304" pitchFamily="18" charset="0"/>
+                      </a:endParaRPr>
+                    </a:p>
+                  </a:txBody>
+                  <a:tcPr marL="7620" marR="7620" marT="7620" marB="0" anchor="ctr"/>
+                </a:tc>
+                <a:tc>
+                  <a:txBody>
+                    <a:bodyPr/>
+                    <a:lstStyle/>
+                    <a:p>
+                      <a:pPr algn="r" fontAlgn="b"/>
+                      <a:r>
+                        <a:rPr lang="en-US" sz="1600" u="none" strike="noStrike">
+                          <a:effectLst/>
+                          <a:latin typeface="Times New Roman" panose="02020603050405020304" pitchFamily="18" charset="0"/>
+                          <a:cs typeface="Times New Roman" panose="02020603050405020304" pitchFamily="18" charset="0"/>
+                        </a:rPr>
+                        <a:t>87.68898</a:t>
+                      </a:r>
+                      <a:endParaRPr lang="en-US" sz="1600" b="0" i="0" u="none" strike="noStrike">
+                        <a:effectLst/>
+                        <a:latin typeface="Times New Roman" panose="02020603050405020304" pitchFamily="18" charset="0"/>
+                        <a:cs typeface="Times New Roman" panose="02020603050405020304" pitchFamily="18" charset="0"/>
+                      </a:endParaRPr>
+                    </a:p>
+                  </a:txBody>
+                  <a:tcPr marL="7620" marR="7620" marT="7620" marB="0" anchor="ctr"/>
+                </a:tc>
+                <a:tc>
+                  <a:txBody>
+                    <a:bodyPr/>
+                    <a:lstStyle/>
+                    <a:p>
+                      <a:pPr algn="r" fontAlgn="b"/>
+                      <a:r>
+                        <a:rPr lang="en-US" sz="1600" u="none" strike="noStrike" dirty="0">
+                          <a:effectLst/>
+                          <a:latin typeface="Times New Roman" panose="02020603050405020304" pitchFamily="18" charset="0"/>
+                          <a:cs typeface="Times New Roman" panose="02020603050405020304" pitchFamily="18" charset="0"/>
+                        </a:rPr>
+                        <a:t>72.13823</a:t>
+                      </a:r>
+                      <a:endParaRPr lang="en-US" sz="1600" b="0" i="0" u="none" strike="noStrike" dirty="0">
+                        <a:effectLst/>
+                        <a:latin typeface="Times New Roman" panose="02020603050405020304" pitchFamily="18" charset="0"/>
+                        <a:cs typeface="Times New Roman" panose="02020603050405020304" pitchFamily="18" charset="0"/>
+                      </a:endParaRPr>
+                    </a:p>
+                  </a:txBody>
+                  <a:tcPr marL="7620" marR="7620" marT="7620" marB="0" anchor="ctr"/>
+                </a:tc>
+                <a:tc>
+                  <a:txBody>
+                    <a:bodyPr/>
+                    <a:lstStyle/>
+                    <a:p>
+                      <a:pPr algn="r" fontAlgn="b"/>
+                      <a:r>
+                        <a:rPr lang="en-US" sz="1600" u="none" strike="noStrike">
+                          <a:effectLst/>
+                          <a:latin typeface="Times New Roman" panose="02020603050405020304" pitchFamily="18" charset="0"/>
+                          <a:cs typeface="Times New Roman" panose="02020603050405020304" pitchFamily="18" charset="0"/>
+                        </a:rPr>
+                        <a:t>62.63499</a:t>
+                      </a:r>
+                      <a:endParaRPr lang="en-US" sz="1600" b="0" i="0" u="none" strike="noStrike">
+                        <a:effectLst/>
+                        <a:latin typeface="Times New Roman" panose="02020603050405020304" pitchFamily="18" charset="0"/>
+                        <a:cs typeface="Times New Roman" panose="02020603050405020304" pitchFamily="18" charset="0"/>
+                      </a:endParaRPr>
+                    </a:p>
+                  </a:txBody>
+                  <a:tcPr marL="7620" marR="7620" marT="7620" marB="0" anchor="ctr"/>
+                </a:tc>
+                <a:extLst>
+                  <a:ext uri="{0D108BD9-81ED-4DB2-BD59-A6C34878D82A}">
+                    <a16:rowId xmlns:a16="http://schemas.microsoft.com/office/drawing/2014/main" val="1710464718"/>
+                  </a:ext>
+                </a:extLst>
+              </a:tr>
+              <a:tr h="281940">
+                <a:tc>
+                  <a:txBody>
+                    <a:bodyPr/>
+                    <a:lstStyle/>
+                    <a:p>
+                      <a:pPr algn="r" fontAlgn="b"/>
+                      <a:r>
+                        <a:rPr lang="en-US" sz="1600" u="none" strike="noStrike">
+                          <a:effectLst/>
+                          <a:latin typeface="Times New Roman" panose="02020603050405020304" pitchFamily="18" charset="0"/>
+                          <a:cs typeface="Times New Roman" panose="02020603050405020304" pitchFamily="18" charset="0"/>
+                        </a:rPr>
+                        <a:t>8</a:t>
+                      </a:r>
+                      <a:endParaRPr lang="en-US" sz="1600" b="0" i="0" u="none" strike="noStrike">
+                        <a:effectLst/>
+                        <a:latin typeface="Times New Roman" panose="02020603050405020304" pitchFamily="18" charset="0"/>
+                        <a:cs typeface="Times New Roman" panose="02020603050405020304" pitchFamily="18" charset="0"/>
+                      </a:endParaRPr>
+                    </a:p>
+                  </a:txBody>
+                  <a:tcPr marL="7620" marR="7620" marT="7620" marB="0" anchor="ctr"/>
+                </a:tc>
+                <a:tc>
+                  <a:txBody>
+                    <a:bodyPr/>
+                    <a:lstStyle/>
+                    <a:p>
+                      <a:pPr algn="r" fontAlgn="b"/>
+                      <a:r>
+                        <a:rPr lang="en-US" sz="1600" u="none" strike="noStrike">
+                          <a:effectLst/>
+                          <a:latin typeface="Times New Roman" panose="02020603050405020304" pitchFamily="18" charset="0"/>
+                          <a:cs typeface="Times New Roman" panose="02020603050405020304" pitchFamily="18" charset="0"/>
+                        </a:rPr>
+                        <a:t>87.68898</a:t>
+                      </a:r>
+                      <a:endParaRPr lang="en-US" sz="1600" b="0" i="0" u="none" strike="noStrike">
+                        <a:effectLst/>
+                        <a:latin typeface="Times New Roman" panose="02020603050405020304" pitchFamily="18" charset="0"/>
+                        <a:cs typeface="Times New Roman" panose="02020603050405020304" pitchFamily="18" charset="0"/>
+                      </a:endParaRPr>
+                    </a:p>
+                  </a:txBody>
+                  <a:tcPr marL="7620" marR="7620" marT="7620" marB="0" anchor="ctr"/>
+                </a:tc>
+                <a:tc>
+                  <a:txBody>
+                    <a:bodyPr/>
+                    <a:lstStyle/>
+                    <a:p>
+                      <a:pPr algn="r" fontAlgn="b"/>
+                      <a:r>
+                        <a:rPr lang="en-US" sz="1600" u="none" strike="noStrike" dirty="0">
+                          <a:effectLst/>
+                          <a:latin typeface="Times New Roman" panose="02020603050405020304" pitchFamily="18" charset="0"/>
+                          <a:cs typeface="Times New Roman" panose="02020603050405020304" pitchFamily="18" charset="0"/>
+                        </a:rPr>
+                        <a:t>71.92225</a:t>
+                      </a:r>
+                      <a:endParaRPr lang="en-US" sz="1600" b="0" i="0" u="none" strike="noStrike" dirty="0">
+                        <a:effectLst/>
+                        <a:latin typeface="Times New Roman" panose="02020603050405020304" pitchFamily="18" charset="0"/>
+                        <a:cs typeface="Times New Roman" panose="02020603050405020304" pitchFamily="18" charset="0"/>
+                      </a:endParaRPr>
+                    </a:p>
+                  </a:txBody>
+                  <a:tcPr marL="7620" marR="7620" marT="7620" marB="0" anchor="ctr"/>
+                </a:tc>
+                <a:tc>
+                  <a:txBody>
+                    <a:bodyPr/>
+                    <a:lstStyle/>
+                    <a:p>
+                      <a:pPr algn="r" fontAlgn="b"/>
+                      <a:r>
+                        <a:rPr lang="en-US" sz="1600" u="none" strike="noStrike">
+                          <a:effectLst/>
+                          <a:latin typeface="Times New Roman" panose="02020603050405020304" pitchFamily="18" charset="0"/>
+                          <a:cs typeface="Times New Roman" panose="02020603050405020304" pitchFamily="18" charset="0"/>
+                        </a:rPr>
+                        <a:t>66.09071</a:t>
+                      </a:r>
+                      <a:endParaRPr lang="en-US" sz="1600" b="0" i="0" u="none" strike="noStrike">
+                        <a:effectLst/>
+                        <a:latin typeface="Times New Roman" panose="02020603050405020304" pitchFamily="18" charset="0"/>
+                        <a:cs typeface="Times New Roman" panose="02020603050405020304" pitchFamily="18" charset="0"/>
+                      </a:endParaRPr>
+                    </a:p>
+                  </a:txBody>
+                  <a:tcPr marL="7620" marR="7620" marT="7620" marB="0" anchor="ctr"/>
+                </a:tc>
+                <a:extLst>
+                  <a:ext uri="{0D108BD9-81ED-4DB2-BD59-A6C34878D82A}">
+                    <a16:rowId xmlns:a16="http://schemas.microsoft.com/office/drawing/2014/main" val="2134076807"/>
+                  </a:ext>
+                </a:extLst>
+              </a:tr>
+              <a:tr h="281940">
+                <a:tc>
+                  <a:txBody>
+                    <a:bodyPr/>
+                    <a:lstStyle/>
+                    <a:p>
+                      <a:pPr algn="r" fontAlgn="b"/>
+                      <a:r>
+                        <a:rPr lang="en-US" sz="1600" u="none" strike="noStrike">
+                          <a:effectLst/>
+                          <a:latin typeface="Times New Roman" panose="02020603050405020304" pitchFamily="18" charset="0"/>
+                          <a:cs typeface="Times New Roman" panose="02020603050405020304" pitchFamily="18" charset="0"/>
+                        </a:rPr>
+                        <a:t>9</a:t>
+                      </a:r>
+                      <a:endParaRPr lang="en-US" sz="1600" b="0" i="0" u="none" strike="noStrike">
+                        <a:effectLst/>
+                        <a:latin typeface="Times New Roman" panose="02020603050405020304" pitchFamily="18" charset="0"/>
+                        <a:cs typeface="Times New Roman" panose="02020603050405020304" pitchFamily="18" charset="0"/>
+                      </a:endParaRPr>
+                    </a:p>
+                  </a:txBody>
+                  <a:tcPr marL="7620" marR="7620" marT="7620" marB="0" anchor="ctr"/>
+                </a:tc>
+                <a:tc>
+                  <a:txBody>
+                    <a:bodyPr/>
+                    <a:lstStyle/>
+                    <a:p>
+                      <a:pPr algn="r" fontAlgn="b"/>
+                      <a:r>
+                        <a:rPr lang="en-US" sz="1600" u="none" strike="noStrike">
+                          <a:effectLst/>
+                          <a:latin typeface="Times New Roman" panose="02020603050405020304" pitchFamily="18" charset="0"/>
+                          <a:cs typeface="Times New Roman" panose="02020603050405020304" pitchFamily="18" charset="0"/>
+                        </a:rPr>
+                        <a:t>86.82505</a:t>
+                      </a:r>
+                      <a:endParaRPr lang="en-US" sz="1600" b="0" i="0" u="none" strike="noStrike">
+                        <a:effectLst/>
+                        <a:latin typeface="Times New Roman" panose="02020603050405020304" pitchFamily="18" charset="0"/>
+                        <a:cs typeface="Times New Roman" panose="02020603050405020304" pitchFamily="18" charset="0"/>
+                      </a:endParaRPr>
+                    </a:p>
+                  </a:txBody>
+                  <a:tcPr marL="7620" marR="7620" marT="7620" marB="0" anchor="ctr"/>
+                </a:tc>
+                <a:tc>
+                  <a:txBody>
+                    <a:bodyPr/>
+                    <a:lstStyle/>
+                    <a:p>
+                      <a:pPr algn="r" fontAlgn="b"/>
+                      <a:r>
+                        <a:rPr lang="en-US" sz="1600" u="none" strike="noStrike" dirty="0">
+                          <a:effectLst/>
+                          <a:latin typeface="Times New Roman" panose="02020603050405020304" pitchFamily="18" charset="0"/>
+                          <a:cs typeface="Times New Roman" panose="02020603050405020304" pitchFamily="18" charset="0"/>
+                        </a:rPr>
+                        <a:t>71.2743</a:t>
+                      </a:r>
+                      <a:endParaRPr lang="en-US" sz="1600" b="0" i="0" u="none" strike="noStrike" dirty="0">
+                        <a:effectLst/>
+                        <a:latin typeface="Times New Roman" panose="02020603050405020304" pitchFamily="18" charset="0"/>
+                        <a:cs typeface="Times New Roman" panose="02020603050405020304" pitchFamily="18" charset="0"/>
+                      </a:endParaRPr>
+                    </a:p>
+                  </a:txBody>
+                  <a:tcPr marL="7620" marR="7620" marT="7620" marB="0" anchor="ctr"/>
+                </a:tc>
+                <a:tc>
+                  <a:txBody>
+                    <a:bodyPr/>
+                    <a:lstStyle/>
+                    <a:p>
+                      <a:pPr algn="r" fontAlgn="b"/>
+                      <a:r>
+                        <a:rPr lang="en-US" sz="1600" u="none" strike="noStrike" dirty="0">
+                          <a:effectLst/>
+                          <a:latin typeface="Times New Roman" panose="02020603050405020304" pitchFamily="18" charset="0"/>
+                          <a:cs typeface="Times New Roman" panose="02020603050405020304" pitchFamily="18" charset="0"/>
+                        </a:rPr>
+                        <a:t>61.77106</a:t>
+                      </a:r>
+                      <a:endParaRPr lang="en-US" sz="1600" b="0" i="0" u="none" strike="noStrike" dirty="0">
+                        <a:effectLst/>
+                        <a:latin typeface="Times New Roman" panose="02020603050405020304" pitchFamily="18" charset="0"/>
+                        <a:cs typeface="Times New Roman" panose="02020603050405020304" pitchFamily="18" charset="0"/>
+                      </a:endParaRPr>
+                    </a:p>
+                  </a:txBody>
+                  <a:tcPr marL="7620" marR="7620" marT="7620" marB="0" anchor="ctr"/>
+                </a:tc>
+                <a:extLst>
+                  <a:ext uri="{0D108BD9-81ED-4DB2-BD59-A6C34878D82A}">
+                    <a16:rowId xmlns:a16="http://schemas.microsoft.com/office/drawing/2014/main" val="2272223841"/>
+                  </a:ext>
+                </a:extLst>
+              </a:tr>
+              <a:tr h="281940">
+                <a:tc>
+                  <a:txBody>
+                    <a:bodyPr/>
+                    <a:lstStyle/>
+                    <a:p>
+                      <a:pPr algn="r" fontAlgn="b"/>
+                      <a:r>
+                        <a:rPr lang="en-US" sz="1600" u="none" strike="noStrike">
+                          <a:effectLst/>
+                          <a:latin typeface="Times New Roman" panose="02020603050405020304" pitchFamily="18" charset="0"/>
+                          <a:cs typeface="Times New Roman" panose="02020603050405020304" pitchFamily="18" charset="0"/>
+                        </a:rPr>
+                        <a:t>10</a:t>
+                      </a:r>
+                      <a:endParaRPr lang="en-US" sz="1600" b="0" i="0" u="none" strike="noStrike">
+                        <a:effectLst/>
+                        <a:latin typeface="Times New Roman" panose="02020603050405020304" pitchFamily="18" charset="0"/>
+                        <a:cs typeface="Times New Roman" panose="02020603050405020304" pitchFamily="18" charset="0"/>
+                      </a:endParaRPr>
+                    </a:p>
+                  </a:txBody>
+                  <a:tcPr marL="7620" marR="7620" marT="7620" marB="0" anchor="ctr"/>
+                </a:tc>
+                <a:tc>
+                  <a:txBody>
+                    <a:bodyPr/>
+                    <a:lstStyle/>
+                    <a:p>
+                      <a:pPr algn="r" fontAlgn="b"/>
+                      <a:r>
+                        <a:rPr lang="en-US" sz="1600" u="none" strike="noStrike">
+                          <a:effectLst/>
+                          <a:latin typeface="Times New Roman" panose="02020603050405020304" pitchFamily="18" charset="0"/>
+                          <a:cs typeface="Times New Roman" panose="02020603050405020304" pitchFamily="18" charset="0"/>
+                        </a:rPr>
+                        <a:t>88.7689</a:t>
+                      </a:r>
+                      <a:endParaRPr lang="en-US" sz="1600" b="0" i="0" u="none" strike="noStrike">
+                        <a:effectLst/>
+                        <a:latin typeface="Times New Roman" panose="02020603050405020304" pitchFamily="18" charset="0"/>
+                        <a:cs typeface="Times New Roman" panose="02020603050405020304" pitchFamily="18" charset="0"/>
+                      </a:endParaRPr>
+                    </a:p>
+                  </a:txBody>
+                  <a:tcPr marL="7620" marR="7620" marT="7620" marB="0" anchor="ctr"/>
+                </a:tc>
+                <a:tc>
+                  <a:txBody>
+                    <a:bodyPr/>
+                    <a:lstStyle/>
+                    <a:p>
+                      <a:pPr algn="r" fontAlgn="b"/>
+                      <a:r>
+                        <a:rPr lang="en-US" sz="1600" u="none" strike="noStrike" dirty="0">
+                          <a:effectLst/>
+                          <a:latin typeface="Times New Roman" panose="02020603050405020304" pitchFamily="18" charset="0"/>
+                          <a:cs typeface="Times New Roman" panose="02020603050405020304" pitchFamily="18" charset="0"/>
+                        </a:rPr>
+                        <a:t>74.29806</a:t>
+                      </a:r>
+                      <a:endParaRPr lang="en-US" sz="1600" b="0" i="0" u="none" strike="noStrike" dirty="0">
+                        <a:effectLst/>
+                        <a:latin typeface="Times New Roman" panose="02020603050405020304" pitchFamily="18" charset="0"/>
+                        <a:cs typeface="Times New Roman" panose="02020603050405020304" pitchFamily="18" charset="0"/>
+                      </a:endParaRPr>
+                    </a:p>
+                  </a:txBody>
+                  <a:tcPr marL="7620" marR="7620" marT="7620" marB="0" anchor="ctr"/>
+                </a:tc>
+                <a:tc>
+                  <a:txBody>
+                    <a:bodyPr/>
+                    <a:lstStyle/>
+                    <a:p>
+                      <a:pPr algn="r" fontAlgn="b"/>
+                      <a:r>
+                        <a:rPr lang="en-US" sz="1600" u="none" strike="noStrike" dirty="0">
+                          <a:effectLst/>
+                          <a:latin typeface="Times New Roman" panose="02020603050405020304" pitchFamily="18" charset="0"/>
+                          <a:cs typeface="Times New Roman" panose="02020603050405020304" pitchFamily="18" charset="0"/>
+                        </a:rPr>
+                        <a:t>63.06695</a:t>
+                      </a:r>
+                      <a:endParaRPr lang="en-US" sz="1600" b="0" i="0" u="none" strike="noStrike" dirty="0">
+                        <a:effectLst/>
+                        <a:latin typeface="Times New Roman" panose="02020603050405020304" pitchFamily="18" charset="0"/>
+                        <a:cs typeface="Times New Roman" panose="02020603050405020304" pitchFamily="18" charset="0"/>
+                      </a:endParaRPr>
+                    </a:p>
+                  </a:txBody>
+                  <a:tcPr marL="7620" marR="7620" marT="7620" marB="0" anchor="ctr"/>
+                </a:tc>
+                <a:extLst>
+                  <a:ext uri="{0D108BD9-81ED-4DB2-BD59-A6C34878D82A}">
+                    <a16:rowId xmlns:a16="http://schemas.microsoft.com/office/drawing/2014/main" val="3567161672"/>
+                  </a:ext>
+                </a:extLst>
+              </a:tr>
+              <a:tr h="281940">
+                <a:tc>
+                  <a:txBody>
+                    <a:bodyPr/>
+                    <a:lstStyle/>
+                    <a:p>
+                      <a:pPr algn="r" fontAlgn="b"/>
+                      <a:r>
+                        <a:rPr lang="en-US" sz="1600" u="none" strike="noStrike">
+                          <a:effectLst/>
+                          <a:latin typeface="Times New Roman" panose="02020603050405020304" pitchFamily="18" charset="0"/>
+                          <a:cs typeface="Times New Roman" panose="02020603050405020304" pitchFamily="18" charset="0"/>
+                        </a:rPr>
+                        <a:t>11</a:t>
+                      </a:r>
+                      <a:endParaRPr lang="en-US" sz="1600" b="0" i="0" u="none" strike="noStrike">
+                        <a:effectLst/>
+                        <a:latin typeface="Times New Roman" panose="02020603050405020304" pitchFamily="18" charset="0"/>
+                        <a:cs typeface="Times New Roman" panose="02020603050405020304" pitchFamily="18" charset="0"/>
+                      </a:endParaRPr>
+                    </a:p>
+                  </a:txBody>
+                  <a:tcPr marL="7620" marR="7620" marT="7620" marB="0" anchor="ctr"/>
+                </a:tc>
+                <a:tc>
+                  <a:txBody>
+                    <a:bodyPr/>
+                    <a:lstStyle/>
+                    <a:p>
+                      <a:pPr algn="r" fontAlgn="b"/>
+                      <a:r>
+                        <a:rPr lang="en-US" sz="1600" u="none" strike="noStrike">
+                          <a:effectLst/>
+                          <a:latin typeface="Times New Roman" panose="02020603050405020304" pitchFamily="18" charset="0"/>
+                          <a:cs typeface="Times New Roman" panose="02020603050405020304" pitchFamily="18" charset="0"/>
+                        </a:rPr>
+                        <a:t>87.90497</a:t>
+                      </a:r>
+                      <a:endParaRPr lang="en-US" sz="1600" b="0" i="0" u="none" strike="noStrike">
+                        <a:effectLst/>
+                        <a:latin typeface="Times New Roman" panose="02020603050405020304" pitchFamily="18" charset="0"/>
+                        <a:cs typeface="Times New Roman" panose="02020603050405020304" pitchFamily="18" charset="0"/>
+                      </a:endParaRPr>
+                    </a:p>
+                  </a:txBody>
+                  <a:tcPr marL="7620" marR="7620" marT="7620" marB="0" anchor="ctr"/>
+                </a:tc>
+                <a:tc>
+                  <a:txBody>
+                    <a:bodyPr/>
+                    <a:lstStyle/>
+                    <a:p>
+                      <a:pPr algn="r" fontAlgn="b"/>
+                      <a:r>
+                        <a:rPr lang="en-US" sz="1600" u="none" strike="noStrike">
+                          <a:effectLst/>
+                          <a:latin typeface="Times New Roman" panose="02020603050405020304" pitchFamily="18" charset="0"/>
+                          <a:cs typeface="Times New Roman" panose="02020603050405020304" pitchFamily="18" charset="0"/>
+                        </a:rPr>
+                        <a:t>73.00216</a:t>
+                      </a:r>
+                      <a:endParaRPr lang="en-US" sz="1600" b="0" i="0" u="none" strike="noStrike">
+                        <a:effectLst/>
+                        <a:latin typeface="Times New Roman" panose="02020603050405020304" pitchFamily="18" charset="0"/>
+                        <a:cs typeface="Times New Roman" panose="02020603050405020304" pitchFamily="18" charset="0"/>
+                      </a:endParaRPr>
+                    </a:p>
+                  </a:txBody>
+                  <a:tcPr marL="7620" marR="7620" marT="7620" marB="0" anchor="ctr"/>
+                </a:tc>
+                <a:tc>
+                  <a:txBody>
+                    <a:bodyPr/>
+                    <a:lstStyle/>
+                    <a:p>
+                      <a:pPr algn="r" fontAlgn="b"/>
+                      <a:r>
+                        <a:rPr lang="en-US" sz="1600" u="none" strike="noStrike" dirty="0">
+                          <a:effectLst/>
+                          <a:latin typeface="Times New Roman" panose="02020603050405020304" pitchFamily="18" charset="0"/>
+                          <a:cs typeface="Times New Roman" panose="02020603050405020304" pitchFamily="18" charset="0"/>
+                        </a:rPr>
+                        <a:t>62.20302</a:t>
+                      </a:r>
+                      <a:endParaRPr lang="en-US" sz="1600" b="0" i="0" u="none" strike="noStrike" dirty="0">
+                        <a:effectLst/>
+                        <a:latin typeface="Times New Roman" panose="02020603050405020304" pitchFamily="18" charset="0"/>
+                        <a:cs typeface="Times New Roman" panose="02020603050405020304" pitchFamily="18" charset="0"/>
+                      </a:endParaRPr>
+                    </a:p>
+                  </a:txBody>
+                  <a:tcPr marL="7620" marR="7620" marT="7620" marB="0" anchor="ctr"/>
+                </a:tc>
+                <a:extLst>
+                  <a:ext uri="{0D108BD9-81ED-4DB2-BD59-A6C34878D82A}">
+                    <a16:rowId xmlns:a16="http://schemas.microsoft.com/office/drawing/2014/main" val="184882363"/>
+                  </a:ext>
+                </a:extLst>
+              </a:tr>
+              <a:tr h="281940">
+                <a:tc>
+                  <a:txBody>
+                    <a:bodyPr/>
+                    <a:lstStyle/>
+                    <a:p>
+                      <a:pPr algn="r" fontAlgn="b"/>
+                      <a:r>
+                        <a:rPr lang="en-US" sz="1600" u="none" strike="noStrike">
+                          <a:effectLst/>
+                          <a:latin typeface="Times New Roman" panose="02020603050405020304" pitchFamily="18" charset="0"/>
+                          <a:cs typeface="Times New Roman" panose="02020603050405020304" pitchFamily="18" charset="0"/>
+                        </a:rPr>
+                        <a:t>12</a:t>
+                      </a:r>
+                      <a:endParaRPr lang="en-US" sz="1600" b="0" i="0" u="none" strike="noStrike">
+                        <a:effectLst/>
+                        <a:latin typeface="Times New Roman" panose="02020603050405020304" pitchFamily="18" charset="0"/>
+                        <a:cs typeface="Times New Roman" panose="02020603050405020304" pitchFamily="18" charset="0"/>
+                      </a:endParaRPr>
+                    </a:p>
+                  </a:txBody>
+                  <a:tcPr marL="7620" marR="7620" marT="7620" marB="0" anchor="ctr"/>
+                </a:tc>
+                <a:tc>
+                  <a:txBody>
+                    <a:bodyPr/>
+                    <a:lstStyle/>
+                    <a:p>
+                      <a:pPr algn="r" fontAlgn="b"/>
+                      <a:r>
+                        <a:rPr lang="en-US" sz="1600" u="none" strike="noStrike">
+                          <a:effectLst/>
+                          <a:latin typeface="Times New Roman" panose="02020603050405020304" pitchFamily="18" charset="0"/>
+                          <a:cs typeface="Times New Roman" panose="02020603050405020304" pitchFamily="18" charset="0"/>
+                        </a:rPr>
+                        <a:t>89.20086</a:t>
+                      </a:r>
+                      <a:endParaRPr lang="en-US" sz="1600" b="0" i="0" u="none" strike="noStrike">
+                        <a:effectLst/>
+                        <a:latin typeface="Times New Roman" panose="02020603050405020304" pitchFamily="18" charset="0"/>
+                        <a:cs typeface="Times New Roman" panose="02020603050405020304" pitchFamily="18" charset="0"/>
+                      </a:endParaRPr>
+                    </a:p>
+                  </a:txBody>
+                  <a:tcPr marL="7620" marR="7620" marT="7620" marB="0" anchor="ctr"/>
+                </a:tc>
+                <a:tc>
+                  <a:txBody>
+                    <a:bodyPr/>
+                    <a:lstStyle/>
+                    <a:p>
+                      <a:pPr algn="r" fontAlgn="b"/>
+                      <a:r>
+                        <a:rPr lang="en-US" sz="1600" u="none" strike="noStrike">
+                          <a:effectLst/>
+                          <a:latin typeface="Times New Roman" panose="02020603050405020304" pitchFamily="18" charset="0"/>
+                          <a:cs typeface="Times New Roman" panose="02020603050405020304" pitchFamily="18" charset="0"/>
+                        </a:rPr>
+                        <a:t>73.86609</a:t>
+                      </a:r>
+                      <a:endParaRPr lang="en-US" sz="1600" b="0" i="0" u="none" strike="noStrike">
+                        <a:effectLst/>
+                        <a:latin typeface="Times New Roman" panose="02020603050405020304" pitchFamily="18" charset="0"/>
+                        <a:cs typeface="Times New Roman" panose="02020603050405020304" pitchFamily="18" charset="0"/>
+                      </a:endParaRPr>
+                    </a:p>
+                  </a:txBody>
+                  <a:tcPr marL="7620" marR="7620" marT="7620" marB="0" anchor="ctr"/>
+                </a:tc>
+                <a:tc>
+                  <a:txBody>
+                    <a:bodyPr/>
+                    <a:lstStyle/>
+                    <a:p>
+                      <a:pPr algn="r" fontAlgn="b"/>
+                      <a:r>
+                        <a:rPr lang="en-US" sz="1600" u="none" strike="noStrike" dirty="0">
+                          <a:effectLst/>
+                          <a:latin typeface="Times New Roman" panose="02020603050405020304" pitchFamily="18" charset="0"/>
+                          <a:cs typeface="Times New Roman" panose="02020603050405020304" pitchFamily="18" charset="0"/>
+                        </a:rPr>
+                        <a:t>63.06695</a:t>
+                      </a:r>
+                      <a:endParaRPr lang="en-US" sz="1600" b="0" i="0" u="none" strike="noStrike" dirty="0">
+                        <a:effectLst/>
+                        <a:latin typeface="Times New Roman" panose="02020603050405020304" pitchFamily="18" charset="0"/>
+                        <a:cs typeface="Times New Roman" panose="02020603050405020304" pitchFamily="18" charset="0"/>
+                      </a:endParaRPr>
+                    </a:p>
+                  </a:txBody>
+                  <a:tcPr marL="7620" marR="7620" marT="7620" marB="0" anchor="ctr"/>
+                </a:tc>
+                <a:extLst>
+                  <a:ext uri="{0D108BD9-81ED-4DB2-BD59-A6C34878D82A}">
+                    <a16:rowId xmlns:a16="http://schemas.microsoft.com/office/drawing/2014/main" val="603357743"/>
+                  </a:ext>
+                </a:extLst>
+              </a:tr>
+              <a:tr h="281940">
+                <a:tc>
+                  <a:txBody>
+                    <a:bodyPr/>
+                    <a:lstStyle/>
+                    <a:p>
+                      <a:pPr algn="r" fontAlgn="b"/>
+                      <a:r>
+                        <a:rPr lang="en-US" sz="1600" u="none" strike="noStrike">
+                          <a:effectLst/>
+                          <a:latin typeface="Times New Roman" panose="02020603050405020304" pitchFamily="18" charset="0"/>
+                          <a:cs typeface="Times New Roman" panose="02020603050405020304" pitchFamily="18" charset="0"/>
+                        </a:rPr>
+                        <a:t>13</a:t>
+                      </a:r>
+                      <a:endParaRPr lang="en-US" sz="1600" b="0" i="0" u="none" strike="noStrike">
+                        <a:effectLst/>
+                        <a:latin typeface="Times New Roman" panose="02020603050405020304" pitchFamily="18" charset="0"/>
+                        <a:cs typeface="Times New Roman" panose="02020603050405020304" pitchFamily="18" charset="0"/>
+                      </a:endParaRPr>
+                    </a:p>
+                  </a:txBody>
+                  <a:tcPr marL="7620" marR="7620" marT="7620" marB="0" anchor="ctr"/>
+                </a:tc>
+                <a:tc>
+                  <a:txBody>
+                    <a:bodyPr/>
+                    <a:lstStyle/>
+                    <a:p>
+                      <a:pPr algn="r" fontAlgn="b"/>
+                      <a:r>
+                        <a:rPr lang="en-US" sz="1600" u="none" strike="noStrike">
+                          <a:effectLst/>
+                          <a:latin typeface="Times New Roman" panose="02020603050405020304" pitchFamily="18" charset="0"/>
+                          <a:cs typeface="Times New Roman" panose="02020603050405020304" pitchFamily="18" charset="0"/>
+                        </a:rPr>
+                        <a:t>88.12095</a:t>
+                      </a:r>
+                      <a:endParaRPr lang="en-US" sz="1600" b="0" i="0" u="none" strike="noStrike">
+                        <a:effectLst/>
+                        <a:latin typeface="Times New Roman" panose="02020603050405020304" pitchFamily="18" charset="0"/>
+                        <a:cs typeface="Times New Roman" panose="02020603050405020304" pitchFamily="18" charset="0"/>
+                      </a:endParaRPr>
+                    </a:p>
+                  </a:txBody>
+                  <a:tcPr marL="7620" marR="7620" marT="7620" marB="0" anchor="ctr"/>
+                </a:tc>
+                <a:tc>
+                  <a:txBody>
+                    <a:bodyPr/>
+                    <a:lstStyle/>
+                    <a:p>
+                      <a:pPr algn="r" fontAlgn="b"/>
+                      <a:r>
+                        <a:rPr lang="en-US" sz="1600" u="none" strike="noStrike">
+                          <a:effectLst/>
+                          <a:latin typeface="Times New Roman" panose="02020603050405020304" pitchFamily="18" charset="0"/>
+                          <a:cs typeface="Times New Roman" panose="02020603050405020304" pitchFamily="18" charset="0"/>
+                        </a:rPr>
+                        <a:t>73.65011</a:t>
+                      </a:r>
+                      <a:endParaRPr lang="en-US" sz="1600" b="0" i="0" u="none" strike="noStrike">
+                        <a:effectLst/>
+                        <a:latin typeface="Times New Roman" panose="02020603050405020304" pitchFamily="18" charset="0"/>
+                        <a:cs typeface="Times New Roman" panose="02020603050405020304" pitchFamily="18" charset="0"/>
+                      </a:endParaRPr>
+                    </a:p>
+                  </a:txBody>
+                  <a:tcPr marL="7620" marR="7620" marT="7620" marB="0" anchor="ctr"/>
+                </a:tc>
+                <a:tc>
+                  <a:txBody>
+                    <a:bodyPr/>
+                    <a:lstStyle/>
+                    <a:p>
+                      <a:pPr algn="r" fontAlgn="b"/>
+                      <a:r>
+                        <a:rPr lang="en-US" sz="1600" u="none" strike="noStrike" dirty="0">
+                          <a:effectLst/>
+                          <a:latin typeface="Times New Roman" panose="02020603050405020304" pitchFamily="18" charset="0"/>
+                          <a:cs typeface="Times New Roman" panose="02020603050405020304" pitchFamily="18" charset="0"/>
+                        </a:rPr>
+                        <a:t>63.06695</a:t>
+                      </a:r>
+                      <a:endParaRPr lang="en-US" sz="1600" b="0" i="0" u="none" strike="noStrike" dirty="0">
+                        <a:effectLst/>
+                        <a:latin typeface="Times New Roman" panose="02020603050405020304" pitchFamily="18" charset="0"/>
+                        <a:cs typeface="Times New Roman" panose="02020603050405020304" pitchFamily="18" charset="0"/>
+                      </a:endParaRPr>
+                    </a:p>
+                  </a:txBody>
+                  <a:tcPr marL="7620" marR="7620" marT="7620" marB="0" anchor="ctr"/>
+                </a:tc>
+                <a:extLst>
+                  <a:ext uri="{0D108BD9-81ED-4DB2-BD59-A6C34878D82A}">
+                    <a16:rowId xmlns:a16="http://schemas.microsoft.com/office/drawing/2014/main" val="3601225265"/>
+                  </a:ext>
+                </a:extLst>
+              </a:tr>
+              <a:tr h="281940">
+                <a:tc>
+                  <a:txBody>
+                    <a:bodyPr/>
+                    <a:lstStyle/>
+                    <a:p>
+                      <a:pPr algn="r" fontAlgn="b"/>
+                      <a:r>
+                        <a:rPr lang="en-US" sz="1600" u="none" strike="noStrike">
+                          <a:effectLst/>
+                          <a:latin typeface="Times New Roman" panose="02020603050405020304" pitchFamily="18" charset="0"/>
+                          <a:cs typeface="Times New Roman" panose="02020603050405020304" pitchFamily="18" charset="0"/>
+                        </a:rPr>
+                        <a:t>14</a:t>
+                      </a:r>
+                      <a:endParaRPr lang="en-US" sz="1600" b="0" i="0" u="none" strike="noStrike">
+                        <a:effectLst/>
+                        <a:latin typeface="Times New Roman" panose="02020603050405020304" pitchFamily="18" charset="0"/>
+                        <a:cs typeface="Times New Roman" panose="02020603050405020304" pitchFamily="18" charset="0"/>
+                      </a:endParaRPr>
+                    </a:p>
+                  </a:txBody>
+                  <a:tcPr marL="7620" marR="7620" marT="7620" marB="0" anchor="ctr"/>
+                </a:tc>
+                <a:tc>
+                  <a:txBody>
+                    <a:bodyPr/>
+                    <a:lstStyle/>
+                    <a:p>
+                      <a:pPr algn="r" fontAlgn="b"/>
+                      <a:r>
+                        <a:rPr lang="en-US" sz="1600" u="none" strike="noStrike">
+                          <a:effectLst/>
+                          <a:latin typeface="Times New Roman" panose="02020603050405020304" pitchFamily="18" charset="0"/>
+                          <a:cs typeface="Times New Roman" panose="02020603050405020304" pitchFamily="18" charset="0"/>
+                        </a:rPr>
+                        <a:t>85.96112</a:t>
+                      </a:r>
+                      <a:endParaRPr lang="en-US" sz="1600" b="0" i="0" u="none" strike="noStrike">
+                        <a:effectLst/>
+                        <a:latin typeface="Times New Roman" panose="02020603050405020304" pitchFamily="18" charset="0"/>
+                        <a:cs typeface="Times New Roman" panose="02020603050405020304" pitchFamily="18" charset="0"/>
+                      </a:endParaRPr>
+                    </a:p>
+                  </a:txBody>
+                  <a:tcPr marL="7620" marR="7620" marT="7620" marB="0" anchor="ctr"/>
+                </a:tc>
+                <a:tc>
+                  <a:txBody>
+                    <a:bodyPr/>
+                    <a:lstStyle/>
+                    <a:p>
+                      <a:pPr algn="r" fontAlgn="b"/>
+                      <a:r>
+                        <a:rPr lang="en-US" sz="1600" u="none" strike="noStrike">
+                          <a:effectLst/>
+                          <a:latin typeface="Times New Roman" panose="02020603050405020304" pitchFamily="18" charset="0"/>
+                          <a:cs typeface="Times New Roman" panose="02020603050405020304" pitchFamily="18" charset="0"/>
+                        </a:rPr>
+                        <a:t>73.00216</a:t>
+                      </a:r>
+                      <a:endParaRPr lang="en-US" sz="1600" b="0" i="0" u="none" strike="noStrike">
+                        <a:effectLst/>
+                        <a:latin typeface="Times New Roman" panose="02020603050405020304" pitchFamily="18" charset="0"/>
+                        <a:cs typeface="Times New Roman" panose="02020603050405020304" pitchFamily="18" charset="0"/>
+                      </a:endParaRPr>
+                    </a:p>
+                  </a:txBody>
+                  <a:tcPr marL="7620" marR="7620" marT="7620" marB="0" anchor="ctr"/>
+                </a:tc>
+                <a:tc>
+                  <a:txBody>
+                    <a:bodyPr/>
+                    <a:lstStyle/>
+                    <a:p>
+                      <a:pPr algn="r" fontAlgn="b"/>
+                      <a:r>
+                        <a:rPr lang="en-US" sz="1600" u="none" strike="noStrike" dirty="0">
+                          <a:effectLst/>
+                          <a:latin typeface="Times New Roman" panose="02020603050405020304" pitchFamily="18" charset="0"/>
+                          <a:cs typeface="Times New Roman" panose="02020603050405020304" pitchFamily="18" charset="0"/>
+                        </a:rPr>
+                        <a:t>63.49892</a:t>
+                      </a:r>
+                      <a:endParaRPr lang="en-US" sz="1600" b="0" i="0" u="none" strike="noStrike" dirty="0">
+                        <a:effectLst/>
+                        <a:latin typeface="Times New Roman" panose="02020603050405020304" pitchFamily="18" charset="0"/>
+                        <a:cs typeface="Times New Roman" panose="02020603050405020304" pitchFamily="18" charset="0"/>
+                      </a:endParaRPr>
+                    </a:p>
+                  </a:txBody>
+                  <a:tcPr marL="7620" marR="7620" marT="7620" marB="0" anchor="ctr"/>
+                </a:tc>
+                <a:extLst>
+                  <a:ext uri="{0D108BD9-81ED-4DB2-BD59-A6C34878D82A}">
+                    <a16:rowId xmlns:a16="http://schemas.microsoft.com/office/drawing/2014/main" val="894521636"/>
+                  </a:ext>
+                </a:extLst>
+              </a:tr>
+              <a:tr h="281940">
+                <a:tc>
+                  <a:txBody>
+                    <a:bodyPr/>
+                    <a:lstStyle/>
+                    <a:p>
+                      <a:pPr algn="r" fontAlgn="b"/>
+                      <a:r>
+                        <a:rPr lang="en-US" sz="1600" u="none" strike="noStrike">
+                          <a:effectLst/>
+                          <a:latin typeface="Times New Roman" panose="02020603050405020304" pitchFamily="18" charset="0"/>
+                          <a:cs typeface="Times New Roman" panose="02020603050405020304" pitchFamily="18" charset="0"/>
+                        </a:rPr>
+                        <a:t>15</a:t>
+                      </a:r>
+                      <a:endParaRPr lang="en-US" sz="1600" b="0" i="0" u="none" strike="noStrike">
+                        <a:effectLst/>
+                        <a:latin typeface="Times New Roman" panose="02020603050405020304" pitchFamily="18" charset="0"/>
+                        <a:cs typeface="Times New Roman" panose="02020603050405020304" pitchFamily="18" charset="0"/>
+                      </a:endParaRPr>
+                    </a:p>
+                  </a:txBody>
+                  <a:tcPr marL="7620" marR="7620" marT="7620" marB="0" anchor="ctr"/>
+                </a:tc>
+                <a:tc>
+                  <a:txBody>
+                    <a:bodyPr/>
+                    <a:lstStyle/>
+                    <a:p>
+                      <a:pPr algn="r" fontAlgn="b"/>
+                      <a:r>
+                        <a:rPr lang="en-US" sz="1600" u="none" strike="noStrike">
+                          <a:effectLst/>
+                          <a:latin typeface="Times New Roman" panose="02020603050405020304" pitchFamily="18" charset="0"/>
+                          <a:cs typeface="Times New Roman" panose="02020603050405020304" pitchFamily="18" charset="0"/>
+                        </a:rPr>
+                        <a:t>88.12095</a:t>
+                      </a:r>
+                      <a:endParaRPr lang="en-US" sz="1600" b="0" i="0" u="none" strike="noStrike">
+                        <a:effectLst/>
+                        <a:latin typeface="Times New Roman" panose="02020603050405020304" pitchFamily="18" charset="0"/>
+                        <a:cs typeface="Times New Roman" panose="02020603050405020304" pitchFamily="18" charset="0"/>
+                      </a:endParaRPr>
+                    </a:p>
+                  </a:txBody>
+                  <a:tcPr marL="7620" marR="7620" marT="7620" marB="0" anchor="ctr"/>
+                </a:tc>
+                <a:tc>
+                  <a:txBody>
+                    <a:bodyPr/>
+                    <a:lstStyle/>
+                    <a:p>
+                      <a:pPr algn="r" fontAlgn="b"/>
+                      <a:r>
+                        <a:rPr lang="en-US" sz="1600" u="none" strike="noStrike" dirty="0">
+                          <a:effectLst/>
+                          <a:latin typeface="Times New Roman" panose="02020603050405020304" pitchFamily="18" charset="0"/>
+                          <a:cs typeface="Times New Roman" panose="02020603050405020304" pitchFamily="18" charset="0"/>
+                        </a:rPr>
+                        <a:t>74.946</a:t>
+                      </a:r>
+                      <a:endParaRPr lang="en-US" sz="1600" b="0" i="0" u="none" strike="noStrike" dirty="0">
+                        <a:effectLst/>
+                        <a:latin typeface="Times New Roman" panose="02020603050405020304" pitchFamily="18" charset="0"/>
+                        <a:cs typeface="Times New Roman" panose="02020603050405020304" pitchFamily="18" charset="0"/>
+                      </a:endParaRPr>
+                    </a:p>
+                  </a:txBody>
+                  <a:tcPr marL="7620" marR="7620" marT="7620" marB="0" anchor="ctr"/>
+                </a:tc>
+                <a:tc>
+                  <a:txBody>
+                    <a:bodyPr/>
+                    <a:lstStyle/>
+                    <a:p>
+                      <a:pPr algn="r" fontAlgn="b"/>
+                      <a:r>
+                        <a:rPr lang="en-US" sz="1600" u="none" strike="noStrike" dirty="0">
+                          <a:effectLst/>
+                          <a:latin typeface="Times New Roman" panose="02020603050405020304" pitchFamily="18" charset="0"/>
+                          <a:cs typeface="Times New Roman" panose="02020603050405020304" pitchFamily="18" charset="0"/>
+                        </a:rPr>
+                        <a:t>62.20302</a:t>
+                      </a:r>
+                      <a:endParaRPr lang="en-US" sz="1600" b="0" i="0" u="none" strike="noStrike" dirty="0">
+                        <a:effectLst/>
+                        <a:latin typeface="Times New Roman" panose="02020603050405020304" pitchFamily="18" charset="0"/>
+                        <a:cs typeface="Times New Roman" panose="02020603050405020304" pitchFamily="18" charset="0"/>
+                      </a:endParaRPr>
+                    </a:p>
+                  </a:txBody>
+                  <a:tcPr marL="7620" marR="7620" marT="7620" marB="0" anchor="ctr"/>
+                </a:tc>
+                <a:extLst>
+                  <a:ext uri="{0D108BD9-81ED-4DB2-BD59-A6C34878D82A}">
+                    <a16:rowId xmlns:a16="http://schemas.microsoft.com/office/drawing/2014/main" val="1245652568"/>
+                  </a:ext>
+                </a:extLst>
+              </a:tr>
+            </a:tbl>
+          </a:graphicData>
+        </a:graphic>
+      </p:graphicFrame>
       <p:sp>
         <p:nvSpPr>
-          <p:cNvPr id="3" name="Text Placeholder 2"/>
+          <p:cNvPr id="3" name="Slide Number Placeholder 2">
+            <a:extLst>
+              <a:ext uri="{FF2B5EF4-FFF2-40B4-BE49-F238E27FC236}">
+                <a16:creationId xmlns:a16="http://schemas.microsoft.com/office/drawing/2014/main" id="{5A81E7B9-CB85-4A61-90E7-E626DD56A709}"/>
+              </a:ext>
+            </a:extLst>
+          </p:cNvPr>
           <p:cNvSpPr>
             <a:spLocks noGrp="1"/>
           </p:cNvSpPr>
           <p:nvPr>
-            <p:ph type="body" idx="1"/>
+            <p:ph type="sldNum" sz="quarter" idx="12"/>
           </p:nvPr>
         </p:nvSpPr>
         <p:spPr/>
@@ -6236,14 +7894,42 @@
           <a:bodyPr/>
           <a:lstStyle/>
           <a:p>
-            <a:endParaRPr lang="en-US" dirty="0"/>
+            <a:fld id="{EB37DED6-D4C7-42EE-AB49-D2E39E64FDE4}" type="slidenum">
+              <a:rPr lang="en-US" smtClean="0"/>
+              <a:t>10</a:t>
+            </a:fld>
+            <a:endParaRPr lang="en-US"/>
           </a:p>
         </p:txBody>
       </p:sp>
+      <p:graphicFrame>
+        <p:nvGraphicFramePr>
+          <p:cNvPr id="7" name="Chart 6"/>
+          <p:cNvGraphicFramePr>
+            <a:graphicFrameLocks/>
+          </p:cNvGraphicFramePr>
+          <p:nvPr>
+            <p:extLst>
+              <p:ext uri="{D42A27DB-BD31-4B8C-83A1-F6EECF244321}">
+                <p14:modId xmlns:p14="http://schemas.microsoft.com/office/powerpoint/2010/main" val="2445930422"/>
+              </p:ext>
+            </p:extLst>
+          </p:nvPr>
+        </p:nvGraphicFramePr>
+        <p:xfrm>
+          <a:off x="5100999" y="2438400"/>
+          <a:ext cx="6632213" cy="3276600"/>
+        </p:xfrm>
+        <a:graphic>
+          <a:graphicData uri="http://schemas.openxmlformats.org/drawingml/2006/chart">
+            <c:chart xmlns:c="http://schemas.openxmlformats.org/drawingml/2006/chart" xmlns:r="http://schemas.openxmlformats.org/officeDocument/2006/relationships" r:id="rId2"/>
+          </a:graphicData>
+        </a:graphic>
+      </p:graphicFrame>
     </p:spTree>
     <p:extLst>
       <p:ext uri="{BB962C8B-B14F-4D97-AF65-F5344CB8AC3E}">
-        <p14:creationId xmlns:p14="http://schemas.microsoft.com/office/powerpoint/2010/main" val="1997697987"/>
+        <p14:creationId xmlns:p14="http://schemas.microsoft.com/office/powerpoint/2010/main" val="3120038584"/>
       </p:ext>
     </p:extLst>
   </p:cSld>
@@ -6313,16 +7999,41 @@
           <a:p>
             <a:pPr algn="ctr"/>
             <a:r>
-              <a:rPr lang="en-US" sz="4400" dirty="0" smtClean="0">
+              <a:rPr lang="en-US" sz="4400" dirty="0">
                 <a:latin typeface="Times New Roman" panose="02020603050405020304" pitchFamily="18" charset="0"/>
                 <a:cs typeface="Times New Roman" panose="02020603050405020304" pitchFamily="18" charset="0"/>
               </a:rPr>
               <a:t>CÁM ƠN CÔ VÀ CÁC BẠN ĐÃ LẮNG NGHE</a:t>
             </a:r>
-            <a:endParaRPr lang="en-US" sz="4400" dirty="0">
-              <a:latin typeface="Times New Roman" panose="02020603050405020304" pitchFamily="18" charset="0"/>
-              <a:cs typeface="Times New Roman" panose="02020603050405020304" pitchFamily="18" charset="0"/>
-            </a:endParaRPr>
+          </a:p>
+        </p:txBody>
+      </p:sp>
+      <p:sp>
+        <p:nvSpPr>
+          <p:cNvPr id="2" name="Slide Number Placeholder 1">
+            <a:extLst>
+              <a:ext uri="{FF2B5EF4-FFF2-40B4-BE49-F238E27FC236}">
+                <a16:creationId xmlns:a16="http://schemas.microsoft.com/office/drawing/2014/main" id="{DCC0C759-96CF-4E31-A03B-75AF00BD00F1}"/>
+              </a:ext>
+            </a:extLst>
+          </p:cNvPr>
+          <p:cNvSpPr>
+            <a:spLocks noGrp="1"/>
+          </p:cNvSpPr>
+          <p:nvPr>
+            <p:ph type="sldNum" sz="quarter" idx="12"/>
+          </p:nvPr>
+        </p:nvSpPr>
+        <p:spPr/>
+        <p:txBody>
+          <a:bodyPr/>
+          <a:lstStyle/>
+          <a:p>
+            <a:fld id="{2DFBB78A-01B4-41F2-96B0-677A4A282832}" type="slidenum">
+              <a:rPr lang="en-US" smtClean="0"/>
+              <a:t>11</a:t>
+            </a:fld>
+            <a:endParaRPr lang="en-US"/>
           </a:p>
         </p:txBody>
       </p:sp>
@@ -6391,20 +8102,16 @@
           <a:lstStyle/>
           <a:p>
             <a:r>
-              <a:rPr lang="en-US" dirty="0" smtClean="0">
+              <a:rPr lang="en-US" dirty="0">
                 <a:latin typeface="Times New Roman" panose="02020603050405020304" pitchFamily="18" charset="0"/>
                 <a:cs typeface="Times New Roman" panose="02020603050405020304" pitchFamily="18" charset="0"/>
               </a:rPr>
               <a:t>GIỚI THIỆU</a:t>
             </a:r>
-            <a:endParaRPr lang="en-US" dirty="0">
-              <a:latin typeface="Times New Roman" panose="02020603050405020304" pitchFamily="18" charset="0"/>
-              <a:cs typeface="Times New Roman" panose="02020603050405020304" pitchFamily="18" charset="0"/>
-            </a:endParaRPr>
-          </a:p>
-          <a:p>
-            <a:r>
-              <a:rPr lang="en-US" dirty="0" smtClean="0">
+          </a:p>
+          <a:p>
+            <a:r>
+              <a:rPr lang="en-US" dirty="0">
                 <a:latin typeface="Times New Roman" panose="02020603050405020304" pitchFamily="18" charset="0"/>
                 <a:cs typeface="Times New Roman" panose="02020603050405020304" pitchFamily="18" charset="0"/>
               </a:rPr>
@@ -6413,7 +8120,7 @@
           </a:p>
           <a:p>
             <a:r>
-              <a:rPr lang="en-US" dirty="0" smtClean="0">
+              <a:rPr lang="en-US" dirty="0">
                 <a:latin typeface="Times New Roman" panose="02020603050405020304" pitchFamily="18" charset="0"/>
                 <a:cs typeface="Times New Roman" panose="02020603050405020304" pitchFamily="18" charset="0"/>
               </a:rPr>
@@ -6422,16 +8129,41 @@
           </a:p>
           <a:p>
             <a:r>
-              <a:rPr lang="en-US" dirty="0" smtClean="0">
+              <a:rPr lang="en-US" dirty="0">
                 <a:latin typeface="Times New Roman" panose="02020603050405020304" pitchFamily="18" charset="0"/>
                 <a:cs typeface="Times New Roman" panose="02020603050405020304" pitchFamily="18" charset="0"/>
               </a:rPr>
               <a:t>ĐÁNH GIÁ MÔ HÌNH</a:t>
             </a:r>
-            <a:endParaRPr lang="en-US" dirty="0">
-              <a:latin typeface="Times New Roman" panose="02020603050405020304" pitchFamily="18" charset="0"/>
-              <a:cs typeface="Times New Roman" panose="02020603050405020304" pitchFamily="18" charset="0"/>
-            </a:endParaRPr>
+          </a:p>
+        </p:txBody>
+      </p:sp>
+      <p:sp>
+        <p:nvSpPr>
+          <p:cNvPr id="2" name="Slide Number Placeholder 1">
+            <a:extLst>
+              <a:ext uri="{FF2B5EF4-FFF2-40B4-BE49-F238E27FC236}">
+                <a16:creationId xmlns:a16="http://schemas.microsoft.com/office/drawing/2014/main" id="{F3915AB9-7FAC-4B49-B14B-031084DBA496}"/>
+              </a:ext>
+            </a:extLst>
+          </p:cNvPr>
+          <p:cNvSpPr>
+            <a:spLocks noGrp="1"/>
+          </p:cNvSpPr>
+          <p:nvPr>
+            <p:ph type="sldNum" sz="quarter" idx="12"/>
+          </p:nvPr>
+        </p:nvSpPr>
+        <p:spPr/>
+        <p:txBody>
+          <a:bodyPr/>
+          <a:lstStyle/>
+          <a:p>
+            <a:fld id="{DA60BA0E-20D0-4E7C-B286-26C960A6788F}" type="slidenum">
+              <a:rPr lang="en-US" smtClean="0"/>
+              <a:t>2</a:t>
+            </a:fld>
+            <a:endParaRPr lang="en-US"/>
           </a:p>
         </p:txBody>
       </p:sp>
@@ -6500,16 +8232,12 @@
           <a:lstStyle/>
           <a:p>
             <a:r>
-              <a:rPr lang="en-US" dirty="0" smtClean="0">
+              <a:rPr lang="en-US" dirty="0">
                 <a:latin typeface="Times New Roman" panose="02020603050405020304" pitchFamily="18" charset="0"/>
                 <a:cs typeface="Times New Roman" panose="02020603050405020304" pitchFamily="18" charset="0"/>
               </a:rPr>
               <a:t>Giới thiệu</a:t>
             </a:r>
-            <a:endParaRPr lang="en-US" dirty="0">
-              <a:latin typeface="Times New Roman" panose="02020603050405020304" pitchFamily="18" charset="0"/>
-              <a:cs typeface="Times New Roman" panose="02020603050405020304" pitchFamily="18" charset="0"/>
-            </a:endParaRPr>
           </a:p>
         </p:txBody>
       </p:sp>
@@ -6542,16 +8270,6 @@
               <a:buNone/>
             </a:pPr>
             <a:r>
-              <a:rPr lang="en-US" sz="2600" b="1" dirty="0" smtClean="0">
-                <a:solidFill>
-                  <a:srgbClr val="002060"/>
-                </a:solidFill>
-                <a:latin typeface="Times New Roman" panose="02020603050405020304" pitchFamily="18" charset="0"/>
-                <a:cs typeface="Times New Roman" panose="02020603050405020304" pitchFamily="18" charset="0"/>
-              </a:rPr>
-              <a:t>Tên </a:t>
-            </a:r>
-            <a:r>
               <a:rPr lang="en-US" sz="2600" b="1" dirty="0">
                 <a:solidFill>
                   <a:srgbClr val="002060"/>
@@ -6559,7 +8277,32 @@
                 <a:latin typeface="Times New Roman" panose="02020603050405020304" pitchFamily="18" charset="0"/>
                 <a:cs typeface="Times New Roman" panose="02020603050405020304" pitchFamily="18" charset="0"/>
               </a:rPr>
-              <a:t>tập dữ liệu</a:t>
+              <a:t>Tên tập dữ liệu</a:t>
+            </a:r>
+            <a:r>
+              <a:rPr lang="en-US" sz="2600" dirty="0">
+                <a:solidFill>
+                  <a:srgbClr val="002060"/>
+                </a:solidFill>
+                <a:latin typeface="Times New Roman" panose="02020603050405020304" pitchFamily="18" charset="0"/>
+                <a:cs typeface="Times New Roman" panose="02020603050405020304" pitchFamily="18" charset="0"/>
+              </a:rPr>
+              <a:t>: Audit Risk Data Set (Tập dữ liệu rủi ro trong kiểm toán)</a:t>
+            </a:r>
+          </a:p>
+          <a:p>
+            <a:pPr marL="0" indent="0">
+              <a:buNone/>
+            </a:pPr>
+            <a:r>
+              <a:rPr lang="en-US" sz="2600" b="1" dirty="0">
+                <a:solidFill>
+                  <a:srgbClr val="002060"/>
+                </a:solidFill>
+                <a:latin typeface="Times New Roman" panose="02020603050405020304" pitchFamily="18" charset="0"/>
+                <a:cs typeface="Times New Roman" panose="02020603050405020304" pitchFamily="18" charset="0"/>
+              </a:rPr>
+              <a:t>Thông tin tập dữ liệu</a:t>
             </a:r>
             <a:r>
               <a:rPr lang="en-US" sz="2600" dirty="0">
@@ -6572,83 +8315,18 @@
               <a:t>: </a:t>
             </a:r>
             <a:r>
-              <a:rPr lang="en-US" sz="2600" dirty="0" smtClean="0">
-                <a:solidFill>
-                  <a:srgbClr val="002060"/>
-                </a:solidFill>
-                <a:latin typeface="Times New Roman" panose="02020603050405020304" pitchFamily="18" charset="0"/>
-                <a:cs typeface="Times New Roman" panose="02020603050405020304" pitchFamily="18" charset="0"/>
-              </a:rPr>
-              <a:t>Audit Risk Data </a:t>
-            </a:r>
-            <a:r>
-              <a:rPr lang="en-US" sz="2600" dirty="0">
-                <a:solidFill>
-                  <a:srgbClr val="002060"/>
-                </a:solidFill>
-                <a:latin typeface="Times New Roman" panose="02020603050405020304" pitchFamily="18" charset="0"/>
-                <a:cs typeface="Times New Roman" panose="02020603050405020304" pitchFamily="18" charset="0"/>
-              </a:rPr>
-              <a:t>Set </a:t>
-            </a:r>
-            <a:r>
-              <a:rPr lang="en-US" sz="2600" dirty="0" smtClean="0">
-                <a:solidFill>
-                  <a:srgbClr val="002060"/>
-                </a:solidFill>
-                <a:latin typeface="Times New Roman" panose="02020603050405020304" pitchFamily="18" charset="0"/>
-                <a:cs typeface="Times New Roman" panose="02020603050405020304" pitchFamily="18" charset="0"/>
-              </a:rPr>
-              <a:t>(Tập dữ liệu rủi ro trong kiểm toán)</a:t>
-            </a:r>
-            <a:endParaRPr lang="en-US" sz="2600" dirty="0">
-              <a:solidFill>
-                <a:srgbClr val="002060"/>
-              </a:solidFill>
-              <a:latin typeface="Times New Roman" panose="02020603050405020304" pitchFamily="18" charset="0"/>
-              <a:cs typeface="Times New Roman" panose="02020603050405020304" pitchFamily="18" charset="0"/>
-            </a:endParaRPr>
-          </a:p>
-          <a:p>
-            <a:pPr marL="0" indent="0">
-              <a:buNone/>
-            </a:pPr>
-            <a:r>
-              <a:rPr lang="en-US" sz="2600" b="1" dirty="0" smtClean="0">
-                <a:solidFill>
-                  <a:srgbClr val="002060"/>
-                </a:solidFill>
+              <a:rPr lang="vi-VN" sz="2600" dirty="0" smtClean="0">
                 <a:latin typeface="Times New Roman" panose="02020603050405020304" pitchFamily="18" charset="0"/>
                 <a:cs typeface="Times New Roman" panose="02020603050405020304" pitchFamily="18" charset="0"/>
               </a:rPr>
               <a:t>Thông </a:t>
             </a:r>
             <a:r>
-              <a:rPr lang="en-US" sz="2600" b="1" dirty="0">
-                <a:solidFill>
-                  <a:srgbClr val="002060"/>
-                </a:solidFill>
-                <a:latin typeface="Times New Roman" panose="02020603050405020304" pitchFamily="18" charset="0"/>
-                <a:cs typeface="Times New Roman" panose="02020603050405020304" pitchFamily="18" charset="0"/>
-              </a:rPr>
-              <a:t>tin tập dữ liệu</a:t>
-            </a:r>
-            <a:r>
-              <a:rPr lang="en-US" sz="2600" dirty="0">
-                <a:solidFill>
-                  <a:srgbClr val="002060"/>
-                </a:solidFill>
-                <a:latin typeface="Times New Roman" panose="02020603050405020304" pitchFamily="18" charset="0"/>
-                <a:cs typeface="Times New Roman" panose="02020603050405020304" pitchFamily="18" charset="0"/>
-              </a:rPr>
-              <a:t>: </a:t>
-            </a:r>
-            <a:r>
               <a:rPr lang="vi-VN" sz="2600" dirty="0">
                 <a:latin typeface="Times New Roman" panose="02020603050405020304" pitchFamily="18" charset="0"/>
                 <a:cs typeface="Times New Roman" panose="02020603050405020304" pitchFamily="18" charset="0"/>
               </a:rPr>
-              <a:t>. Thông tin về các lĩnh vực và số lượng các công ty được liệt kê tương ứng là Thủy lợi (114), Sức khỏe cộng đồng (77), Tòa nhà và Con đường (82), Rừng (70),</a:t>
+              <a:t>tin về các lĩnh vực và số lượng các công ty được liệt kê tương ứng là Thủy lợi (114), Sức khỏe cộng đồng (77), Tòa nhà và Con đường (82), Rừng (70),</a:t>
             </a:r>
             <a:r>
               <a:rPr lang="en-US" sz="2600" dirty="0">
@@ -6665,16 +8343,6 @@
               </a:lnSpc>
               <a:buNone/>
             </a:pPr>
-            <a:r>
-              <a:rPr lang="vi-VN" sz="2600" b="1" dirty="0" smtClean="0">
-                <a:solidFill>
-                  <a:srgbClr val="002060"/>
-                </a:solidFill>
-                <a:latin typeface="Times New Roman" panose="02020603050405020304" pitchFamily="18" charset="0"/>
-                <a:cs typeface="Times New Roman" panose="02020603050405020304" pitchFamily="18" charset="0"/>
-              </a:rPr>
-              <a:t>Nhiệm </a:t>
-            </a:r>
             <a:r>
               <a:rPr lang="vi-VN" sz="2600" b="1" dirty="0">
                 <a:solidFill>
@@ -6683,7 +8351,7 @@
                 <a:latin typeface="Times New Roman" panose="02020603050405020304" pitchFamily="18" charset="0"/>
                 <a:cs typeface="Times New Roman" panose="02020603050405020304" pitchFamily="18" charset="0"/>
               </a:rPr>
-              <a:t>vụ</a:t>
+              <a:t>Nhiệm vụ</a:t>
             </a:r>
             <a:r>
               <a:rPr lang="en-US" sz="2600" dirty="0">
@@ -6725,7 +8393,7 @@
               <a:buNone/>
             </a:pPr>
             <a:r>
-              <a:rPr lang="en-US" sz="2600" b="1" dirty="0" smtClean="0">
+              <a:rPr lang="en-US" sz="2600" b="1" dirty="0">
                 <a:solidFill>
                   <a:srgbClr val="002060"/>
                 </a:solidFill>
@@ -6735,7 +8403,7 @@
               <a:t>Dữ liệu gồm:</a:t>
             </a:r>
             <a:r>
-              <a:rPr lang="en-US" sz="2600" dirty="0" smtClean="0">
+              <a:rPr lang="en-US" sz="2600" dirty="0">
                 <a:solidFill>
                   <a:srgbClr val="002060"/>
                 </a:solidFill>
@@ -6750,6 +8418,35 @@
               <a:latin typeface="Times New Roman" panose="02020603050405020304" pitchFamily="18" charset="0"/>
               <a:cs typeface="Times New Roman" panose="02020603050405020304" pitchFamily="18" charset="0"/>
             </a:endParaRPr>
+          </a:p>
+        </p:txBody>
+      </p:sp>
+      <p:sp>
+        <p:nvSpPr>
+          <p:cNvPr id="4" name="Slide Number Placeholder 3">
+            <a:extLst>
+              <a:ext uri="{FF2B5EF4-FFF2-40B4-BE49-F238E27FC236}">
+                <a16:creationId xmlns:a16="http://schemas.microsoft.com/office/drawing/2014/main" id="{A2249217-0EC3-4661-9889-682F85116B04}"/>
+              </a:ext>
+            </a:extLst>
+          </p:cNvPr>
+          <p:cNvSpPr>
+            <a:spLocks noGrp="1"/>
+          </p:cNvSpPr>
+          <p:nvPr>
+            <p:ph type="sldNum" sz="quarter" idx="12"/>
+          </p:nvPr>
+        </p:nvSpPr>
+        <p:spPr/>
+        <p:txBody>
+          <a:bodyPr/>
+          <a:lstStyle/>
+          <a:p>
+            <a:fld id="{DA60BA0E-20D0-4E7C-B286-26C960A6788F}" type="slidenum">
+              <a:rPr lang="en-US" smtClean="0"/>
+              <a:t>3</a:t>
+            </a:fld>
+            <a:endParaRPr lang="en-US"/>
           </a:p>
         </p:txBody>
       </p:sp>
@@ -6818,16 +8515,12 @@
           <a:lstStyle/>
           <a:p>
             <a:r>
-              <a:rPr lang="en-US" dirty="0" smtClean="0">
+              <a:rPr lang="en-US" dirty="0">
                 <a:latin typeface="Times New Roman" panose="02020603050405020304" pitchFamily="18" charset="0"/>
                 <a:cs typeface="Times New Roman" panose="02020603050405020304" pitchFamily="18" charset="0"/>
               </a:rPr>
               <a:t>Phân tích tập dữ liệu</a:t>
             </a:r>
-            <a:endParaRPr lang="en-US" dirty="0">
-              <a:latin typeface="Times New Roman" panose="02020603050405020304" pitchFamily="18" charset="0"/>
-              <a:cs typeface="Times New Roman" panose="02020603050405020304" pitchFamily="18" charset="0"/>
-            </a:endParaRPr>
           </a:p>
         </p:txBody>
       </p:sp>
@@ -6871,17 +8564,29 @@
                 <a:latin typeface="Times New Roman" panose="02020603050405020304" pitchFamily="18" charset="0"/>
                 <a:cs typeface="Times New Roman" panose="02020603050405020304" pitchFamily="18" charset="0"/>
               </a:rPr>
-              <a:t> Dữ liệu của 777 công ty </a:t>
-            </a:r>
-            <a:r>
-              <a:rPr lang="en-US" dirty="0" smtClean="0">
+              <a:t> Dữ liệu của 777 công ty và sau thực hiện tiền xử lý dữ liệu thực hiện còn 772 dữ liệu. (AuditRisk.csv)</a:t>
+            </a:r>
+          </a:p>
+          <a:p>
+            <a:r>
+              <a:rPr lang="en-US" b="1" dirty="0">
                 <a:solidFill>
                   <a:srgbClr val="002060"/>
                 </a:solidFill>
                 <a:latin typeface="Times New Roman" panose="02020603050405020304" pitchFamily="18" charset="0"/>
                 <a:cs typeface="Times New Roman" panose="02020603050405020304" pitchFamily="18" charset="0"/>
               </a:rPr>
-              <a:t>và sau </a:t>
+              <a:t>Dữ </a:t>
+            </a:r>
+            <a:r>
+              <a:rPr lang="en-US" b="1" dirty="0" smtClean="0">
+                <a:solidFill>
+                  <a:srgbClr val="002060"/>
+                </a:solidFill>
+                <a:latin typeface="Times New Roman" panose="02020603050405020304" pitchFamily="18" charset="0"/>
+                <a:cs typeface="Times New Roman" panose="02020603050405020304" pitchFamily="18" charset="0"/>
+              </a:rPr>
+              <a:t>liệu kiểm thử: </a:t>
             </a:r>
             <a:r>
               <a:rPr lang="en-US" dirty="0">
@@ -6891,88 +8596,6 @@
                 <a:latin typeface="Times New Roman" panose="02020603050405020304" pitchFamily="18" charset="0"/>
                 <a:cs typeface="Times New Roman" panose="02020603050405020304" pitchFamily="18" charset="0"/>
               </a:rPr>
-              <a:t>thực hiện tiền xử lý </a:t>
-            </a:r>
-            <a:r>
-              <a:rPr lang="en-US" dirty="0" smtClean="0">
-                <a:solidFill>
-                  <a:srgbClr val="002060"/>
-                </a:solidFill>
-                <a:latin typeface="Times New Roman" panose="02020603050405020304" pitchFamily="18" charset="0"/>
-                <a:cs typeface="Times New Roman" panose="02020603050405020304" pitchFamily="18" charset="0"/>
-              </a:rPr>
-              <a:t>dữ </a:t>
-            </a:r>
-            <a:r>
-              <a:rPr lang="en-US" dirty="0">
-                <a:solidFill>
-                  <a:srgbClr val="002060"/>
-                </a:solidFill>
-                <a:latin typeface="Times New Roman" panose="02020603050405020304" pitchFamily="18" charset="0"/>
-                <a:cs typeface="Times New Roman" panose="02020603050405020304" pitchFamily="18" charset="0"/>
-              </a:rPr>
-              <a:t>liệu thực </a:t>
-            </a:r>
-            <a:r>
-              <a:rPr lang="en-US" dirty="0" smtClean="0">
-                <a:solidFill>
-                  <a:srgbClr val="002060"/>
-                </a:solidFill>
-                <a:latin typeface="Times New Roman" panose="02020603050405020304" pitchFamily="18" charset="0"/>
-                <a:cs typeface="Times New Roman" panose="02020603050405020304" pitchFamily="18" charset="0"/>
-              </a:rPr>
-              <a:t>hiện còn 772 </a:t>
-            </a:r>
-            <a:r>
-              <a:rPr lang="en-US" dirty="0">
-                <a:solidFill>
-                  <a:srgbClr val="002060"/>
-                </a:solidFill>
-                <a:latin typeface="Times New Roman" panose="02020603050405020304" pitchFamily="18" charset="0"/>
-                <a:cs typeface="Times New Roman" panose="02020603050405020304" pitchFamily="18" charset="0"/>
-              </a:rPr>
-              <a:t>dữ liệu</a:t>
-            </a:r>
-            <a:r>
-              <a:rPr lang="en-US" dirty="0" smtClean="0">
-                <a:solidFill>
-                  <a:srgbClr val="002060"/>
-                </a:solidFill>
-                <a:latin typeface="Times New Roman" panose="02020603050405020304" pitchFamily="18" charset="0"/>
-                <a:cs typeface="Times New Roman" panose="02020603050405020304" pitchFamily="18" charset="0"/>
-              </a:rPr>
-              <a:t>. (AuditRisk.csv)</a:t>
-            </a:r>
-          </a:p>
-          <a:p>
-            <a:r>
-              <a:rPr lang="en-US" b="1" dirty="0">
-                <a:solidFill>
-                  <a:srgbClr val="002060"/>
-                </a:solidFill>
-                <a:latin typeface="Times New Roman" panose="02020603050405020304" pitchFamily="18" charset="0"/>
-                <a:cs typeface="Times New Roman" panose="02020603050405020304" pitchFamily="18" charset="0"/>
-              </a:rPr>
-              <a:t>Dữ liệu gồm</a:t>
-            </a:r>
-            <a:r>
-              <a:rPr lang="en-US" b="1" dirty="0" smtClean="0">
-                <a:solidFill>
-                  <a:srgbClr val="002060"/>
-                </a:solidFill>
-                <a:latin typeface="Times New Roman" panose="02020603050405020304" pitchFamily="18" charset="0"/>
-                <a:cs typeface="Times New Roman" panose="02020603050405020304" pitchFamily="18" charset="0"/>
-              </a:rPr>
-              <a:t>: </a:t>
-            </a:r>
-            <a:r>
-              <a:rPr lang="en-US" dirty="0" smtClean="0">
-                <a:solidFill>
-                  <a:srgbClr val="002060"/>
-                </a:solidFill>
-                <a:latin typeface="Times New Roman" panose="02020603050405020304" pitchFamily="18" charset="0"/>
-                <a:cs typeface="Times New Roman" panose="02020603050405020304" pitchFamily="18" charset="0"/>
-              </a:rPr>
               <a:t>Tập dữ liệu kiểm thử bao gồm 776 (trial.csv)</a:t>
             </a:r>
           </a:p>
@@ -6989,14 +8612,7 @@
                 <a:latin typeface="Times New Roman" panose="02020603050405020304" pitchFamily="18" charset="0"/>
                 <a:cs typeface="Times New Roman" panose="02020603050405020304" pitchFamily="18" charset="0"/>
               </a:rPr>
-              <a:t>: bao gồm 2 giá trị 0 và </a:t>
-            </a:r>
-            <a:r>
-              <a:rPr lang="en-US" dirty="0" smtClean="0">
-                <a:latin typeface="Times New Roman" panose="02020603050405020304" pitchFamily="18" charset="0"/>
-                <a:cs typeface="Times New Roman" panose="02020603050405020304" pitchFamily="18" charset="0"/>
-              </a:rPr>
-              <a:t>1</a:t>
+              <a:t>: bao gồm 2 giá trị 0 và 1</a:t>
             </a:r>
           </a:p>
           <a:p>
@@ -7055,7 +8671,7 @@
               <a:buAutoNum type="arabicPeriod"/>
             </a:pPr>
             <a:r>
-              <a:rPr lang="en-US" sz="1800" b="1" dirty="0" smtClean="0">
+              <a:rPr lang="en-US" sz="1800" b="1" dirty="0">
                 <a:solidFill>
                   <a:srgbClr val="FF0000"/>
                 </a:solidFill>
@@ -7071,7 +8687,7 @@
               <a:buAutoNum type="arabicPeriod"/>
             </a:pPr>
             <a:r>
-              <a:rPr lang="en-US" sz="1800" b="1" dirty="0" smtClean="0">
+              <a:rPr lang="en-US" sz="1800" b="1" dirty="0">
                 <a:solidFill>
                   <a:srgbClr val="FF0000"/>
                 </a:solidFill>
@@ -7087,7 +8703,7 @@
               <a:buAutoNum type="arabicPeriod"/>
             </a:pPr>
             <a:r>
-              <a:rPr lang="en-US" sz="1800" b="1" dirty="0" smtClean="0">
+              <a:rPr lang="en-US" sz="1800" b="1" dirty="0">
                 <a:solidFill>
                   <a:srgbClr val="FF0000"/>
                 </a:solidFill>
@@ -7103,7 +8719,7 @@
               <a:buAutoNum type="arabicPeriod"/>
             </a:pPr>
             <a:r>
-              <a:rPr lang="en-US" sz="1800" b="1" dirty="0" smtClean="0">
+              <a:rPr lang="en-US" sz="1800" b="1" dirty="0">
                 <a:solidFill>
                   <a:srgbClr val="FF0000"/>
                 </a:solidFill>
@@ -7119,7 +8735,7 @@
               <a:buAutoNum type="arabicPeriod"/>
             </a:pPr>
             <a:r>
-              <a:rPr lang="en-US" sz="1800" dirty="0" smtClean="0">
+              <a:rPr lang="en-US" sz="1800" dirty="0">
                 <a:latin typeface="Times New Roman" panose="02020603050405020304" pitchFamily="18" charset="0"/>
                 <a:cs typeface="Times New Roman" panose="02020603050405020304" pitchFamily="18" charset="0"/>
               </a:rPr>
@@ -7132,7 +8748,7 @@
               <a:buAutoNum type="arabicPeriod"/>
             </a:pPr>
             <a:r>
-              <a:rPr lang="en-US" sz="1800" b="1" dirty="0" smtClean="0">
+              <a:rPr lang="en-US" sz="1800" b="1" dirty="0">
                 <a:solidFill>
                   <a:srgbClr val="FF0000"/>
                 </a:solidFill>
@@ -7148,7 +8764,7 @@
               <a:buAutoNum type="arabicPeriod"/>
             </a:pPr>
             <a:r>
-              <a:rPr lang="en-US" sz="1800" b="1" dirty="0" smtClean="0">
+              <a:rPr lang="en-US" sz="1800" b="1" dirty="0">
                 <a:solidFill>
                   <a:srgbClr val="FF0000"/>
                 </a:solidFill>
@@ -7164,7 +8780,7 @@
               <a:buAutoNum type="arabicPeriod"/>
             </a:pPr>
             <a:r>
-              <a:rPr lang="en-US" sz="1800" dirty="0" smtClean="0">
+              <a:rPr lang="en-US" sz="1800" dirty="0">
                 <a:latin typeface="Times New Roman" panose="02020603050405020304" pitchFamily="18" charset="0"/>
                 <a:cs typeface="Times New Roman" panose="02020603050405020304" pitchFamily="18" charset="0"/>
               </a:rPr>
@@ -7177,7 +8793,7 @@
               <a:buAutoNum type="arabicPeriod"/>
             </a:pPr>
             <a:r>
-              <a:rPr lang="en-US" sz="1800" b="1" dirty="0" smtClean="0">
+              <a:rPr lang="en-US" sz="1800" b="1" dirty="0">
                 <a:solidFill>
                   <a:srgbClr val="FF0000"/>
                 </a:solidFill>
@@ -7193,7 +8809,7 @@
               <a:buAutoNum type="arabicPeriod"/>
             </a:pPr>
             <a:r>
-              <a:rPr lang="en-US" sz="1800" b="1" dirty="0" smtClean="0">
+              <a:rPr lang="en-US" sz="1800" b="1" dirty="0">
                 <a:solidFill>
                   <a:srgbClr val="FF0000"/>
                 </a:solidFill>
@@ -7209,7 +8825,7 @@
               <a:buAutoNum type="arabicPeriod"/>
             </a:pPr>
             <a:r>
-              <a:rPr lang="en-US" sz="1800" dirty="0" smtClean="0">
+              <a:rPr lang="en-US" sz="1800" dirty="0">
                 <a:latin typeface="Times New Roman" panose="02020603050405020304" pitchFamily="18" charset="0"/>
                 <a:cs typeface="Times New Roman" panose="02020603050405020304" pitchFamily="18" charset="0"/>
               </a:rPr>
@@ -7222,7 +8838,7 @@
               <a:buAutoNum type="arabicPeriod"/>
             </a:pPr>
             <a:r>
-              <a:rPr lang="en-US" sz="1800" dirty="0" smtClean="0">
+              <a:rPr lang="en-US" sz="1800" dirty="0">
                 <a:latin typeface="Times New Roman" panose="02020603050405020304" pitchFamily="18" charset="0"/>
                 <a:cs typeface="Times New Roman" panose="02020603050405020304" pitchFamily="18" charset="0"/>
               </a:rPr>
@@ -7235,7 +8851,7 @@
               <a:buAutoNum type="arabicPeriod"/>
             </a:pPr>
             <a:r>
-              <a:rPr lang="en-US" sz="1800" b="1" dirty="0" smtClean="0">
+              <a:rPr lang="en-US" sz="1800" b="1" dirty="0">
                 <a:solidFill>
                   <a:srgbClr val="FF0000"/>
                 </a:solidFill>
@@ -7251,7 +8867,7 @@
               <a:buAutoNum type="arabicPeriod"/>
             </a:pPr>
             <a:r>
-              <a:rPr lang="en-US" sz="1800" dirty="0" smtClean="0">
+              <a:rPr lang="en-US" sz="1800" dirty="0">
                 <a:latin typeface="Times New Roman" panose="02020603050405020304" pitchFamily="18" charset="0"/>
                 <a:cs typeface="Times New Roman" panose="02020603050405020304" pitchFamily="18" charset="0"/>
               </a:rPr>
@@ -7264,7 +8880,7 @@
               <a:buAutoNum type="arabicPeriod"/>
             </a:pPr>
             <a:r>
-              <a:rPr lang="en-US" sz="1800" dirty="0" smtClean="0">
+              <a:rPr lang="en-US" sz="1800" dirty="0">
                 <a:latin typeface="Times New Roman" panose="02020603050405020304" pitchFamily="18" charset="0"/>
                 <a:cs typeface="Times New Roman" panose="02020603050405020304" pitchFamily="18" charset="0"/>
               </a:rPr>
@@ -7277,7 +8893,7 @@
               <a:buAutoNum type="arabicPeriod"/>
             </a:pPr>
             <a:r>
-              <a:rPr lang="en-US" sz="1800" dirty="0" smtClean="0">
+              <a:rPr lang="en-US" sz="1800" dirty="0">
                 <a:latin typeface="Times New Roman" panose="02020603050405020304" pitchFamily="18" charset="0"/>
                 <a:cs typeface="Times New Roman" panose="02020603050405020304" pitchFamily="18" charset="0"/>
               </a:rPr>
@@ -7290,7 +8906,7 @@
               <a:buAutoNum type="arabicPeriod"/>
             </a:pPr>
             <a:r>
-              <a:rPr lang="en-US" sz="1800" dirty="0" smtClean="0">
+              <a:rPr lang="en-US" sz="1800" dirty="0">
                 <a:latin typeface="Times New Roman" panose="02020603050405020304" pitchFamily="18" charset="0"/>
                 <a:cs typeface="Times New Roman" panose="02020603050405020304" pitchFamily="18" charset="0"/>
               </a:rPr>
@@ -7303,7 +8919,7 @@
               <a:buAutoNum type="arabicPeriod"/>
             </a:pPr>
             <a:r>
-              <a:rPr lang="en-US" sz="1800" dirty="0" smtClean="0">
+              <a:rPr lang="en-US" sz="1800" dirty="0">
                 <a:latin typeface="Times New Roman" panose="02020603050405020304" pitchFamily="18" charset="0"/>
                 <a:cs typeface="Times New Roman" panose="02020603050405020304" pitchFamily="18" charset="0"/>
               </a:rPr>
@@ -7316,7 +8932,7 @@
               <a:buAutoNum type="arabicPeriod"/>
             </a:pPr>
             <a:r>
-              <a:rPr lang="en-US" sz="1800" b="1" dirty="0" smtClean="0">
+              <a:rPr lang="en-US" sz="1800" b="1" dirty="0">
                 <a:solidFill>
                   <a:srgbClr val="FF0000"/>
                 </a:solidFill>
@@ -7332,7 +8948,7 @@
               <a:buAutoNum type="arabicPeriod"/>
             </a:pPr>
             <a:r>
-              <a:rPr lang="en-US" sz="1800" dirty="0" smtClean="0">
+              <a:rPr lang="en-US" sz="1800" dirty="0">
                 <a:latin typeface="Times New Roman" panose="02020603050405020304" pitchFamily="18" charset="0"/>
                 <a:cs typeface="Times New Roman" panose="02020603050405020304" pitchFamily="18" charset="0"/>
               </a:rPr>
@@ -7345,7 +8961,7 @@
               <a:buAutoNum type="arabicPeriod"/>
             </a:pPr>
             <a:r>
-              <a:rPr lang="en-US" sz="1800" dirty="0" smtClean="0">
+              <a:rPr lang="en-US" sz="1800" dirty="0">
                 <a:latin typeface="Times New Roman" panose="02020603050405020304" pitchFamily="18" charset="0"/>
                 <a:cs typeface="Times New Roman" panose="02020603050405020304" pitchFamily="18" charset="0"/>
               </a:rPr>
@@ -7358,7 +8974,7 @@
               <a:buAutoNum type="arabicPeriod"/>
             </a:pPr>
             <a:r>
-              <a:rPr lang="en-US" sz="1800" b="1" dirty="0" smtClean="0">
+              <a:rPr lang="en-US" sz="1800" b="1" dirty="0">
                 <a:solidFill>
                   <a:srgbClr val="FF0000"/>
                 </a:solidFill>
@@ -7374,7 +8990,7 @@
               <a:buAutoNum type="arabicPeriod"/>
             </a:pPr>
             <a:r>
-              <a:rPr lang="en-US" sz="1800" dirty="0" smtClean="0">
+              <a:rPr lang="en-US" sz="1800" dirty="0">
                 <a:latin typeface="Times New Roman" panose="02020603050405020304" pitchFamily="18" charset="0"/>
                 <a:cs typeface="Times New Roman" panose="02020603050405020304" pitchFamily="18" charset="0"/>
               </a:rPr>
@@ -7387,7 +9003,7 @@
               <a:buAutoNum type="arabicPeriod"/>
             </a:pPr>
             <a:r>
-              <a:rPr lang="en-US" sz="1800" dirty="0" smtClean="0">
+              <a:rPr lang="en-US" sz="1800" dirty="0">
                 <a:latin typeface="Times New Roman" panose="02020603050405020304" pitchFamily="18" charset="0"/>
                 <a:cs typeface="Times New Roman" panose="02020603050405020304" pitchFamily="18" charset="0"/>
               </a:rPr>
@@ -7400,7 +9016,7 @@
               <a:buAutoNum type="arabicPeriod"/>
             </a:pPr>
             <a:r>
-              <a:rPr lang="en-US" sz="1800" dirty="0" smtClean="0">
+              <a:rPr lang="en-US" sz="1800" dirty="0">
                 <a:latin typeface="Times New Roman" panose="02020603050405020304" pitchFamily="18" charset="0"/>
                 <a:cs typeface="Times New Roman" panose="02020603050405020304" pitchFamily="18" charset="0"/>
               </a:rPr>
@@ -7413,16 +9029,41 @@
               <a:buAutoNum type="arabicPeriod"/>
             </a:pPr>
             <a:r>
-              <a:rPr lang="en-US" sz="1800" dirty="0" smtClean="0">
+              <a:rPr lang="en-US" sz="1800" dirty="0">
                 <a:latin typeface="Times New Roman" panose="02020603050405020304" pitchFamily="18" charset="0"/>
                 <a:cs typeface="Times New Roman" panose="02020603050405020304" pitchFamily="18" charset="0"/>
               </a:rPr>
               <a:t>Audit_Risk</a:t>
             </a:r>
-            <a:endParaRPr lang="en-US" sz="1800" dirty="0">
-              <a:latin typeface="Times New Roman" panose="02020603050405020304" pitchFamily="18" charset="0"/>
-              <a:cs typeface="Times New Roman" panose="02020603050405020304" pitchFamily="18" charset="0"/>
-            </a:endParaRPr>
+          </a:p>
+        </p:txBody>
+      </p:sp>
+      <p:sp>
+        <p:nvSpPr>
+          <p:cNvPr id="3" name="Slide Number Placeholder 2">
+            <a:extLst>
+              <a:ext uri="{FF2B5EF4-FFF2-40B4-BE49-F238E27FC236}">
+                <a16:creationId xmlns:a16="http://schemas.microsoft.com/office/drawing/2014/main" id="{8A9A3E99-B82D-4C0A-B0CA-BF930EFA4349}"/>
+              </a:ext>
+            </a:extLst>
+          </p:cNvPr>
+          <p:cNvSpPr>
+            <a:spLocks noGrp="1"/>
+          </p:cNvSpPr>
+          <p:nvPr>
+            <p:ph type="sldNum" sz="quarter" idx="12"/>
+          </p:nvPr>
+        </p:nvSpPr>
+        <p:spPr/>
+        <p:txBody>
+          <a:bodyPr/>
+          <a:lstStyle/>
+          <a:p>
+            <a:fld id="{EB37DED6-D4C7-42EE-AB49-D2E39E64FDE4}" type="slidenum">
+              <a:rPr lang="en-US" smtClean="0"/>
+              <a:t>4</a:t>
+            </a:fld>
+            <a:endParaRPr lang="en-US"/>
           </a:p>
         </p:txBody>
       </p:sp>
@@ -7491,16 +9132,12 @@
           <a:lstStyle/>
           <a:p>
             <a:r>
-              <a:rPr lang="en-US" dirty="0" smtClean="0">
+              <a:rPr lang="en-US" dirty="0">
                 <a:latin typeface="Times New Roman" panose="02020603050405020304" pitchFamily="18" charset="0"/>
                 <a:cs typeface="Times New Roman" panose="02020603050405020304" pitchFamily="18" charset="0"/>
               </a:rPr>
               <a:t>Phương pháp thực hiện</a:t>
             </a:r>
-            <a:endParaRPr lang="en-US" dirty="0">
-              <a:latin typeface="Times New Roman" panose="02020603050405020304" pitchFamily="18" charset="0"/>
-              <a:cs typeface="Times New Roman" panose="02020603050405020304" pitchFamily="18" charset="0"/>
-            </a:endParaRPr>
           </a:p>
         </p:txBody>
       </p:sp>
@@ -7520,7 +9157,7 @@
           <a:lstStyle/>
           <a:p>
             <a:r>
-              <a:rPr lang="en-US" dirty="0" smtClean="0">
+              <a:rPr lang="en-US" dirty="0">
                 <a:latin typeface="Times New Roman" panose="02020603050405020304" pitchFamily="18" charset="0"/>
                 <a:cs typeface="Times New Roman" panose="02020603050405020304" pitchFamily="18" charset="0"/>
               </a:rPr>
@@ -7529,7 +9166,7 @@
           </a:p>
           <a:p>
             <a:r>
-              <a:rPr lang="en-US" dirty="0" smtClean="0">
+              <a:rPr lang="en-US" dirty="0">
                 <a:latin typeface="Times New Roman" panose="02020603050405020304" pitchFamily="18" charset="0"/>
                 <a:cs typeface="Times New Roman" panose="02020603050405020304" pitchFamily="18" charset="0"/>
               </a:rPr>
@@ -7537,13 +9174,13 @@
             </a:r>
           </a:p>
           <a:p>
-            <a:endParaRPr lang="en-US" dirty="0" smtClean="0">
+            <a:endParaRPr lang="en-US" dirty="0">
               <a:latin typeface="Times New Roman" panose="02020603050405020304" pitchFamily="18" charset="0"/>
               <a:cs typeface="Times New Roman" panose="02020603050405020304" pitchFamily="18" charset="0"/>
             </a:endParaRPr>
           </a:p>
           <a:p>
-            <a:endParaRPr lang="en-US" dirty="0" smtClean="0">
+            <a:endParaRPr lang="en-US" dirty="0">
               <a:latin typeface="Times New Roman" panose="02020603050405020304" pitchFamily="18" charset="0"/>
               <a:cs typeface="Times New Roman" panose="02020603050405020304" pitchFamily="18" charset="0"/>
             </a:endParaRPr>
@@ -7572,6 +9209,35 @@
           </a:prstGeom>
         </p:spPr>
       </p:pic>
+      <p:sp>
+        <p:nvSpPr>
+          <p:cNvPr id="5" name="Slide Number Placeholder 4">
+            <a:extLst>
+              <a:ext uri="{FF2B5EF4-FFF2-40B4-BE49-F238E27FC236}">
+                <a16:creationId xmlns:a16="http://schemas.microsoft.com/office/drawing/2014/main" id="{A3027278-47F0-48FA-B497-586C78B6B54C}"/>
+              </a:ext>
+            </a:extLst>
+          </p:cNvPr>
+          <p:cNvSpPr>
+            <a:spLocks noGrp="1"/>
+          </p:cNvSpPr>
+          <p:nvPr>
+            <p:ph type="sldNum" sz="quarter" idx="12"/>
+          </p:nvPr>
+        </p:nvSpPr>
+        <p:spPr/>
+        <p:txBody>
+          <a:bodyPr/>
+          <a:lstStyle/>
+          <a:p>
+            <a:fld id="{DA60BA0E-20D0-4E7C-B286-26C960A6788F}" type="slidenum">
+              <a:rPr lang="en-US" smtClean="0"/>
+              <a:t>5</a:t>
+            </a:fld>
+            <a:endParaRPr lang="en-US"/>
+          </a:p>
+        </p:txBody>
+      </p:sp>
     </p:spTree>
     <p:extLst>
       <p:ext uri="{BB962C8B-B14F-4D97-AF65-F5344CB8AC3E}">
@@ -7660,7 +9326,7 @@
             </p:nvSpPr>
             <p:spPr>
               <a:xfrm>
-                <a:off x="531812" y="2092007"/>
+                <a:off x="1933614" y="2222941"/>
                 <a:ext cx="8229599" cy="4470400"/>
               </a:xfrm>
             </p:spPr>
@@ -7681,17 +9347,27 @@
                   <a:buChar char="v"/>
                 </a:pPr>
                 <a:r>
-                  <a:rPr lang="en-US" altLang="vi-VN" b="1" dirty="0" smtClean="0">
+                  <a:rPr lang="en-US" altLang="vi-VN" sz="2800" b="1" dirty="0">
                     <a:solidFill>
                       <a:srgbClr val="000066"/>
                     </a:solidFill>
                     <a:latin typeface="Times New Roman" panose="02020603050405020304" pitchFamily="18" charset="0"/>
                     <a:cs typeface="Times New Roman" panose="02020603050405020304" pitchFamily="18" charset="0"/>
                   </a:rPr>
-                  <a:t>Độ</a:t>
+                  <a:t>Độ </a:t>
                 </a:r>
                 <a:r>
-                  <a:rPr lang="en-US" altLang="vi-VN" b="1" dirty="0">
+                  <a:rPr lang="en-US" altLang="vi-VN" sz="2800" b="1" dirty="0" err="1">
+                    <a:solidFill>
+                      <a:srgbClr val="000066"/>
+                    </a:solidFill>
+                    <a:latin typeface="Times New Roman" panose="02020603050405020304" pitchFamily="18" charset="0"/>
+                    <a:cs typeface="Times New Roman" panose="02020603050405020304" pitchFamily="18" charset="0"/>
+                  </a:rPr>
+                  <a:t>hỗn</a:t>
+                </a:r>
+                <a:r>
+                  <a:rPr lang="en-US" altLang="vi-VN" sz="2800" b="1" dirty="0">
                     <a:solidFill>
                       <a:srgbClr val="000066"/>
                     </a:solidFill>
@@ -7701,17 +9377,17 @@
                   <a:t> </a:t>
                 </a:r>
                 <a:r>
-                  <a:rPr lang="en-US" altLang="vi-VN" b="1" dirty="0" err="1">
+                  <a:rPr lang="en-US" altLang="vi-VN" sz="2800" b="1" dirty="0" err="1">
                     <a:solidFill>
                       <a:srgbClr val="000066"/>
                     </a:solidFill>
                     <a:latin typeface="Times New Roman" panose="02020603050405020304" pitchFamily="18" charset="0"/>
                     <a:cs typeface="Times New Roman" panose="02020603050405020304" pitchFamily="18" charset="0"/>
                   </a:rPr>
-                  <a:t>hỗn</a:t>
+                  <a:t>loạn</a:t>
                 </a:r>
                 <a:r>
-                  <a:rPr lang="en-US" altLang="vi-VN" b="1" dirty="0">
+                  <a:rPr lang="en-US" altLang="vi-VN" sz="2800" b="1" dirty="0">
                     <a:solidFill>
                       <a:srgbClr val="000066"/>
                     </a:solidFill>
@@ -7721,17 +9397,37 @@
                   <a:t> </a:t>
                 </a:r>
                 <a:r>
-                  <a:rPr lang="en-US" altLang="vi-VN" b="1" dirty="0" err="1">
+                  <a:rPr lang="en-US" altLang="vi-VN" sz="2800" b="1" dirty="0" err="1">
                     <a:solidFill>
                       <a:srgbClr val="000066"/>
                     </a:solidFill>
                     <a:latin typeface="Times New Roman" panose="02020603050405020304" pitchFamily="18" charset="0"/>
                     <a:cs typeface="Times New Roman" panose="02020603050405020304" pitchFamily="18" charset="0"/>
                   </a:rPr>
-                  <a:t>loạn</a:t>
+                  <a:t>thông</a:t>
                 </a:r>
                 <a:r>
-                  <a:rPr lang="en-US" altLang="vi-VN" b="1" dirty="0">
+                  <a:rPr lang="en-US" altLang="vi-VN" sz="2800" b="1" dirty="0">
+                    <a:solidFill>
+                      <a:srgbClr val="000066"/>
+                    </a:solidFill>
+                    <a:latin typeface="Times New Roman" panose="02020603050405020304" pitchFamily="18" charset="0"/>
+                    <a:cs typeface="Times New Roman" panose="02020603050405020304" pitchFamily="18" charset="0"/>
+                  </a:rPr>
+                  <a:t> tin </a:t>
+                </a:r>
+                <a:r>
+                  <a:rPr lang="en-US" altLang="vi-VN" sz="2800" b="1" dirty="0" err="1">
+                    <a:solidFill>
+                      <a:srgbClr val="000066"/>
+                    </a:solidFill>
+                    <a:latin typeface="Times New Roman" panose="02020603050405020304" pitchFamily="18" charset="0"/>
+                    <a:cs typeface="Times New Roman" panose="02020603050405020304" pitchFamily="18" charset="0"/>
+                  </a:rPr>
+                  <a:t>trước</a:t>
+                </a:r>
+                <a:r>
+                  <a:rPr lang="en-US" altLang="vi-VN" sz="2800" b="1" dirty="0">
                     <a:solidFill>
                       <a:srgbClr val="000066"/>
                     </a:solidFill>
@@ -7741,37 +9437,17 @@
                   <a:t> </a:t>
                 </a:r>
                 <a:r>
-                  <a:rPr lang="en-US" altLang="vi-VN" b="1" dirty="0" err="1">
+                  <a:rPr lang="en-US" altLang="vi-VN" sz="2800" b="1" dirty="0" err="1">
                     <a:solidFill>
                       <a:srgbClr val="000066"/>
                     </a:solidFill>
                     <a:latin typeface="Times New Roman" panose="02020603050405020304" pitchFamily="18" charset="0"/>
                     <a:cs typeface="Times New Roman" panose="02020603050405020304" pitchFamily="18" charset="0"/>
                   </a:rPr>
-                  <a:t>thông</a:t>
+                  <a:t>khi</a:t>
                 </a:r>
                 <a:r>
-                  <a:rPr lang="en-US" altLang="vi-VN" b="1" dirty="0">
-                    <a:solidFill>
-                      <a:srgbClr val="000066"/>
-                    </a:solidFill>
-                    <a:latin typeface="Times New Roman" panose="02020603050405020304" pitchFamily="18" charset="0"/>
-                    <a:cs typeface="Times New Roman" panose="02020603050405020304" pitchFamily="18" charset="0"/>
-                  </a:rPr>
-                  <a:t> tin </a:t>
-                </a:r>
-                <a:r>
-                  <a:rPr lang="en-US" altLang="vi-VN" b="1" dirty="0" err="1">
-                    <a:solidFill>
-                      <a:srgbClr val="000066"/>
-                    </a:solidFill>
-                    <a:latin typeface="Times New Roman" panose="02020603050405020304" pitchFamily="18" charset="0"/>
-                    <a:cs typeface="Times New Roman" panose="02020603050405020304" pitchFamily="18" charset="0"/>
-                  </a:rPr>
-                  <a:t>trước</a:t>
-                </a:r>
-                <a:r>
-                  <a:rPr lang="en-US" altLang="vi-VN" b="1" dirty="0">
+                  <a:rPr lang="en-US" altLang="vi-VN" sz="2800" b="1" dirty="0">
                     <a:solidFill>
                       <a:srgbClr val="000066"/>
                     </a:solidFill>
@@ -7781,17 +9457,17 @@
                   <a:t> </a:t>
                 </a:r>
                 <a:r>
-                  <a:rPr lang="en-US" altLang="vi-VN" b="1" dirty="0" err="1">
+                  <a:rPr lang="en-US" altLang="vi-VN" sz="2800" b="1" dirty="0" err="1">
                     <a:solidFill>
                       <a:srgbClr val="000066"/>
                     </a:solidFill>
                     <a:latin typeface="Times New Roman" panose="02020603050405020304" pitchFamily="18" charset="0"/>
                     <a:cs typeface="Times New Roman" panose="02020603050405020304" pitchFamily="18" charset="0"/>
                   </a:rPr>
-                  <a:t>khi</a:t>
+                  <a:t>phân</a:t>
                 </a:r>
                 <a:r>
-                  <a:rPr lang="en-US" altLang="vi-VN" b="1" dirty="0">
+                  <a:rPr lang="en-US" altLang="vi-VN" sz="2800" b="1" dirty="0">
                     <a:solidFill>
                       <a:srgbClr val="000066"/>
                     </a:solidFill>
@@ -7801,27 +9477,7 @@
                   <a:t> </a:t>
                 </a:r>
                 <a:r>
-                  <a:rPr lang="en-US" altLang="vi-VN" b="1" dirty="0" err="1">
-                    <a:solidFill>
-                      <a:srgbClr val="000066"/>
-                    </a:solidFill>
-                    <a:latin typeface="Times New Roman" panose="02020603050405020304" pitchFamily="18" charset="0"/>
-                    <a:cs typeface="Times New Roman" panose="02020603050405020304" pitchFamily="18" charset="0"/>
-                  </a:rPr>
-                  <a:t>phân</a:t>
-                </a:r>
-                <a:r>
-                  <a:rPr lang="en-US" altLang="vi-VN" b="1" dirty="0">
-                    <a:solidFill>
-                      <a:srgbClr val="000066"/>
-                    </a:solidFill>
-                    <a:latin typeface="Times New Roman" panose="02020603050405020304" pitchFamily="18" charset="0"/>
-                    <a:cs typeface="Times New Roman" panose="02020603050405020304" pitchFamily="18" charset="0"/>
-                  </a:rPr>
-                  <a:t> </a:t>
-                </a:r>
-                <a:r>
-                  <a:rPr lang="en-US" altLang="vi-VN" b="1" dirty="0" err="1">
+                  <a:rPr lang="en-US" altLang="vi-VN" sz="2800" b="1" dirty="0" err="1">
                     <a:solidFill>
                       <a:srgbClr val="000066"/>
                     </a:solidFill>
@@ -7831,7 +9487,7 @@
                   <a:t>hoạch</a:t>
                 </a:r>
                 <a:r>
-                  <a:rPr lang="en-US" altLang="vi-VN" b="1" dirty="0">
+                  <a:rPr lang="en-US" altLang="vi-VN" sz="2800" b="1" dirty="0">
                     <a:solidFill>
                       <a:srgbClr val="000066"/>
                     </a:solidFill>
@@ -7851,7 +9507,7 @@
                   </a:spcAft>
                 </a:pPr>
                 <a:r>
-                  <a:rPr lang="en-US" altLang="vi-VN" sz="2400" dirty="0">
+                  <a:rPr lang="en-US" altLang="vi-VN" sz="2800" dirty="0">
                     <a:solidFill>
                       <a:srgbClr val="000066"/>
                     </a:solidFill>
@@ -7861,7 +9517,7 @@
                   <a:t> Info(D) = entropy(p</a:t>
                 </a:r>
                 <a:r>
-                  <a:rPr lang="en-US" altLang="vi-VN" sz="2400" baseline="-25000" dirty="0">
+                  <a:rPr lang="en-US" altLang="vi-VN" sz="2800" baseline="-25000" dirty="0">
                     <a:solidFill>
                       <a:srgbClr val="000066"/>
                     </a:solidFill>
@@ -7871,7 +9527,7 @@
                   <a:t>1</a:t>
                 </a:r>
                 <a:r>
-                  <a:rPr lang="en-US" altLang="vi-VN" sz="2400" dirty="0">
+                  <a:rPr lang="en-US" altLang="vi-VN" sz="2800" dirty="0">
                     <a:solidFill>
                       <a:srgbClr val="000066"/>
                     </a:solidFill>
@@ -7881,7 +9537,7 @@
                   <a:t>, p</a:t>
                 </a:r>
                 <a:r>
-                  <a:rPr lang="en-US" altLang="vi-VN" sz="2400" baseline="-25000" dirty="0">
+                  <a:rPr lang="en-US" altLang="vi-VN" sz="2800" baseline="-25000" dirty="0">
                     <a:solidFill>
                       <a:srgbClr val="000066"/>
                     </a:solidFill>
@@ -7891,7 +9547,7 @@
                   <a:t>2</a:t>
                 </a:r>
                 <a:r>
-                  <a:rPr lang="en-US" altLang="vi-VN" sz="2400" dirty="0">
+                  <a:rPr lang="en-US" altLang="vi-VN" sz="2800" dirty="0">
                     <a:solidFill>
                       <a:srgbClr val="000066"/>
                     </a:solidFill>
@@ -7901,7 +9557,7 @@
                   <a:t>,…, </a:t>
                 </a:r>
                 <a:r>
-                  <a:rPr lang="en-US" altLang="vi-VN" sz="2400" dirty="0" err="1">
+                  <a:rPr lang="en-US" altLang="vi-VN" sz="2800" dirty="0" err="1">
                     <a:solidFill>
                       <a:srgbClr val="000066"/>
                     </a:solidFill>
@@ -7911,7 +9567,7 @@
                   <a:t>p</a:t>
                 </a:r>
                 <a:r>
-                  <a:rPr lang="en-US" altLang="vi-VN" sz="2400" baseline="-25000" dirty="0" err="1">
+                  <a:rPr lang="en-US" altLang="vi-VN" sz="2800" baseline="-25000" dirty="0" err="1">
                     <a:solidFill>
                       <a:srgbClr val="000066"/>
                     </a:solidFill>
@@ -7921,7 +9577,7 @@
                   <a:t>n</a:t>
                 </a:r>
                 <a:r>
-                  <a:rPr lang="en-US" altLang="vi-VN" sz="2400" dirty="0">
+                  <a:rPr lang="en-US" altLang="vi-VN" sz="2800" dirty="0">
                     <a:solidFill>
                       <a:srgbClr val="000066"/>
                     </a:solidFill>
@@ -7941,7 +9597,7 @@
                   </a:spcAft>
                 </a:pPr>
                 <a:r>
-                  <a:rPr lang="en-US" altLang="vi-VN" sz="2400" dirty="0">
+                  <a:rPr lang="en-US" altLang="vi-VN" sz="2800" dirty="0">
                     <a:solidFill>
                       <a:srgbClr val="000066"/>
                     </a:solidFill>
@@ -7951,7 +9607,7 @@
                   <a:t>	       = − p</a:t>
                 </a:r>
                 <a:r>
-                  <a:rPr lang="en-US" altLang="vi-VN" sz="2400" baseline="-25000" dirty="0">
+                  <a:rPr lang="en-US" altLang="vi-VN" sz="2800" baseline="-25000" dirty="0">
                     <a:solidFill>
                       <a:srgbClr val="000066"/>
                     </a:solidFill>
@@ -7961,7 +9617,7 @@
                   <a:t>1</a:t>
                 </a:r>
                 <a:r>
-                  <a:rPr lang="en-US" altLang="vi-VN" sz="2400" dirty="0">
+                  <a:rPr lang="en-US" altLang="vi-VN" sz="2800" dirty="0">
                     <a:solidFill>
                       <a:srgbClr val="000066"/>
                     </a:solidFill>
@@ -7971,7 +9627,7 @@
                   <a:t>log p</a:t>
                 </a:r>
                 <a:r>
-                  <a:rPr lang="en-US" altLang="vi-VN" sz="2400" baseline="-25000" dirty="0">
+                  <a:rPr lang="en-US" altLang="vi-VN" sz="2800" baseline="-25000" dirty="0">
                     <a:solidFill>
                       <a:srgbClr val="000066"/>
                     </a:solidFill>
@@ -7981,7 +9637,7 @@
                   <a:t>1</a:t>
                 </a:r>
                 <a:r>
-                  <a:rPr lang="en-US" altLang="vi-VN" sz="2400" dirty="0">
+                  <a:rPr lang="en-US" altLang="vi-VN" sz="2800" dirty="0">
                     <a:solidFill>
                       <a:srgbClr val="000066"/>
                     </a:solidFill>
@@ -7991,7 +9647,7 @@
                   <a:t> – p</a:t>
                 </a:r>
                 <a:r>
-                  <a:rPr lang="en-US" altLang="vi-VN" sz="2400" baseline="-25000" dirty="0">
+                  <a:rPr lang="en-US" altLang="vi-VN" sz="2800" baseline="-25000" dirty="0">
                     <a:solidFill>
                       <a:srgbClr val="000066"/>
                     </a:solidFill>
@@ -8001,7 +9657,7 @@
                   <a:t>2</a:t>
                 </a:r>
                 <a:r>
-                  <a:rPr lang="en-US" altLang="vi-VN" sz="2400" dirty="0">
+                  <a:rPr lang="en-US" altLang="vi-VN" sz="2800" dirty="0">
                     <a:solidFill>
                       <a:srgbClr val="000066"/>
                     </a:solidFill>
@@ -8011,7 +9667,7 @@
                   <a:t>log p</a:t>
                 </a:r>
                 <a:r>
-                  <a:rPr lang="en-US" altLang="vi-VN" sz="2400" baseline="-25000" dirty="0">
+                  <a:rPr lang="en-US" altLang="vi-VN" sz="2800" baseline="-25000" dirty="0">
                     <a:solidFill>
                       <a:srgbClr val="000066"/>
                     </a:solidFill>
@@ -8021,7 +9677,7 @@
                   <a:t>2</a:t>
                 </a:r>
                 <a:r>
-                  <a:rPr lang="en-US" altLang="vi-VN" sz="2400" dirty="0">
+                  <a:rPr lang="en-US" altLang="vi-VN" sz="2800" dirty="0">
                     <a:solidFill>
                       <a:srgbClr val="000066"/>
                     </a:solidFill>
@@ -8031,7 +9687,7 @@
                   <a:t>…− </a:t>
                 </a:r>
                 <a:r>
-                  <a:rPr lang="en-US" altLang="vi-VN" sz="2400" dirty="0" err="1">
+                  <a:rPr lang="en-US" altLang="vi-VN" sz="2800" dirty="0" err="1">
                     <a:solidFill>
                       <a:srgbClr val="000066"/>
                     </a:solidFill>
@@ -8041,7 +9697,7 @@
                   <a:t>p</a:t>
                 </a:r>
                 <a:r>
-                  <a:rPr lang="en-US" altLang="vi-VN" sz="2400" baseline="-25000" dirty="0" err="1">
+                  <a:rPr lang="en-US" altLang="vi-VN" sz="2800" baseline="-25000" dirty="0" err="1">
                     <a:solidFill>
                       <a:srgbClr val="000066"/>
                     </a:solidFill>
@@ -8051,7 +9707,7 @@
                   <a:t>n</a:t>
                 </a:r>
                 <a:r>
-                  <a:rPr lang="en-US" altLang="vi-VN" sz="2400" dirty="0" err="1">
+                  <a:rPr lang="en-US" altLang="vi-VN" sz="2800" dirty="0" err="1">
                     <a:solidFill>
                       <a:srgbClr val="000066"/>
                     </a:solidFill>
@@ -8061,7 +9717,7 @@
                   <a:t>log</a:t>
                 </a:r>
                 <a:r>
-                  <a:rPr lang="en-US" altLang="vi-VN" sz="2400" dirty="0">
+                  <a:rPr lang="en-US" altLang="vi-VN" sz="2800" dirty="0">
                     <a:solidFill>
                       <a:srgbClr val="000066"/>
                     </a:solidFill>
@@ -8071,7 +9727,7 @@
                   <a:t> </a:t>
                 </a:r>
                 <a:r>
-                  <a:rPr lang="en-US" altLang="vi-VN" sz="2400" dirty="0" err="1">
+                  <a:rPr lang="en-US" altLang="vi-VN" sz="2800" dirty="0" err="1">
                     <a:solidFill>
                       <a:srgbClr val="000066"/>
                     </a:solidFill>
@@ -8081,7 +9737,7 @@
                   <a:t>p</a:t>
                 </a:r>
                 <a:r>
-                  <a:rPr lang="en-US" altLang="vi-VN" sz="2400" baseline="-25000" dirty="0" err="1">
+                  <a:rPr lang="en-US" altLang="vi-VN" sz="2800" baseline="-25000" dirty="0" err="1">
                     <a:solidFill>
                       <a:srgbClr val="000066"/>
                     </a:solidFill>
@@ -8090,7 +9746,7 @@
                   </a:rPr>
                   <a:t>n</a:t>
                 </a:r>
-                <a:endParaRPr lang="en-US" altLang="vi-VN" sz="2400" dirty="0">
+                <a:endParaRPr lang="en-US" altLang="vi-VN" sz="2800" dirty="0">
                   <a:solidFill>
                     <a:srgbClr val="000066"/>
                   </a:solidFill>
@@ -8108,7 +9764,7 @@
                   </a:spcAft>
                 </a:pPr>
                 <a:r>
-                  <a:rPr lang="en-US" altLang="vi-VN" sz="2400" dirty="0">
+                  <a:rPr lang="en-US" altLang="vi-VN" sz="2800" dirty="0">
                     <a:solidFill>
                       <a:srgbClr val="000066"/>
                     </a:solidFill>
@@ -8120,7 +9776,7 @@
                 <a14:m>
                   <m:oMath xmlns:m="http://schemas.openxmlformats.org/officeDocument/2006/math">
                     <m:r>
-                      <a:rPr lang="en-US" altLang="vi-VN" sz="2400" i="1">
+                      <a:rPr lang="en-US" altLang="vi-VN" sz="2800" i="1">
                         <a:solidFill>
                           <a:srgbClr val="000066"/>
                         </a:solidFill>
@@ -8132,7 +9788,7 @@
                     <m:f>
                       <m:fPr>
                         <m:ctrlPr>
-                          <a:rPr lang="en-US" altLang="vi-VN" sz="2400" i="1">
+                          <a:rPr lang="en-US" altLang="vi-VN" sz="2800" i="1">
                             <a:solidFill>
                               <a:srgbClr val="000066"/>
                             </a:solidFill>
@@ -8143,7 +9799,7 @@
                       </m:fPr>
                       <m:num>
                         <m:r>
-                          <a:rPr lang="en-US" altLang="vi-VN" sz="2400" i="1">
+                          <a:rPr lang="en-US" altLang="vi-VN" sz="2800" i="1">
                             <a:solidFill>
                               <a:srgbClr val="000066"/>
                             </a:solidFill>
@@ -8153,7 +9809,7 @@
                           <m:t>−</m:t>
                         </m:r>
                         <m:r>
-                          <a:rPr lang="en-US" altLang="vi-VN" sz="2400" b="0" i="1" smtClean="0">
+                          <a:rPr lang="en-US" altLang="vi-VN" sz="2800" b="0" i="1" smtClean="0">
                             <a:solidFill>
                               <a:srgbClr val="000066"/>
                             </a:solidFill>
@@ -8165,7 +9821,7 @@
                       </m:num>
                       <m:den>
                         <m:r>
-                          <a:rPr lang="en-US" altLang="vi-VN" sz="2400" b="0" i="1" smtClean="0">
+                          <a:rPr lang="en-US" altLang="vi-VN" sz="2800" b="0" i="1" smtClean="0">
                             <a:solidFill>
                               <a:srgbClr val="000066"/>
                             </a:solidFill>
@@ -8177,7 +9833,7 @@
                       </m:den>
                     </m:f>
                     <m:r>
-                      <a:rPr lang="en-US" altLang="vi-VN" sz="2400" i="1">
+                      <a:rPr lang="en-US" altLang="vi-VN" sz="2800" i="1">
                         <a:solidFill>
                           <a:srgbClr val="000066"/>
                         </a:solidFill>
@@ -8189,7 +9845,7 @@
                     <m:f>
                       <m:fPr>
                         <m:ctrlPr>
-                          <a:rPr lang="en-US" altLang="vi-VN" sz="2400" i="1">
+                          <a:rPr lang="en-US" altLang="vi-VN" sz="2800" i="1">
                             <a:solidFill>
                               <a:srgbClr val="000066"/>
                             </a:solidFill>
@@ -8200,7 +9856,7 @@
                       </m:fPr>
                       <m:num>
                         <m:r>
-                          <a:rPr lang="en-US" altLang="vi-VN" sz="2400" b="0" i="1" smtClean="0">
+                          <a:rPr lang="en-US" altLang="vi-VN" sz="2800" b="0" i="1" smtClean="0">
                             <a:solidFill>
                               <a:srgbClr val="000066"/>
                             </a:solidFill>
@@ -8212,7 +9868,7 @@
                       </m:num>
                       <m:den>
                         <m:r>
-                          <a:rPr lang="en-US" altLang="vi-VN" sz="2400" b="0" i="1" smtClean="0">
+                          <a:rPr lang="en-US" altLang="vi-VN" sz="2800" b="0" i="1" smtClean="0">
                             <a:solidFill>
                               <a:srgbClr val="000066"/>
                             </a:solidFill>
@@ -8224,7 +9880,7 @@
                       </m:den>
                     </m:f>
                     <m:r>
-                      <a:rPr lang="en-US" altLang="vi-VN" sz="2400" i="1">
+                      <a:rPr lang="en-US" altLang="vi-VN" sz="2800" i="1">
                         <a:solidFill>
                           <a:srgbClr val="000066"/>
                         </a:solidFill>
@@ -8236,7 +9892,7 @@
                     <m:f>
                       <m:fPr>
                         <m:ctrlPr>
-                          <a:rPr lang="en-US" altLang="vi-VN" sz="2400" i="1">
+                          <a:rPr lang="en-US" altLang="vi-VN" sz="2800" i="1">
                             <a:solidFill>
                               <a:srgbClr val="000066"/>
                             </a:solidFill>
@@ -8247,7 +9903,7 @@
                       </m:fPr>
                       <m:num>
                         <m:r>
-                          <a:rPr lang="en-US" altLang="vi-VN" sz="2400" b="0" i="1" smtClean="0">
+                          <a:rPr lang="en-US" altLang="vi-VN" sz="2800" b="0" i="1" smtClean="0">
                             <a:solidFill>
                               <a:srgbClr val="000066"/>
                             </a:solidFill>
@@ -8259,7 +9915,7 @@
                       </m:num>
                       <m:den>
                         <m:r>
-                          <a:rPr lang="en-US" altLang="vi-VN" sz="2400" b="0" i="1" smtClean="0">
+                          <a:rPr lang="en-US" altLang="vi-VN" sz="2800" b="0" i="1" smtClean="0">
                             <a:solidFill>
                               <a:srgbClr val="000066"/>
                             </a:solidFill>
@@ -8271,7 +9927,7 @@
                       </m:den>
                     </m:f>
                     <m:r>
-                      <a:rPr lang="en-US" altLang="vi-VN" sz="2400" i="1">
+                      <a:rPr lang="en-US" altLang="vi-VN" sz="2800" i="1">
                         <a:solidFill>
                           <a:srgbClr val="000066"/>
                         </a:solidFill>
@@ -8283,7 +9939,7 @@
                     <m:f>
                       <m:fPr>
                         <m:ctrlPr>
-                          <a:rPr lang="en-US" altLang="vi-VN" sz="2400" i="1">
+                          <a:rPr lang="en-US" altLang="vi-VN" sz="2800" i="1">
                             <a:solidFill>
                               <a:srgbClr val="000066"/>
                             </a:solidFill>
@@ -8294,7 +9950,7 @@
                       </m:fPr>
                       <m:num>
                         <m:r>
-                          <a:rPr lang="en-US" altLang="vi-VN" sz="2400" b="0" i="1" smtClean="0">
+                          <a:rPr lang="en-US" altLang="vi-VN" sz="2800" b="0" i="1" smtClean="0">
                             <a:solidFill>
                               <a:srgbClr val="000066"/>
                             </a:solidFill>
@@ -8306,7 +9962,7 @@
                       </m:num>
                       <m:den>
                         <m:r>
-                          <a:rPr lang="en-US" altLang="vi-VN" sz="2400" b="0" i="1" smtClean="0">
+                          <a:rPr lang="en-US" altLang="vi-VN" sz="2800" b="0" i="1" smtClean="0">
                             <a:solidFill>
                               <a:srgbClr val="000066"/>
                             </a:solidFill>
@@ -8318,7 +9974,7 @@
                       </m:den>
                     </m:f>
                     <m:r>
-                      <a:rPr lang="en-US" altLang="vi-VN" sz="2400" i="1">
+                      <a:rPr lang="en-US" altLang="vi-VN" sz="2800" i="1">
                         <a:solidFill>
                           <a:srgbClr val="000066"/>
                         </a:solidFill>
@@ -8328,7 +9984,7 @@
                       <m:t>=</m:t>
                     </m:r>
                     <m:r>
-                      <a:rPr lang="en-US" altLang="vi-VN" sz="2400" b="0" i="1" smtClean="0">
+                      <a:rPr lang="en-US" altLang="vi-VN" sz="2800" b="0" i="1" smtClean="0">
                         <a:solidFill>
                           <a:srgbClr val="000066"/>
                         </a:solidFill>
@@ -8338,7 +9994,7 @@
                       <m:t>0.287 (</m:t>
                     </m:r>
                     <m:r>
-                      <a:rPr lang="en-US" altLang="vi-VN" sz="2400" b="0" i="1" smtClean="0">
+                      <a:rPr lang="en-US" altLang="vi-VN" sz="2800" b="0" i="1" smtClean="0">
                         <a:solidFill>
                           <a:srgbClr val="000066"/>
                         </a:solidFill>
@@ -8348,7 +10004,7 @@
                       <m:t>𝑏𝑖𝑡</m:t>
                     </m:r>
                     <m:r>
-                      <a:rPr lang="en-US" altLang="vi-VN" sz="2400" b="0" i="1" smtClean="0">
+                      <a:rPr lang="en-US" altLang="vi-VN" sz="2800" b="0" i="1" smtClean="0">
                         <a:solidFill>
                           <a:srgbClr val="000066"/>
                         </a:solidFill>
@@ -8359,7 +10015,7 @@
                     </m:r>
                   </m:oMath>
                 </a14:m>
-                <a:endParaRPr lang="en-US" dirty="0" smtClean="0">
+                <a:endParaRPr lang="en-US" sz="2800" dirty="0">
                   <a:latin typeface="Times New Roman" panose="02020603050405020304" pitchFamily="18" charset="0"/>
                   <a:cs typeface="Times New Roman" panose="02020603050405020304" pitchFamily="18" charset="0"/>
                 </a:endParaRPr>
@@ -8380,13 +10036,13 @@
             </p:nvSpPr>
             <p:spPr>
               <a:xfrm>
-                <a:off x="531812" y="2092007"/>
+                <a:off x="1933614" y="2222941"/>
                 <a:ext cx="8229599" cy="4470400"/>
               </a:xfrm>
               <a:blipFill>
                 <a:blip r:embed="rId2"/>
                 <a:stretch>
-                  <a:fillRect l="-593" t="-1090"/>
+                  <a:fillRect l="-889" t="-1501"/>
                 </a:stretch>
               </a:blipFill>
             </p:spPr>
@@ -8405,28 +10061,35 @@
           </p:sp>
         </mc:Fallback>
       </mc:AlternateContent>
-      <p:pic>
-        <p:nvPicPr>
-          <p:cNvPr id="4" name="Picture 3"/>
-          <p:cNvPicPr/>
-          <p:nvPr/>
-        </p:nvPicPr>
-        <p:blipFill>
-          <a:blip r:embed="rId3"/>
-          <a:stretch>
-            <a:fillRect/>
-          </a:stretch>
-        </p:blipFill>
-        <p:spPr>
-          <a:xfrm>
-            <a:off x="7770812" y="2092007"/>
-            <a:ext cx="3741420" cy="3689985"/>
-          </a:xfrm>
-          <a:prstGeom prst="rect">
-            <a:avLst/>
-          </a:prstGeom>
-        </p:spPr>
-      </p:pic>
+      <p:sp>
+        <p:nvSpPr>
+          <p:cNvPr id="5" name="Slide Number Placeholder 4">
+            <a:extLst>
+              <a:ext uri="{FF2B5EF4-FFF2-40B4-BE49-F238E27FC236}">
+                <a16:creationId xmlns:a16="http://schemas.microsoft.com/office/drawing/2014/main" id="{C44ADB0C-C899-46BC-AE6B-23C3B2419B3B}"/>
+              </a:ext>
+            </a:extLst>
+          </p:cNvPr>
+          <p:cNvSpPr>
+            <a:spLocks noGrp="1"/>
+          </p:cNvSpPr>
+          <p:nvPr>
+            <p:ph type="sldNum" sz="quarter" idx="12"/>
+          </p:nvPr>
+        </p:nvSpPr>
+        <p:spPr/>
+        <p:txBody>
+          <a:bodyPr/>
+          <a:lstStyle/>
+          <a:p>
+            <a:fld id="{DA60BA0E-20D0-4E7C-B286-26C960A6788F}" type="slidenum">
+              <a:rPr lang="en-US" smtClean="0"/>
+              <a:t>6</a:t>
+            </a:fld>
+            <a:endParaRPr lang="en-US"/>
+          </a:p>
+        </p:txBody>
+      </p:sp>
     </p:spTree>
     <p:extLst>
       <p:ext uri="{BB962C8B-B14F-4D97-AF65-F5344CB8AC3E}">
@@ -8501,19 +10164,7 @@
                 <a:latin typeface="Times New Roman" pitchFamily="18" charset="0"/>
                 <a:cs typeface="Times New Roman" pitchFamily="18" charset="0"/>
               </a:rPr>
-              <a:t>Tính GAIN cho các thuộc </a:t>
-            </a:r>
-            <a:r>
-              <a:rPr lang="en-US" b="1" dirty="0" smtClean="0">
-                <a:solidFill>
-                  <a:schemeClr val="accent1">
-                    <a:lumMod val="50000"/>
-                  </a:schemeClr>
-                </a:solidFill>
-                <a:latin typeface="Times New Roman" pitchFamily="18" charset="0"/>
-                <a:cs typeface="Times New Roman" pitchFamily="18" charset="0"/>
-              </a:rPr>
-              <a:t>tính</a:t>
+              <a:t>Tính GAIN cho các thuộc tính</a:t>
             </a:r>
             <a:endParaRPr lang="en-US" dirty="0"/>
           </a:p>
@@ -8528,14 +10179,14 @@
           <p:nvPr>
             <p:extLst>
               <p:ext uri="{D42A27DB-BD31-4B8C-83A1-F6EECF244321}">
-                <p14:modId xmlns:p14="http://schemas.microsoft.com/office/powerpoint/2010/main" val="3830848249"/>
+                <p14:modId xmlns:p14="http://schemas.microsoft.com/office/powerpoint/2010/main" val="1172117056"/>
               </p:ext>
             </p:extLst>
           </p:nvPr>
         </p:nvGraphicFramePr>
         <p:xfrm>
-          <a:off x="531812" y="2043759"/>
-          <a:ext cx="10668000" cy="4164676"/>
+          <a:off x="760412" y="2043759"/>
+          <a:ext cx="11277600" cy="4195262"/>
         </p:xfrm>
         <a:graphic>
           <a:graphicData uri="http://schemas.openxmlformats.org/drawingml/2006/table">
@@ -8544,14 +10195,14 @@
                 <a:tableStyleId>{5940675A-B579-460E-94D1-54222C63F5DA}</a:tableStyleId>
               </a:tblPr>
               <a:tblGrid>
-                <a:gridCol w="3193142">
+                <a:gridCol w="2079557">
                   <a:extLst>
                     <a:ext uri="{9D8B030D-6E8A-4147-A177-3AD203B41FA5}">
                       <a16:colId xmlns:a16="http://schemas.microsoft.com/office/drawing/2014/main" val="20000"/>
                     </a:ext>
                   </a:extLst>
                 </a:gridCol>
-                <a:gridCol w="7474858">
+                <a:gridCol w="9198043">
                   <a:extLst>
                     <a:ext uri="{9D8B030D-6E8A-4147-A177-3AD203B41FA5}">
                       <a16:colId xmlns:a16="http://schemas.microsoft.com/office/drawing/2014/main" val="20001"/>
@@ -8567,16 +10218,12 @@
                     <a:p>
                       <a:pPr algn="ctr"/>
                       <a:r>
-                        <a:rPr lang="en-US" sz="2400" b="1" dirty="0" smtClean="0">
+                        <a:rPr lang="en-US" sz="2400" b="1" dirty="0">
                           <a:latin typeface="Times New Roman" pitchFamily="18" charset="0"/>
                           <a:cs typeface="Times New Roman" pitchFamily="18" charset="0"/>
                         </a:rPr>
                         <a:t>Sector_score</a:t>
                       </a:r>
-                      <a:endParaRPr lang="en-US" sz="2400" b="1" dirty="0">
-                        <a:latin typeface="Times New Roman" pitchFamily="18" charset="0"/>
-                        <a:cs typeface="Times New Roman" pitchFamily="18" charset="0"/>
-                      </a:endParaRPr>
                     </a:p>
                   </a:txBody>
                   <a:tcPr anchor="ctr"/>
@@ -8588,61 +10235,75 @@
                     <a:p>
                       <a:pPr algn="l"/>
                       <a:r>
-                        <a:rPr lang="en-US" sz="2400" b="0" dirty="0" smtClean="0">
+                        <a:rPr lang="en-US" sz="2400" b="0" dirty="0" err="1">
                           <a:latin typeface="Times New Roman" pitchFamily="18" charset="0"/>
                           <a:cs typeface="Times New Roman" pitchFamily="18" charset="0"/>
                         </a:rPr>
                         <a:t>Info</a:t>
                       </a:r>
                       <a:r>
-                        <a:rPr lang="en-US" sz="2400" b="0" baseline="-25000" dirty="0" smtClean="0">
+                        <a:rPr lang="en-US" sz="2400" b="0" baseline="-25000" dirty="0" err="1">
                           <a:latin typeface="Times New Roman" pitchFamily="18" charset="0"/>
                           <a:cs typeface="Times New Roman" pitchFamily="18" charset="0"/>
                         </a:rPr>
-                        <a:t>KTC</a:t>
-                      </a:r>
-                      <a:r>
-                        <a:rPr lang="en-US" sz="2400" b="0" dirty="0" smtClean="0">
-                          <a:latin typeface="Times New Roman" pitchFamily="18" charset="0"/>
-                          <a:cs typeface="Times New Roman" pitchFamily="18" charset="0"/>
-                        </a:rPr>
-                        <a:t>(</a:t>
-                      </a:r>
-                      <a:r>
-                        <a:rPr lang="en-US" sz="2400" b="1" dirty="0" smtClean="0">
-                          <a:latin typeface="Times New Roman" pitchFamily="18" charset="0"/>
-                          <a:cs typeface="Times New Roman" pitchFamily="18" charset="0"/>
-                        </a:rPr>
-                        <a:t>Money_Value</a:t>
-                      </a:r>
-                      <a:r>
-                        <a:rPr lang="en-US" sz="2400" b="0" dirty="0" smtClean="0">
-                          <a:latin typeface="Times New Roman" pitchFamily="18" charset="0"/>
-                          <a:cs typeface="Times New Roman" pitchFamily="18" charset="0"/>
-                        </a:rPr>
-                        <a:t>) </a:t>
+                        <a:t>Sector_score</a:t>
                       </a:r>
                       <a:r>
                         <a:rPr lang="en-US" sz="2400" b="0" dirty="0">
                           <a:latin typeface="Times New Roman" pitchFamily="18" charset="0"/>
                           <a:cs typeface="Times New Roman" pitchFamily="18" charset="0"/>
                         </a:rPr>
-                        <a:t>= -1/1</a:t>
+                        <a:t>(</a:t>
+                      </a:r>
+                      <a:r>
+                        <a:rPr lang="en-US" sz="2400" b="1" dirty="0">
+                          <a:latin typeface="Times New Roman" pitchFamily="18" charset="0"/>
+                          <a:cs typeface="Times New Roman" pitchFamily="18" charset="0"/>
+                        </a:rPr>
+                        <a:t>D</a:t>
+                      </a:r>
+                      <a:r>
+                        <a:rPr lang="en-US" sz="2400" b="0" dirty="0">
+                          <a:latin typeface="Times New Roman" pitchFamily="18" charset="0"/>
+                          <a:cs typeface="Times New Roman" pitchFamily="18" charset="0"/>
+                        </a:rPr>
+                        <a:t>) = 4/8</a:t>
                       </a:r>
                       <a:r>
                         <a:rPr lang="en-US" sz="2400" b="0" baseline="0" dirty="0">
                           <a:latin typeface="Times New Roman" pitchFamily="18" charset="0"/>
                           <a:cs typeface="Times New Roman" pitchFamily="18" charset="0"/>
                         </a:rPr>
-                        <a:t> * log(1/1)  - 0/1 * log(0/1)= 0</a:t>
-                      </a:r>
-                      <a:r>
-                        <a:rPr lang="en-US" sz="2400" b="0" dirty="0">
+                        <a:t> (-1/4* log(1/4)  - 3/4 * log(3/4)) = 0.122</a:t>
+                      </a:r>
+                    </a:p>
+                    <a:p>
+                      <a:pPr algn="l"/>
+                      <a:r>
+                        <a:rPr lang="en-US" sz="2400" b="0" baseline="0" dirty="0">
                           <a:latin typeface="Times New Roman" pitchFamily="18" charset="0"/>
                           <a:cs typeface="Times New Roman" pitchFamily="18" charset="0"/>
                         </a:rPr>
-                        <a:t> </a:t>
-                      </a:r>
+                        <a:t>Gain(</a:t>
+                      </a:r>
+                      <a:r>
+                        <a:rPr lang="en-US" sz="2400" b="0" baseline="0" dirty="0" err="1">
+                          <a:latin typeface="Times New Roman" pitchFamily="18" charset="0"/>
+                          <a:cs typeface="Times New Roman" pitchFamily="18" charset="0"/>
+                        </a:rPr>
+                        <a:t>Sector_score</a:t>
+                      </a:r>
+                      <a:r>
+                        <a:rPr lang="en-US" sz="2400" b="0" baseline="0" dirty="0">
+                          <a:latin typeface="Times New Roman" pitchFamily="18" charset="0"/>
+                          <a:cs typeface="Times New Roman" pitchFamily="18" charset="0"/>
+                        </a:rPr>
+                        <a:t>) = 0.287 – 0.122 = 0.165</a:t>
+                      </a:r>
+                      <a:endParaRPr lang="en-US" sz="2400" b="0" dirty="0">
+                        <a:latin typeface="Times New Roman" pitchFamily="18" charset="0"/>
+                        <a:cs typeface="Times New Roman" pitchFamily="18" charset="0"/>
+                      </a:endParaRPr>
                     </a:p>
                   </a:txBody>
                   <a:tcPr anchor="ctr"/>
@@ -8661,14 +10322,14 @@
                     <a:p>
                       <a:pPr algn="ctr"/>
                       <a:r>
-                        <a:rPr lang="en-US" sz="2400" b="1" dirty="0" smtClean="0">
+                        <a:rPr lang="en-US" sz="2400" b="1" dirty="0">
                           <a:latin typeface="Times New Roman" pitchFamily="18" charset="0"/>
                           <a:cs typeface="Times New Roman" pitchFamily="18" charset="0"/>
                         </a:rPr>
                         <a:t>Score</a:t>
                       </a:r>
                       <a:r>
-                        <a:rPr lang="en-US" sz="2400" b="1" baseline="0" dirty="0" smtClean="0">
+                        <a:rPr lang="en-US" sz="2400" b="1" baseline="0" dirty="0">
                           <a:latin typeface="Times New Roman" pitchFamily="18" charset="0"/>
                           <a:cs typeface="Times New Roman" pitchFamily="18" charset="0"/>
                         </a:rPr>
@@ -8689,55 +10350,74 @@
                     <a:p>
                       <a:pPr algn="l"/>
                       <a:r>
-                        <a:rPr lang="en-US" sz="2400" b="0" dirty="0" smtClean="0">
+                        <a:rPr lang="en-US" sz="2400" b="1" dirty="0" err="1">
                           <a:latin typeface="Times New Roman" pitchFamily="18" charset="0"/>
                           <a:cs typeface="Times New Roman" pitchFamily="18" charset="0"/>
                         </a:rPr>
                         <a:t>Info</a:t>
                       </a:r>
                       <a:r>
-                        <a:rPr lang="en-US" sz="2400" b="0" baseline="-25000" dirty="0" smtClean="0">
+                        <a:rPr lang="en-US" sz="2400" b="1" baseline="-25000" dirty="0" err="1">
                           <a:latin typeface="Times New Roman" pitchFamily="18" charset="0"/>
                           <a:cs typeface="Times New Roman" pitchFamily="18" charset="0"/>
                         </a:rPr>
-                        <a:t>CP</a:t>
-                      </a:r>
-                      <a:r>
-                        <a:rPr lang="en-US" sz="2400" b="0" dirty="0" smtClean="0">
+                        <a:t>Score_A</a:t>
+                      </a:r>
+                      <a:r>
+                        <a:rPr lang="en-US" sz="2400" b="1" dirty="0">
                           <a:latin typeface="Times New Roman" pitchFamily="18" charset="0"/>
                           <a:cs typeface="Times New Roman" pitchFamily="18" charset="0"/>
                         </a:rPr>
-                        <a:t>(</a:t>
-                      </a:r>
-                      <a:r>
-                        <a:rPr lang="en-US" sz="2400" b="1" dirty="0" smtClean="0">
+                        <a:t>(D)= 0 + 0 + 4/8(-1/4 * log(1/4)</a:t>
+                      </a:r>
+                      <a:r>
+                        <a:rPr lang="en-US" sz="2400" b="1" baseline="0" dirty="0">
                           <a:latin typeface="Times New Roman" pitchFamily="18" charset="0"/>
                           <a:cs typeface="Times New Roman" pitchFamily="18" charset="0"/>
                         </a:rPr>
-                        <a:t>Money_Value</a:t>
-                      </a:r>
-                      <a:r>
-                        <a:rPr lang="en-US" sz="2400" b="0" dirty="0" smtClean="0">
+                        <a:t> – 3/4 * log(3/4))= 0.122</a:t>
+                      </a:r>
+                    </a:p>
+                    <a:p>
+                      <a:pPr marL="0" marR="0" lvl="0" indent="0" algn="l" defTabSz="1218987" rtl="0" eaLnBrk="1" fontAlgn="auto" latinLnBrk="0" hangingPunct="1">
+                        <a:lnSpc>
+                          <a:spcPct val="100000"/>
+                        </a:lnSpc>
+                        <a:spcBef>
+                          <a:spcPts val="0"/>
+                        </a:spcBef>
+                        <a:spcAft>
+                          <a:spcPts val="0"/>
+                        </a:spcAft>
+                        <a:buClrTx/>
+                        <a:buSzTx/>
+                        <a:buFontTx/>
+                        <a:buNone/>
+                        <a:tabLst/>
+                        <a:defRPr/>
+                      </a:pPr>
+                      <a:r>
+                        <a:rPr lang="en-US" sz="2400" b="1" baseline="0" dirty="0">
                           <a:latin typeface="Times New Roman" pitchFamily="18" charset="0"/>
                           <a:cs typeface="Times New Roman" pitchFamily="18" charset="0"/>
                         </a:rPr>
-                        <a:t>)= </a:t>
-                      </a:r>
-                      <a:r>
-                        <a:rPr lang="en-US" sz="2400" b="0" dirty="0">
+                        <a:t>Gain(</a:t>
+                      </a:r>
+                      <a:r>
+                        <a:rPr lang="en-US" sz="2400" b="1" baseline="0" dirty="0" err="1">
                           <a:latin typeface="Times New Roman" pitchFamily="18" charset="0"/>
                           <a:cs typeface="Times New Roman" pitchFamily="18" charset="0"/>
                         </a:rPr>
-                        <a:t>-1/2 * log(1/2)</a:t>
-                      </a:r>
-                      <a:r>
-                        <a:rPr lang="en-US" sz="2400" b="0" baseline="0" dirty="0">
+                        <a:t>Score_A</a:t>
+                      </a:r>
+                      <a:r>
+                        <a:rPr lang="en-US" sz="2400" b="1" baseline="0" dirty="0">
                           <a:latin typeface="Times New Roman" pitchFamily="18" charset="0"/>
                           <a:cs typeface="Times New Roman" pitchFamily="18" charset="0"/>
                         </a:rPr>
-                        <a:t> – 1/2 * log(1/2) = 1</a:t>
-                      </a:r>
-                      <a:endParaRPr lang="en-US" sz="2400" b="0" dirty="0">
+                        <a:t>) = 0.287 – 0.122 = 0.165</a:t>
+                      </a:r>
+                      <a:endParaRPr lang="en-US" sz="2400" b="1" dirty="0">
                         <a:latin typeface="Times New Roman" pitchFamily="18" charset="0"/>
                         <a:cs typeface="Times New Roman" pitchFamily="18" charset="0"/>
                       </a:endParaRPr>
@@ -8759,16 +10439,12 @@
                     <a:p>
                       <a:pPr algn="ctr"/>
                       <a:r>
-                        <a:rPr lang="en-US" sz="2400" b="1" dirty="0" smtClean="0">
+                        <a:rPr lang="en-US" sz="2400" b="1" dirty="0">
                           <a:latin typeface="Times New Roman" pitchFamily="18" charset="0"/>
                           <a:cs typeface="Times New Roman" pitchFamily="18" charset="0"/>
                         </a:rPr>
                         <a:t>Score_B</a:t>
                       </a:r>
-                      <a:endParaRPr lang="en-US" sz="2400" b="1" dirty="0">
-                        <a:latin typeface="Times New Roman" pitchFamily="18" charset="0"/>
-                        <a:cs typeface="Times New Roman" pitchFamily="18" charset="0"/>
-                      </a:endParaRPr>
                     </a:p>
                   </a:txBody>
                   <a:tcPr anchor="ctr"/>
@@ -8780,53 +10456,86 @@
                     <a:p>
                       <a:pPr algn="l"/>
                       <a:r>
-                        <a:rPr lang="en-US" sz="2400" b="0" dirty="0" smtClean="0">
+                        <a:rPr lang="en-US" sz="2400" b="0" dirty="0" err="1">
                           <a:latin typeface="Times New Roman" pitchFamily="18" charset="0"/>
                           <a:cs typeface="Times New Roman" pitchFamily="18" charset="0"/>
                         </a:rPr>
                         <a:t>Info</a:t>
                       </a:r>
                       <a:r>
-                        <a:rPr lang="en-US" sz="2400" b="0" baseline="-25000" dirty="0" smtClean="0">
+                        <a:rPr lang="en-US" sz="2400" b="0" baseline="-25000" dirty="0" err="1">
                           <a:latin typeface="Times New Roman" pitchFamily="18" charset="0"/>
                           <a:cs typeface="Times New Roman" pitchFamily="18" charset="0"/>
                         </a:rPr>
-                        <a:t>RT</a:t>
-                      </a:r>
-                      <a:r>
-                        <a:rPr lang="en-US" sz="2400" b="0" dirty="0" smtClean="0">
-                          <a:latin typeface="Times New Roman" pitchFamily="18" charset="0"/>
-                          <a:cs typeface="Times New Roman" pitchFamily="18" charset="0"/>
-                        </a:rPr>
-                        <a:t>(</a:t>
-                      </a:r>
-                      <a:r>
-                        <a:rPr lang="en-US" sz="2400" b="1" dirty="0" smtClean="0">
-                          <a:latin typeface="Times New Roman" pitchFamily="18" charset="0"/>
-                          <a:cs typeface="Times New Roman" pitchFamily="18" charset="0"/>
-                        </a:rPr>
-                        <a:t>Money_Value</a:t>
-                      </a:r>
-                      <a:r>
-                        <a:rPr lang="en-US" sz="2400" b="0" dirty="0" smtClean="0">
-                          <a:latin typeface="Times New Roman" pitchFamily="18" charset="0"/>
-                          <a:cs typeface="Times New Roman" pitchFamily="18" charset="0"/>
-                        </a:rPr>
-                        <a:t>)= </a:t>
+                        <a:t>Score_B</a:t>
                       </a:r>
                       <a:r>
                         <a:rPr lang="en-US" sz="2400" b="0" dirty="0">
                           <a:latin typeface="Times New Roman" pitchFamily="18" charset="0"/>
                           <a:cs typeface="Times New Roman" pitchFamily="18" charset="0"/>
                         </a:rPr>
-                        <a:t>-5/5 * log(5/5)</a:t>
+                        <a:t>(</a:t>
+                      </a:r>
+                      <a:r>
+                        <a:rPr lang="en-US" sz="2400" b="1" dirty="0">
+                          <a:latin typeface="Times New Roman" pitchFamily="18" charset="0"/>
+                          <a:cs typeface="Times New Roman" pitchFamily="18" charset="0"/>
+                        </a:rPr>
+                        <a:t>D</a:t>
+                      </a:r>
+                      <a:r>
+                        <a:rPr lang="en-US" sz="2400" b="0" dirty="0">
+                          <a:latin typeface="Times New Roman" pitchFamily="18" charset="0"/>
+                          <a:cs typeface="Times New Roman" pitchFamily="18" charset="0"/>
+                        </a:rPr>
+                        <a:t>)= 6/8 *( -3/6log(3/6)</a:t>
                       </a:r>
                       <a:r>
                         <a:rPr lang="en-US" sz="2400" b="0" baseline="0" dirty="0">
                           <a:latin typeface="Times New Roman" pitchFamily="18" charset="0"/>
                           <a:cs typeface="Times New Roman" pitchFamily="18" charset="0"/>
                         </a:rPr>
-                        <a:t> – 0/5 * log(0/5) = 0</a:t>
+                        <a:t> – 3/6 * log(3/6)) = 0.226</a:t>
+                      </a:r>
+                    </a:p>
+                    <a:p>
+                      <a:pPr marL="0" marR="0" lvl="0" indent="0" algn="l" defTabSz="1218987" rtl="0" eaLnBrk="1" fontAlgn="auto" latinLnBrk="0" hangingPunct="1">
+                        <a:lnSpc>
+                          <a:spcPct val="100000"/>
+                        </a:lnSpc>
+                        <a:spcBef>
+                          <a:spcPts val="0"/>
+                        </a:spcBef>
+                        <a:spcAft>
+                          <a:spcPts val="0"/>
+                        </a:spcAft>
+                        <a:buClrTx/>
+                        <a:buSzTx/>
+                        <a:buFontTx/>
+                        <a:buNone/>
+                        <a:tabLst/>
+                        <a:defRPr/>
+                      </a:pPr>
+                      <a:r>
+                        <a:rPr lang="en-US" sz="2400" b="0" baseline="0" dirty="0">
+                          <a:latin typeface="Times New Roman" pitchFamily="18" charset="0"/>
+                          <a:cs typeface="Times New Roman" pitchFamily="18" charset="0"/>
+                        </a:rPr>
+                        <a:t>Gain(</a:t>
+                      </a:r>
+                      <a:r>
+                        <a:rPr lang="en-US" sz="2400" b="0" baseline="0" dirty="0" err="1">
+                          <a:latin typeface="Times New Roman" pitchFamily="18" charset="0"/>
+                          <a:cs typeface="Times New Roman" pitchFamily="18" charset="0"/>
+                        </a:rPr>
+                        <a:t>Score_B</a:t>
+                      </a:r>
+                      <a:r>
+                        <a:rPr lang="en-US" sz="2400" b="0" baseline="0" dirty="0">
+                          <a:latin typeface="Times New Roman" pitchFamily="18" charset="0"/>
+                          <a:cs typeface="Times New Roman" pitchFamily="18" charset="0"/>
+                        </a:rPr>
+                        <a:t>) = 0.287 – 0.226 = 0.061</a:t>
                       </a:r>
                       <a:endParaRPr lang="en-US" sz="2400" b="0" dirty="0">
                         <a:latin typeface="Times New Roman" pitchFamily="18" charset="0"/>
@@ -8850,16 +10559,12 @@
                     <a:p>
                       <a:pPr algn="ctr"/>
                       <a:r>
-                        <a:rPr lang="en-US" sz="2400" b="1" dirty="0" smtClean="0">
+                        <a:rPr lang="en-US" sz="2400" b="1" dirty="0">
                           <a:latin typeface="Times New Roman" pitchFamily="18" charset="0"/>
                           <a:cs typeface="Times New Roman" pitchFamily="18" charset="0"/>
                         </a:rPr>
                         <a:t>TOTAL</a:t>
                       </a:r>
-                      <a:endParaRPr lang="en-US" sz="2400" b="1" dirty="0">
-                        <a:latin typeface="Times New Roman" pitchFamily="18" charset="0"/>
-                        <a:cs typeface="Times New Roman" pitchFamily="18" charset="0"/>
-                      </a:endParaRPr>
                     </a:p>
                   </a:txBody>
                   <a:tcPr anchor="ctr"/>
@@ -8871,53 +10576,72 @@
                     <a:p>
                       <a:pPr algn="l"/>
                       <a:r>
-                        <a:rPr lang="en-US" sz="2400" b="0" dirty="0" smtClean="0">
+                        <a:rPr lang="en-US" sz="2400" b="0" dirty="0" err="1">
                           <a:latin typeface="Times New Roman" pitchFamily="18" charset="0"/>
                           <a:cs typeface="Times New Roman" pitchFamily="18" charset="0"/>
                         </a:rPr>
                         <a:t>Info</a:t>
                       </a:r>
                       <a:r>
-                        <a:rPr lang="en-US" sz="2400" b="0" baseline="-25000" dirty="0" smtClean="0">
+                        <a:rPr lang="en-US" sz="2400" b="0" baseline="-25000" dirty="0" err="1">
                           <a:latin typeface="Times New Roman" pitchFamily="18" charset="0"/>
                           <a:cs typeface="Times New Roman" pitchFamily="18" charset="0"/>
                         </a:rPr>
-                        <a:t>DP</a:t>
-                      </a:r>
-                      <a:r>
-                        <a:rPr lang="en-US" sz="2400" b="0" dirty="0" smtClean="0">
-                          <a:latin typeface="Times New Roman" pitchFamily="18" charset="0"/>
-                          <a:cs typeface="Times New Roman" pitchFamily="18" charset="0"/>
-                        </a:rPr>
-                        <a:t>(</a:t>
-                      </a:r>
-                      <a:r>
-                        <a:rPr lang="en-US" sz="2400" b="1" dirty="0" smtClean="0">
-                          <a:latin typeface="Times New Roman" pitchFamily="18" charset="0"/>
-                          <a:cs typeface="Times New Roman" pitchFamily="18" charset="0"/>
-                        </a:rPr>
-                        <a:t>Money_Value</a:t>
-                      </a:r>
-                      <a:r>
-                        <a:rPr lang="en-US" sz="2400" b="0" dirty="0" smtClean="0">
-                          <a:latin typeface="Times New Roman" pitchFamily="18" charset="0"/>
-                          <a:cs typeface="Times New Roman" pitchFamily="18" charset="0"/>
-                        </a:rPr>
-                        <a:t>)= </a:t>
+                        <a:t>TOTAL</a:t>
                       </a:r>
                       <a:r>
                         <a:rPr lang="en-US" sz="2400" b="0" dirty="0">
                           <a:latin typeface="Times New Roman" pitchFamily="18" charset="0"/>
                           <a:cs typeface="Times New Roman" pitchFamily="18" charset="0"/>
                         </a:rPr>
-                        <a:t>-1/1 * log(1/1)</a:t>
+                        <a:t>(</a:t>
+                      </a:r>
+                      <a:r>
+                        <a:rPr lang="en-US" sz="2400" b="1" dirty="0">
+                          <a:latin typeface="Times New Roman" pitchFamily="18" charset="0"/>
+                          <a:cs typeface="Times New Roman" pitchFamily="18" charset="0"/>
+                        </a:rPr>
+                        <a:t>D) =</a:t>
+                      </a:r>
+                      <a:r>
+                        <a:rPr lang="en-US" sz="2400" b="0" dirty="0">
+                          <a:latin typeface="Times New Roman" pitchFamily="18" charset="0"/>
+                          <a:cs typeface="Times New Roman" pitchFamily="18" charset="0"/>
+                        </a:rPr>
+                        <a:t> 6/8 *( -3/6log(3/6)</a:t>
                       </a:r>
                       <a:r>
                         <a:rPr lang="en-US" sz="2400" b="0" baseline="0" dirty="0">
                           <a:latin typeface="Times New Roman" pitchFamily="18" charset="0"/>
                           <a:cs typeface="Times New Roman" pitchFamily="18" charset="0"/>
                         </a:rPr>
-                        <a:t> – 0/1 * log(0/1) = 0</a:t>
+                        <a:t> – 3/6 * log(3/6)) = 0.226</a:t>
+                      </a:r>
+                    </a:p>
+                    <a:p>
+                      <a:pPr marL="0" marR="0" lvl="0" indent="0" algn="l" defTabSz="1218987" rtl="0" eaLnBrk="1" fontAlgn="auto" latinLnBrk="0" hangingPunct="1">
+                        <a:lnSpc>
+                          <a:spcPct val="100000"/>
+                        </a:lnSpc>
+                        <a:spcBef>
+                          <a:spcPts val="0"/>
+                        </a:spcBef>
+                        <a:spcAft>
+                          <a:spcPts val="0"/>
+                        </a:spcAft>
+                        <a:buClrTx/>
+                        <a:buSzTx/>
+                        <a:buFontTx/>
+                        <a:buNone/>
+                        <a:tabLst/>
+                        <a:defRPr/>
+                      </a:pPr>
+                      <a:r>
+                        <a:rPr lang="en-US" sz="2400" b="0" baseline="0" dirty="0">
+                          <a:latin typeface="Times New Roman" pitchFamily="18" charset="0"/>
+                          <a:cs typeface="Times New Roman" pitchFamily="18" charset="0"/>
+                        </a:rPr>
+                        <a:t>Gain(TOTAL) = 0.287 – 0.226 = 0.061</a:t>
                       </a:r>
                       <a:endParaRPr lang="en-US" sz="2400" b="0" dirty="0">
                         <a:latin typeface="Times New Roman" pitchFamily="18" charset="0"/>
@@ -8941,16 +10665,12 @@
                     <a:p>
                       <a:pPr algn="ctr"/>
                       <a:r>
-                        <a:rPr lang="en-US" sz="2400" b="1" dirty="0" smtClean="0">
+                        <a:rPr lang="en-US" sz="2400" b="1" dirty="0">
                           <a:latin typeface="Times New Roman" pitchFamily="18" charset="0"/>
                           <a:cs typeface="Times New Roman" pitchFamily="18" charset="0"/>
                         </a:rPr>
                         <a:t>Money_Value</a:t>
                       </a:r>
-                      <a:endParaRPr lang="en-US" sz="2400" b="1" dirty="0">
-                        <a:latin typeface="Times New Roman" pitchFamily="18" charset="0"/>
-                        <a:cs typeface="Times New Roman" pitchFamily="18" charset="0"/>
-                      </a:endParaRPr>
                     </a:p>
                   </a:txBody>
                   <a:tcPr anchor="ctr"/>
@@ -8962,32 +10682,58 @@
                     <a:p>
                       <a:pPr algn="l"/>
                       <a:r>
+                        <a:rPr lang="en-US" sz="2400" b="0" dirty="0" err="1">
+                          <a:latin typeface="Times New Roman" pitchFamily="18" charset="0"/>
+                          <a:cs typeface="Times New Roman" pitchFamily="18" charset="0"/>
+                        </a:rPr>
+                        <a:t>Info</a:t>
+                      </a:r>
+                      <a:r>
+                        <a:rPr lang="en-US" sz="2400" b="0" baseline="-25000" dirty="0" err="1">
+                          <a:latin typeface="Times New Roman" pitchFamily="18" charset="0"/>
+                          <a:cs typeface="Times New Roman" pitchFamily="18" charset="0"/>
+                        </a:rPr>
+                        <a:t>MV</a:t>
+                      </a:r>
+                      <a:r>
                         <a:rPr lang="en-US" sz="2400" b="0" dirty="0">
                           <a:latin typeface="Times New Roman" pitchFamily="18" charset="0"/>
                           <a:cs typeface="Times New Roman" pitchFamily="18" charset="0"/>
                         </a:rPr>
-                        <a:t>Info</a:t>
-                      </a:r>
-                      <a:r>
-                        <a:rPr lang="en-US" sz="2400" b="0" baseline="-25000" dirty="0">
-                          <a:latin typeface="Times New Roman" pitchFamily="18" charset="0"/>
-                          <a:cs typeface="Times New Roman" pitchFamily="18" charset="0"/>
-                        </a:rPr>
-                        <a:t>NN</a:t>
-                      </a:r>
-                      <a:r>
-                        <a:rPr lang="en-US" sz="2400" b="0" dirty="0">
-                          <a:latin typeface="Times New Roman" pitchFamily="18" charset="0"/>
-                          <a:cs typeface="Times New Roman" pitchFamily="18" charset="0"/>
-                        </a:rPr>
-                        <a:t>(loaicongviec)= -0/1 * log(0/1)</a:t>
+                        <a:t>(D) = 4/8</a:t>
                       </a:r>
                       <a:r>
                         <a:rPr lang="en-US" sz="2400" b="0" baseline="0" dirty="0">
                           <a:latin typeface="Times New Roman" pitchFamily="18" charset="0"/>
                           <a:cs typeface="Times New Roman" pitchFamily="18" charset="0"/>
                         </a:rPr>
-                        <a:t> – 1/1 * log(1/1) = 0</a:t>
+                        <a:t> (-1/4* log(1/4)  - 3/4 * log(3/4)) = 0.122</a:t>
+                      </a:r>
+                    </a:p>
+                    <a:p>
+                      <a:pPr marL="0" marR="0" lvl="0" indent="0" algn="l" defTabSz="1218987" rtl="0" eaLnBrk="1" fontAlgn="auto" latinLnBrk="0" hangingPunct="1">
+                        <a:lnSpc>
+                          <a:spcPct val="100000"/>
+                        </a:lnSpc>
+                        <a:spcBef>
+                          <a:spcPts val="0"/>
+                        </a:spcBef>
+                        <a:spcAft>
+                          <a:spcPts val="0"/>
+                        </a:spcAft>
+                        <a:buClrTx/>
+                        <a:buSzTx/>
+                        <a:buFontTx/>
+                        <a:buNone/>
+                        <a:tabLst/>
+                        <a:defRPr/>
+                      </a:pPr>
+                      <a:r>
+                        <a:rPr lang="en-US" sz="2400" b="0" baseline="0" dirty="0">
+                          <a:latin typeface="Times New Roman" pitchFamily="18" charset="0"/>
+                          <a:cs typeface="Times New Roman" pitchFamily="18" charset="0"/>
+                        </a:rPr>
+                        <a:t>Gain(MV) = 0.287 – 0.122 = 0.165</a:t>
                       </a:r>
                       <a:endParaRPr lang="en-US" sz="2400" b="0" dirty="0">
                         <a:latin typeface="Times New Roman" pitchFamily="18" charset="0"/>
@@ -9007,6 +10753,35 @@
           </a:graphicData>
         </a:graphic>
       </p:graphicFrame>
+      <p:sp>
+        <p:nvSpPr>
+          <p:cNvPr id="3" name="Slide Number Placeholder 2">
+            <a:extLst>
+              <a:ext uri="{FF2B5EF4-FFF2-40B4-BE49-F238E27FC236}">
+                <a16:creationId xmlns:a16="http://schemas.microsoft.com/office/drawing/2014/main" id="{BDCAEF4C-90C0-44C7-8A68-2927D3B5F657}"/>
+              </a:ext>
+            </a:extLst>
+          </p:cNvPr>
+          <p:cNvSpPr>
+            <a:spLocks noGrp="1"/>
+          </p:cNvSpPr>
+          <p:nvPr>
+            <p:ph type="sldNum" sz="quarter" idx="12"/>
+          </p:nvPr>
+        </p:nvSpPr>
+        <p:spPr/>
+        <p:txBody>
+          <a:bodyPr/>
+          <a:lstStyle/>
+          <a:p>
+            <a:fld id="{DA60BA0E-20D0-4E7C-B286-26C960A6788F}" type="slidenum">
+              <a:rPr lang="en-US" smtClean="0"/>
+              <a:t>7</a:t>
+            </a:fld>
+            <a:endParaRPr lang="en-US"/>
+          </a:p>
+        </p:txBody>
+      </p:sp>
     </p:spTree>
     <p:extLst>
       <p:ext uri="{BB962C8B-B14F-4D97-AF65-F5344CB8AC3E}">
@@ -9066,16 +10841,9 @@
             <p:ph type="title"/>
           </p:nvPr>
         </p:nvSpPr>
-        <p:spPr>
-          <a:xfrm>
-            <a:off x="1117308" y="685800"/>
-            <a:ext cx="10768303" cy="787400"/>
-          </a:xfrm>
-        </p:spPr>
+        <p:spPr/>
         <p:txBody>
-          <a:bodyPr>
-            <a:normAutofit fontScale="90000"/>
-          </a:bodyPr>
+          <a:bodyPr/>
           <a:lstStyle/>
           <a:p>
             <a:r>
@@ -9088,19 +10856,7 @@
                 <a:latin typeface="Times New Roman" pitchFamily="18" charset="0"/>
                 <a:cs typeface="Times New Roman" pitchFamily="18" charset="0"/>
               </a:rPr>
-              <a:t>So sánh giải thuật DecTree &amp; </a:t>
-            </a:r>
-            <a:r>
-              <a:rPr lang="en-US" b="1" dirty="0" smtClean="0">
-                <a:solidFill>
-                  <a:schemeClr val="accent1">
-                    <a:lumMod val="50000"/>
-                  </a:schemeClr>
-                </a:solidFill>
-                <a:latin typeface="Times New Roman" pitchFamily="18" charset="0"/>
-                <a:cs typeface="Times New Roman" pitchFamily="18" charset="0"/>
-              </a:rPr>
-              <a:t>Bayes, Peceptron</a:t>
+              <a:t>Tính GAIN cho các thuộc tính</a:t>
             </a:r>
             <a:endParaRPr lang="en-US" dirty="0"/>
           </a:p>
@@ -9108,1360 +10864,463 @@
       </p:sp>
       <p:graphicFrame>
         <p:nvGraphicFramePr>
-          <p:cNvPr id="5" name="Table 4"/>
+          <p:cNvPr id="4" name="Table 3"/>
           <p:cNvGraphicFramePr>
             <a:graphicFrameLocks noGrp="1"/>
           </p:cNvGraphicFramePr>
           <p:nvPr>
             <p:extLst>
               <p:ext uri="{D42A27DB-BD31-4B8C-83A1-F6EECF244321}">
-                <p14:modId xmlns:p14="http://schemas.microsoft.com/office/powerpoint/2010/main" val="794749841"/>
+                <p14:modId xmlns:p14="http://schemas.microsoft.com/office/powerpoint/2010/main" val="1407450849"/>
               </p:ext>
             </p:extLst>
           </p:nvPr>
         </p:nvGraphicFramePr>
         <p:xfrm>
-          <a:off x="1293812" y="2209800"/>
-          <a:ext cx="3047365" cy="4000500"/>
+          <a:off x="890880" y="3024686"/>
+          <a:ext cx="11277600" cy="3372302"/>
         </p:xfrm>
         <a:graphic>
           <a:graphicData uri="http://schemas.openxmlformats.org/drawingml/2006/table">
             <a:tbl>
-              <a:tblPr>
-                <a:tableStyleId>{22838BEF-8BB2-4498-84A7-C5851F593DF1}</a:tableStyleId>
+              <a:tblPr firstRow="1" bandRow="1">
+                <a:tableStyleId>{5940675A-B579-460E-94D1-54222C63F5DA}</a:tableStyleId>
               </a:tblPr>
               <a:tblGrid>
-                <a:gridCol w="457200">
+                <a:gridCol w="2079557">
                   <a:extLst>
                     <a:ext uri="{9D8B030D-6E8A-4147-A177-3AD203B41FA5}">
-                      <a16:colId xmlns:a16="http://schemas.microsoft.com/office/drawing/2014/main" val="2039038679"/>
+                      <a16:colId xmlns:a16="http://schemas.microsoft.com/office/drawing/2014/main" val="20000"/>
                     </a:ext>
                   </a:extLst>
                 </a:gridCol>
-                <a:gridCol w="685165">
+                <a:gridCol w="9198043">
                   <a:extLst>
                     <a:ext uri="{9D8B030D-6E8A-4147-A177-3AD203B41FA5}">
-                      <a16:colId xmlns:a16="http://schemas.microsoft.com/office/drawing/2014/main" val="2107483083"/>
-                    </a:ext>
-                  </a:extLst>
-                </a:gridCol>
-                <a:gridCol w="952500">
-                  <a:extLst>
-                    <a:ext uri="{9D8B030D-6E8A-4147-A177-3AD203B41FA5}">
-                      <a16:colId xmlns:a16="http://schemas.microsoft.com/office/drawing/2014/main" val="3854999230"/>
-                    </a:ext>
-                  </a:extLst>
-                </a:gridCol>
-                <a:gridCol w="952500">
-                  <a:extLst>
-                    <a:ext uri="{9D8B030D-6E8A-4147-A177-3AD203B41FA5}">
-                      <a16:colId xmlns:a16="http://schemas.microsoft.com/office/drawing/2014/main" val="1691935312"/>
+                      <a16:colId xmlns:a16="http://schemas.microsoft.com/office/drawing/2014/main" val="20001"/>
                     </a:ext>
                   </a:extLst>
                 </a:gridCol>
               </a:tblGrid>
-              <a:tr h="266700">
+              <a:tr h="732692">
                 <a:tc>
                   <a:txBody>
                     <a:bodyPr/>
                     <a:lstStyle/>
                     <a:p>
-                      <a:pPr algn="r" fontAlgn="b"/>
-                      <a:r>
-                        <a:rPr lang="en-US" sz="1000" u="none" strike="noStrike" dirty="0">
-                          <a:effectLst/>
-                        </a:rPr>
-                        <a:t>1</a:t>
-                      </a:r>
-                      <a:endParaRPr lang="en-US" sz="1000" b="0" i="0" u="none" strike="noStrike" dirty="0">
-                        <a:effectLst/>
-                        <a:latin typeface="Arial" panose="020B0604020202020204" pitchFamily="34" charset="0"/>
-                      </a:endParaRPr>
+                      <a:pPr algn="ctr"/>
+                      <a:r>
+                        <a:rPr lang="en-US" sz="2400" b="1" dirty="0">
+                          <a:latin typeface="Times New Roman" pitchFamily="18" charset="0"/>
+                          <a:cs typeface="Times New Roman" pitchFamily="18" charset="0"/>
+                        </a:rPr>
+                        <a:t>Sector_score</a:t>
+                      </a:r>
                     </a:p>
                   </a:txBody>
-                  <a:tcPr marL="7620" marR="7620" marT="7620" marB="0" anchor="b"/>
+                  <a:tcPr anchor="ctr"/>
                 </a:tc>
                 <a:tc>
                   <a:txBody>
                     <a:bodyPr/>
                     <a:lstStyle/>
                     <a:p>
-                      <a:pPr algn="r" fontAlgn="b"/>
-                      <a:r>
-                        <a:rPr lang="en-US" sz="1000" u="none" strike="noStrike">
-                          <a:effectLst/>
-                        </a:rPr>
-                        <a:t>89.41685</a:t>
-                      </a:r>
-                      <a:endParaRPr lang="en-US" sz="1000" b="0" i="0" u="none" strike="noStrike">
-                        <a:effectLst/>
-                        <a:latin typeface="Arial" panose="020B0604020202020204" pitchFamily="34" charset="0"/>
+                      <a:pPr algn="l"/>
+                      <a:r>
+                        <a:rPr lang="en-US" sz="2400" b="0" dirty="0">
+                          <a:latin typeface="Times New Roman" pitchFamily="18" charset="0"/>
+                          <a:cs typeface="Times New Roman" pitchFamily="18" charset="0"/>
+                        </a:rPr>
+                        <a:t>Info</a:t>
+                      </a:r>
+                      <a:r>
+                        <a:rPr lang="en-US" sz="2400" b="0" baseline="-25000" dirty="0">
+                          <a:latin typeface="Times New Roman" pitchFamily="18" charset="0"/>
+                          <a:cs typeface="Times New Roman" pitchFamily="18" charset="0"/>
+                        </a:rPr>
+                        <a:t>Sector_score</a:t>
+                      </a:r>
+                      <a:r>
+                        <a:rPr lang="en-US" sz="2400" b="0" dirty="0">
+                          <a:latin typeface="Times New Roman" pitchFamily="18" charset="0"/>
+                          <a:cs typeface="Times New Roman" pitchFamily="18" charset="0"/>
+                        </a:rPr>
+                        <a:t>(Score_A) </a:t>
+                      </a:r>
+                      <a:r>
+                        <a:rPr lang="en-US" sz="2400" b="0" baseline="0" dirty="0">
+                          <a:latin typeface="Times New Roman" pitchFamily="18" charset="0"/>
+                          <a:cs typeface="Times New Roman" pitchFamily="18" charset="0"/>
+                        </a:rPr>
+                        <a:t>= </a:t>
+                      </a:r>
+                      <a:r>
+                        <a:rPr lang="en-US" sz="2400" b="0" baseline="0" dirty="0" smtClean="0">
+                          <a:latin typeface="Times New Roman" pitchFamily="18" charset="0"/>
+                          <a:cs typeface="Times New Roman" pitchFamily="18" charset="0"/>
+                        </a:rPr>
+                        <a:t>0.244</a:t>
+                      </a:r>
+                      <a:endParaRPr lang="en-US" sz="2400" b="0" baseline="0" dirty="0">
+                        <a:latin typeface="Times New Roman" pitchFamily="18" charset="0"/>
+                        <a:cs typeface="Times New Roman" pitchFamily="18" charset="0"/>
+                      </a:endParaRPr>
+                    </a:p>
+                    <a:p>
+                      <a:pPr algn="l"/>
+                      <a:r>
+                        <a:rPr lang="en-US" sz="2400" b="0" baseline="0" dirty="0">
+                          <a:latin typeface="Times New Roman" pitchFamily="18" charset="0"/>
+                          <a:cs typeface="Times New Roman" pitchFamily="18" charset="0"/>
+                        </a:rPr>
+                        <a:t>Gain(Sector_score) = </a:t>
+                      </a:r>
+                      <a:r>
+                        <a:rPr lang="en-US" sz="2400" b="0" baseline="0" dirty="0" smtClean="0">
+                          <a:latin typeface="Times New Roman" pitchFamily="18" charset="0"/>
+                          <a:cs typeface="Times New Roman" pitchFamily="18" charset="0"/>
+                        </a:rPr>
+                        <a:t>0.244-0.244 </a:t>
+                      </a:r>
+                      <a:r>
+                        <a:rPr lang="en-US" sz="2400" b="0" baseline="0" dirty="0">
+                          <a:latin typeface="Times New Roman" pitchFamily="18" charset="0"/>
+                          <a:cs typeface="Times New Roman" pitchFamily="18" charset="0"/>
+                        </a:rPr>
+                        <a:t>= </a:t>
+                      </a:r>
+                      <a:r>
+                        <a:rPr lang="en-US" sz="2400" b="0" baseline="0" dirty="0" smtClean="0">
+                          <a:latin typeface="Times New Roman" pitchFamily="18" charset="0"/>
+                          <a:cs typeface="Times New Roman" pitchFamily="18" charset="0"/>
+                        </a:rPr>
+                        <a:t>0.0</a:t>
+                      </a:r>
+                      <a:endParaRPr lang="en-US" sz="2400" b="0" dirty="0">
+                        <a:latin typeface="Times New Roman" pitchFamily="18" charset="0"/>
+                        <a:cs typeface="Times New Roman" pitchFamily="18" charset="0"/>
                       </a:endParaRPr>
                     </a:p>
                   </a:txBody>
-                  <a:tcPr marL="7620" marR="7620" marT="7620" marB="0" anchor="b"/>
+                  <a:tcPr anchor="ctr"/>
+                </a:tc>
+                <a:extLst>
+                  <a:ext uri="{0D108BD9-81ED-4DB2-BD59-A6C34878D82A}">
+                    <a16:rowId xmlns:a16="http://schemas.microsoft.com/office/drawing/2014/main" val="10000"/>
+                  </a:ext>
+                </a:extLst>
+              </a:tr>
+              <a:tr h="825624">
+                <a:tc>
+                  <a:txBody>
+                    <a:bodyPr/>
+                    <a:lstStyle/>
+                    <a:p>
+                      <a:pPr algn="ctr"/>
+                      <a:r>
+                        <a:rPr lang="en-US" sz="2400" b="1" dirty="0">
+                          <a:latin typeface="Times New Roman" pitchFamily="18" charset="0"/>
+                          <a:cs typeface="Times New Roman" pitchFamily="18" charset="0"/>
+                        </a:rPr>
+                        <a:t>Score_B</a:t>
+                      </a:r>
+                    </a:p>
+                  </a:txBody>
+                  <a:tcPr anchor="ctr"/>
                 </a:tc>
                 <a:tc>
                   <a:txBody>
                     <a:bodyPr/>
                     <a:lstStyle/>
                     <a:p>
-                      <a:pPr algn="r" fontAlgn="b"/>
-                      <a:r>
-                        <a:rPr lang="en-US" sz="1000" u="none" strike="noStrike">
-                          <a:effectLst/>
-                        </a:rPr>
-                        <a:t>73.65011</a:t>
-                      </a:r>
-                      <a:endParaRPr lang="en-US" sz="1000" b="0" i="0" u="none" strike="noStrike">
-                        <a:effectLst/>
-                        <a:latin typeface="Arial" panose="020B0604020202020204" pitchFamily="34" charset="0"/>
+                      <a:pPr algn="l"/>
+                      <a:r>
+                        <a:rPr lang="en-US" sz="2400" b="0" dirty="0">
+                          <a:latin typeface="Times New Roman" pitchFamily="18" charset="0"/>
+                          <a:cs typeface="Times New Roman" pitchFamily="18" charset="0"/>
+                        </a:rPr>
+                        <a:t>Info</a:t>
+                      </a:r>
+                      <a:r>
+                        <a:rPr lang="en-US" sz="2400" b="0" baseline="-25000" dirty="0">
+                          <a:latin typeface="Times New Roman" pitchFamily="18" charset="0"/>
+                          <a:cs typeface="Times New Roman" pitchFamily="18" charset="0"/>
+                        </a:rPr>
+                        <a:t>Score_B</a:t>
+                      </a:r>
+                      <a:r>
+                        <a:rPr lang="en-US" sz="2400" b="0" dirty="0">
+                          <a:latin typeface="Times New Roman" pitchFamily="18" charset="0"/>
+                          <a:cs typeface="Times New Roman" pitchFamily="18" charset="0"/>
+                        </a:rPr>
+                        <a:t>(Score_A)= </a:t>
+                      </a:r>
+                      <a:r>
+                        <a:rPr lang="en-US" sz="2400" b="0" dirty="0" smtClean="0">
+                          <a:latin typeface="Times New Roman" pitchFamily="18" charset="0"/>
+                          <a:cs typeface="Times New Roman" pitchFamily="18" charset="0"/>
+                        </a:rPr>
+                        <a:t>0.244</a:t>
+                      </a:r>
+                      <a:endParaRPr lang="en-US" sz="2400" b="0" baseline="0" dirty="0" smtClean="0">
+                        <a:latin typeface="Times New Roman" pitchFamily="18" charset="0"/>
+                        <a:cs typeface="Times New Roman" pitchFamily="18" charset="0"/>
+                      </a:endParaRPr>
+                    </a:p>
+                    <a:p>
+                      <a:pPr marL="0" marR="0" lvl="0" indent="0" algn="l" defTabSz="1218987" rtl="0" eaLnBrk="1" fontAlgn="auto" latinLnBrk="0" hangingPunct="1">
+                        <a:lnSpc>
+                          <a:spcPct val="100000"/>
+                        </a:lnSpc>
+                        <a:spcBef>
+                          <a:spcPts val="0"/>
+                        </a:spcBef>
+                        <a:spcAft>
+                          <a:spcPts val="0"/>
+                        </a:spcAft>
+                        <a:buClrTx/>
+                        <a:buSzTx/>
+                        <a:buFontTx/>
+                        <a:buNone/>
+                        <a:tabLst/>
+                        <a:defRPr/>
+                      </a:pPr>
+                      <a:r>
+                        <a:rPr lang="en-US" sz="2400" b="0" baseline="0" dirty="0" smtClean="0">
+                          <a:latin typeface="Times New Roman" pitchFamily="18" charset="0"/>
+                          <a:cs typeface="Times New Roman" pitchFamily="18" charset="0"/>
+                        </a:rPr>
+                        <a:t>Gain(Score_B) = 0.0</a:t>
+                      </a:r>
+                      <a:endParaRPr lang="en-US" sz="2400" b="0" dirty="0">
+                        <a:latin typeface="Times New Roman" pitchFamily="18" charset="0"/>
+                        <a:cs typeface="Times New Roman" pitchFamily="18" charset="0"/>
                       </a:endParaRPr>
                     </a:p>
                   </a:txBody>
-                  <a:tcPr marL="7620" marR="7620" marT="7620" marB="0" anchor="b"/>
+                  <a:tcPr anchor="ctr"/>
+                </a:tc>
+                <a:extLst>
+                  <a:ext uri="{0D108BD9-81ED-4DB2-BD59-A6C34878D82A}">
+                    <a16:rowId xmlns:a16="http://schemas.microsoft.com/office/drawing/2014/main" val="10002"/>
+                  </a:ext>
+                </a:extLst>
+              </a:tr>
+              <a:tr h="833936">
+                <a:tc>
+                  <a:txBody>
+                    <a:bodyPr/>
+                    <a:lstStyle/>
+                    <a:p>
+                      <a:pPr algn="ctr"/>
+                      <a:r>
+                        <a:rPr lang="en-US" sz="2400" b="1" dirty="0">
+                          <a:latin typeface="Times New Roman" pitchFamily="18" charset="0"/>
+                          <a:cs typeface="Times New Roman" pitchFamily="18" charset="0"/>
+                        </a:rPr>
+                        <a:t>TOTAL</a:t>
+                      </a:r>
+                    </a:p>
+                  </a:txBody>
+                  <a:tcPr anchor="ctr"/>
                 </a:tc>
                 <a:tc>
                   <a:txBody>
                     <a:bodyPr/>
                     <a:lstStyle/>
                     <a:p>
-                      <a:pPr algn="r" fontAlgn="b"/>
-                      <a:r>
-                        <a:rPr lang="en-US" sz="1000" u="none" strike="noStrike">
-                          <a:effectLst/>
-                        </a:rPr>
-                        <a:t>61.98704</a:t>
-                      </a:r>
-                      <a:endParaRPr lang="en-US" sz="1000" b="0" i="0" u="none" strike="noStrike">
-                        <a:effectLst/>
-                        <a:latin typeface="Arial" panose="020B0604020202020204" pitchFamily="34" charset="0"/>
+                      <a:pPr algn="l"/>
+                      <a:r>
+                        <a:rPr lang="en-US" sz="2400" b="0" dirty="0">
+                          <a:latin typeface="Times New Roman" pitchFamily="18" charset="0"/>
+                          <a:cs typeface="Times New Roman" pitchFamily="18" charset="0"/>
+                        </a:rPr>
+                        <a:t>Info</a:t>
+                      </a:r>
+                      <a:r>
+                        <a:rPr lang="en-US" sz="2400" b="0" baseline="-25000" dirty="0">
+                          <a:latin typeface="Times New Roman" pitchFamily="18" charset="0"/>
+                          <a:cs typeface="Times New Roman" pitchFamily="18" charset="0"/>
+                        </a:rPr>
+                        <a:t>TOTAL</a:t>
+                      </a:r>
+                      <a:r>
+                        <a:rPr lang="en-US" sz="2400" b="0" dirty="0">
+                          <a:latin typeface="Times New Roman" pitchFamily="18" charset="0"/>
+                          <a:cs typeface="Times New Roman" pitchFamily="18" charset="0"/>
+                        </a:rPr>
+                        <a:t>(Score_A</a:t>
+                      </a:r>
+                      <a:r>
+                        <a:rPr lang="en-US" sz="2400" b="1" dirty="0">
+                          <a:latin typeface="Times New Roman" pitchFamily="18" charset="0"/>
+                          <a:cs typeface="Times New Roman" pitchFamily="18" charset="0"/>
+                        </a:rPr>
+                        <a:t>) =</a:t>
+                      </a:r>
+                      <a:r>
+                        <a:rPr lang="en-US" sz="2400" b="0" dirty="0">
+                          <a:latin typeface="Times New Roman" pitchFamily="18" charset="0"/>
+                          <a:cs typeface="Times New Roman" pitchFamily="18" charset="0"/>
+                        </a:rPr>
+                        <a:t> </a:t>
+                      </a:r>
+                      <a:r>
+                        <a:rPr lang="en-US" sz="2400" b="0" dirty="0" smtClean="0">
+                          <a:latin typeface="Times New Roman" pitchFamily="18" charset="0"/>
+                          <a:cs typeface="Times New Roman" pitchFamily="18" charset="0"/>
+                        </a:rPr>
+                        <a:t>2/4(-1/2</a:t>
+                      </a:r>
+                      <a:r>
+                        <a:rPr lang="en-US" sz="2400" b="0" baseline="0" dirty="0" smtClean="0">
+                          <a:latin typeface="Times New Roman" pitchFamily="18" charset="0"/>
+                          <a:cs typeface="Times New Roman" pitchFamily="18" charset="0"/>
+                        </a:rPr>
+                        <a:t> * log(1/2) – 1/2 * log (1/2)) = 0.151 </a:t>
+                      </a:r>
+                      <a:endParaRPr lang="en-US" sz="2400" b="0" dirty="0" smtClean="0">
+                        <a:latin typeface="Times New Roman" pitchFamily="18" charset="0"/>
+                        <a:cs typeface="Times New Roman" pitchFamily="18" charset="0"/>
+                      </a:endParaRPr>
+                    </a:p>
+                    <a:p>
+                      <a:pPr algn="l"/>
+                      <a:r>
+                        <a:rPr lang="en-US" sz="2400" b="0" baseline="0" dirty="0" smtClean="0">
+                          <a:latin typeface="Times New Roman" pitchFamily="18" charset="0"/>
+                          <a:cs typeface="Times New Roman" pitchFamily="18" charset="0"/>
+                        </a:rPr>
+                        <a:t>Gain(TOTAL</a:t>
+                      </a:r>
+                      <a:r>
+                        <a:rPr lang="en-US" sz="2400" b="0" baseline="0" dirty="0">
+                          <a:latin typeface="Times New Roman" pitchFamily="18" charset="0"/>
+                          <a:cs typeface="Times New Roman" pitchFamily="18" charset="0"/>
+                        </a:rPr>
+                        <a:t>) = </a:t>
+                      </a:r>
+                      <a:r>
+                        <a:rPr lang="en-US" sz="2400" b="0" baseline="0" dirty="0" smtClean="0">
+                          <a:latin typeface="Times New Roman" pitchFamily="18" charset="0"/>
+                          <a:cs typeface="Times New Roman" pitchFamily="18" charset="0"/>
+                        </a:rPr>
+                        <a:t>0.093</a:t>
+                      </a:r>
+                      <a:endParaRPr lang="en-US" sz="2400" b="0" dirty="0">
+                        <a:latin typeface="Times New Roman" pitchFamily="18" charset="0"/>
+                        <a:cs typeface="Times New Roman" pitchFamily="18" charset="0"/>
                       </a:endParaRPr>
                     </a:p>
                   </a:txBody>
-                  <a:tcPr marL="7620" marR="7620" marT="7620" marB="0" anchor="b"/>
+                  <a:tcPr anchor="ctr"/>
                 </a:tc>
                 <a:extLst>
                   <a:ext uri="{0D108BD9-81ED-4DB2-BD59-A6C34878D82A}">
-                    <a16:rowId xmlns:a16="http://schemas.microsoft.com/office/drawing/2014/main" val="3848384320"/>
+                    <a16:rowId xmlns:a16="http://schemas.microsoft.com/office/drawing/2014/main" val="10003"/>
                   </a:ext>
                 </a:extLst>
               </a:tr>
-              <a:tr h="266700">
+              <a:tr h="889782">
                 <a:tc>
                   <a:txBody>
                     <a:bodyPr/>
                     <a:lstStyle/>
                     <a:p>
-                      <a:pPr algn="r" fontAlgn="b"/>
-                      <a:r>
-                        <a:rPr lang="en-US" sz="1000" u="none" strike="noStrike">
-                          <a:effectLst/>
-                        </a:rPr>
-                        <a:t>2</a:t>
-                      </a:r>
-                      <a:endParaRPr lang="en-US" sz="1000" b="0" i="0" u="none" strike="noStrike">
-                        <a:effectLst/>
-                        <a:latin typeface="Arial" panose="020B0604020202020204" pitchFamily="34" charset="0"/>
-                      </a:endParaRPr>
+                      <a:pPr algn="ctr"/>
+                      <a:r>
+                        <a:rPr lang="en-US" sz="2400" b="1" dirty="0">
+                          <a:latin typeface="Times New Roman" pitchFamily="18" charset="0"/>
+                          <a:cs typeface="Times New Roman" pitchFamily="18" charset="0"/>
+                        </a:rPr>
+                        <a:t>Money_Value</a:t>
+                      </a:r>
                     </a:p>
                   </a:txBody>
-                  <a:tcPr marL="7620" marR="7620" marT="7620" marB="0" anchor="b"/>
+                  <a:tcPr anchor="ctr"/>
                 </a:tc>
                 <a:tc>
                   <a:txBody>
                     <a:bodyPr/>
                     <a:lstStyle/>
                     <a:p>
-                      <a:pPr algn="r" fontAlgn="b"/>
-                      <a:r>
-                        <a:rPr lang="en-US" sz="1000" u="none" strike="noStrike">
-                          <a:effectLst/>
-                        </a:rPr>
-                        <a:t>89.63283</a:t>
-                      </a:r>
-                      <a:endParaRPr lang="en-US" sz="1000" b="0" i="0" u="none" strike="noStrike">
-                        <a:effectLst/>
-                        <a:latin typeface="Arial" panose="020B0604020202020204" pitchFamily="34" charset="0"/>
+                      <a:pPr algn="l"/>
+                      <a:r>
+                        <a:rPr lang="en-US" sz="2400" b="0" dirty="0">
+                          <a:latin typeface="Times New Roman" pitchFamily="18" charset="0"/>
+                          <a:cs typeface="Times New Roman" pitchFamily="18" charset="0"/>
+                        </a:rPr>
+                        <a:t>Info</a:t>
+                      </a:r>
+                      <a:r>
+                        <a:rPr lang="en-US" sz="2400" b="0" baseline="-25000" dirty="0">
+                          <a:latin typeface="Times New Roman" pitchFamily="18" charset="0"/>
+                          <a:cs typeface="Times New Roman" pitchFamily="18" charset="0"/>
+                        </a:rPr>
+                        <a:t>MV</a:t>
+                      </a:r>
+                      <a:r>
+                        <a:rPr lang="en-US" sz="2400" b="0" dirty="0">
+                          <a:latin typeface="Times New Roman" pitchFamily="18" charset="0"/>
+                          <a:cs typeface="Times New Roman" pitchFamily="18" charset="0"/>
+                        </a:rPr>
+                        <a:t>(Score_A) = </a:t>
+                      </a:r>
+                      <a:r>
+                        <a:rPr lang="en-US" sz="2400" b="0" dirty="0" smtClean="0">
+                          <a:latin typeface="Times New Roman" pitchFamily="18" charset="0"/>
+                          <a:cs typeface="Times New Roman" pitchFamily="18" charset="0"/>
+                        </a:rPr>
+                        <a:t>0.244</a:t>
+                      </a:r>
+                      <a:endParaRPr lang="en-US" sz="2400" b="0" baseline="0" dirty="0">
+                        <a:latin typeface="Times New Roman" pitchFamily="18" charset="0"/>
+                        <a:cs typeface="Times New Roman" pitchFamily="18" charset="0"/>
+                      </a:endParaRPr>
+                    </a:p>
+                    <a:p>
+                      <a:pPr marL="0" marR="0" lvl="0" indent="0" algn="l" defTabSz="1218987" rtl="0" eaLnBrk="1" fontAlgn="auto" latinLnBrk="0" hangingPunct="1">
+                        <a:lnSpc>
+                          <a:spcPct val="100000"/>
+                        </a:lnSpc>
+                        <a:spcBef>
+                          <a:spcPts val="0"/>
+                        </a:spcBef>
+                        <a:spcAft>
+                          <a:spcPts val="0"/>
+                        </a:spcAft>
+                        <a:buClrTx/>
+                        <a:buSzTx/>
+                        <a:buFontTx/>
+                        <a:buNone/>
+                        <a:tabLst/>
+                        <a:defRPr/>
+                      </a:pPr>
+                      <a:r>
+                        <a:rPr lang="en-US" sz="2400" b="0" baseline="0" dirty="0">
+                          <a:latin typeface="Times New Roman" pitchFamily="18" charset="0"/>
+                          <a:cs typeface="Times New Roman" pitchFamily="18" charset="0"/>
+                        </a:rPr>
+                        <a:t>Gain(MV) = 0.287 – 0.122 = </a:t>
+                      </a:r>
+                      <a:r>
+                        <a:rPr lang="en-US" sz="2400" b="0" baseline="0" dirty="0" smtClean="0">
+                          <a:latin typeface="Times New Roman" pitchFamily="18" charset="0"/>
+                          <a:cs typeface="Times New Roman" pitchFamily="18" charset="0"/>
+                        </a:rPr>
+                        <a:t>0.0</a:t>
+                      </a:r>
+                      <a:endParaRPr lang="en-US" sz="2400" b="0" dirty="0">
+                        <a:latin typeface="Times New Roman" pitchFamily="18" charset="0"/>
+                        <a:cs typeface="Times New Roman" pitchFamily="18" charset="0"/>
                       </a:endParaRPr>
                     </a:p>
                   </a:txBody>
-                  <a:tcPr marL="7620" marR="7620" marT="7620" marB="0" anchor="b"/>
-                </a:tc>
-                <a:tc>
-                  <a:txBody>
-                    <a:bodyPr/>
-                    <a:lstStyle/>
-                    <a:p>
-                      <a:pPr algn="r" fontAlgn="b"/>
-                      <a:r>
-                        <a:rPr lang="en-US" sz="1000" u="none" strike="noStrike">
-                          <a:effectLst/>
-                        </a:rPr>
-                        <a:t>76.2419</a:t>
-                      </a:r>
-                      <a:endParaRPr lang="en-US" sz="1000" b="0" i="0" u="none" strike="noStrike">
-                        <a:effectLst/>
-                        <a:latin typeface="Arial" panose="020B0604020202020204" pitchFamily="34" charset="0"/>
-                      </a:endParaRPr>
-                    </a:p>
-                  </a:txBody>
-                  <a:tcPr marL="7620" marR="7620" marT="7620" marB="0" anchor="b"/>
-                </a:tc>
-                <a:tc>
-                  <a:txBody>
-                    <a:bodyPr/>
-                    <a:lstStyle/>
-                    <a:p>
-                      <a:pPr algn="r" fontAlgn="b"/>
-                      <a:r>
-                        <a:rPr lang="en-US" sz="1000" u="none" strike="noStrike">
-                          <a:effectLst/>
-                        </a:rPr>
-                        <a:t>61.77106</a:t>
-                      </a:r>
-                      <a:endParaRPr lang="en-US" sz="1000" b="0" i="0" u="none" strike="noStrike">
-                        <a:effectLst/>
-                        <a:latin typeface="Arial" panose="020B0604020202020204" pitchFamily="34" charset="0"/>
-                      </a:endParaRPr>
-                    </a:p>
-                  </a:txBody>
-                  <a:tcPr marL="7620" marR="7620" marT="7620" marB="0" anchor="b"/>
+                  <a:tcPr anchor="ctr"/>
                 </a:tc>
                 <a:extLst>
                   <a:ext uri="{0D108BD9-81ED-4DB2-BD59-A6C34878D82A}">
-                    <a16:rowId xmlns:a16="http://schemas.microsoft.com/office/drawing/2014/main" val="168374616"/>
-                  </a:ext>
-                </a:extLst>
-              </a:tr>
-              <a:tr h="266700">
-                <a:tc>
-                  <a:txBody>
-                    <a:bodyPr/>
-                    <a:lstStyle/>
-                    <a:p>
-                      <a:pPr algn="r" fontAlgn="b"/>
-                      <a:r>
-                        <a:rPr lang="en-US" sz="1000" u="none" strike="noStrike">
-                          <a:effectLst/>
-                        </a:rPr>
-                        <a:t>3</a:t>
-                      </a:r>
-                      <a:endParaRPr lang="en-US" sz="1000" b="0" i="0" u="none" strike="noStrike">
-                        <a:effectLst/>
-                        <a:latin typeface="Arial" panose="020B0604020202020204" pitchFamily="34" charset="0"/>
-                      </a:endParaRPr>
-                    </a:p>
-                  </a:txBody>
-                  <a:tcPr marL="7620" marR="7620" marT="7620" marB="0" anchor="b"/>
-                </a:tc>
-                <a:tc>
-                  <a:txBody>
-                    <a:bodyPr/>
-                    <a:lstStyle/>
-                    <a:p>
-                      <a:pPr algn="r" fontAlgn="b"/>
-                      <a:r>
-                        <a:rPr lang="en-US" sz="1000" u="none" strike="noStrike">
-                          <a:effectLst/>
-                        </a:rPr>
-                        <a:t>87.04104</a:t>
-                      </a:r>
-                      <a:endParaRPr lang="en-US" sz="1000" b="0" i="0" u="none" strike="noStrike">
-                        <a:effectLst/>
-                        <a:latin typeface="Arial" panose="020B0604020202020204" pitchFamily="34" charset="0"/>
-                      </a:endParaRPr>
-                    </a:p>
-                  </a:txBody>
-                  <a:tcPr marL="7620" marR="7620" marT="7620" marB="0" anchor="b"/>
-                </a:tc>
-                <a:tc>
-                  <a:txBody>
-                    <a:bodyPr/>
-                    <a:lstStyle/>
-                    <a:p>
-                      <a:pPr algn="r" fontAlgn="b"/>
-                      <a:r>
-                        <a:rPr lang="en-US" sz="1000" u="none" strike="noStrike">
-                          <a:effectLst/>
-                        </a:rPr>
-                        <a:t>73.43413</a:t>
-                      </a:r>
-                      <a:endParaRPr lang="en-US" sz="1000" b="0" i="0" u="none" strike="noStrike">
-                        <a:effectLst/>
-                        <a:latin typeface="Arial" panose="020B0604020202020204" pitchFamily="34" charset="0"/>
-                      </a:endParaRPr>
-                    </a:p>
-                  </a:txBody>
-                  <a:tcPr marL="7620" marR="7620" marT="7620" marB="0" anchor="b"/>
-                </a:tc>
-                <a:tc>
-                  <a:txBody>
-                    <a:bodyPr/>
-                    <a:lstStyle/>
-                    <a:p>
-                      <a:pPr algn="r" fontAlgn="b"/>
-                      <a:r>
-                        <a:rPr lang="en-US" sz="1000" u="none" strike="noStrike">
-                          <a:effectLst/>
-                        </a:rPr>
-                        <a:t>63.49892</a:t>
-                      </a:r>
-                      <a:endParaRPr lang="en-US" sz="1000" b="0" i="0" u="none" strike="noStrike">
-                        <a:effectLst/>
-                        <a:latin typeface="Arial" panose="020B0604020202020204" pitchFamily="34" charset="0"/>
-                      </a:endParaRPr>
-                    </a:p>
-                  </a:txBody>
-                  <a:tcPr marL="7620" marR="7620" marT="7620" marB="0" anchor="b"/>
-                </a:tc>
-                <a:extLst>
-                  <a:ext uri="{0D108BD9-81ED-4DB2-BD59-A6C34878D82A}">
-                    <a16:rowId xmlns:a16="http://schemas.microsoft.com/office/drawing/2014/main" val="3224539195"/>
-                  </a:ext>
-                </a:extLst>
-              </a:tr>
-              <a:tr h="266700">
-                <a:tc>
-                  <a:txBody>
-                    <a:bodyPr/>
-                    <a:lstStyle/>
-                    <a:p>
-                      <a:pPr algn="r" fontAlgn="b"/>
-                      <a:r>
-                        <a:rPr lang="en-US" sz="1000" u="none" strike="noStrike">
-                          <a:effectLst/>
-                        </a:rPr>
-                        <a:t>4</a:t>
-                      </a:r>
-                      <a:endParaRPr lang="en-US" sz="1000" b="0" i="0" u="none" strike="noStrike">
-                        <a:effectLst/>
-                        <a:latin typeface="Arial" panose="020B0604020202020204" pitchFamily="34" charset="0"/>
-                      </a:endParaRPr>
-                    </a:p>
-                  </a:txBody>
-                  <a:tcPr marL="7620" marR="7620" marT="7620" marB="0" anchor="b"/>
-                </a:tc>
-                <a:tc>
-                  <a:txBody>
-                    <a:bodyPr/>
-                    <a:lstStyle/>
-                    <a:p>
-                      <a:pPr algn="r" fontAlgn="b"/>
-                      <a:r>
-                        <a:rPr lang="en-US" sz="1000" u="none" strike="noStrike" dirty="0">
-                          <a:effectLst/>
-                        </a:rPr>
-                        <a:t>87.68898</a:t>
-                      </a:r>
-                      <a:endParaRPr lang="en-US" sz="1000" b="0" i="0" u="none" strike="noStrike" dirty="0">
-                        <a:effectLst/>
-                        <a:latin typeface="Arial" panose="020B0604020202020204" pitchFamily="34" charset="0"/>
-                      </a:endParaRPr>
-                    </a:p>
-                  </a:txBody>
-                  <a:tcPr marL="7620" marR="7620" marT="7620" marB="0" anchor="b"/>
-                </a:tc>
-                <a:tc>
-                  <a:txBody>
-                    <a:bodyPr/>
-                    <a:lstStyle/>
-                    <a:p>
-                      <a:pPr algn="r" fontAlgn="b"/>
-                      <a:r>
-                        <a:rPr lang="en-US" sz="1000" u="none" strike="noStrike">
-                          <a:effectLst/>
-                        </a:rPr>
-                        <a:t>72.35421</a:t>
-                      </a:r>
-                      <a:endParaRPr lang="en-US" sz="1000" b="0" i="0" u="none" strike="noStrike">
-                        <a:effectLst/>
-                        <a:latin typeface="Arial" panose="020B0604020202020204" pitchFamily="34" charset="0"/>
-                      </a:endParaRPr>
-                    </a:p>
-                  </a:txBody>
-                  <a:tcPr marL="7620" marR="7620" marT="7620" marB="0" anchor="b"/>
-                </a:tc>
-                <a:tc>
-                  <a:txBody>
-                    <a:bodyPr/>
-                    <a:lstStyle/>
-                    <a:p>
-                      <a:pPr algn="r" fontAlgn="b"/>
-                      <a:r>
-                        <a:rPr lang="en-US" sz="1000" u="none" strike="noStrike">
-                          <a:effectLst/>
-                        </a:rPr>
-                        <a:t>65.0108</a:t>
-                      </a:r>
-                      <a:endParaRPr lang="en-US" sz="1000" b="0" i="0" u="none" strike="noStrike">
-                        <a:effectLst/>
-                        <a:latin typeface="Arial" panose="020B0604020202020204" pitchFamily="34" charset="0"/>
-                      </a:endParaRPr>
-                    </a:p>
-                  </a:txBody>
-                  <a:tcPr marL="7620" marR="7620" marT="7620" marB="0" anchor="b"/>
-                </a:tc>
-                <a:extLst>
-                  <a:ext uri="{0D108BD9-81ED-4DB2-BD59-A6C34878D82A}">
-                    <a16:rowId xmlns:a16="http://schemas.microsoft.com/office/drawing/2014/main" val="3084581654"/>
-                  </a:ext>
-                </a:extLst>
-              </a:tr>
-              <a:tr h="266700">
-                <a:tc>
-                  <a:txBody>
-                    <a:bodyPr/>
-                    <a:lstStyle/>
-                    <a:p>
-                      <a:pPr algn="r" fontAlgn="b"/>
-                      <a:r>
-                        <a:rPr lang="en-US" sz="1000" u="none" strike="noStrike">
-                          <a:effectLst/>
-                        </a:rPr>
-                        <a:t>5</a:t>
-                      </a:r>
-                      <a:endParaRPr lang="en-US" sz="1000" b="0" i="0" u="none" strike="noStrike">
-                        <a:effectLst/>
-                        <a:latin typeface="Arial" panose="020B0604020202020204" pitchFamily="34" charset="0"/>
-                      </a:endParaRPr>
-                    </a:p>
-                  </a:txBody>
-                  <a:tcPr marL="7620" marR="7620" marT="7620" marB="0" anchor="b"/>
-                </a:tc>
-                <a:tc>
-                  <a:txBody>
-                    <a:bodyPr/>
-                    <a:lstStyle/>
-                    <a:p>
-                      <a:pPr algn="r" fontAlgn="b"/>
-                      <a:r>
-                        <a:rPr lang="en-US" sz="1000" u="none" strike="noStrike">
-                          <a:effectLst/>
-                        </a:rPr>
-                        <a:t>89.20086</a:t>
-                      </a:r>
-                      <a:endParaRPr lang="en-US" sz="1000" b="0" i="0" u="none" strike="noStrike">
-                        <a:effectLst/>
-                        <a:latin typeface="Arial" panose="020B0604020202020204" pitchFamily="34" charset="0"/>
-                      </a:endParaRPr>
-                    </a:p>
-                  </a:txBody>
-                  <a:tcPr marL="7620" marR="7620" marT="7620" marB="0" anchor="b"/>
-                </a:tc>
-                <a:tc>
-                  <a:txBody>
-                    <a:bodyPr/>
-                    <a:lstStyle/>
-                    <a:p>
-                      <a:pPr algn="r" fontAlgn="b"/>
-                      <a:r>
-                        <a:rPr lang="en-US" sz="1000" u="none" strike="noStrike">
-                          <a:effectLst/>
-                        </a:rPr>
-                        <a:t>73.21814</a:t>
-                      </a:r>
-                      <a:endParaRPr lang="en-US" sz="1000" b="0" i="0" u="none" strike="noStrike">
-                        <a:effectLst/>
-                        <a:latin typeface="Arial" panose="020B0604020202020204" pitchFamily="34" charset="0"/>
-                      </a:endParaRPr>
-                    </a:p>
-                  </a:txBody>
-                  <a:tcPr marL="7620" marR="7620" marT="7620" marB="0" anchor="b"/>
-                </a:tc>
-                <a:tc>
-                  <a:txBody>
-                    <a:bodyPr/>
-                    <a:lstStyle/>
-                    <a:p>
-                      <a:pPr algn="r" fontAlgn="b"/>
-                      <a:r>
-                        <a:rPr lang="en-US" sz="1000" u="none" strike="noStrike">
-                          <a:effectLst/>
-                        </a:rPr>
-                        <a:t>60.25918</a:t>
-                      </a:r>
-                      <a:endParaRPr lang="en-US" sz="1000" b="0" i="0" u="none" strike="noStrike">
-                        <a:effectLst/>
-                        <a:latin typeface="Arial" panose="020B0604020202020204" pitchFamily="34" charset="0"/>
-                      </a:endParaRPr>
-                    </a:p>
-                  </a:txBody>
-                  <a:tcPr marL="7620" marR="7620" marT="7620" marB="0" anchor="b"/>
-                </a:tc>
-                <a:extLst>
-                  <a:ext uri="{0D108BD9-81ED-4DB2-BD59-A6C34878D82A}">
-                    <a16:rowId xmlns:a16="http://schemas.microsoft.com/office/drawing/2014/main" val="2134585086"/>
-                  </a:ext>
-                </a:extLst>
-              </a:tr>
-              <a:tr h="266700">
-                <a:tc>
-                  <a:txBody>
-                    <a:bodyPr/>
-                    <a:lstStyle/>
-                    <a:p>
-                      <a:pPr algn="r" fontAlgn="b"/>
-                      <a:r>
-                        <a:rPr lang="en-US" sz="1000" u="none" strike="noStrike">
-                          <a:effectLst/>
-                        </a:rPr>
-                        <a:t>6</a:t>
-                      </a:r>
-                      <a:endParaRPr lang="en-US" sz="1000" b="0" i="0" u="none" strike="noStrike">
-                        <a:effectLst/>
-                        <a:latin typeface="Arial" panose="020B0604020202020204" pitchFamily="34" charset="0"/>
-                      </a:endParaRPr>
-                    </a:p>
-                  </a:txBody>
-                  <a:tcPr marL="7620" marR="7620" marT="7620" marB="0" anchor="b"/>
-                </a:tc>
-                <a:tc>
-                  <a:txBody>
-                    <a:bodyPr/>
-                    <a:lstStyle/>
-                    <a:p>
-                      <a:pPr algn="r" fontAlgn="b"/>
-                      <a:r>
-                        <a:rPr lang="en-US" sz="1000" u="none" strike="noStrike">
-                          <a:effectLst/>
-                        </a:rPr>
-                        <a:t>87.473</a:t>
-                      </a:r>
-                      <a:endParaRPr lang="en-US" sz="1000" b="0" i="0" u="none" strike="noStrike">
-                        <a:effectLst/>
-                        <a:latin typeface="Arial" panose="020B0604020202020204" pitchFamily="34" charset="0"/>
-                      </a:endParaRPr>
-                    </a:p>
-                  </a:txBody>
-                  <a:tcPr marL="7620" marR="7620" marT="7620" marB="0" anchor="b"/>
-                </a:tc>
-                <a:tc>
-                  <a:txBody>
-                    <a:bodyPr/>
-                    <a:lstStyle/>
-                    <a:p>
-                      <a:pPr algn="r" fontAlgn="b"/>
-                      <a:r>
-                        <a:rPr lang="en-US" sz="1000" u="none" strike="noStrike">
-                          <a:effectLst/>
-                        </a:rPr>
-                        <a:t>72.78618</a:t>
-                      </a:r>
-                      <a:endParaRPr lang="en-US" sz="1000" b="0" i="0" u="none" strike="noStrike">
-                        <a:effectLst/>
-                        <a:latin typeface="Arial" panose="020B0604020202020204" pitchFamily="34" charset="0"/>
-                      </a:endParaRPr>
-                    </a:p>
-                  </a:txBody>
-                  <a:tcPr marL="7620" marR="7620" marT="7620" marB="0" anchor="b"/>
-                </a:tc>
-                <a:tc>
-                  <a:txBody>
-                    <a:bodyPr/>
-                    <a:lstStyle/>
-                    <a:p>
-                      <a:pPr algn="r" fontAlgn="b"/>
-                      <a:r>
-                        <a:rPr lang="en-US" sz="1000" u="none" strike="noStrike">
-                          <a:effectLst/>
-                        </a:rPr>
-                        <a:t>60.47516</a:t>
-                      </a:r>
-                      <a:endParaRPr lang="en-US" sz="1000" b="0" i="0" u="none" strike="noStrike">
-                        <a:effectLst/>
-                        <a:latin typeface="Arial" panose="020B0604020202020204" pitchFamily="34" charset="0"/>
-                      </a:endParaRPr>
-                    </a:p>
-                  </a:txBody>
-                  <a:tcPr marL="7620" marR="7620" marT="7620" marB="0" anchor="b"/>
-                </a:tc>
-                <a:extLst>
-                  <a:ext uri="{0D108BD9-81ED-4DB2-BD59-A6C34878D82A}">
-                    <a16:rowId xmlns:a16="http://schemas.microsoft.com/office/drawing/2014/main" val="231354001"/>
-                  </a:ext>
-                </a:extLst>
-              </a:tr>
-              <a:tr h="266700">
-                <a:tc>
-                  <a:txBody>
-                    <a:bodyPr/>
-                    <a:lstStyle/>
-                    <a:p>
-                      <a:pPr algn="r" fontAlgn="b"/>
-                      <a:r>
-                        <a:rPr lang="en-US" sz="1000" u="none" strike="noStrike">
-                          <a:effectLst/>
-                        </a:rPr>
-                        <a:t>7</a:t>
-                      </a:r>
-                      <a:endParaRPr lang="en-US" sz="1000" b="0" i="0" u="none" strike="noStrike">
-                        <a:effectLst/>
-                        <a:latin typeface="Arial" panose="020B0604020202020204" pitchFamily="34" charset="0"/>
-                      </a:endParaRPr>
-                    </a:p>
-                  </a:txBody>
-                  <a:tcPr marL="7620" marR="7620" marT="7620" marB="0" anchor="b"/>
-                </a:tc>
-                <a:tc>
-                  <a:txBody>
-                    <a:bodyPr/>
-                    <a:lstStyle/>
-                    <a:p>
-                      <a:pPr algn="r" fontAlgn="b"/>
-                      <a:r>
-                        <a:rPr lang="en-US" sz="1000" u="none" strike="noStrike">
-                          <a:effectLst/>
-                        </a:rPr>
-                        <a:t>87.68898</a:t>
-                      </a:r>
-                      <a:endParaRPr lang="en-US" sz="1000" b="0" i="0" u="none" strike="noStrike">
-                        <a:effectLst/>
-                        <a:latin typeface="Arial" panose="020B0604020202020204" pitchFamily="34" charset="0"/>
-                      </a:endParaRPr>
-                    </a:p>
-                  </a:txBody>
-                  <a:tcPr marL="7620" marR="7620" marT="7620" marB="0" anchor="b"/>
-                </a:tc>
-                <a:tc>
-                  <a:txBody>
-                    <a:bodyPr/>
-                    <a:lstStyle/>
-                    <a:p>
-                      <a:pPr algn="r" fontAlgn="b"/>
-                      <a:r>
-                        <a:rPr lang="en-US" sz="1000" u="none" strike="noStrike">
-                          <a:effectLst/>
-                        </a:rPr>
-                        <a:t>72.13823</a:t>
-                      </a:r>
-                      <a:endParaRPr lang="en-US" sz="1000" b="0" i="0" u="none" strike="noStrike">
-                        <a:effectLst/>
-                        <a:latin typeface="Arial" panose="020B0604020202020204" pitchFamily="34" charset="0"/>
-                      </a:endParaRPr>
-                    </a:p>
-                  </a:txBody>
-                  <a:tcPr marL="7620" marR="7620" marT="7620" marB="0" anchor="b"/>
-                </a:tc>
-                <a:tc>
-                  <a:txBody>
-                    <a:bodyPr/>
-                    <a:lstStyle/>
-                    <a:p>
-                      <a:pPr algn="r" fontAlgn="b"/>
-                      <a:r>
-                        <a:rPr lang="en-US" sz="1000" u="none" strike="noStrike">
-                          <a:effectLst/>
-                        </a:rPr>
-                        <a:t>62.63499</a:t>
-                      </a:r>
-                      <a:endParaRPr lang="en-US" sz="1000" b="0" i="0" u="none" strike="noStrike">
-                        <a:effectLst/>
-                        <a:latin typeface="Arial" panose="020B0604020202020204" pitchFamily="34" charset="0"/>
-                      </a:endParaRPr>
-                    </a:p>
-                  </a:txBody>
-                  <a:tcPr marL="7620" marR="7620" marT="7620" marB="0" anchor="b"/>
-                </a:tc>
-                <a:extLst>
-                  <a:ext uri="{0D108BD9-81ED-4DB2-BD59-A6C34878D82A}">
-                    <a16:rowId xmlns:a16="http://schemas.microsoft.com/office/drawing/2014/main" val="1710464718"/>
-                  </a:ext>
-                </a:extLst>
-              </a:tr>
-              <a:tr h="266700">
-                <a:tc>
-                  <a:txBody>
-                    <a:bodyPr/>
-                    <a:lstStyle/>
-                    <a:p>
-                      <a:pPr algn="r" fontAlgn="b"/>
-                      <a:r>
-                        <a:rPr lang="en-US" sz="1000" u="none" strike="noStrike">
-                          <a:effectLst/>
-                        </a:rPr>
-                        <a:t>8</a:t>
-                      </a:r>
-                      <a:endParaRPr lang="en-US" sz="1000" b="0" i="0" u="none" strike="noStrike">
-                        <a:effectLst/>
-                        <a:latin typeface="Arial" panose="020B0604020202020204" pitchFamily="34" charset="0"/>
-                      </a:endParaRPr>
-                    </a:p>
-                  </a:txBody>
-                  <a:tcPr marL="7620" marR="7620" marT="7620" marB="0" anchor="b"/>
-                </a:tc>
-                <a:tc>
-                  <a:txBody>
-                    <a:bodyPr/>
-                    <a:lstStyle/>
-                    <a:p>
-                      <a:pPr algn="r" fontAlgn="b"/>
-                      <a:r>
-                        <a:rPr lang="en-US" sz="1000" u="none" strike="noStrike">
-                          <a:effectLst/>
-                        </a:rPr>
-                        <a:t>87.68898</a:t>
-                      </a:r>
-                      <a:endParaRPr lang="en-US" sz="1000" b="0" i="0" u="none" strike="noStrike">
-                        <a:effectLst/>
-                        <a:latin typeface="Arial" panose="020B0604020202020204" pitchFamily="34" charset="0"/>
-                      </a:endParaRPr>
-                    </a:p>
-                  </a:txBody>
-                  <a:tcPr marL="7620" marR="7620" marT="7620" marB="0" anchor="b"/>
-                </a:tc>
-                <a:tc>
-                  <a:txBody>
-                    <a:bodyPr/>
-                    <a:lstStyle/>
-                    <a:p>
-                      <a:pPr algn="r" fontAlgn="b"/>
-                      <a:r>
-                        <a:rPr lang="en-US" sz="1000" u="none" strike="noStrike">
-                          <a:effectLst/>
-                        </a:rPr>
-                        <a:t>71.92225</a:t>
-                      </a:r>
-                      <a:endParaRPr lang="en-US" sz="1000" b="0" i="0" u="none" strike="noStrike">
-                        <a:effectLst/>
-                        <a:latin typeface="Arial" panose="020B0604020202020204" pitchFamily="34" charset="0"/>
-                      </a:endParaRPr>
-                    </a:p>
-                  </a:txBody>
-                  <a:tcPr marL="7620" marR="7620" marT="7620" marB="0" anchor="b"/>
-                </a:tc>
-                <a:tc>
-                  <a:txBody>
-                    <a:bodyPr/>
-                    <a:lstStyle/>
-                    <a:p>
-                      <a:pPr algn="r" fontAlgn="b"/>
-                      <a:r>
-                        <a:rPr lang="en-US" sz="1000" u="none" strike="noStrike">
-                          <a:effectLst/>
-                        </a:rPr>
-                        <a:t>66.09071</a:t>
-                      </a:r>
-                      <a:endParaRPr lang="en-US" sz="1000" b="0" i="0" u="none" strike="noStrike">
-                        <a:effectLst/>
-                        <a:latin typeface="Arial" panose="020B0604020202020204" pitchFamily="34" charset="0"/>
-                      </a:endParaRPr>
-                    </a:p>
-                  </a:txBody>
-                  <a:tcPr marL="7620" marR="7620" marT="7620" marB="0" anchor="b"/>
-                </a:tc>
-                <a:extLst>
-                  <a:ext uri="{0D108BD9-81ED-4DB2-BD59-A6C34878D82A}">
-                    <a16:rowId xmlns:a16="http://schemas.microsoft.com/office/drawing/2014/main" val="2134076807"/>
-                  </a:ext>
-                </a:extLst>
-              </a:tr>
-              <a:tr h="266700">
-                <a:tc>
-                  <a:txBody>
-                    <a:bodyPr/>
-                    <a:lstStyle/>
-                    <a:p>
-                      <a:pPr algn="r" fontAlgn="b"/>
-                      <a:r>
-                        <a:rPr lang="en-US" sz="1000" u="none" strike="noStrike">
-                          <a:effectLst/>
-                        </a:rPr>
-                        <a:t>9</a:t>
-                      </a:r>
-                      <a:endParaRPr lang="en-US" sz="1000" b="0" i="0" u="none" strike="noStrike">
-                        <a:effectLst/>
-                        <a:latin typeface="Arial" panose="020B0604020202020204" pitchFamily="34" charset="0"/>
-                      </a:endParaRPr>
-                    </a:p>
-                  </a:txBody>
-                  <a:tcPr marL="7620" marR="7620" marT="7620" marB="0" anchor="b"/>
-                </a:tc>
-                <a:tc>
-                  <a:txBody>
-                    <a:bodyPr/>
-                    <a:lstStyle/>
-                    <a:p>
-                      <a:pPr algn="r" fontAlgn="b"/>
-                      <a:r>
-                        <a:rPr lang="en-US" sz="1000" u="none" strike="noStrike">
-                          <a:effectLst/>
-                        </a:rPr>
-                        <a:t>86.82505</a:t>
-                      </a:r>
-                      <a:endParaRPr lang="en-US" sz="1000" b="0" i="0" u="none" strike="noStrike">
-                        <a:effectLst/>
-                        <a:latin typeface="Arial" panose="020B0604020202020204" pitchFamily="34" charset="0"/>
-                      </a:endParaRPr>
-                    </a:p>
-                  </a:txBody>
-                  <a:tcPr marL="7620" marR="7620" marT="7620" marB="0" anchor="b"/>
-                </a:tc>
-                <a:tc>
-                  <a:txBody>
-                    <a:bodyPr/>
-                    <a:lstStyle/>
-                    <a:p>
-                      <a:pPr algn="r" fontAlgn="b"/>
-                      <a:r>
-                        <a:rPr lang="en-US" sz="1000" u="none" strike="noStrike">
-                          <a:effectLst/>
-                        </a:rPr>
-                        <a:t>71.2743</a:t>
-                      </a:r>
-                      <a:endParaRPr lang="en-US" sz="1000" b="0" i="0" u="none" strike="noStrike">
-                        <a:effectLst/>
-                        <a:latin typeface="Arial" panose="020B0604020202020204" pitchFamily="34" charset="0"/>
-                      </a:endParaRPr>
-                    </a:p>
-                  </a:txBody>
-                  <a:tcPr marL="7620" marR="7620" marT="7620" marB="0" anchor="b"/>
-                </a:tc>
-                <a:tc>
-                  <a:txBody>
-                    <a:bodyPr/>
-                    <a:lstStyle/>
-                    <a:p>
-                      <a:pPr algn="r" fontAlgn="b"/>
-                      <a:r>
-                        <a:rPr lang="en-US" sz="1000" u="none" strike="noStrike">
-                          <a:effectLst/>
-                        </a:rPr>
-                        <a:t>61.77106</a:t>
-                      </a:r>
-                      <a:endParaRPr lang="en-US" sz="1000" b="0" i="0" u="none" strike="noStrike">
-                        <a:effectLst/>
-                        <a:latin typeface="Arial" panose="020B0604020202020204" pitchFamily="34" charset="0"/>
-                      </a:endParaRPr>
-                    </a:p>
-                  </a:txBody>
-                  <a:tcPr marL="7620" marR="7620" marT="7620" marB="0" anchor="b"/>
-                </a:tc>
-                <a:extLst>
-                  <a:ext uri="{0D108BD9-81ED-4DB2-BD59-A6C34878D82A}">
-                    <a16:rowId xmlns:a16="http://schemas.microsoft.com/office/drawing/2014/main" val="2272223841"/>
-                  </a:ext>
-                </a:extLst>
-              </a:tr>
-              <a:tr h="266700">
-                <a:tc>
-                  <a:txBody>
-                    <a:bodyPr/>
-                    <a:lstStyle/>
-                    <a:p>
-                      <a:pPr algn="r" fontAlgn="b"/>
-                      <a:r>
-                        <a:rPr lang="en-US" sz="1000" u="none" strike="noStrike">
-                          <a:effectLst/>
-                        </a:rPr>
-                        <a:t>10</a:t>
-                      </a:r>
-                      <a:endParaRPr lang="en-US" sz="1000" b="0" i="0" u="none" strike="noStrike">
-                        <a:effectLst/>
-                        <a:latin typeface="Arial" panose="020B0604020202020204" pitchFamily="34" charset="0"/>
-                      </a:endParaRPr>
-                    </a:p>
-                  </a:txBody>
-                  <a:tcPr marL="7620" marR="7620" marT="7620" marB="0" anchor="b"/>
-                </a:tc>
-                <a:tc>
-                  <a:txBody>
-                    <a:bodyPr/>
-                    <a:lstStyle/>
-                    <a:p>
-                      <a:pPr algn="r" fontAlgn="b"/>
-                      <a:r>
-                        <a:rPr lang="en-US" sz="1000" u="none" strike="noStrike">
-                          <a:effectLst/>
-                        </a:rPr>
-                        <a:t>88.7689</a:t>
-                      </a:r>
-                      <a:endParaRPr lang="en-US" sz="1000" b="0" i="0" u="none" strike="noStrike">
-                        <a:effectLst/>
-                        <a:latin typeface="Arial" panose="020B0604020202020204" pitchFamily="34" charset="0"/>
-                      </a:endParaRPr>
-                    </a:p>
-                  </a:txBody>
-                  <a:tcPr marL="7620" marR="7620" marT="7620" marB="0" anchor="b"/>
-                </a:tc>
-                <a:tc>
-                  <a:txBody>
-                    <a:bodyPr/>
-                    <a:lstStyle/>
-                    <a:p>
-                      <a:pPr algn="r" fontAlgn="b"/>
-                      <a:r>
-                        <a:rPr lang="en-US" sz="1000" u="none" strike="noStrike">
-                          <a:effectLst/>
-                        </a:rPr>
-                        <a:t>74.29806</a:t>
-                      </a:r>
-                      <a:endParaRPr lang="en-US" sz="1000" b="0" i="0" u="none" strike="noStrike">
-                        <a:effectLst/>
-                        <a:latin typeface="Arial" panose="020B0604020202020204" pitchFamily="34" charset="0"/>
-                      </a:endParaRPr>
-                    </a:p>
-                  </a:txBody>
-                  <a:tcPr marL="7620" marR="7620" marT="7620" marB="0" anchor="b"/>
-                </a:tc>
-                <a:tc>
-                  <a:txBody>
-                    <a:bodyPr/>
-                    <a:lstStyle/>
-                    <a:p>
-                      <a:pPr algn="r" fontAlgn="b"/>
-                      <a:r>
-                        <a:rPr lang="en-US" sz="1000" u="none" strike="noStrike">
-                          <a:effectLst/>
-                        </a:rPr>
-                        <a:t>63.06695</a:t>
-                      </a:r>
-                      <a:endParaRPr lang="en-US" sz="1000" b="0" i="0" u="none" strike="noStrike">
-                        <a:effectLst/>
-                        <a:latin typeface="Arial" panose="020B0604020202020204" pitchFamily="34" charset="0"/>
-                      </a:endParaRPr>
-                    </a:p>
-                  </a:txBody>
-                  <a:tcPr marL="7620" marR="7620" marT="7620" marB="0" anchor="b"/>
-                </a:tc>
-                <a:extLst>
-                  <a:ext uri="{0D108BD9-81ED-4DB2-BD59-A6C34878D82A}">
-                    <a16:rowId xmlns:a16="http://schemas.microsoft.com/office/drawing/2014/main" val="3567161672"/>
-                  </a:ext>
-                </a:extLst>
-              </a:tr>
-              <a:tr h="266700">
-                <a:tc>
-                  <a:txBody>
-                    <a:bodyPr/>
-                    <a:lstStyle/>
-                    <a:p>
-                      <a:pPr algn="r" fontAlgn="b"/>
-                      <a:r>
-                        <a:rPr lang="en-US" sz="1000" u="none" strike="noStrike">
-                          <a:effectLst/>
-                        </a:rPr>
-                        <a:t>11</a:t>
-                      </a:r>
-                      <a:endParaRPr lang="en-US" sz="1000" b="0" i="0" u="none" strike="noStrike">
-                        <a:effectLst/>
-                        <a:latin typeface="Arial" panose="020B0604020202020204" pitchFamily="34" charset="0"/>
-                      </a:endParaRPr>
-                    </a:p>
-                  </a:txBody>
-                  <a:tcPr marL="7620" marR="7620" marT="7620" marB="0" anchor="b"/>
-                </a:tc>
-                <a:tc>
-                  <a:txBody>
-                    <a:bodyPr/>
-                    <a:lstStyle/>
-                    <a:p>
-                      <a:pPr algn="r" fontAlgn="b"/>
-                      <a:r>
-                        <a:rPr lang="en-US" sz="1000" u="none" strike="noStrike">
-                          <a:effectLst/>
-                        </a:rPr>
-                        <a:t>87.90497</a:t>
-                      </a:r>
-                      <a:endParaRPr lang="en-US" sz="1000" b="0" i="0" u="none" strike="noStrike">
-                        <a:effectLst/>
-                        <a:latin typeface="Arial" panose="020B0604020202020204" pitchFamily="34" charset="0"/>
-                      </a:endParaRPr>
-                    </a:p>
-                  </a:txBody>
-                  <a:tcPr marL="7620" marR="7620" marT="7620" marB="0" anchor="b"/>
-                </a:tc>
-                <a:tc>
-                  <a:txBody>
-                    <a:bodyPr/>
-                    <a:lstStyle/>
-                    <a:p>
-                      <a:pPr algn="r" fontAlgn="b"/>
-                      <a:r>
-                        <a:rPr lang="en-US" sz="1000" u="none" strike="noStrike">
-                          <a:effectLst/>
-                        </a:rPr>
-                        <a:t>73.00216</a:t>
-                      </a:r>
-                      <a:endParaRPr lang="en-US" sz="1000" b="0" i="0" u="none" strike="noStrike">
-                        <a:effectLst/>
-                        <a:latin typeface="Arial" panose="020B0604020202020204" pitchFamily="34" charset="0"/>
-                      </a:endParaRPr>
-                    </a:p>
-                  </a:txBody>
-                  <a:tcPr marL="7620" marR="7620" marT="7620" marB="0" anchor="b"/>
-                </a:tc>
-                <a:tc>
-                  <a:txBody>
-                    <a:bodyPr/>
-                    <a:lstStyle/>
-                    <a:p>
-                      <a:pPr algn="r" fontAlgn="b"/>
-                      <a:r>
-                        <a:rPr lang="en-US" sz="1000" u="none" strike="noStrike">
-                          <a:effectLst/>
-                        </a:rPr>
-                        <a:t>62.20302</a:t>
-                      </a:r>
-                      <a:endParaRPr lang="en-US" sz="1000" b="0" i="0" u="none" strike="noStrike">
-                        <a:effectLst/>
-                        <a:latin typeface="Arial" panose="020B0604020202020204" pitchFamily="34" charset="0"/>
-                      </a:endParaRPr>
-                    </a:p>
-                  </a:txBody>
-                  <a:tcPr marL="7620" marR="7620" marT="7620" marB="0" anchor="b"/>
-                </a:tc>
-                <a:extLst>
-                  <a:ext uri="{0D108BD9-81ED-4DB2-BD59-A6C34878D82A}">
-                    <a16:rowId xmlns:a16="http://schemas.microsoft.com/office/drawing/2014/main" val="184882363"/>
-                  </a:ext>
-                </a:extLst>
-              </a:tr>
-              <a:tr h="266700">
-                <a:tc>
-                  <a:txBody>
-                    <a:bodyPr/>
-                    <a:lstStyle/>
-                    <a:p>
-                      <a:pPr algn="r" fontAlgn="b"/>
-                      <a:r>
-                        <a:rPr lang="en-US" sz="1000" u="none" strike="noStrike">
-                          <a:effectLst/>
-                        </a:rPr>
-                        <a:t>12</a:t>
-                      </a:r>
-                      <a:endParaRPr lang="en-US" sz="1000" b="0" i="0" u="none" strike="noStrike">
-                        <a:effectLst/>
-                        <a:latin typeface="Arial" panose="020B0604020202020204" pitchFamily="34" charset="0"/>
-                      </a:endParaRPr>
-                    </a:p>
-                  </a:txBody>
-                  <a:tcPr marL="7620" marR="7620" marT="7620" marB="0" anchor="b"/>
-                </a:tc>
-                <a:tc>
-                  <a:txBody>
-                    <a:bodyPr/>
-                    <a:lstStyle/>
-                    <a:p>
-                      <a:pPr algn="r" fontAlgn="b"/>
-                      <a:r>
-                        <a:rPr lang="en-US" sz="1000" u="none" strike="noStrike">
-                          <a:effectLst/>
-                        </a:rPr>
-                        <a:t>89.20086</a:t>
-                      </a:r>
-                      <a:endParaRPr lang="en-US" sz="1000" b="0" i="0" u="none" strike="noStrike">
-                        <a:effectLst/>
-                        <a:latin typeface="Arial" panose="020B0604020202020204" pitchFamily="34" charset="0"/>
-                      </a:endParaRPr>
-                    </a:p>
-                  </a:txBody>
-                  <a:tcPr marL="7620" marR="7620" marT="7620" marB="0" anchor="b"/>
-                </a:tc>
-                <a:tc>
-                  <a:txBody>
-                    <a:bodyPr/>
-                    <a:lstStyle/>
-                    <a:p>
-                      <a:pPr algn="r" fontAlgn="b"/>
-                      <a:r>
-                        <a:rPr lang="en-US" sz="1000" u="none" strike="noStrike">
-                          <a:effectLst/>
-                        </a:rPr>
-                        <a:t>73.86609</a:t>
-                      </a:r>
-                      <a:endParaRPr lang="en-US" sz="1000" b="0" i="0" u="none" strike="noStrike">
-                        <a:effectLst/>
-                        <a:latin typeface="Arial" panose="020B0604020202020204" pitchFamily="34" charset="0"/>
-                      </a:endParaRPr>
-                    </a:p>
-                  </a:txBody>
-                  <a:tcPr marL="7620" marR="7620" marT="7620" marB="0" anchor="b"/>
-                </a:tc>
-                <a:tc>
-                  <a:txBody>
-                    <a:bodyPr/>
-                    <a:lstStyle/>
-                    <a:p>
-                      <a:pPr algn="r" fontAlgn="b"/>
-                      <a:r>
-                        <a:rPr lang="en-US" sz="1000" u="none" strike="noStrike">
-                          <a:effectLst/>
-                        </a:rPr>
-                        <a:t>63.06695</a:t>
-                      </a:r>
-                      <a:endParaRPr lang="en-US" sz="1000" b="0" i="0" u="none" strike="noStrike">
-                        <a:effectLst/>
-                        <a:latin typeface="Arial" panose="020B0604020202020204" pitchFamily="34" charset="0"/>
-                      </a:endParaRPr>
-                    </a:p>
-                  </a:txBody>
-                  <a:tcPr marL="7620" marR="7620" marT="7620" marB="0" anchor="b"/>
-                </a:tc>
-                <a:extLst>
-                  <a:ext uri="{0D108BD9-81ED-4DB2-BD59-A6C34878D82A}">
-                    <a16:rowId xmlns:a16="http://schemas.microsoft.com/office/drawing/2014/main" val="603357743"/>
-                  </a:ext>
-                </a:extLst>
-              </a:tr>
-              <a:tr h="266700">
-                <a:tc>
-                  <a:txBody>
-                    <a:bodyPr/>
-                    <a:lstStyle/>
-                    <a:p>
-                      <a:pPr algn="r" fontAlgn="b"/>
-                      <a:r>
-                        <a:rPr lang="en-US" sz="1000" u="none" strike="noStrike">
-                          <a:effectLst/>
-                        </a:rPr>
-                        <a:t>13</a:t>
-                      </a:r>
-                      <a:endParaRPr lang="en-US" sz="1000" b="0" i="0" u="none" strike="noStrike">
-                        <a:effectLst/>
-                        <a:latin typeface="Arial" panose="020B0604020202020204" pitchFamily="34" charset="0"/>
-                      </a:endParaRPr>
-                    </a:p>
-                  </a:txBody>
-                  <a:tcPr marL="7620" marR="7620" marT="7620" marB="0" anchor="b"/>
-                </a:tc>
-                <a:tc>
-                  <a:txBody>
-                    <a:bodyPr/>
-                    <a:lstStyle/>
-                    <a:p>
-                      <a:pPr algn="r" fontAlgn="b"/>
-                      <a:r>
-                        <a:rPr lang="en-US" sz="1000" u="none" strike="noStrike">
-                          <a:effectLst/>
-                        </a:rPr>
-                        <a:t>88.12095</a:t>
-                      </a:r>
-                      <a:endParaRPr lang="en-US" sz="1000" b="0" i="0" u="none" strike="noStrike">
-                        <a:effectLst/>
-                        <a:latin typeface="Arial" panose="020B0604020202020204" pitchFamily="34" charset="0"/>
-                      </a:endParaRPr>
-                    </a:p>
-                  </a:txBody>
-                  <a:tcPr marL="7620" marR="7620" marT="7620" marB="0" anchor="b"/>
-                </a:tc>
-                <a:tc>
-                  <a:txBody>
-                    <a:bodyPr/>
-                    <a:lstStyle/>
-                    <a:p>
-                      <a:pPr algn="r" fontAlgn="b"/>
-                      <a:r>
-                        <a:rPr lang="en-US" sz="1000" u="none" strike="noStrike">
-                          <a:effectLst/>
-                        </a:rPr>
-                        <a:t>73.65011</a:t>
-                      </a:r>
-                      <a:endParaRPr lang="en-US" sz="1000" b="0" i="0" u="none" strike="noStrike">
-                        <a:effectLst/>
-                        <a:latin typeface="Arial" panose="020B0604020202020204" pitchFamily="34" charset="0"/>
-                      </a:endParaRPr>
-                    </a:p>
-                  </a:txBody>
-                  <a:tcPr marL="7620" marR="7620" marT="7620" marB="0" anchor="b"/>
-                </a:tc>
-                <a:tc>
-                  <a:txBody>
-                    <a:bodyPr/>
-                    <a:lstStyle/>
-                    <a:p>
-                      <a:pPr algn="r" fontAlgn="b"/>
-                      <a:r>
-                        <a:rPr lang="en-US" sz="1000" u="none" strike="noStrike">
-                          <a:effectLst/>
-                        </a:rPr>
-                        <a:t>63.06695</a:t>
-                      </a:r>
-                      <a:endParaRPr lang="en-US" sz="1000" b="0" i="0" u="none" strike="noStrike">
-                        <a:effectLst/>
-                        <a:latin typeface="Arial" panose="020B0604020202020204" pitchFamily="34" charset="0"/>
-                      </a:endParaRPr>
-                    </a:p>
-                  </a:txBody>
-                  <a:tcPr marL="7620" marR="7620" marT="7620" marB="0" anchor="b"/>
-                </a:tc>
-                <a:extLst>
-                  <a:ext uri="{0D108BD9-81ED-4DB2-BD59-A6C34878D82A}">
-                    <a16:rowId xmlns:a16="http://schemas.microsoft.com/office/drawing/2014/main" val="3601225265"/>
-                  </a:ext>
-                </a:extLst>
-              </a:tr>
-              <a:tr h="266700">
-                <a:tc>
-                  <a:txBody>
-                    <a:bodyPr/>
-                    <a:lstStyle/>
-                    <a:p>
-                      <a:pPr algn="r" fontAlgn="b"/>
-                      <a:r>
-                        <a:rPr lang="en-US" sz="1000" u="none" strike="noStrike">
-                          <a:effectLst/>
-                        </a:rPr>
-                        <a:t>14</a:t>
-                      </a:r>
-                      <a:endParaRPr lang="en-US" sz="1000" b="0" i="0" u="none" strike="noStrike">
-                        <a:effectLst/>
-                        <a:latin typeface="Arial" panose="020B0604020202020204" pitchFamily="34" charset="0"/>
-                      </a:endParaRPr>
-                    </a:p>
-                  </a:txBody>
-                  <a:tcPr marL="7620" marR="7620" marT="7620" marB="0" anchor="b"/>
-                </a:tc>
-                <a:tc>
-                  <a:txBody>
-                    <a:bodyPr/>
-                    <a:lstStyle/>
-                    <a:p>
-                      <a:pPr algn="r" fontAlgn="b"/>
-                      <a:r>
-                        <a:rPr lang="en-US" sz="1000" u="none" strike="noStrike">
-                          <a:effectLst/>
-                        </a:rPr>
-                        <a:t>85.96112</a:t>
-                      </a:r>
-                      <a:endParaRPr lang="en-US" sz="1000" b="0" i="0" u="none" strike="noStrike">
-                        <a:effectLst/>
-                        <a:latin typeface="Arial" panose="020B0604020202020204" pitchFamily="34" charset="0"/>
-                      </a:endParaRPr>
-                    </a:p>
-                  </a:txBody>
-                  <a:tcPr marL="7620" marR="7620" marT="7620" marB="0" anchor="b"/>
-                </a:tc>
-                <a:tc>
-                  <a:txBody>
-                    <a:bodyPr/>
-                    <a:lstStyle/>
-                    <a:p>
-                      <a:pPr algn="r" fontAlgn="b"/>
-                      <a:r>
-                        <a:rPr lang="en-US" sz="1000" u="none" strike="noStrike">
-                          <a:effectLst/>
-                        </a:rPr>
-                        <a:t>73.00216</a:t>
-                      </a:r>
-                      <a:endParaRPr lang="en-US" sz="1000" b="0" i="0" u="none" strike="noStrike">
-                        <a:effectLst/>
-                        <a:latin typeface="Arial" panose="020B0604020202020204" pitchFamily="34" charset="0"/>
-                      </a:endParaRPr>
-                    </a:p>
-                  </a:txBody>
-                  <a:tcPr marL="7620" marR="7620" marT="7620" marB="0" anchor="b"/>
-                </a:tc>
-                <a:tc>
-                  <a:txBody>
-                    <a:bodyPr/>
-                    <a:lstStyle/>
-                    <a:p>
-                      <a:pPr algn="r" fontAlgn="b"/>
-                      <a:r>
-                        <a:rPr lang="en-US" sz="1000" u="none" strike="noStrike">
-                          <a:effectLst/>
-                        </a:rPr>
-                        <a:t>63.49892</a:t>
-                      </a:r>
-                      <a:endParaRPr lang="en-US" sz="1000" b="0" i="0" u="none" strike="noStrike">
-                        <a:effectLst/>
-                        <a:latin typeface="Arial" panose="020B0604020202020204" pitchFamily="34" charset="0"/>
-                      </a:endParaRPr>
-                    </a:p>
-                  </a:txBody>
-                  <a:tcPr marL="7620" marR="7620" marT="7620" marB="0" anchor="b"/>
-                </a:tc>
-                <a:extLst>
-                  <a:ext uri="{0D108BD9-81ED-4DB2-BD59-A6C34878D82A}">
-                    <a16:rowId xmlns:a16="http://schemas.microsoft.com/office/drawing/2014/main" val="894521636"/>
-                  </a:ext>
-                </a:extLst>
-              </a:tr>
-              <a:tr h="266700">
-                <a:tc>
-                  <a:txBody>
-                    <a:bodyPr/>
-                    <a:lstStyle/>
-                    <a:p>
-                      <a:pPr algn="r" fontAlgn="b"/>
-                      <a:r>
-                        <a:rPr lang="en-US" sz="1000" u="none" strike="noStrike">
-                          <a:effectLst/>
-                        </a:rPr>
-                        <a:t>15</a:t>
-                      </a:r>
-                      <a:endParaRPr lang="en-US" sz="1000" b="0" i="0" u="none" strike="noStrike">
-                        <a:effectLst/>
-                        <a:latin typeface="Arial" panose="020B0604020202020204" pitchFamily="34" charset="0"/>
-                      </a:endParaRPr>
-                    </a:p>
-                  </a:txBody>
-                  <a:tcPr marL="7620" marR="7620" marT="7620" marB="0" anchor="b"/>
-                </a:tc>
-                <a:tc>
-                  <a:txBody>
-                    <a:bodyPr/>
-                    <a:lstStyle/>
-                    <a:p>
-                      <a:pPr algn="r" fontAlgn="b"/>
-                      <a:r>
-                        <a:rPr lang="en-US" sz="1000" u="none" strike="noStrike">
-                          <a:effectLst/>
-                        </a:rPr>
-                        <a:t>88.12095</a:t>
-                      </a:r>
-                      <a:endParaRPr lang="en-US" sz="1000" b="0" i="0" u="none" strike="noStrike">
-                        <a:effectLst/>
-                        <a:latin typeface="Arial" panose="020B0604020202020204" pitchFamily="34" charset="0"/>
-                      </a:endParaRPr>
-                    </a:p>
-                  </a:txBody>
-                  <a:tcPr marL="7620" marR="7620" marT="7620" marB="0" anchor="b"/>
-                </a:tc>
-                <a:tc>
-                  <a:txBody>
-                    <a:bodyPr/>
-                    <a:lstStyle/>
-                    <a:p>
-                      <a:pPr algn="r" fontAlgn="b"/>
-                      <a:r>
-                        <a:rPr lang="en-US" sz="1000" u="none" strike="noStrike">
-                          <a:effectLst/>
-                        </a:rPr>
-                        <a:t>74.946</a:t>
-                      </a:r>
-                      <a:endParaRPr lang="en-US" sz="1000" b="0" i="0" u="none" strike="noStrike">
-                        <a:effectLst/>
-                        <a:latin typeface="Arial" panose="020B0604020202020204" pitchFamily="34" charset="0"/>
-                      </a:endParaRPr>
-                    </a:p>
-                  </a:txBody>
-                  <a:tcPr marL="7620" marR="7620" marT="7620" marB="0" anchor="b"/>
-                </a:tc>
-                <a:tc>
-                  <a:txBody>
-                    <a:bodyPr/>
-                    <a:lstStyle/>
-                    <a:p>
-                      <a:pPr algn="r" fontAlgn="b"/>
-                      <a:r>
-                        <a:rPr lang="en-US" sz="1000" u="none" strike="noStrike" dirty="0">
-                          <a:effectLst/>
-                        </a:rPr>
-                        <a:t>62.20302</a:t>
-                      </a:r>
-                      <a:endParaRPr lang="en-US" sz="1000" b="0" i="0" u="none" strike="noStrike" dirty="0">
-                        <a:effectLst/>
-                        <a:latin typeface="Arial" panose="020B0604020202020204" pitchFamily="34" charset="0"/>
-                      </a:endParaRPr>
-                    </a:p>
-                  </a:txBody>
-                  <a:tcPr marL="7620" marR="7620" marT="7620" marB="0" anchor="b"/>
-                </a:tc>
-                <a:extLst>
-                  <a:ext uri="{0D108BD9-81ED-4DB2-BD59-A6C34878D82A}">
-                    <a16:rowId xmlns:a16="http://schemas.microsoft.com/office/drawing/2014/main" val="1245652568"/>
+                    <a16:rowId xmlns:a16="http://schemas.microsoft.com/office/drawing/2014/main" val="10004"/>
                   </a:ext>
                 </a:extLst>
               </a:tr>
@@ -10469,34 +11328,490 @@
           </a:graphicData>
         </a:graphic>
       </p:graphicFrame>
-      <p:graphicFrame>
-        <p:nvGraphicFramePr>
-          <p:cNvPr id="6" name="Chart 5"/>
-          <p:cNvGraphicFramePr>
-            <a:graphicFrameLocks/>
-          </p:cNvGraphicFramePr>
+      <mc:AlternateContent xmlns:mc="http://schemas.openxmlformats.org/markup-compatibility/2006">
+        <mc:Choice xmlns:a14="http://schemas.microsoft.com/office/drawing/2010/main" Requires="a14">
+          <p:sp>
+            <p:nvSpPr>
+              <p:cNvPr id="5" name="Rectangle 4">
+                <a:extLst>
+                  <a:ext uri="{FF2B5EF4-FFF2-40B4-BE49-F238E27FC236}">
+                    <a16:creationId xmlns:a16="http://schemas.microsoft.com/office/drawing/2014/main" id="{348788C7-FC26-4D6A-AF5A-58D5E8E7149F}"/>
+                  </a:ext>
+                </a:extLst>
+              </p:cNvPr>
+              <p:cNvSpPr/>
+              <p:nvPr/>
+            </p:nvSpPr>
+            <p:spPr>
+              <a:xfrm>
+                <a:off x="1446212" y="1473200"/>
+                <a:ext cx="9296400" cy="1348061"/>
+              </a:xfrm>
+              <a:prstGeom prst="rect">
+                <a:avLst/>
+              </a:prstGeom>
+            </p:spPr>
+            <p:txBody>
+              <a:bodyPr wrap="square">
+                <a:spAutoFit/>
+              </a:bodyPr>
+              <a:lstStyle/>
+              <a:p>
+                <a:pPr lvl="2" eaLnBrk="0" fontAlgn="base" hangingPunct="0">
+                  <a:spcBef>
+                    <a:spcPct val="20000"/>
+                  </a:spcBef>
+                  <a:spcAft>
+                    <a:spcPct val="0"/>
+                  </a:spcAft>
+                </a:pPr>
+                <a:r>
+                  <a:rPr lang="en-US" altLang="vi-VN" dirty="0" smtClean="0">
+                    <a:solidFill>
+                      <a:srgbClr val="000066"/>
+                    </a:solidFill>
+                    <a:latin typeface="Times New Roman" panose="02020603050405020304" pitchFamily="18" charset="0"/>
+                    <a:cs typeface="Times New Roman" panose="02020603050405020304" pitchFamily="18" charset="0"/>
+                  </a:rPr>
+                  <a:t> Info(</a:t>
+                </a:r>
+                <a:r>
+                  <a:rPr lang="en-US" altLang="vi-VN" dirty="0" err="1">
+                    <a:solidFill>
+                      <a:srgbClr val="000066"/>
+                    </a:solidFill>
+                    <a:latin typeface="Times New Roman" panose="02020603050405020304" pitchFamily="18" charset="0"/>
+                    <a:cs typeface="Times New Roman" panose="02020603050405020304" pitchFamily="18" charset="0"/>
+                  </a:rPr>
+                  <a:t>Score_A</a:t>
+                </a:r>
+                <a:r>
+                  <a:rPr lang="en-US" altLang="vi-VN" dirty="0">
+                    <a:solidFill>
+                      <a:srgbClr val="000066"/>
+                    </a:solidFill>
+                    <a:latin typeface="Times New Roman" panose="02020603050405020304" pitchFamily="18" charset="0"/>
+                    <a:cs typeface="Times New Roman" panose="02020603050405020304" pitchFamily="18" charset="0"/>
+                  </a:rPr>
+                  <a:t>) = entropy(p</a:t>
+                </a:r>
+                <a:r>
+                  <a:rPr lang="en-US" altLang="vi-VN" baseline="-25000" dirty="0">
+                    <a:solidFill>
+                      <a:srgbClr val="000066"/>
+                    </a:solidFill>
+                    <a:latin typeface="Times New Roman" panose="02020603050405020304" pitchFamily="18" charset="0"/>
+                    <a:cs typeface="Times New Roman" panose="02020603050405020304" pitchFamily="18" charset="0"/>
+                  </a:rPr>
+                  <a:t>1</a:t>
+                </a:r>
+                <a:r>
+                  <a:rPr lang="en-US" altLang="vi-VN" dirty="0">
+                    <a:solidFill>
+                      <a:srgbClr val="000066"/>
+                    </a:solidFill>
+                    <a:latin typeface="Times New Roman" panose="02020603050405020304" pitchFamily="18" charset="0"/>
+                    <a:cs typeface="Times New Roman" panose="02020603050405020304" pitchFamily="18" charset="0"/>
+                  </a:rPr>
+                  <a:t>, p</a:t>
+                </a:r>
+                <a:r>
+                  <a:rPr lang="en-US" altLang="vi-VN" baseline="-25000" dirty="0">
+                    <a:solidFill>
+                      <a:srgbClr val="000066"/>
+                    </a:solidFill>
+                    <a:latin typeface="Times New Roman" panose="02020603050405020304" pitchFamily="18" charset="0"/>
+                    <a:cs typeface="Times New Roman" panose="02020603050405020304" pitchFamily="18" charset="0"/>
+                  </a:rPr>
+                  <a:t>2</a:t>
+                </a:r>
+                <a:r>
+                  <a:rPr lang="en-US" altLang="vi-VN" dirty="0">
+                    <a:solidFill>
+                      <a:srgbClr val="000066"/>
+                    </a:solidFill>
+                    <a:latin typeface="Times New Roman" panose="02020603050405020304" pitchFamily="18" charset="0"/>
+                    <a:cs typeface="Times New Roman" panose="02020603050405020304" pitchFamily="18" charset="0"/>
+                  </a:rPr>
+                  <a:t>,…, </a:t>
+                </a:r>
+                <a:r>
+                  <a:rPr lang="en-US" altLang="vi-VN" dirty="0" err="1">
+                    <a:solidFill>
+                      <a:srgbClr val="000066"/>
+                    </a:solidFill>
+                    <a:latin typeface="Times New Roman" panose="02020603050405020304" pitchFamily="18" charset="0"/>
+                    <a:cs typeface="Times New Roman" panose="02020603050405020304" pitchFamily="18" charset="0"/>
+                  </a:rPr>
+                  <a:t>p</a:t>
+                </a:r>
+                <a:r>
+                  <a:rPr lang="en-US" altLang="vi-VN" baseline="-25000" dirty="0" err="1">
+                    <a:solidFill>
+                      <a:srgbClr val="000066"/>
+                    </a:solidFill>
+                    <a:latin typeface="Times New Roman" panose="02020603050405020304" pitchFamily="18" charset="0"/>
+                    <a:cs typeface="Times New Roman" panose="02020603050405020304" pitchFamily="18" charset="0"/>
+                  </a:rPr>
+                  <a:t>n</a:t>
+                </a:r>
+                <a:r>
+                  <a:rPr lang="en-US" altLang="vi-VN" dirty="0">
+                    <a:solidFill>
+                      <a:srgbClr val="000066"/>
+                    </a:solidFill>
+                    <a:latin typeface="Times New Roman" panose="02020603050405020304" pitchFamily="18" charset="0"/>
+                    <a:cs typeface="Times New Roman" panose="02020603050405020304" pitchFamily="18" charset="0"/>
+                  </a:rPr>
+                  <a:t> ) </a:t>
+                </a:r>
+              </a:p>
+              <a:p>
+                <a:pPr lvl="2" eaLnBrk="0" fontAlgn="base" hangingPunct="0">
+                  <a:spcBef>
+                    <a:spcPct val="20000"/>
+                  </a:spcBef>
+                  <a:spcAft>
+                    <a:spcPct val="0"/>
+                  </a:spcAft>
+                </a:pPr>
+                <a:r>
+                  <a:rPr lang="en-US" altLang="vi-VN" dirty="0">
+                    <a:solidFill>
+                      <a:srgbClr val="000066"/>
+                    </a:solidFill>
+                    <a:latin typeface="Times New Roman" panose="02020603050405020304" pitchFamily="18" charset="0"/>
+                    <a:cs typeface="Times New Roman" panose="02020603050405020304" pitchFamily="18" charset="0"/>
+                  </a:rPr>
+                  <a:t>	       = − p</a:t>
+                </a:r>
+                <a:r>
+                  <a:rPr lang="en-US" altLang="vi-VN" baseline="-25000" dirty="0">
+                    <a:solidFill>
+                      <a:srgbClr val="000066"/>
+                    </a:solidFill>
+                    <a:latin typeface="Times New Roman" panose="02020603050405020304" pitchFamily="18" charset="0"/>
+                    <a:cs typeface="Times New Roman" panose="02020603050405020304" pitchFamily="18" charset="0"/>
+                  </a:rPr>
+                  <a:t>1</a:t>
+                </a:r>
+                <a:r>
+                  <a:rPr lang="en-US" altLang="vi-VN" dirty="0">
+                    <a:solidFill>
+                      <a:srgbClr val="000066"/>
+                    </a:solidFill>
+                    <a:latin typeface="Times New Roman" panose="02020603050405020304" pitchFamily="18" charset="0"/>
+                    <a:cs typeface="Times New Roman" panose="02020603050405020304" pitchFamily="18" charset="0"/>
+                  </a:rPr>
+                  <a:t>log p</a:t>
+                </a:r>
+                <a:r>
+                  <a:rPr lang="en-US" altLang="vi-VN" baseline="-25000" dirty="0">
+                    <a:solidFill>
+                      <a:srgbClr val="000066"/>
+                    </a:solidFill>
+                    <a:latin typeface="Times New Roman" panose="02020603050405020304" pitchFamily="18" charset="0"/>
+                    <a:cs typeface="Times New Roman" panose="02020603050405020304" pitchFamily="18" charset="0"/>
+                  </a:rPr>
+                  <a:t>1</a:t>
+                </a:r>
+                <a:r>
+                  <a:rPr lang="en-US" altLang="vi-VN" dirty="0">
+                    <a:solidFill>
+                      <a:srgbClr val="000066"/>
+                    </a:solidFill>
+                    <a:latin typeface="Times New Roman" panose="02020603050405020304" pitchFamily="18" charset="0"/>
+                    <a:cs typeface="Times New Roman" panose="02020603050405020304" pitchFamily="18" charset="0"/>
+                  </a:rPr>
+                  <a:t> – p</a:t>
+                </a:r>
+                <a:r>
+                  <a:rPr lang="en-US" altLang="vi-VN" baseline="-25000" dirty="0">
+                    <a:solidFill>
+                      <a:srgbClr val="000066"/>
+                    </a:solidFill>
+                    <a:latin typeface="Times New Roman" panose="02020603050405020304" pitchFamily="18" charset="0"/>
+                    <a:cs typeface="Times New Roman" panose="02020603050405020304" pitchFamily="18" charset="0"/>
+                  </a:rPr>
+                  <a:t>2</a:t>
+                </a:r>
+                <a:r>
+                  <a:rPr lang="en-US" altLang="vi-VN" dirty="0">
+                    <a:solidFill>
+                      <a:srgbClr val="000066"/>
+                    </a:solidFill>
+                    <a:latin typeface="Times New Roman" panose="02020603050405020304" pitchFamily="18" charset="0"/>
+                    <a:cs typeface="Times New Roman" panose="02020603050405020304" pitchFamily="18" charset="0"/>
+                  </a:rPr>
+                  <a:t>log p</a:t>
+                </a:r>
+                <a:r>
+                  <a:rPr lang="en-US" altLang="vi-VN" baseline="-25000" dirty="0">
+                    <a:solidFill>
+                      <a:srgbClr val="000066"/>
+                    </a:solidFill>
+                    <a:latin typeface="Times New Roman" panose="02020603050405020304" pitchFamily="18" charset="0"/>
+                    <a:cs typeface="Times New Roman" panose="02020603050405020304" pitchFamily="18" charset="0"/>
+                  </a:rPr>
+                  <a:t>2</a:t>
+                </a:r>
+                <a:r>
+                  <a:rPr lang="en-US" altLang="vi-VN" dirty="0">
+                    <a:solidFill>
+                      <a:srgbClr val="000066"/>
+                    </a:solidFill>
+                    <a:latin typeface="Times New Roman" panose="02020603050405020304" pitchFamily="18" charset="0"/>
+                    <a:cs typeface="Times New Roman" panose="02020603050405020304" pitchFamily="18" charset="0"/>
+                  </a:rPr>
+                  <a:t>…− </a:t>
+                </a:r>
+                <a:r>
+                  <a:rPr lang="en-US" altLang="vi-VN" dirty="0" err="1">
+                    <a:solidFill>
+                      <a:srgbClr val="000066"/>
+                    </a:solidFill>
+                    <a:latin typeface="Times New Roman" panose="02020603050405020304" pitchFamily="18" charset="0"/>
+                    <a:cs typeface="Times New Roman" panose="02020603050405020304" pitchFamily="18" charset="0"/>
+                  </a:rPr>
+                  <a:t>p</a:t>
+                </a:r>
+                <a:r>
+                  <a:rPr lang="en-US" altLang="vi-VN" baseline="-25000" dirty="0" err="1">
+                    <a:solidFill>
+                      <a:srgbClr val="000066"/>
+                    </a:solidFill>
+                    <a:latin typeface="Times New Roman" panose="02020603050405020304" pitchFamily="18" charset="0"/>
+                    <a:cs typeface="Times New Roman" panose="02020603050405020304" pitchFamily="18" charset="0"/>
+                  </a:rPr>
+                  <a:t>n</a:t>
+                </a:r>
+                <a:r>
+                  <a:rPr lang="en-US" altLang="vi-VN" dirty="0" err="1">
+                    <a:solidFill>
+                      <a:srgbClr val="000066"/>
+                    </a:solidFill>
+                    <a:latin typeface="Times New Roman" panose="02020603050405020304" pitchFamily="18" charset="0"/>
+                    <a:cs typeface="Times New Roman" panose="02020603050405020304" pitchFamily="18" charset="0"/>
+                  </a:rPr>
+                  <a:t>log</a:t>
+                </a:r>
+                <a:r>
+                  <a:rPr lang="en-US" altLang="vi-VN" dirty="0">
+                    <a:solidFill>
+                      <a:srgbClr val="000066"/>
+                    </a:solidFill>
+                    <a:latin typeface="Times New Roman" panose="02020603050405020304" pitchFamily="18" charset="0"/>
+                    <a:cs typeface="Times New Roman" panose="02020603050405020304" pitchFamily="18" charset="0"/>
+                  </a:rPr>
+                  <a:t> </a:t>
+                </a:r>
+                <a:r>
+                  <a:rPr lang="en-US" altLang="vi-VN" dirty="0" err="1">
+                    <a:solidFill>
+                      <a:srgbClr val="000066"/>
+                    </a:solidFill>
+                    <a:latin typeface="Times New Roman" panose="02020603050405020304" pitchFamily="18" charset="0"/>
+                    <a:cs typeface="Times New Roman" panose="02020603050405020304" pitchFamily="18" charset="0"/>
+                  </a:rPr>
+                  <a:t>p</a:t>
+                </a:r>
+                <a:r>
+                  <a:rPr lang="en-US" altLang="vi-VN" baseline="-25000" dirty="0" err="1">
+                    <a:solidFill>
+                      <a:srgbClr val="000066"/>
+                    </a:solidFill>
+                    <a:latin typeface="Times New Roman" panose="02020603050405020304" pitchFamily="18" charset="0"/>
+                    <a:cs typeface="Times New Roman" panose="02020603050405020304" pitchFamily="18" charset="0"/>
+                  </a:rPr>
+                  <a:t>n</a:t>
+                </a:r>
+                <a:endParaRPr lang="en-US" altLang="vi-VN" dirty="0">
+                  <a:solidFill>
+                    <a:srgbClr val="000066"/>
+                  </a:solidFill>
+                  <a:latin typeface="Times New Roman" panose="02020603050405020304" pitchFamily="18" charset="0"/>
+                  <a:cs typeface="Times New Roman" panose="02020603050405020304" pitchFamily="18" charset="0"/>
+                </a:endParaRPr>
+              </a:p>
+              <a:p>
+                <a:pPr lvl="2" eaLnBrk="0" fontAlgn="base" hangingPunct="0">
+                  <a:spcBef>
+                    <a:spcPct val="20000"/>
+                  </a:spcBef>
+                  <a:spcAft>
+                    <a:spcPct val="0"/>
+                  </a:spcAft>
+                </a:pPr>
+                <a:r>
+                  <a:rPr lang="en-US" altLang="vi-VN" dirty="0">
+                    <a:solidFill>
+                      <a:srgbClr val="000066"/>
+                    </a:solidFill>
+                    <a:latin typeface="Times New Roman" panose="02020603050405020304" pitchFamily="18" charset="0"/>
+                    <a:cs typeface="Times New Roman" panose="02020603050405020304" pitchFamily="18" charset="0"/>
+                  </a:rPr>
+                  <a:t>             </a:t>
+                </a:r>
+                <a:r>
+                  <a:rPr lang="en-US" altLang="vi-VN" dirty="0" smtClean="0">
+                    <a:solidFill>
+                      <a:srgbClr val="000066"/>
+                    </a:solidFill>
+                    <a:latin typeface="Times New Roman" panose="02020603050405020304" pitchFamily="18" charset="0"/>
+                    <a:cs typeface="Times New Roman" panose="02020603050405020304" pitchFamily="18" charset="0"/>
+                  </a:rPr>
+                  <a:t>	</a:t>
+                </a:r>
+                <a14:m>
+                  <m:oMath xmlns:m="http://schemas.openxmlformats.org/officeDocument/2006/math">
+                    <m:r>
+                      <a:rPr lang="en-US" altLang="vi-VN" i="1">
+                        <a:solidFill>
+                          <a:srgbClr val="000066"/>
+                        </a:solidFill>
+                        <a:latin typeface="Cambria Math"/>
+                        <a:cs typeface="Times New Roman" panose="02020603050405020304" pitchFamily="18" charset="0"/>
+                      </a:rPr>
+                      <m:t>=</m:t>
+                    </m:r>
+                    <m:r>
+                      <a:rPr lang="en-US" altLang="vi-VN" b="0" i="1" smtClean="0">
+                        <a:solidFill>
+                          <a:srgbClr val="000066"/>
+                        </a:solidFill>
+                        <a:latin typeface="Cambria Math" panose="02040503050406030204" pitchFamily="18" charset="0"/>
+                        <a:cs typeface="Times New Roman" panose="02020603050405020304" pitchFamily="18" charset="0"/>
+                      </a:rPr>
+                      <m:t>0.</m:t>
+                    </m:r>
+                    <m:r>
+                      <a:rPr lang="en-US" altLang="vi-VN" b="0" i="1" smtClean="0">
+                        <a:solidFill>
+                          <a:srgbClr val="000066"/>
+                        </a:solidFill>
+                        <a:latin typeface="Cambria Math" panose="02040503050406030204" pitchFamily="18" charset="0"/>
+                        <a:cs typeface="Times New Roman" panose="02020603050405020304" pitchFamily="18" charset="0"/>
+                      </a:rPr>
+                      <m:t>244</m:t>
+                    </m:r>
+                    <m:r>
+                      <a:rPr lang="en-US" altLang="vi-VN" i="1">
+                        <a:solidFill>
+                          <a:srgbClr val="000066"/>
+                        </a:solidFill>
+                        <a:latin typeface="Cambria Math" panose="02040503050406030204" pitchFamily="18" charset="0"/>
+                        <a:cs typeface="Times New Roman" panose="02020603050405020304" pitchFamily="18" charset="0"/>
+                      </a:rPr>
+                      <m:t> (</m:t>
+                    </m:r>
+                    <m:r>
+                      <a:rPr lang="en-US" altLang="vi-VN" i="1">
+                        <a:solidFill>
+                          <a:srgbClr val="000066"/>
+                        </a:solidFill>
+                        <a:latin typeface="Cambria Math" panose="02040503050406030204" pitchFamily="18" charset="0"/>
+                        <a:cs typeface="Times New Roman" panose="02020603050405020304" pitchFamily="18" charset="0"/>
+                      </a:rPr>
+                      <m:t>𝑏𝑖𝑡</m:t>
+                    </m:r>
+                    <m:r>
+                      <a:rPr lang="en-US" altLang="vi-VN" i="1">
+                        <a:solidFill>
+                          <a:srgbClr val="000066"/>
+                        </a:solidFill>
+                        <a:latin typeface="Cambria Math" panose="02040503050406030204" pitchFamily="18" charset="0"/>
+                        <a:cs typeface="Times New Roman" panose="02020603050405020304" pitchFamily="18" charset="0"/>
+                      </a:rPr>
+                      <m:t>)</m:t>
+                    </m:r>
+                  </m:oMath>
+                </a14:m>
+                <a:endParaRPr lang="en-US" dirty="0">
+                  <a:latin typeface="Times New Roman" panose="02020603050405020304" pitchFamily="18" charset="0"/>
+                  <a:cs typeface="Times New Roman" panose="02020603050405020304" pitchFamily="18" charset="0"/>
+                </a:endParaRPr>
+              </a:p>
+            </p:txBody>
+          </p:sp>
+        </mc:Choice>
+        <mc:Fallback>
+          <p:sp>
+            <p:nvSpPr>
+              <p:cNvPr id="5" name="Rectangle 4">
+                <a:extLst>
+                  <a:ext uri="{FF2B5EF4-FFF2-40B4-BE49-F238E27FC236}">
+                    <a16:creationId xmlns:a16="http://schemas.microsoft.com/office/drawing/2014/main" id="{348788C7-FC26-4D6A-AF5A-58D5E8E7149F}"/>
+                  </a:ext>
+                </a:extLst>
+              </p:cNvPr>
+              <p:cNvSpPr>
+                <a:spLocks noRot="1" noChangeAspect="1" noMove="1" noResize="1" noEditPoints="1" noAdjustHandles="1" noChangeArrowheads="1" noChangeShapeType="1" noTextEdit="1"/>
+              </p:cNvSpPr>
+              <p:nvPr/>
+            </p:nvSpPr>
+            <p:spPr>
+              <a:xfrm>
+                <a:off x="1446212" y="1473200"/>
+                <a:ext cx="9296400" cy="1348061"/>
+              </a:xfrm>
+              <a:prstGeom prst="rect">
+                <a:avLst/>
+              </a:prstGeom>
+              <a:blipFill>
+                <a:blip r:embed="rId2"/>
+                <a:stretch>
+                  <a:fillRect t="-3620" b="-5882"/>
+                </a:stretch>
+              </a:blipFill>
+            </p:spPr>
+            <p:txBody>
+              <a:bodyPr/>
+              <a:lstStyle/>
+              <a:p>
+                <a:r>
+                  <a:rPr lang="en-US">
+                    <a:noFill/>
+                  </a:rPr>
+                  <a:t> </a:t>
+                </a:r>
+              </a:p>
+            </p:txBody>
+          </p:sp>
+        </mc:Fallback>
+      </mc:AlternateContent>
+      <p:sp>
+        <p:nvSpPr>
+          <p:cNvPr id="3" name="Slide Number Placeholder 2">
+            <a:extLst>
+              <a:ext uri="{FF2B5EF4-FFF2-40B4-BE49-F238E27FC236}">
+                <a16:creationId xmlns:a16="http://schemas.microsoft.com/office/drawing/2014/main" id="{B0ACD305-B582-40EE-B495-E75AC4A85CDF}"/>
+              </a:ext>
+            </a:extLst>
+          </p:cNvPr>
+          <p:cNvSpPr>
+            <a:spLocks noGrp="1"/>
+          </p:cNvSpPr>
           <p:nvPr>
-            <p:extLst>
-              <p:ext uri="{D42A27DB-BD31-4B8C-83A1-F6EECF244321}">
-                <p14:modId xmlns:p14="http://schemas.microsoft.com/office/powerpoint/2010/main" val="4003476672"/>
-              </p:ext>
-            </p:extLst>
+            <p:ph type="sldNum" sz="quarter" idx="12"/>
           </p:nvPr>
-        </p:nvGraphicFramePr>
-        <p:xfrm>
-          <a:off x="5027612" y="2362200"/>
-          <a:ext cx="6096000" cy="2743200"/>
-        </p:xfrm>
-        <a:graphic>
-          <a:graphicData uri="http://schemas.openxmlformats.org/drawingml/2006/chart">
-            <c:chart xmlns:c="http://schemas.openxmlformats.org/drawingml/2006/chart" xmlns:r="http://schemas.openxmlformats.org/officeDocument/2006/relationships" r:id="rId2"/>
-          </a:graphicData>
-        </a:graphic>
-      </p:graphicFrame>
+        </p:nvSpPr>
+        <p:spPr/>
+        <p:txBody>
+          <a:bodyPr/>
+          <a:lstStyle/>
+          <a:p>
+            <a:fld id="{DA60BA0E-20D0-4E7C-B286-26C960A6788F}" type="slidenum">
+              <a:rPr lang="en-US" smtClean="0"/>
+              <a:t>8</a:t>
+            </a:fld>
+            <a:endParaRPr lang="en-US"/>
+          </a:p>
+        </p:txBody>
+      </p:sp>
     </p:spTree>
     <p:extLst>
       <p:ext uri="{BB962C8B-B14F-4D97-AF65-F5344CB8AC3E}">
-        <p14:creationId xmlns:p14="http://schemas.microsoft.com/office/powerpoint/2010/main" val="3120038584"/>
+        <p14:creationId xmlns:p14="http://schemas.microsoft.com/office/powerpoint/2010/main" val="1992796372"/>
       </p:ext>
     </p:extLst>
   </p:cSld>
@@ -10544,12 +11859,12 @@
       </p:grpSpPr>
       <p:sp>
         <p:nvSpPr>
-          <p:cNvPr id="4" name="Date Placeholder 3"/>
+          <p:cNvPr id="2" name="Title 1"/>
           <p:cNvSpPr>
             <a:spLocks noGrp="1"/>
           </p:cNvSpPr>
           <p:nvPr>
-            <p:ph type="dt" sz="half" idx="10"/>
+            <p:ph type="title"/>
           </p:nvPr>
         </p:nvSpPr>
         <p:spPr/>
@@ -10557,17 +11872,23 @@
           <a:bodyPr/>
           <a:lstStyle/>
           <a:p>
-            <a:fld id="{787BC832-0517-43D3-A9AA-45454B62D20B}" type="datetime1">
-              <a:rPr lang="vi-VN" smtClean="0"/>
-              <a:t>18/11/2019</a:t>
-            </a:fld>
-            <a:endParaRPr lang="vi-VN"/>
+            <a:r>
+              <a:rPr lang="en-US" dirty="0" smtClean="0">
+                <a:latin typeface="Times New Roman" panose="02020603050405020304" pitchFamily="18" charset="0"/>
+                <a:cs typeface="Times New Roman" panose="02020603050405020304" pitchFamily="18" charset="0"/>
+              </a:rPr>
+              <a:t>Cây quyết định</a:t>
+            </a:r>
+            <a:endParaRPr lang="en-US" dirty="0">
+              <a:latin typeface="Times New Roman" panose="02020603050405020304" pitchFamily="18" charset="0"/>
+              <a:cs typeface="Times New Roman" panose="02020603050405020304" pitchFamily="18" charset="0"/>
+            </a:endParaRPr>
           </a:p>
         </p:txBody>
       </p:sp>
       <p:sp>
         <p:nvSpPr>
-          <p:cNvPr id="5" name="Slide Number Placeholder 4"/>
+          <p:cNvPr id="4" name="Slide Number Placeholder 3"/>
           <p:cNvSpPr>
             <a:spLocks noGrp="1"/>
           </p:cNvSpPr>
@@ -10580,108 +11901,172 @@
           <a:bodyPr/>
           <a:lstStyle/>
           <a:p>
-            <a:fld id="{847C5AD7-EB0D-40D1-9024-B3C07D5A9841}" type="slidenum">
-              <a:rPr lang="vi-VN" sz="1600"/>
+            <a:fld id="{DA60BA0E-20D0-4E7C-B286-26C960A6788F}" type="slidenum">
+              <a:rPr lang="en-US" smtClean="0"/>
               <a:t>9</a:t>
             </a:fld>
-            <a:endParaRPr lang="vi-VN" sz="1600"/>
+            <a:endParaRPr lang="en-US"/>
           </a:p>
         </p:txBody>
       </p:sp>
-      <p:pic>
-        <p:nvPicPr>
-          <p:cNvPr id="1026" name="Picture 2"/>
-          <p:cNvPicPr>
-            <a:picLocks noChangeAspect="1" noChangeArrowheads="1"/>
-          </p:cNvPicPr>
-          <p:nvPr/>
-        </p:nvPicPr>
-        <p:blipFill>
-          <a:blip r:embed="rId2">
-            <a:extLst>
-              <a:ext uri="{28A0092B-C50C-407E-A947-70E740481C1C}">
-                <a14:useLocalDpi xmlns:a14="http://schemas.microsoft.com/office/drawing/2010/main" val="0"/>
-              </a:ext>
-            </a:extLst>
-          </a:blip>
-          <a:srcRect/>
-          <a:stretch>
-            <a:fillRect/>
-          </a:stretch>
-        </p:blipFill>
-        <p:spPr bwMode="auto">
-          <a:xfrm>
-            <a:off x="1139714" y="2200529"/>
-            <a:ext cx="10204204" cy="1676763"/>
-          </a:xfrm>
-          <a:prstGeom prst="rect">
-            <a:avLst/>
-          </a:prstGeom>
-          <a:noFill/>
-          <a:ln>
-            <a:noFill/>
-          </a:ln>
-          <a:effectLst/>
-          <a:extLst>
-            <a:ext uri="{909E8E84-426E-40DD-AFC4-6F175D3DCCD1}">
-              <a14:hiddenFill xmlns:a14="http://schemas.microsoft.com/office/drawing/2010/main">
-                <a:solidFill>
-                  <a:schemeClr val="accent1"/>
-                </a:solidFill>
-              </a14:hiddenFill>
-            </a:ext>
-            <a:ext uri="{91240B29-F687-4F45-9708-019B960494DF}">
-              <a14:hiddenLine xmlns:a14="http://schemas.microsoft.com/office/drawing/2010/main" w="9525">
-                <a:solidFill>
-                  <a:schemeClr val="tx1"/>
-                </a:solidFill>
-                <a:miter lim="800000"/>
-                <a:headEnd/>
-                <a:tailEnd/>
-              </a14:hiddenLine>
-            </a:ext>
-            <a:ext uri="{AF507438-7753-43E0-B8FC-AC1667EBCBE1}">
-              <a14:hiddenEffects xmlns:a14="http://schemas.microsoft.com/office/drawing/2010/main">
-                <a:effectLst>
-                  <a:outerShdw dist="35921" dir="2700000" algn="ctr" rotWithShape="0">
-                    <a:schemeClr val="bg2"/>
-                  </a:outerShdw>
-                </a:effectLst>
-              </a14:hiddenEffects>
-            </a:ext>
-          </a:extLst>
-        </p:spPr>
-      </p:pic>
       <p:sp>
         <p:nvSpPr>
-          <p:cNvPr id="7" name="Rectangle 6"/>
+          <p:cNvPr id="5" name="Rounded Rectangle 4"/>
           <p:cNvSpPr/>
           <p:nvPr/>
         </p:nvSpPr>
         <p:spPr>
           <a:xfrm>
-            <a:off x="682633" y="1219884"/>
-            <a:ext cx="11118366" cy="659196"/>
+            <a:off x="5389523" y="1676400"/>
+            <a:ext cx="1612926" cy="807719"/>
           </a:xfrm>
-          <a:prstGeom prst="rect">
+          <a:prstGeom prst="roundRect">
             <a:avLst/>
           </a:prstGeom>
-          <a:noFill/>
-          <a:ln>
-            <a:noFill/>
-          </a:ln>
         </p:spPr>
         <p:style>
           <a:lnRef idx="2">
-            <a:schemeClr val="accent1">
+            <a:schemeClr val="dk1"/>
+          </a:lnRef>
+          <a:fillRef idx="1">
+            <a:schemeClr val="lt1"/>
+          </a:fillRef>
+          <a:effectRef idx="0">
+            <a:schemeClr val="dk1"/>
+          </a:effectRef>
+          <a:fontRef idx="minor">
+            <a:schemeClr val="dk1"/>
+          </a:fontRef>
+        </p:style>
+        <p:txBody>
+          <a:bodyPr rtlCol="0" anchor="ctr"/>
+          <a:lstStyle/>
+          <a:p>
+            <a:pPr algn="ctr"/>
+            <a:r>
+              <a:rPr lang="en-US" dirty="0" smtClean="0"/>
+              <a:t>Score_A</a:t>
+            </a:r>
+            <a:endParaRPr lang="en-US" dirty="0"/>
+          </a:p>
+        </p:txBody>
+      </p:sp>
+      <p:sp>
+        <p:nvSpPr>
+          <p:cNvPr id="7" name="Rounded Rectangle 6"/>
+          <p:cNvSpPr/>
+          <p:nvPr/>
+        </p:nvSpPr>
+        <p:spPr>
+          <a:xfrm>
+            <a:off x="5389523" y="4724399"/>
+            <a:ext cx="1447800" cy="807719"/>
+          </a:xfrm>
+          <a:prstGeom prst="roundRect">
+            <a:avLst/>
+          </a:prstGeom>
+        </p:spPr>
+        <p:style>
+          <a:lnRef idx="2">
+            <a:schemeClr val="dk1"/>
+          </a:lnRef>
+          <a:fillRef idx="1">
+            <a:schemeClr val="lt1"/>
+          </a:fillRef>
+          <a:effectRef idx="0">
+            <a:schemeClr val="dk1"/>
+          </a:effectRef>
+          <a:fontRef idx="minor">
+            <a:schemeClr val="dk1"/>
+          </a:fontRef>
+        </p:style>
+        <p:txBody>
+          <a:bodyPr rtlCol="0" anchor="ctr"/>
+          <a:lstStyle/>
+          <a:p>
+            <a:pPr algn="ctr"/>
+            <a:r>
+              <a:rPr lang="en-US" dirty="0" smtClean="0">
+                <a:latin typeface="Times New Roman" panose="02020603050405020304" pitchFamily="18" charset="0"/>
+                <a:cs typeface="Times New Roman" panose="02020603050405020304" pitchFamily="18" charset="0"/>
+              </a:rPr>
+              <a:t>???</a:t>
+            </a:r>
+            <a:endParaRPr lang="en-US" dirty="0">
+              <a:latin typeface="Times New Roman" panose="02020603050405020304" pitchFamily="18" charset="0"/>
+              <a:cs typeface="Times New Roman" panose="02020603050405020304" pitchFamily="18" charset="0"/>
+            </a:endParaRPr>
+          </a:p>
+        </p:txBody>
+      </p:sp>
+      <p:sp>
+        <p:nvSpPr>
+          <p:cNvPr id="8" name="Rounded Rectangle 7"/>
+          <p:cNvSpPr/>
+          <p:nvPr/>
+        </p:nvSpPr>
+        <p:spPr>
+          <a:xfrm>
+            <a:off x="4049819" y="3200400"/>
+            <a:ext cx="1447800" cy="807719"/>
+          </a:xfrm>
+          <a:prstGeom prst="roundRect">
+            <a:avLst/>
+          </a:prstGeom>
+        </p:spPr>
+        <p:style>
+          <a:lnRef idx="2">
+            <a:schemeClr val="dk1"/>
+          </a:lnRef>
+          <a:fillRef idx="1">
+            <a:schemeClr val="lt1"/>
+          </a:fillRef>
+          <a:effectRef idx="0">
+            <a:schemeClr val="dk1"/>
+          </a:effectRef>
+          <a:fontRef idx="minor">
+            <a:schemeClr val="dk1"/>
+          </a:fontRef>
+        </p:style>
+        <p:txBody>
+          <a:bodyPr rtlCol="0" anchor="ctr"/>
+          <a:lstStyle/>
+          <a:p>
+            <a:pPr algn="ctr"/>
+            <a:r>
+              <a:rPr lang="en-US" dirty="0" smtClean="0"/>
+              <a:t>TOTAL</a:t>
+            </a:r>
+            <a:endParaRPr lang="en-US" dirty="0"/>
+          </a:p>
+        </p:txBody>
+      </p:sp>
+      <p:sp>
+        <p:nvSpPr>
+          <p:cNvPr id="9" name="Rounded Rectangle 8"/>
+          <p:cNvSpPr/>
+          <p:nvPr/>
+        </p:nvSpPr>
+        <p:spPr>
+          <a:xfrm>
+            <a:off x="2411396" y="4724399"/>
+            <a:ext cx="1447800" cy="807719"/>
+          </a:xfrm>
+          <a:prstGeom prst="roundRect">
+            <a:avLst/>
+          </a:prstGeom>
+        </p:spPr>
+        <p:style>
+          <a:lnRef idx="2">
+            <a:schemeClr val="accent2">
               <a:shade val="50000"/>
             </a:schemeClr>
           </a:lnRef>
           <a:fillRef idx="1">
-            <a:schemeClr val="accent1"/>
+            <a:schemeClr val="accent2"/>
           </a:fillRef>
           <a:effectRef idx="0">
-            <a:schemeClr val="accent1"/>
+            <a:schemeClr val="accent2"/>
           </a:effectRef>
           <a:fontRef idx="minor">
             <a:schemeClr val="lt1"/>
@@ -10691,518 +12076,41 @@
           <a:bodyPr rtlCol="0" anchor="ctr"/>
           <a:lstStyle/>
           <a:p>
-            <a:r>
-              <a:rPr lang="en-US" sz="2599" b="1" dirty="0">
-                <a:solidFill>
-                  <a:schemeClr val="accent1">
-                    <a:lumMod val="50000"/>
-                  </a:schemeClr>
-                </a:solidFill>
-                <a:latin typeface="Times New Roman" pitchFamily="18" charset="0"/>
-                <a:cs typeface="Times New Roman" pitchFamily="18" charset="0"/>
-              </a:rPr>
-              <a:t>*</a:t>
-            </a:r>
-            <a:r>
-              <a:rPr lang="en-US" sz="2599" b="1" dirty="0" err="1">
-                <a:solidFill>
-                  <a:schemeClr val="accent1">
-                    <a:lumMod val="50000"/>
-                  </a:schemeClr>
-                </a:solidFill>
-                <a:latin typeface="Times New Roman" pitchFamily="18" charset="0"/>
-                <a:cs typeface="Times New Roman" pitchFamily="18" charset="0"/>
-              </a:rPr>
-              <a:t>Tiếp</a:t>
-            </a:r>
-            <a:r>
-              <a:rPr lang="en-US" sz="2599" b="1" dirty="0">
-                <a:solidFill>
-                  <a:schemeClr val="accent1">
-                    <a:lumMod val="50000"/>
-                  </a:schemeClr>
-                </a:solidFill>
-                <a:latin typeface="Times New Roman" pitchFamily="18" charset="0"/>
-                <a:cs typeface="Times New Roman" pitchFamily="18" charset="0"/>
-              </a:rPr>
-              <a:t> </a:t>
-            </a:r>
-            <a:r>
-              <a:rPr lang="en-US" sz="2599" b="1" dirty="0" err="1">
-                <a:solidFill>
-                  <a:schemeClr val="accent1">
-                    <a:lumMod val="50000"/>
-                  </a:schemeClr>
-                </a:solidFill>
-                <a:latin typeface="Times New Roman" pitchFamily="18" charset="0"/>
-                <a:cs typeface="Times New Roman" pitchFamily="18" charset="0"/>
-              </a:rPr>
-              <a:t>tục</a:t>
-            </a:r>
-            <a:r>
-              <a:rPr lang="en-US" sz="2599" b="1" dirty="0">
-                <a:solidFill>
-                  <a:schemeClr val="accent1">
-                    <a:lumMod val="50000"/>
-                  </a:schemeClr>
-                </a:solidFill>
-                <a:latin typeface="Times New Roman" pitchFamily="18" charset="0"/>
-                <a:cs typeface="Times New Roman" pitchFamily="18" charset="0"/>
-              </a:rPr>
-              <a:t> </a:t>
-            </a:r>
-            <a:r>
-              <a:rPr lang="en-US" sz="2599" b="1" dirty="0" err="1">
-                <a:solidFill>
-                  <a:schemeClr val="accent1">
-                    <a:lumMod val="50000"/>
-                  </a:schemeClr>
-                </a:solidFill>
-                <a:latin typeface="Times New Roman" pitchFamily="18" charset="0"/>
-                <a:cs typeface="Times New Roman" pitchFamily="18" charset="0"/>
-              </a:rPr>
-              <a:t>phân</a:t>
-            </a:r>
-            <a:r>
-              <a:rPr lang="en-US" sz="2599" b="1" dirty="0">
-                <a:solidFill>
-                  <a:schemeClr val="accent1">
-                    <a:lumMod val="50000"/>
-                  </a:schemeClr>
-                </a:solidFill>
-                <a:latin typeface="Times New Roman" pitchFamily="18" charset="0"/>
-                <a:cs typeface="Times New Roman" pitchFamily="18" charset="0"/>
-              </a:rPr>
-              <a:t> </a:t>
-            </a:r>
-            <a:r>
-              <a:rPr lang="en-US" sz="2599" b="1" dirty="0" err="1">
-                <a:solidFill>
-                  <a:schemeClr val="accent1">
-                    <a:lumMod val="50000"/>
-                  </a:schemeClr>
-                </a:solidFill>
-                <a:latin typeface="Times New Roman" pitchFamily="18" charset="0"/>
-                <a:cs typeface="Times New Roman" pitchFamily="18" charset="0"/>
-              </a:rPr>
-              <a:t>hoạch</a:t>
-            </a:r>
-            <a:r>
-              <a:rPr lang="en-US" sz="2599" b="1" dirty="0">
-                <a:solidFill>
-                  <a:schemeClr val="accent1">
-                    <a:lumMod val="50000"/>
-                  </a:schemeClr>
-                </a:solidFill>
-                <a:latin typeface="Times New Roman" pitchFamily="18" charset="0"/>
-                <a:cs typeface="Times New Roman" pitchFamily="18" charset="0"/>
-              </a:rPr>
-              <a:t> ở </a:t>
-            </a:r>
-            <a:r>
-              <a:rPr lang="en-US" sz="2599" b="1" dirty="0" err="1">
-                <a:solidFill>
-                  <a:schemeClr val="accent1">
-                    <a:lumMod val="50000"/>
-                  </a:schemeClr>
-                </a:solidFill>
-                <a:latin typeface="Times New Roman" pitchFamily="18" charset="0"/>
-                <a:cs typeface="Times New Roman" pitchFamily="18" charset="0"/>
-              </a:rPr>
-              <a:t>nhánh</a:t>
-            </a:r>
-            <a:r>
-              <a:rPr lang="en-US" sz="2599" b="1" dirty="0">
-                <a:solidFill>
-                  <a:schemeClr val="accent1">
-                    <a:lumMod val="50000"/>
-                  </a:schemeClr>
-                </a:solidFill>
-                <a:latin typeface="Times New Roman" pitchFamily="18" charset="0"/>
-                <a:cs typeface="Times New Roman" pitchFamily="18" charset="0"/>
-              </a:rPr>
-              <a:t> “</a:t>
-            </a:r>
-            <a:r>
-              <a:rPr lang="en-US" sz="2599" b="1" dirty="0" err="1">
-                <a:solidFill>
-                  <a:schemeClr val="accent1">
-                    <a:lumMod val="50000"/>
-                  </a:schemeClr>
-                </a:solidFill>
-                <a:latin typeface="Times New Roman" pitchFamily="18" charset="0"/>
-                <a:cs typeface="Times New Roman" pitchFamily="18" charset="0"/>
-              </a:rPr>
-              <a:t>Loại</a:t>
-            </a:r>
-            <a:r>
-              <a:rPr lang="en-US" sz="2599" b="1" dirty="0">
-                <a:solidFill>
-                  <a:schemeClr val="accent1">
-                    <a:lumMod val="50000"/>
-                  </a:schemeClr>
-                </a:solidFill>
-                <a:latin typeface="Times New Roman" pitchFamily="18" charset="0"/>
-                <a:cs typeface="Times New Roman" pitchFamily="18" charset="0"/>
-              </a:rPr>
-              <a:t> </a:t>
-            </a:r>
-            <a:r>
-              <a:rPr lang="en-US" sz="2599" b="1" dirty="0" err="1">
-                <a:solidFill>
-                  <a:schemeClr val="accent1">
-                    <a:lumMod val="50000"/>
-                  </a:schemeClr>
-                </a:solidFill>
-                <a:latin typeface="Times New Roman" pitchFamily="18" charset="0"/>
-                <a:cs typeface="Times New Roman" pitchFamily="18" charset="0"/>
-              </a:rPr>
-              <a:t>công</a:t>
-            </a:r>
-            <a:r>
-              <a:rPr lang="en-US" sz="2599" b="1" dirty="0">
-                <a:solidFill>
-                  <a:schemeClr val="accent1">
-                    <a:lumMod val="50000"/>
-                  </a:schemeClr>
-                </a:solidFill>
-                <a:latin typeface="Times New Roman" pitchFamily="18" charset="0"/>
-                <a:cs typeface="Times New Roman" pitchFamily="18" charset="0"/>
-              </a:rPr>
-              <a:t> </a:t>
-            </a:r>
-            <a:r>
-              <a:rPr lang="en-US" sz="2599" b="1" dirty="0" err="1">
-                <a:solidFill>
-                  <a:schemeClr val="accent1">
-                    <a:lumMod val="50000"/>
-                  </a:schemeClr>
-                </a:solidFill>
-                <a:latin typeface="Times New Roman" pitchFamily="18" charset="0"/>
-                <a:cs typeface="Times New Roman" pitchFamily="18" charset="0"/>
-              </a:rPr>
-              <a:t>việc</a:t>
-            </a:r>
-            <a:r>
-              <a:rPr lang="en-US" sz="2599" b="1" dirty="0">
-                <a:solidFill>
-                  <a:schemeClr val="accent1">
-                    <a:lumMod val="50000"/>
-                  </a:schemeClr>
-                </a:solidFill>
-                <a:latin typeface="Times New Roman" pitchFamily="18" charset="0"/>
-                <a:cs typeface="Times New Roman" pitchFamily="18" charset="0"/>
-              </a:rPr>
-              <a:t>” = “</a:t>
-            </a:r>
-            <a:r>
-              <a:rPr lang="en-US" sz="2599" b="1" dirty="0" err="1">
-                <a:solidFill>
-                  <a:schemeClr val="accent1">
-                    <a:lumMod val="50000"/>
-                  </a:schemeClr>
-                </a:solidFill>
-                <a:latin typeface="Times New Roman" pitchFamily="18" charset="0"/>
-                <a:cs typeface="Times New Roman" pitchFamily="18" charset="0"/>
-              </a:rPr>
-              <a:t>Chính</a:t>
-            </a:r>
-            <a:r>
-              <a:rPr lang="en-US" sz="2599" b="1" dirty="0">
-                <a:solidFill>
-                  <a:schemeClr val="accent1">
-                    <a:lumMod val="50000"/>
-                  </a:schemeClr>
-                </a:solidFill>
-                <a:latin typeface="Times New Roman" pitchFamily="18" charset="0"/>
-                <a:cs typeface="Times New Roman" pitchFamily="18" charset="0"/>
-              </a:rPr>
-              <a:t> </a:t>
-            </a:r>
-            <a:r>
-              <a:rPr lang="en-US" sz="2599" b="1" dirty="0" err="1">
-                <a:solidFill>
-                  <a:schemeClr val="accent1">
-                    <a:lumMod val="50000"/>
-                  </a:schemeClr>
-                </a:solidFill>
-                <a:latin typeface="Times New Roman" pitchFamily="18" charset="0"/>
-                <a:cs typeface="Times New Roman" pitchFamily="18" charset="0"/>
-              </a:rPr>
-              <a:t>phủ</a:t>
-            </a:r>
-            <a:r>
-              <a:rPr lang="en-US" sz="2599" b="1" dirty="0">
-                <a:solidFill>
-                  <a:schemeClr val="accent1">
-                    <a:lumMod val="50000"/>
-                  </a:schemeClr>
-                </a:solidFill>
-                <a:latin typeface="Times New Roman" pitchFamily="18" charset="0"/>
-                <a:cs typeface="Times New Roman" pitchFamily="18" charset="0"/>
-              </a:rPr>
-              <a:t>”:</a:t>
-            </a:r>
-          </a:p>
-          <a:p>
-            <a:r>
-              <a:rPr lang="en-US" sz="2599" b="1" dirty="0">
-                <a:solidFill>
-                  <a:schemeClr val="accent1">
-                    <a:lumMod val="50000"/>
-                  </a:schemeClr>
-                </a:solidFill>
-                <a:latin typeface="Times New Roman" pitchFamily="18" charset="0"/>
-                <a:cs typeface="Times New Roman" pitchFamily="18" charset="0"/>
-              </a:rPr>
-              <a:t>(</a:t>
-            </a:r>
-            <a:r>
-              <a:rPr lang="en-US" sz="2599" b="1" err="1">
-                <a:solidFill>
-                  <a:schemeClr val="accent1">
-                    <a:lumMod val="50000"/>
-                  </a:schemeClr>
-                </a:solidFill>
-                <a:latin typeface="Times New Roman" pitchFamily="18" charset="0"/>
-                <a:cs typeface="Times New Roman" pitchFamily="18" charset="0"/>
-              </a:rPr>
-              <a:t>vì</a:t>
-            </a:r>
-            <a:r>
-              <a:rPr lang="en-US" sz="2599" b="1">
-                <a:solidFill>
-                  <a:schemeClr val="accent1">
-                    <a:lumMod val="50000"/>
-                  </a:schemeClr>
-                </a:solidFill>
-                <a:latin typeface="Times New Roman" pitchFamily="18" charset="0"/>
-                <a:cs typeface="Times New Roman" pitchFamily="18" charset="0"/>
-              </a:rPr>
-              <a:t> d</a:t>
-            </a:r>
-            <a:r>
-              <a:rPr lang="vi-VN" sz="2599" b="1" dirty="0">
-                <a:solidFill>
-                  <a:schemeClr val="accent1">
-                    <a:lumMod val="50000"/>
-                  </a:schemeClr>
-                </a:solidFill>
-                <a:latin typeface="Times New Roman" pitchFamily="18" charset="0"/>
-                <a:cs typeface="Times New Roman" pitchFamily="18" charset="0"/>
-              </a:rPr>
-              <a:t>ữ</a:t>
-            </a:r>
-            <a:r>
-              <a:rPr lang="en-US" sz="2599" b="1" dirty="0">
-                <a:solidFill>
-                  <a:schemeClr val="accent1">
-                    <a:lumMod val="50000"/>
-                  </a:schemeClr>
-                </a:solidFill>
-                <a:latin typeface="Times New Roman" pitchFamily="18" charset="0"/>
-                <a:cs typeface="Times New Roman" pitchFamily="18" charset="0"/>
-              </a:rPr>
-              <a:t> </a:t>
-            </a:r>
-            <a:r>
-              <a:rPr lang="en-US" sz="2599" b="1" dirty="0" err="1">
-                <a:solidFill>
-                  <a:schemeClr val="accent1">
-                    <a:lumMod val="50000"/>
-                  </a:schemeClr>
-                </a:solidFill>
-                <a:latin typeface="Times New Roman" pitchFamily="18" charset="0"/>
-                <a:cs typeface="Times New Roman" pitchFamily="18" charset="0"/>
-              </a:rPr>
-              <a:t>liệu</a:t>
-            </a:r>
-            <a:r>
-              <a:rPr lang="en-US" sz="2599" b="1" dirty="0">
-                <a:solidFill>
-                  <a:schemeClr val="accent1">
-                    <a:lumMod val="50000"/>
-                  </a:schemeClr>
-                </a:solidFill>
-                <a:latin typeface="Times New Roman" pitchFamily="18" charset="0"/>
-                <a:cs typeface="Times New Roman" pitchFamily="18" charset="0"/>
-              </a:rPr>
-              <a:t> “</a:t>
-            </a:r>
-            <a:r>
-              <a:rPr lang="en-US" sz="2599" b="1" dirty="0" err="1">
-                <a:solidFill>
-                  <a:schemeClr val="accent1">
-                    <a:lumMod val="50000"/>
-                  </a:schemeClr>
-                </a:solidFill>
-                <a:latin typeface="Times New Roman" pitchFamily="18" charset="0"/>
-                <a:cs typeface="Times New Roman" pitchFamily="18" charset="0"/>
-              </a:rPr>
-              <a:t>Chính</a:t>
-            </a:r>
-            <a:r>
-              <a:rPr lang="en-US" sz="2599" b="1" dirty="0">
-                <a:solidFill>
-                  <a:schemeClr val="accent1">
-                    <a:lumMod val="50000"/>
-                  </a:schemeClr>
-                </a:solidFill>
-                <a:latin typeface="Times New Roman" pitchFamily="18" charset="0"/>
-                <a:cs typeface="Times New Roman" pitchFamily="18" charset="0"/>
-              </a:rPr>
-              <a:t> </a:t>
-            </a:r>
-            <a:r>
-              <a:rPr lang="en-US" sz="2599" b="1" dirty="0" err="1">
-                <a:solidFill>
-                  <a:schemeClr val="accent1">
-                    <a:lumMod val="50000"/>
-                  </a:schemeClr>
-                </a:solidFill>
-                <a:latin typeface="Times New Roman" pitchFamily="18" charset="0"/>
-                <a:cs typeface="Times New Roman" pitchFamily="18" charset="0"/>
-              </a:rPr>
-              <a:t>phủ</a:t>
-            </a:r>
-            <a:r>
-              <a:rPr lang="en-US" sz="2599" b="1" dirty="0">
-                <a:solidFill>
-                  <a:schemeClr val="accent1">
-                    <a:lumMod val="50000"/>
-                  </a:schemeClr>
-                </a:solidFill>
-                <a:latin typeface="Times New Roman" pitchFamily="18" charset="0"/>
-                <a:cs typeface="Times New Roman" pitchFamily="18" charset="0"/>
-              </a:rPr>
-              <a:t>” </a:t>
-            </a:r>
-            <a:r>
-              <a:rPr lang="en-US" sz="2599" b="1" dirty="0" err="1">
-                <a:solidFill>
-                  <a:schemeClr val="accent1">
-                    <a:lumMod val="50000"/>
-                  </a:schemeClr>
-                </a:solidFill>
-                <a:latin typeface="Times New Roman" pitchFamily="18" charset="0"/>
-                <a:cs typeface="Times New Roman" pitchFamily="18" charset="0"/>
-              </a:rPr>
-              <a:t>ch</a:t>
-            </a:r>
-            <a:r>
-              <a:rPr lang="vi-VN" sz="2599" b="1" dirty="0">
-                <a:solidFill>
-                  <a:schemeClr val="accent1">
-                    <a:lumMod val="50000"/>
-                  </a:schemeClr>
-                </a:solidFill>
-                <a:latin typeface="Times New Roman" pitchFamily="18" charset="0"/>
-                <a:cs typeface="Times New Roman" pitchFamily="18" charset="0"/>
-              </a:rPr>
-              <a:t>ư</a:t>
-            </a:r>
-            <a:r>
-              <a:rPr lang="en-US" sz="2599" b="1" dirty="0">
-                <a:solidFill>
-                  <a:schemeClr val="accent1">
-                    <a:lumMod val="50000"/>
-                  </a:schemeClr>
-                </a:solidFill>
-                <a:latin typeface="Times New Roman" pitchFamily="18" charset="0"/>
-                <a:cs typeface="Times New Roman" pitchFamily="18" charset="0"/>
-              </a:rPr>
-              <a:t>a </a:t>
-            </a:r>
-            <a:r>
-              <a:rPr lang="en-US" sz="2599" b="1" dirty="0" err="1">
-                <a:solidFill>
-                  <a:schemeClr val="accent1">
-                    <a:lumMod val="50000"/>
-                  </a:schemeClr>
-                </a:solidFill>
-                <a:latin typeface="Times New Roman" pitchFamily="18" charset="0"/>
-                <a:cs typeface="Times New Roman" pitchFamily="18" charset="0"/>
-              </a:rPr>
-              <a:t>thuần</a:t>
-            </a:r>
-            <a:r>
-              <a:rPr lang="en-US" sz="2599" b="1" dirty="0">
-                <a:solidFill>
-                  <a:schemeClr val="accent1">
-                    <a:lumMod val="50000"/>
-                  </a:schemeClr>
-                </a:solidFill>
-                <a:latin typeface="Times New Roman" pitchFamily="18" charset="0"/>
-                <a:cs typeface="Times New Roman" pitchFamily="18" charset="0"/>
-              </a:rPr>
-              <a:t> </a:t>
-            </a:r>
-            <a:r>
-              <a:rPr lang="en-US" sz="2599" b="1" dirty="0" err="1">
-                <a:solidFill>
-                  <a:schemeClr val="accent1">
-                    <a:lumMod val="50000"/>
-                  </a:schemeClr>
-                </a:solidFill>
-                <a:latin typeface="Times New Roman" pitchFamily="18" charset="0"/>
-                <a:cs typeface="Times New Roman" pitchFamily="18" charset="0"/>
-              </a:rPr>
-              <a:t>nhất</a:t>
-            </a:r>
-            <a:r>
-              <a:rPr lang="en-US" sz="2599" b="1" dirty="0">
-                <a:solidFill>
-                  <a:schemeClr val="accent1">
-                    <a:lumMod val="50000"/>
-                  </a:schemeClr>
-                </a:solidFill>
-                <a:latin typeface="Times New Roman" pitchFamily="18" charset="0"/>
-                <a:cs typeface="Times New Roman" pitchFamily="18" charset="0"/>
-              </a:rPr>
-              <a:t>)</a:t>
-            </a:r>
-            <a:endParaRPr lang="en-US" sz="2599" b="1" u="sng" dirty="0">
-              <a:solidFill>
-                <a:schemeClr val="accent1">
-                  <a:lumMod val="50000"/>
-                </a:schemeClr>
-              </a:solidFill>
-              <a:latin typeface="Times New Roman" pitchFamily="18" charset="0"/>
-              <a:cs typeface="Times New Roman" pitchFamily="18" charset="0"/>
-            </a:endParaRPr>
+            <a:pPr algn="ctr"/>
+            <a:r>
+              <a:rPr lang="en-US" dirty="0" smtClean="0"/>
+              <a:t>Risk = 0</a:t>
+            </a:r>
+            <a:endParaRPr lang="en-US" dirty="0"/>
           </a:p>
         </p:txBody>
       </p:sp>
       <p:sp>
         <p:nvSpPr>
-          <p:cNvPr id="8" name="Rectangle 7"/>
+          <p:cNvPr id="10" name="Rounded Rectangle 9"/>
           <p:cNvSpPr/>
           <p:nvPr/>
         </p:nvSpPr>
         <p:spPr>
           <a:xfrm>
-            <a:off x="1745218" y="258521"/>
-            <a:ext cx="9390936" cy="639914"/>
+            <a:off x="7001644" y="3200400"/>
+            <a:ext cx="1447800" cy="807719"/>
           </a:xfrm>
-          <a:prstGeom prst="rect">
+          <a:prstGeom prst="roundRect">
             <a:avLst/>
           </a:prstGeom>
-          <a:noFill/>
-          <a:ln>
-            <a:noFill/>
-          </a:ln>
         </p:spPr>
         <p:style>
           <a:lnRef idx="2">
-            <a:schemeClr val="accent1">
+            <a:schemeClr val="accent2">
               <a:shade val="50000"/>
             </a:schemeClr>
           </a:lnRef>
           <a:fillRef idx="1">
-            <a:schemeClr val="accent1"/>
+            <a:schemeClr val="accent2"/>
           </a:fillRef>
           <a:effectRef idx="0">
-            <a:schemeClr val="accent1"/>
+            <a:schemeClr val="accent2"/>
           </a:effectRef>
           <a:fontRef idx="minor">
             <a:schemeClr val="lt1"/>
@@ -11214,196 +12122,330 @@
           <a:p>
             <a:pPr algn="ctr"/>
             <a:r>
-              <a:rPr lang="en-US" sz="4399" b="1">
-                <a:solidFill>
-                  <a:schemeClr val="accent1">
-                    <a:lumMod val="50000"/>
-                  </a:schemeClr>
-                </a:solidFill>
-                <a:latin typeface="Times New Roman" pitchFamily="18" charset="0"/>
-                <a:cs typeface="Times New Roman" pitchFamily="18" charset="0"/>
-              </a:rPr>
-              <a:t>Phân hoạch</a:t>
-            </a:r>
+              <a:rPr lang="en-US" dirty="0" smtClean="0"/>
+              <a:t>Risk = 1</a:t>
+            </a:r>
+            <a:endParaRPr lang="en-US" dirty="0"/>
           </a:p>
         </p:txBody>
       </p:sp>
-      <p:sp>
-        <p:nvSpPr>
-          <p:cNvPr id="9" name="Rectangle 8"/>
-          <p:cNvSpPr/>
+      <p:cxnSp>
+        <p:nvCxnSpPr>
+          <p:cNvPr id="12" name="Straight Arrow Connector 11"/>
+          <p:cNvCxnSpPr>
+            <a:stCxn id="5" idx="2"/>
+            <a:endCxn id="10" idx="0"/>
+          </p:cNvCxnSpPr>
           <p:nvPr/>
-        </p:nvSpPr>
+        </p:nvCxnSpPr>
         <p:spPr>
           <a:xfrm>
-            <a:off x="485949" y="4037320"/>
-            <a:ext cx="11118366" cy="526231"/>
+            <a:off x="6195986" y="2484119"/>
+            <a:ext cx="1529558" cy="716281"/>
           </a:xfrm>
-          <a:prstGeom prst="rect">
+          <a:prstGeom prst="straightConnector1">
             <a:avLst/>
           </a:prstGeom>
-          <a:noFill/>
           <a:ln>
-            <a:noFill/>
+            <a:tailEnd type="triangle"/>
           </a:ln>
         </p:spPr>
         <p:style>
-          <a:lnRef idx="2">
-            <a:schemeClr val="accent1">
-              <a:shade val="50000"/>
-            </a:schemeClr>
+          <a:lnRef idx="1">
+            <a:schemeClr val="accent1"/>
           </a:lnRef>
-          <a:fillRef idx="1">
+          <a:fillRef idx="0">
             <a:schemeClr val="accent1"/>
           </a:fillRef>
           <a:effectRef idx="0">
             <a:schemeClr val="accent1"/>
           </a:effectRef>
           <a:fontRef idx="minor">
-            <a:schemeClr val="lt1"/>
+            <a:schemeClr val="tx1"/>
           </a:fontRef>
         </p:style>
-        <p:txBody>
-          <a:bodyPr rtlCol="0" anchor="ctr"/>
-          <a:lstStyle/>
-          <a:p>
-            <a:r>
-              <a:rPr lang="en-US" sz="2599" b="1">
-                <a:solidFill>
-                  <a:schemeClr val="accent1">
-                    <a:lumMod val="50000"/>
-                  </a:schemeClr>
-                </a:solidFill>
-                <a:latin typeface="Times New Roman" pitchFamily="18" charset="0"/>
-                <a:cs typeface="Times New Roman" pitchFamily="18" charset="0"/>
-              </a:rPr>
-              <a:t>*Tính Gain và Gini cho các thuộc tính:  </a:t>
-            </a:r>
-            <a:endParaRPr lang="en-US" sz="2599" b="1" u="sng">
-              <a:solidFill>
-                <a:schemeClr val="accent1">
-                  <a:lumMod val="50000"/>
-                </a:schemeClr>
-              </a:solidFill>
-              <a:latin typeface="Times New Roman" pitchFamily="18" charset="0"/>
-              <a:cs typeface="Times New Roman" pitchFamily="18" charset="0"/>
-            </a:endParaRPr>
-          </a:p>
-        </p:txBody>
-      </p:sp>
+      </p:cxnSp>
       <p:sp>
         <p:nvSpPr>
-          <p:cNvPr id="11" name="Rectangle 10"/>
-          <p:cNvSpPr/>
+          <p:cNvPr id="13" name="TextBox 12"/>
+          <p:cNvSpPr txBox="1"/>
           <p:nvPr/>
         </p:nvSpPr>
         <p:spPr>
           <a:xfrm>
-            <a:off x="317552" y="5810084"/>
-            <a:ext cx="11118366" cy="808787"/>
+            <a:off x="7038714" y="2464108"/>
+            <a:ext cx="2637097" cy="461665"/>
           </a:xfrm>
           <a:prstGeom prst="rect">
             <a:avLst/>
           </a:prstGeom>
           <a:noFill/>
+        </p:spPr>
+        <p:txBody>
+          <a:bodyPr wrap="square" rtlCol="0">
+            <a:spAutoFit/>
+          </a:bodyPr>
+          <a:lstStyle/>
+          <a:p>
+            <a:r>
+              <a:rPr lang="en-US" dirty="0" smtClean="0"/>
+              <a:t>Score_A &gt; 0.3</a:t>
+            </a:r>
+            <a:endParaRPr lang="en-US" dirty="0"/>
+          </a:p>
+        </p:txBody>
+      </p:sp>
+      <p:cxnSp>
+        <p:nvCxnSpPr>
+          <p:cNvPr id="18" name="Straight Arrow Connector 17"/>
+          <p:cNvCxnSpPr>
+            <a:stCxn id="5" idx="2"/>
+            <a:endCxn id="8" idx="0"/>
+          </p:cNvCxnSpPr>
+          <p:nvPr/>
+        </p:nvCxnSpPr>
+        <p:spPr>
+          <a:xfrm flipH="1">
+            <a:off x="4773719" y="2484119"/>
+            <a:ext cx="1422267" cy="716281"/>
+          </a:xfrm>
+          <a:prstGeom prst="straightConnector1">
+            <a:avLst/>
+          </a:prstGeom>
           <a:ln>
-            <a:noFill/>
+            <a:tailEnd type="triangle"/>
           </a:ln>
         </p:spPr>
         <p:style>
-          <a:lnRef idx="2">
-            <a:schemeClr val="accent1">
-              <a:shade val="50000"/>
-            </a:schemeClr>
+          <a:lnRef idx="1">
+            <a:schemeClr val="accent1"/>
           </a:lnRef>
-          <a:fillRef idx="1">
+          <a:fillRef idx="0">
             <a:schemeClr val="accent1"/>
           </a:fillRef>
           <a:effectRef idx="0">
             <a:schemeClr val="accent1"/>
           </a:effectRef>
           <a:fontRef idx="minor">
-            <a:schemeClr val="lt1"/>
+            <a:schemeClr val="tx1"/>
           </a:fontRef>
         </p:style>
-        <p:txBody>
-          <a:bodyPr rtlCol="0" anchor="ctr"/>
-          <a:lstStyle/>
-          <a:p>
-            <a:r>
-              <a:rPr lang="en-US" sz="2599" b="1" dirty="0">
-                <a:solidFill>
-                  <a:schemeClr val="accent1">
-                    <a:lumMod val="50000"/>
-                  </a:schemeClr>
-                </a:solidFill>
-                <a:latin typeface="Times New Roman" pitchFamily="18" charset="0"/>
-                <a:cs typeface="Times New Roman" pitchFamily="18" charset="0"/>
-              </a:rPr>
-              <a:t> 		</a:t>
-            </a:r>
-            <a:endParaRPr lang="en-US" sz="2599" b="1" u="sng" dirty="0">
-              <a:solidFill>
-                <a:srgbClr val="FF0000"/>
-              </a:solidFill>
-              <a:latin typeface="Times New Roman" pitchFamily="18" charset="0"/>
-              <a:cs typeface="Times New Roman" pitchFamily="18" charset="0"/>
-            </a:endParaRPr>
-          </a:p>
-        </p:txBody>
-      </p:sp>
-      <p:pic>
-        <p:nvPicPr>
-          <p:cNvPr id="12" name="Picture 11"/>
-          <p:cNvPicPr>
-            <a:picLocks noChangeAspect="1"/>
-          </p:cNvPicPr>
+      </p:cxnSp>
+      <p:sp>
+        <p:nvSpPr>
+          <p:cNvPr id="19" name="TextBox 18"/>
+          <p:cNvSpPr txBox="1"/>
           <p:nvPr/>
-        </p:nvPicPr>
-        <p:blipFill>
-          <a:blip r:embed="rId3"/>
-          <a:stretch>
-            <a:fillRect/>
-          </a:stretch>
-        </p:blipFill>
+        </p:nvSpPr>
         <p:spPr>
           <a:xfrm>
-            <a:off x="0" y="893"/>
-            <a:ext cx="1365266" cy="1218988"/>
+            <a:off x="3155657" y="2541027"/>
+            <a:ext cx="2637097" cy="461665"/>
           </a:xfrm>
           <a:prstGeom prst="rect">
             <a:avLst/>
           </a:prstGeom>
+          <a:noFill/>
         </p:spPr>
-      </p:pic>
-      <p:pic>
-        <p:nvPicPr>
-          <p:cNvPr id="3" name="Picture 2"/>
-          <p:cNvPicPr>
-            <a:picLocks noChangeAspect="1"/>
-          </p:cNvPicPr>
+        <p:txBody>
+          <a:bodyPr wrap="square" rtlCol="0">
+            <a:spAutoFit/>
+          </a:bodyPr>
+          <a:lstStyle/>
+          <a:p>
+            <a:r>
+              <a:rPr lang="en-US" dirty="0" smtClean="0"/>
+              <a:t>Score_A &lt;= 0.3</a:t>
+            </a:r>
+            <a:endParaRPr lang="en-US" dirty="0"/>
+          </a:p>
+        </p:txBody>
+      </p:sp>
+      <p:cxnSp>
+        <p:nvCxnSpPr>
+          <p:cNvPr id="25" name="Straight Arrow Connector 24"/>
+          <p:cNvCxnSpPr>
+            <a:stCxn id="8" idx="2"/>
+            <a:endCxn id="7" idx="0"/>
+          </p:cNvCxnSpPr>
           <p:nvPr/>
-        </p:nvPicPr>
-        <p:blipFill>
-          <a:blip r:embed="rId4"/>
-          <a:stretch>
-            <a:fillRect/>
-          </a:stretch>
-        </p:blipFill>
+        </p:nvCxnSpPr>
         <p:spPr>
           <a:xfrm>
-            <a:off x="1139714" y="4696518"/>
-            <a:ext cx="10204204" cy="1499042"/>
+            <a:off x="4773719" y="4008119"/>
+            <a:ext cx="1339704" cy="716280"/>
+          </a:xfrm>
+          <a:prstGeom prst="straightConnector1">
+            <a:avLst/>
+          </a:prstGeom>
+          <a:ln>
+            <a:tailEnd type="triangle"/>
+          </a:ln>
+        </p:spPr>
+        <p:style>
+          <a:lnRef idx="1">
+            <a:schemeClr val="accent1"/>
+          </a:lnRef>
+          <a:fillRef idx="0">
+            <a:schemeClr val="accent1"/>
+          </a:fillRef>
+          <a:effectRef idx="0">
+            <a:schemeClr val="accent1"/>
+          </a:effectRef>
+          <a:fontRef idx="minor">
+            <a:schemeClr val="tx1"/>
+          </a:fontRef>
+        </p:style>
+      </p:cxnSp>
+      <p:cxnSp>
+        <p:nvCxnSpPr>
+          <p:cNvPr id="27" name="Straight Arrow Connector 26"/>
+          <p:cNvCxnSpPr>
+            <a:stCxn id="8" idx="2"/>
+            <a:endCxn id="9" idx="0"/>
+          </p:cNvCxnSpPr>
+          <p:nvPr/>
+        </p:nvCxnSpPr>
+        <p:spPr>
+          <a:xfrm flipH="1">
+            <a:off x="3135296" y="4008119"/>
+            <a:ext cx="1638423" cy="716280"/>
+          </a:xfrm>
+          <a:prstGeom prst="straightConnector1">
+            <a:avLst/>
+          </a:prstGeom>
+          <a:ln>
+            <a:tailEnd type="triangle"/>
+          </a:ln>
+        </p:spPr>
+        <p:style>
+          <a:lnRef idx="1">
+            <a:schemeClr val="accent1"/>
+          </a:lnRef>
+          <a:fillRef idx="0">
+            <a:schemeClr val="accent1"/>
+          </a:fillRef>
+          <a:effectRef idx="0">
+            <a:schemeClr val="accent1"/>
+          </a:effectRef>
+          <a:fontRef idx="minor">
+            <a:schemeClr val="tx1"/>
+          </a:fontRef>
+        </p:style>
+      </p:cxnSp>
+      <p:sp>
+        <p:nvSpPr>
+          <p:cNvPr id="29" name="TextBox 28"/>
+          <p:cNvSpPr txBox="1"/>
+          <p:nvPr/>
+        </p:nvSpPr>
+        <p:spPr>
+          <a:xfrm>
+            <a:off x="1979258" y="3974994"/>
+            <a:ext cx="2637097" cy="461665"/>
           </a:xfrm>
           <a:prstGeom prst="rect">
             <a:avLst/>
           </a:prstGeom>
+          <a:noFill/>
         </p:spPr>
-      </p:pic>
+        <p:txBody>
+          <a:bodyPr wrap="square" rtlCol="0">
+            <a:spAutoFit/>
+          </a:bodyPr>
+          <a:lstStyle/>
+          <a:p>
+            <a:r>
+              <a:rPr lang="en-US" dirty="0" smtClean="0"/>
+              <a:t>TOTAL &lt;= 1.51</a:t>
+            </a:r>
+            <a:endParaRPr lang="en-US" dirty="0"/>
+          </a:p>
+        </p:txBody>
+      </p:sp>
+      <p:sp>
+        <p:nvSpPr>
+          <p:cNvPr id="30" name="TextBox 29"/>
+          <p:cNvSpPr txBox="1"/>
+          <p:nvPr/>
+        </p:nvSpPr>
+        <p:spPr>
+          <a:xfrm>
+            <a:off x="5497619" y="4069351"/>
+            <a:ext cx="2637097" cy="461665"/>
+          </a:xfrm>
+          <a:prstGeom prst="rect">
+            <a:avLst/>
+          </a:prstGeom>
+          <a:noFill/>
+        </p:spPr>
+        <p:txBody>
+          <a:bodyPr wrap="square" rtlCol="0">
+            <a:spAutoFit/>
+          </a:bodyPr>
+          <a:lstStyle/>
+          <a:p>
+            <a:r>
+              <a:rPr lang="en-US" dirty="0" smtClean="0"/>
+              <a:t>TOTAL &gt; 1.51</a:t>
+            </a:r>
+            <a:endParaRPr lang="en-US" dirty="0"/>
+          </a:p>
+        </p:txBody>
+      </p:sp>
+      <p:sp>
+        <p:nvSpPr>
+          <p:cNvPr id="36" name="TextBox 35"/>
+          <p:cNvSpPr txBox="1"/>
+          <p:nvPr/>
+        </p:nvSpPr>
+        <p:spPr>
+          <a:xfrm>
+            <a:off x="1598612" y="5819858"/>
+            <a:ext cx="9605790" cy="830997"/>
+          </a:xfrm>
+          <a:prstGeom prst="rect">
+            <a:avLst/>
+          </a:prstGeom>
+          <a:noFill/>
+        </p:spPr>
+        <p:txBody>
+          <a:bodyPr wrap="square" rtlCol="0">
+            <a:spAutoFit/>
+          </a:bodyPr>
+          <a:lstStyle/>
+          <a:p>
+            <a:r>
+              <a:rPr lang="en-US" dirty="0" smtClean="0">
+                <a:latin typeface="Times New Roman" panose="02020603050405020304" pitchFamily="18" charset="0"/>
+                <a:cs typeface="Times New Roman" panose="02020603050405020304" pitchFamily="18" charset="0"/>
+              </a:rPr>
+              <a:t>Dự đoán (Trial): Sector_Score = 59.85,  Score_A = 0.2, Score_B = 0.2, TOTAL = 0.01, Money_Value = 0.6 =&gt; </a:t>
+            </a:r>
+            <a:r>
+              <a:rPr lang="en-US" dirty="0" smtClean="0">
+                <a:solidFill>
+                  <a:srgbClr val="FF0000"/>
+                </a:solidFill>
+                <a:latin typeface="Times New Roman" panose="02020603050405020304" pitchFamily="18" charset="0"/>
+                <a:cs typeface="Times New Roman" panose="02020603050405020304" pitchFamily="18" charset="0"/>
+              </a:rPr>
+              <a:t>Risk = 0</a:t>
+            </a:r>
+            <a:endParaRPr lang="en-US" dirty="0">
+              <a:solidFill>
+                <a:srgbClr val="FF0000"/>
+              </a:solidFill>
+              <a:latin typeface="Times New Roman" panose="02020603050405020304" pitchFamily="18" charset="0"/>
+              <a:cs typeface="Times New Roman" panose="02020603050405020304" pitchFamily="18" charset="0"/>
+            </a:endParaRPr>
+          </a:p>
+        </p:txBody>
+      </p:sp>
     </p:spTree>
     <p:extLst>
       <p:ext uri="{BB962C8B-B14F-4D97-AF65-F5344CB8AC3E}">
-        <p14:creationId xmlns:p14="http://schemas.microsoft.com/office/powerpoint/2010/main" val="302262371"/>
+        <p14:creationId xmlns:p14="http://schemas.microsoft.com/office/powerpoint/2010/main" val="3933288056"/>
       </p:ext>
     </p:extLst>
   </p:cSld>
@@ -11422,6 +12464,13 @@
       </p:transition>
     </mc:Fallback>
   </mc:AlternateContent>
+  <p:timing>
+    <p:tnLst>
+      <p:par>
+        <p:cTn id="1" dur="indefinite" restart="never" nodeType="tmRoot"/>
+      </p:par>
+    </p:tnLst>
+  </p:timing>
 </p:sld>
 </file>
 
